--- a/20151202/Einführung20151202.pptx
+++ b/20151202/Einführung20151202.pptx
@@ -5,7 +5,7 @@
     <p:sldMasterId id="2147483648" r:id="rId1"/>
   </p:sldMasterIdLst>
   <p:notesMasterIdLst>
-    <p:notesMasterId r:id="rId20"/>
+    <p:notesMasterId r:id="rId21"/>
   </p:notesMasterIdLst>
   <p:sldIdLst>
     <p:sldId id="256" r:id="rId2"/>
@@ -15,17 +15,18 @@
     <p:sldId id="289" r:id="rId6"/>
     <p:sldId id="275" r:id="rId7"/>
     <p:sldId id="259" r:id="rId8"/>
-    <p:sldId id="291" r:id="rId9"/>
-    <p:sldId id="292" r:id="rId10"/>
-    <p:sldId id="287" r:id="rId11"/>
-    <p:sldId id="285" r:id="rId12"/>
-    <p:sldId id="260" r:id="rId13"/>
-    <p:sldId id="293" r:id="rId14"/>
-    <p:sldId id="261" r:id="rId15"/>
-    <p:sldId id="263" r:id="rId16"/>
-    <p:sldId id="294" r:id="rId17"/>
-    <p:sldId id="267" r:id="rId18"/>
-    <p:sldId id="268" r:id="rId19"/>
+    <p:sldId id="295" r:id="rId9"/>
+    <p:sldId id="291" r:id="rId10"/>
+    <p:sldId id="292" r:id="rId11"/>
+    <p:sldId id="287" r:id="rId12"/>
+    <p:sldId id="285" r:id="rId13"/>
+    <p:sldId id="260" r:id="rId14"/>
+    <p:sldId id="293" r:id="rId15"/>
+    <p:sldId id="261" r:id="rId16"/>
+    <p:sldId id="263" r:id="rId17"/>
+    <p:sldId id="294" r:id="rId18"/>
+    <p:sldId id="267" r:id="rId19"/>
+    <p:sldId id="268" r:id="rId20"/>
   </p:sldIdLst>
   <p:sldSz cx="9144000" cy="6858000" type="screen4x3"/>
   <p:notesSz cx="6858000" cy="9144000"/>
@@ -225,7 +226,7 @@
           <a:p>
             <a:fld id="{8583A242-7230-4070-B2AF-A33EB304C08D}" type="datetimeFigureOut">
               <a:rPr lang="en-US" smtClean="0"/>
-              <a:t>11/23/2015</a:t>
+              <a:t>11/24/2015</a:t>
             </a:fld>
             <a:endParaRPr lang="en-US"/>
           </a:p>
@@ -690,7 +691,7 @@
       </p:grpSpPr>
       <p:sp>
         <p:nvSpPr>
-          <p:cNvPr id="2" name="Folienbildplatzhalter 1"/>
+          <p:cNvPr id="2" name="Slide Image Placeholder 1"/>
           <p:cNvSpPr>
             <a:spLocks noGrp="1" noRot="1" noChangeAspect="1"/>
           </p:cNvSpPr>
@@ -702,7 +703,7 @@
       </p:sp>
       <p:sp>
         <p:nvSpPr>
-          <p:cNvPr id="3" name="Notizenplatzhalter 2"/>
+          <p:cNvPr id="3" name="Notes Placeholder 2"/>
           <p:cNvSpPr>
             <a:spLocks noGrp="1"/>
           </p:cNvSpPr>
@@ -715,21 +716,195 @@
           <a:bodyPr/>
           <a:lstStyle/>
           <a:p>
+            <a:pPr marL="0" marR="0" indent="0" algn="l" defTabSz="914400" rtl="0" eaLnBrk="1" fontAlgn="auto" latinLnBrk="0" hangingPunct="1">
+              <a:lnSpc>
+                <a:spcPct val="100000"/>
+              </a:lnSpc>
+              <a:spcBef>
+                <a:spcPts val="0"/>
+              </a:spcBef>
+              <a:spcAft>
+                <a:spcPts val="0"/>
+              </a:spcAft>
+              <a:buClrTx/>
+              <a:buSzTx/>
+              <a:buFontTx/>
+              <a:buNone/>
+              <a:tabLst/>
+              <a:defRPr/>
+            </a:pPr>
             <a:r>
               <a:rPr lang="de-DE" dirty="0" smtClean="0"/>
-              <a:t>Warum dieses Thema? Weil es überraschend viel</a:t>
+              <a:t>F# ist „</a:t>
+            </a:r>
+            <a:r>
+              <a:rPr lang="de-DE" dirty="0" err="1" smtClean="0"/>
+              <a:t>functional</a:t>
+            </a:r>
+            <a:r>
+              <a:rPr lang="de-DE" dirty="0" smtClean="0"/>
+              <a:t> </a:t>
+            </a:r>
+            <a:r>
+              <a:rPr lang="de-DE" dirty="0" err="1" smtClean="0"/>
+              <a:t>first</a:t>
+            </a:r>
+            <a:r>
+              <a:rPr lang="de-DE" dirty="0" smtClean="0"/>
+              <a:t>“, die Konstrukte der OO Welt stehen mir weiterhin zur</a:t>
             </a:r>
             <a:r>
               <a:rPr lang="de-DE" baseline="0" dirty="0" smtClean="0"/>
-              <a:t> Nutzen brachte und weil es mit DDD gut zusammenpasst</a:t>
-            </a:r>
-            <a:endParaRPr lang="de-DE" dirty="0"/>
+              <a:t> Verfügung in F#.</a:t>
+            </a:r>
+          </a:p>
+          <a:p>
+            <a:pPr marL="0" marR="0" indent="0" algn="l" defTabSz="914400" rtl="0" eaLnBrk="1" fontAlgn="auto" latinLnBrk="0" hangingPunct="1">
+              <a:lnSpc>
+                <a:spcPct val="100000"/>
+              </a:lnSpc>
+              <a:spcBef>
+                <a:spcPts val="0"/>
+              </a:spcBef>
+              <a:spcAft>
+                <a:spcPts val="0"/>
+              </a:spcAft>
+              <a:buClrTx/>
+              <a:buSzTx/>
+              <a:buFontTx/>
+              <a:buNone/>
+              <a:tabLst/>
+              <a:defRPr/>
+            </a:pPr>
+            <a:endParaRPr lang="de-DE" baseline="0" dirty="0" smtClean="0"/>
+          </a:p>
+          <a:p>
+            <a:pPr marL="0" marR="0" indent="0" algn="l" defTabSz="914400" rtl="0" eaLnBrk="1" fontAlgn="auto" latinLnBrk="0" hangingPunct="1">
+              <a:lnSpc>
+                <a:spcPct val="100000"/>
+              </a:lnSpc>
+              <a:spcBef>
+                <a:spcPts val="0"/>
+              </a:spcBef>
+              <a:spcAft>
+                <a:spcPts val="0"/>
+              </a:spcAft>
+              <a:buClrTx/>
+              <a:buSzTx/>
+              <a:buFontTx/>
+              <a:buNone/>
+              <a:tabLst/>
+              <a:defRPr/>
+            </a:pPr>
+            <a:r>
+              <a:rPr lang="de-DE" baseline="0" dirty="0" smtClean="0"/>
+              <a:t>Stärker betonen, dass (sobald funktionale Konstrukte in der Sprache bereitstehen), diese den Code vereinfachen können</a:t>
+            </a:r>
+          </a:p>
+          <a:p>
+            <a:pPr marL="0" marR="0" indent="0" algn="l" defTabSz="914400" rtl="0" eaLnBrk="1" fontAlgn="auto" latinLnBrk="0" hangingPunct="1">
+              <a:lnSpc>
+                <a:spcPct val="100000"/>
+              </a:lnSpc>
+              <a:spcBef>
+                <a:spcPts val="0"/>
+              </a:spcBef>
+              <a:spcAft>
+                <a:spcPts val="0"/>
+              </a:spcAft>
+              <a:buClrTx/>
+              <a:buSzTx/>
+              <a:buFontTx/>
+              <a:buNone/>
+              <a:tabLst/>
+              <a:defRPr/>
+            </a:pPr>
+            <a:endParaRPr lang="de-DE" baseline="0" dirty="0" smtClean="0"/>
+          </a:p>
+          <a:p>
+            <a:pPr marL="0" marR="0" indent="0" algn="l" defTabSz="914400" rtl="0" eaLnBrk="1" fontAlgn="auto" latinLnBrk="0" hangingPunct="1">
+              <a:lnSpc>
+                <a:spcPct val="100000"/>
+              </a:lnSpc>
+              <a:spcBef>
+                <a:spcPts val="0"/>
+              </a:spcBef>
+              <a:spcAft>
+                <a:spcPts val="0"/>
+              </a:spcAft>
+              <a:buClrTx/>
+              <a:buSzTx/>
+              <a:buFontTx/>
+              <a:buNone/>
+              <a:tabLst/>
+              <a:defRPr/>
+            </a:pPr>
+            <a:r>
+              <a:rPr lang="de-DE" baseline="0" dirty="0" smtClean="0"/>
+              <a:t>Direkt die Frage beantworten – Warum FP? -&gt; </a:t>
+            </a:r>
+            <a:r>
+              <a:rPr lang="de-DE" baseline="0" dirty="0" err="1" smtClean="0"/>
+              <a:t>Immutability</a:t>
+            </a:r>
+            <a:r>
+              <a:rPr lang="de-DE" baseline="0" dirty="0" smtClean="0"/>
+              <a:t>, Making invalid </a:t>
+            </a:r>
+            <a:r>
+              <a:rPr lang="de-DE" baseline="0" dirty="0" err="1" smtClean="0"/>
+              <a:t>state</a:t>
+            </a:r>
+            <a:r>
+              <a:rPr lang="de-DE" baseline="0" dirty="0" smtClean="0"/>
+              <a:t> </a:t>
+            </a:r>
+            <a:r>
+              <a:rPr lang="de-DE" baseline="0" dirty="0" err="1" smtClean="0"/>
+              <a:t>un-representable</a:t>
+            </a:r>
+            <a:r>
+              <a:rPr lang="de-DE" baseline="0" dirty="0" smtClean="0"/>
+              <a:t> (Muss ich mir für das Beispiel mit DDD aufheben!), high-oder </a:t>
+            </a:r>
+            <a:r>
+              <a:rPr lang="de-DE" baseline="0" dirty="0" err="1" smtClean="0"/>
+              <a:t>functions</a:t>
+            </a:r>
+            <a:r>
+              <a:rPr lang="de-DE" baseline="0" dirty="0" smtClean="0"/>
+              <a:t>, …</a:t>
+            </a:r>
+            <a:endParaRPr lang="en-US" dirty="0" smtClean="0"/>
+          </a:p>
+          <a:p>
+            <a:pPr marL="0" marR="0" indent="0" algn="l" defTabSz="914400" rtl="0" eaLnBrk="1" fontAlgn="auto" latinLnBrk="0" hangingPunct="1">
+              <a:lnSpc>
+                <a:spcPct val="100000"/>
+              </a:lnSpc>
+              <a:spcBef>
+                <a:spcPts val="0"/>
+              </a:spcBef>
+              <a:spcAft>
+                <a:spcPts val="0"/>
+              </a:spcAft>
+              <a:buClrTx/>
+              <a:buSzTx/>
+              <a:buFontTx/>
+              <a:buNone/>
+              <a:tabLst/>
+              <a:defRPr/>
+            </a:pPr>
+            <a:endParaRPr lang="de-DE" baseline="0" dirty="0" smtClean="0"/>
+          </a:p>
+          <a:p>
+            <a:endParaRPr lang="en-US" dirty="0"/>
           </a:p>
         </p:txBody>
       </p:sp>
       <p:sp>
         <p:nvSpPr>
-          <p:cNvPr id="4" name="Foliennummernplatzhalter 3"/>
+          <p:cNvPr id="4" name="Slide Number Placeholder 3"/>
           <p:cNvSpPr>
             <a:spLocks noGrp="1"/>
           </p:cNvSpPr>
@@ -753,7 +928,7 @@
     </p:spTree>
     <p:extLst>
       <p:ext uri="{BB962C8B-B14F-4D97-AF65-F5344CB8AC3E}">
-        <p14:creationId xmlns:p14="http://schemas.microsoft.com/office/powerpoint/2010/main" val="3022985809"/>
+        <p14:creationId xmlns:p14="http://schemas.microsoft.com/office/powerpoint/2010/main" val="3358926703"/>
       </p:ext>
     </p:extLst>
   </p:cSld>
@@ -782,7 +957,7 @@
       </p:grpSpPr>
       <p:sp>
         <p:nvSpPr>
-          <p:cNvPr id="2" name="Slide Image Placeholder 1"/>
+          <p:cNvPr id="2" name="Folienbildplatzhalter 1"/>
           <p:cNvSpPr>
             <a:spLocks noGrp="1" noRot="1" noChangeAspect="1"/>
           </p:cNvSpPr>
@@ -794,7 +969,7 @@
       </p:sp>
       <p:sp>
         <p:nvSpPr>
-          <p:cNvPr id="3" name="Notes Placeholder 2"/>
+          <p:cNvPr id="3" name="Notizenplatzhalter 2"/>
           <p:cNvSpPr>
             <a:spLocks noGrp="1"/>
           </p:cNvSpPr>
@@ -809,26 +984,19 @@
           <a:p>
             <a:r>
               <a:rPr lang="de-DE" dirty="0" smtClean="0"/>
-              <a:t>Annotation: entweder tut der Programmierer dies oder,</a:t>
+              <a:t>Warum dieses Thema? Weil es überraschend viel</a:t>
             </a:r>
             <a:r>
               <a:rPr lang="de-DE" baseline="0" dirty="0" smtClean="0"/>
-              <a:t> im Falle von F#, das Type </a:t>
-            </a:r>
-            <a:r>
-              <a:rPr lang="de-DE" baseline="0" dirty="0" err="1" smtClean="0"/>
-              <a:t>inference</a:t>
-            </a:r>
-            <a:endParaRPr lang="de-DE" baseline="0" dirty="0" smtClean="0"/>
-          </a:p>
-          <a:p>
-            <a:endParaRPr lang="en-US" dirty="0"/>
+              <a:t> Nutzen brachte und weil es mit DDD gut zusammenpasst</a:t>
+            </a:r>
+            <a:endParaRPr lang="de-DE" dirty="0"/>
           </a:p>
         </p:txBody>
       </p:sp>
       <p:sp>
         <p:nvSpPr>
-          <p:cNvPr id="4" name="Slide Number Placeholder 3"/>
+          <p:cNvPr id="4" name="Foliennummernplatzhalter 3"/>
           <p:cNvSpPr>
             <a:spLocks noGrp="1"/>
           </p:cNvSpPr>
@@ -852,7 +1020,7 @@
     </p:spTree>
     <p:extLst>
       <p:ext uri="{BB962C8B-B14F-4D97-AF65-F5344CB8AC3E}">
-        <p14:creationId xmlns:p14="http://schemas.microsoft.com/office/powerpoint/2010/main" val="2102569733"/>
+        <p14:creationId xmlns:p14="http://schemas.microsoft.com/office/powerpoint/2010/main" val="3022985809"/>
       </p:ext>
     </p:extLst>
   </p:cSld>
@@ -906,124 +1074,18 @@
           <a:bodyPr/>
           <a:lstStyle/>
           <a:p>
-            <a:pPr marL="0" marR="0" indent="0" algn="l" defTabSz="914400" rtl="0" eaLnBrk="1" fontAlgn="auto" latinLnBrk="0" hangingPunct="1">
-              <a:lnSpc>
-                <a:spcPct val="100000"/>
-              </a:lnSpc>
-              <a:spcBef>
-                <a:spcPts val="0"/>
-              </a:spcBef>
-              <a:spcAft>
-                <a:spcPts val="0"/>
-              </a:spcAft>
-              <a:buClrTx/>
-              <a:buSzTx/>
-              <a:buFontTx/>
-              <a:buNone/>
-              <a:tabLst/>
-              <a:defRPr/>
-            </a:pPr>
             <a:r>
               <a:rPr lang="de-DE" dirty="0" smtClean="0"/>
-              <a:t>Ist am besten erkennbar wenn man die Möglichkeiten einer schwachen Typisierung betrachtet</a:t>
-            </a:r>
-          </a:p>
-          <a:p>
-            <a:pPr marL="0" marR="0" indent="0" algn="l" defTabSz="914400" rtl="0" eaLnBrk="1" fontAlgn="auto" latinLnBrk="0" hangingPunct="1">
-              <a:lnSpc>
-                <a:spcPct val="100000"/>
-              </a:lnSpc>
-              <a:spcBef>
-                <a:spcPts val="0"/>
-              </a:spcBef>
-              <a:spcAft>
-                <a:spcPts val="0"/>
-              </a:spcAft>
-              <a:buClrTx/>
-              <a:buSzTx/>
-              <a:buFontTx/>
-              <a:buNone/>
-              <a:tabLst/>
-              <a:defRPr/>
-            </a:pPr>
-            <a:r>
-              <a:rPr lang="de-DE" dirty="0" smtClean="0"/>
-              <a:t>Copyright </a:t>
-            </a:r>
-            <a:r>
-              <a:rPr lang="en-US" sz="1200" b="1" i="0" kern="1200" dirty="0" err="1" smtClean="0">
-                <a:solidFill>
-                  <a:schemeClr val="tx1"/>
-                </a:solidFill>
-                <a:effectLst/>
-                <a:latin typeface="+mn-lt"/>
-                <a:ea typeface="+mn-ea"/>
-                <a:cs typeface="+mn-cs"/>
-              </a:rPr>
-              <a:t>Karlkim</a:t>
-            </a:r>
-            <a:r>
-              <a:rPr lang="en-US" sz="1200" b="1" i="0" kern="1200" dirty="0" smtClean="0">
-                <a:solidFill>
-                  <a:schemeClr val="tx1"/>
-                </a:solidFill>
-                <a:effectLst/>
-                <a:latin typeface="+mn-lt"/>
-                <a:ea typeface="+mn-ea"/>
-                <a:cs typeface="+mn-cs"/>
-              </a:rPr>
-              <a:t> </a:t>
-            </a:r>
-            <a:r>
-              <a:rPr lang="en-US" sz="1200" b="1" i="0" kern="1200" dirty="0" err="1" smtClean="0">
-                <a:solidFill>
-                  <a:schemeClr val="tx1"/>
-                </a:solidFill>
-                <a:effectLst/>
-                <a:latin typeface="+mn-lt"/>
-                <a:ea typeface="+mn-ea"/>
-                <a:cs typeface="+mn-cs"/>
-              </a:rPr>
-              <a:t>Suwanmongkol</a:t>
-            </a:r>
-            <a:r>
-              <a:rPr lang="en-US" sz="1200" b="1" i="0" kern="1200" dirty="0" smtClean="0">
-                <a:solidFill>
-                  <a:schemeClr val="tx1"/>
-                </a:solidFill>
-                <a:effectLst/>
-                <a:latin typeface="+mn-lt"/>
-                <a:ea typeface="+mn-ea"/>
-                <a:cs typeface="+mn-cs"/>
-              </a:rPr>
-              <a:t> (@</a:t>
-            </a:r>
-            <a:r>
-              <a:rPr lang="en-US" sz="1200" b="1" i="0" kern="1200" dirty="0" err="1" smtClean="0">
-                <a:solidFill>
-                  <a:schemeClr val="tx1"/>
-                </a:solidFill>
-                <a:effectLst/>
-                <a:latin typeface="+mn-lt"/>
-                <a:ea typeface="+mn-ea"/>
-                <a:cs typeface="+mn-cs"/>
-              </a:rPr>
-              <a:t>kimsk</a:t>
-            </a:r>
-            <a:r>
-              <a:rPr lang="en-US" sz="1200" b="1" i="0" kern="1200" dirty="0" smtClean="0">
-                <a:solidFill>
-                  <a:schemeClr val="tx1"/>
-                </a:solidFill>
-                <a:effectLst/>
-                <a:latin typeface="+mn-lt"/>
-                <a:ea typeface="+mn-ea"/>
-                <a:cs typeface="+mn-cs"/>
-              </a:rPr>
-              <a:t>) | Twitter</a:t>
-            </a:r>
-          </a:p>
-          <a:p>
+              <a:t>Annotation: entweder tut der Programmierer dies oder,</a:t>
+            </a:r>
+            <a:r>
+              <a:rPr lang="de-DE" baseline="0" dirty="0" smtClean="0"/>
+              <a:t> im Falle von F#, das Type </a:t>
+            </a:r>
+            <a:r>
+              <a:rPr lang="de-DE" baseline="0" dirty="0" err="1" smtClean="0"/>
+              <a:t>inference</a:t>
+            </a:r>
             <a:endParaRPr lang="de-DE" baseline="0" dirty="0" smtClean="0"/>
           </a:p>
           <a:p>
@@ -1086,7 +1148,7 @@
       </p:grpSpPr>
       <p:sp>
         <p:nvSpPr>
-          <p:cNvPr id="2" name="Folienbildplatzhalter 1"/>
+          <p:cNvPr id="2" name="Slide Image Placeholder 1"/>
           <p:cNvSpPr>
             <a:spLocks noGrp="1" noRot="1" noChangeAspect="1"/>
           </p:cNvSpPr>
@@ -1098,7 +1160,7 @@
       </p:sp>
       <p:sp>
         <p:nvSpPr>
-          <p:cNvPr id="3" name="Notizenplatzhalter 2"/>
+          <p:cNvPr id="3" name="Notes Placeholder 2"/>
           <p:cNvSpPr>
             <a:spLocks noGrp="1"/>
           </p:cNvSpPr>
@@ -1111,29 +1173,134 @@
           <a:bodyPr/>
           <a:lstStyle/>
           <a:p>
+            <a:pPr marL="0" marR="0" indent="0" algn="l" defTabSz="914400" rtl="0" eaLnBrk="1" fontAlgn="auto" latinLnBrk="0" hangingPunct="1">
+              <a:lnSpc>
+                <a:spcPct val="100000"/>
+              </a:lnSpc>
+              <a:spcBef>
+                <a:spcPts val="0"/>
+              </a:spcBef>
+              <a:spcAft>
+                <a:spcPts val="0"/>
+              </a:spcAft>
+              <a:buClrTx/>
+              <a:buSzTx/>
+              <a:buFontTx/>
+              <a:buNone/>
+              <a:tabLst/>
+              <a:defRPr/>
+            </a:pPr>
             <a:r>
               <a:rPr lang="de-DE" dirty="0" smtClean="0"/>
-              <a:t>Eventuell</a:t>
-            </a:r>
-            <a:r>
-              <a:rPr lang="de-DE" baseline="0" dirty="0" smtClean="0"/>
-              <a:t> noch zusammenfassen – was sind die Vorteile? Nicht unbedingt hier, sondern als </a:t>
-            </a:r>
-            <a:r>
-              <a:rPr lang="de-DE" baseline="0" dirty="0" err="1" smtClean="0"/>
-              <a:t>Zusammenfasung</a:t>
-            </a:r>
-            <a:r>
-              <a:rPr lang="de-DE" baseline="0" dirty="0" smtClean="0"/>
-              <a:t> am Ende?</a:t>
-            </a:r>
-            <a:endParaRPr lang="de-DE" dirty="0"/>
+              <a:t>Ist am besten erkennbar wenn man die Möglichkeiten einer schwachen Typisierung betrachtet</a:t>
+            </a:r>
+          </a:p>
+          <a:p>
+            <a:pPr marL="0" marR="0" indent="0" algn="l" defTabSz="914400" rtl="0" eaLnBrk="1" fontAlgn="auto" latinLnBrk="0" hangingPunct="1">
+              <a:lnSpc>
+                <a:spcPct val="100000"/>
+              </a:lnSpc>
+              <a:spcBef>
+                <a:spcPts val="0"/>
+              </a:spcBef>
+              <a:spcAft>
+                <a:spcPts val="0"/>
+              </a:spcAft>
+              <a:buClrTx/>
+              <a:buSzTx/>
+              <a:buFontTx/>
+              <a:buNone/>
+              <a:tabLst/>
+              <a:defRPr/>
+            </a:pPr>
+            <a:r>
+              <a:rPr lang="de-DE" dirty="0" smtClean="0"/>
+              <a:t>Copyright </a:t>
+            </a:r>
+            <a:r>
+              <a:rPr lang="en-US" sz="1200" b="1" i="0" kern="1200" dirty="0" err="1" smtClean="0">
+                <a:solidFill>
+                  <a:schemeClr val="tx1"/>
+                </a:solidFill>
+                <a:effectLst/>
+                <a:latin typeface="+mn-lt"/>
+                <a:ea typeface="+mn-ea"/>
+                <a:cs typeface="+mn-cs"/>
+              </a:rPr>
+              <a:t>Karlkim</a:t>
+            </a:r>
+            <a:r>
+              <a:rPr lang="en-US" sz="1200" b="1" i="0" kern="1200" dirty="0" smtClean="0">
+                <a:solidFill>
+                  <a:schemeClr val="tx1"/>
+                </a:solidFill>
+                <a:effectLst/>
+                <a:latin typeface="+mn-lt"/>
+                <a:ea typeface="+mn-ea"/>
+                <a:cs typeface="+mn-cs"/>
+              </a:rPr>
+              <a:t> </a:t>
+            </a:r>
+            <a:r>
+              <a:rPr lang="en-US" sz="1200" b="1" i="0" kern="1200" dirty="0" err="1" smtClean="0">
+                <a:solidFill>
+                  <a:schemeClr val="tx1"/>
+                </a:solidFill>
+                <a:effectLst/>
+                <a:latin typeface="+mn-lt"/>
+                <a:ea typeface="+mn-ea"/>
+                <a:cs typeface="+mn-cs"/>
+              </a:rPr>
+              <a:t>Suwanmongkol</a:t>
+            </a:r>
+            <a:r>
+              <a:rPr lang="en-US" sz="1200" b="1" i="0" kern="1200" dirty="0" smtClean="0">
+                <a:solidFill>
+                  <a:schemeClr val="tx1"/>
+                </a:solidFill>
+                <a:effectLst/>
+                <a:latin typeface="+mn-lt"/>
+                <a:ea typeface="+mn-ea"/>
+                <a:cs typeface="+mn-cs"/>
+              </a:rPr>
+              <a:t> (@</a:t>
+            </a:r>
+            <a:r>
+              <a:rPr lang="en-US" sz="1200" b="1" i="0" kern="1200" dirty="0" err="1" smtClean="0">
+                <a:solidFill>
+                  <a:schemeClr val="tx1"/>
+                </a:solidFill>
+                <a:effectLst/>
+                <a:latin typeface="+mn-lt"/>
+                <a:ea typeface="+mn-ea"/>
+                <a:cs typeface="+mn-cs"/>
+              </a:rPr>
+              <a:t>kimsk</a:t>
+            </a:r>
+            <a:r>
+              <a:rPr lang="en-US" sz="1200" b="1" i="0" kern="1200" dirty="0" smtClean="0">
+                <a:solidFill>
+                  <a:schemeClr val="tx1"/>
+                </a:solidFill>
+                <a:effectLst/>
+                <a:latin typeface="+mn-lt"/>
+                <a:ea typeface="+mn-ea"/>
+                <a:cs typeface="+mn-cs"/>
+              </a:rPr>
+              <a:t>) | Twitter</a:t>
+            </a:r>
+          </a:p>
+          <a:p>
+            <a:endParaRPr lang="de-DE" baseline="0" dirty="0" smtClean="0"/>
+          </a:p>
+          <a:p>
+            <a:endParaRPr lang="en-US" dirty="0"/>
           </a:p>
         </p:txBody>
       </p:sp>
       <p:sp>
         <p:nvSpPr>
-          <p:cNvPr id="4" name="Foliennummernplatzhalter 3"/>
+          <p:cNvPr id="4" name="Slide Number Placeholder 3"/>
           <p:cNvSpPr>
             <a:spLocks noGrp="1"/>
           </p:cNvSpPr>
@@ -1157,7 +1324,7 @@
     </p:spTree>
     <p:extLst>
       <p:ext uri="{BB962C8B-B14F-4D97-AF65-F5344CB8AC3E}">
-        <p14:creationId xmlns:p14="http://schemas.microsoft.com/office/powerpoint/2010/main" val="2305588509"/>
+        <p14:creationId xmlns:p14="http://schemas.microsoft.com/office/powerpoint/2010/main" val="2102569733"/>
       </p:ext>
     </p:extLst>
   </p:cSld>
@@ -1186,7 +1353,7 @@
       </p:grpSpPr>
       <p:sp>
         <p:nvSpPr>
-          <p:cNvPr id="2" name="Slide Image Placeholder 1"/>
+          <p:cNvPr id="2" name="Folienbildplatzhalter 1"/>
           <p:cNvSpPr>
             <a:spLocks noGrp="1" noRot="1" noChangeAspect="1"/>
           </p:cNvSpPr>
@@ -1198,7 +1365,7 @@
       </p:sp>
       <p:sp>
         <p:nvSpPr>
-          <p:cNvPr id="3" name="Notes Placeholder 2"/>
+          <p:cNvPr id="3" name="Notizenplatzhalter 2"/>
           <p:cNvSpPr>
             <a:spLocks noGrp="1"/>
           </p:cNvSpPr>
@@ -1211,77 +1378,13 @@
           <a:bodyPr/>
           <a:lstStyle/>
           <a:p>
-            <a:r>
-              <a:rPr lang="de-DE" dirty="0" err="1" smtClean="0"/>
-              <a:t>Types</a:t>
-            </a:r>
-            <a:r>
-              <a:rPr lang="de-DE" dirty="0" smtClean="0"/>
-              <a:t> werden immer aus kleineren Einheiten zusammen erstellt, die kleinsten sind die Primitives der</a:t>
-            </a:r>
-            <a:r>
-              <a:rPr lang="de-DE" baseline="0" dirty="0" smtClean="0"/>
-              <a:t> Sprache.</a:t>
-            </a:r>
-            <a:endParaRPr lang="de-DE" dirty="0" smtClean="0"/>
-          </a:p>
-          <a:p>
-            <a:r>
-              <a:rPr lang="de-DE" dirty="0" smtClean="0"/>
-              <a:t>Dies bedingt dass ich sowohl aus einfachen Einheiten einen komplexeren Typ</a:t>
-            </a:r>
-            <a:r>
-              <a:rPr lang="de-DE" baseline="0" dirty="0" smtClean="0"/>
-              <a:t> erstellen kann, </a:t>
-            </a:r>
-          </a:p>
-          <a:p>
-            <a:r>
-              <a:rPr lang="de-DE" baseline="0" dirty="0" smtClean="0"/>
-              <a:t>oder aus einem komplexeren die konstituierende einfachere Typen „heraus“ holen kann</a:t>
-            </a:r>
-          </a:p>
-          <a:p>
-            <a:endParaRPr lang="de-DE" baseline="0" dirty="0" smtClean="0"/>
-          </a:p>
-          <a:p>
-            <a:r>
-              <a:rPr lang="de-DE" baseline="0" dirty="0" smtClean="0"/>
-              <a:t>WICHTIG</a:t>
-            </a:r>
-          </a:p>
-          <a:p>
-            <a:r>
-              <a:rPr lang="de-DE" baseline="0" dirty="0" smtClean="0"/>
-              <a:t>Unterschied zu OO:</a:t>
-            </a:r>
-          </a:p>
-          <a:p>
-            <a:r>
-              <a:rPr lang="de-DE" baseline="0" dirty="0" smtClean="0"/>
-              <a:t>In OO kann ich eine Klasse erst „Leer“ erstellen, dann nach und nach Properties zuweisen/ändern.</a:t>
-            </a:r>
-          </a:p>
-          <a:p>
-            <a:r>
-              <a:rPr lang="de-DE" baseline="0" dirty="0" smtClean="0"/>
-              <a:t>In FP nicht.  </a:t>
-            </a:r>
-            <a:r>
-              <a:rPr lang="de-DE" baseline="0" dirty="0" err="1" smtClean="0"/>
-              <a:t>Immutability</a:t>
-            </a:r>
-            <a:r>
-              <a:rPr lang="de-DE" baseline="0" dirty="0" smtClean="0"/>
-              <a:t> heißt einmal erstellt, unveränderbar. Alle Daten müssen bei der Erstellung verfügbar sein</a:t>
-            </a:r>
-            <a:endParaRPr lang="en-US" dirty="0"/>
+            <a:endParaRPr lang="de-DE" dirty="0"/>
           </a:p>
         </p:txBody>
       </p:sp>
       <p:sp>
         <p:nvSpPr>
-          <p:cNvPr id="4" name="Slide Number Placeholder 3"/>
+          <p:cNvPr id="4" name="Foliennummernplatzhalter 3"/>
           <p:cNvSpPr>
             <a:spLocks noGrp="1"/>
           </p:cNvSpPr>
@@ -1305,7 +1408,7 @@
     </p:spTree>
     <p:extLst>
       <p:ext uri="{BB962C8B-B14F-4D97-AF65-F5344CB8AC3E}">
-        <p14:creationId xmlns:p14="http://schemas.microsoft.com/office/powerpoint/2010/main" val="1056229856"/>
+        <p14:creationId xmlns:p14="http://schemas.microsoft.com/office/powerpoint/2010/main" val="2305588509"/>
       </p:ext>
     </p:extLst>
   </p:cSld>
@@ -1359,6 +1462,75 @@
           <a:bodyPr/>
           <a:lstStyle/>
           <a:p>
+            <a:r>
+              <a:rPr lang="de-DE" dirty="0" err="1" smtClean="0"/>
+              <a:t>Types</a:t>
+            </a:r>
+            <a:r>
+              <a:rPr lang="de-DE" dirty="0" smtClean="0"/>
+              <a:t> werden immer aus kleineren Einheiten zusammen erstellt, die kleinsten sind die Primitives der</a:t>
+            </a:r>
+            <a:r>
+              <a:rPr lang="de-DE" baseline="0" dirty="0" smtClean="0"/>
+              <a:t> Sprache.</a:t>
+            </a:r>
+            <a:endParaRPr lang="de-DE" dirty="0" smtClean="0"/>
+          </a:p>
+          <a:p>
+            <a:r>
+              <a:rPr lang="de-DE" dirty="0" smtClean="0"/>
+              <a:t>Dies bedingt dass ich sowohl aus einfachen Einheiten einen komplexeren Typ</a:t>
+            </a:r>
+            <a:r>
+              <a:rPr lang="de-DE" baseline="0" dirty="0" smtClean="0"/>
+              <a:t> erstellen kann, </a:t>
+            </a:r>
+          </a:p>
+          <a:p>
+            <a:r>
+              <a:rPr lang="de-DE" baseline="0" dirty="0" smtClean="0"/>
+              <a:t>oder aus einem komplexeren die konstituierende einfachere Typen „heraus“ holen </a:t>
+            </a:r>
+            <a:r>
+              <a:rPr lang="de-DE" baseline="0" dirty="0" smtClean="0"/>
+              <a:t>kann, oder „Zerlegen“</a:t>
+            </a:r>
+            <a:endParaRPr lang="de-DE" baseline="0" dirty="0" smtClean="0"/>
+          </a:p>
+          <a:p>
+            <a:endParaRPr lang="de-DE" baseline="0" dirty="0" smtClean="0"/>
+          </a:p>
+          <a:p>
+            <a:r>
+              <a:rPr lang="de-DE" baseline="0" dirty="0" smtClean="0"/>
+              <a:t>WICHTIG</a:t>
+            </a:r>
+          </a:p>
+          <a:p>
+            <a:r>
+              <a:rPr lang="de-DE" baseline="0" dirty="0" smtClean="0"/>
+              <a:t>Unterschied zu OO:</a:t>
+            </a:r>
+          </a:p>
+          <a:p>
+            <a:r>
+              <a:rPr lang="de-DE" baseline="0" dirty="0" smtClean="0"/>
+              <a:t>In OO kann ich eine Klasse erst „Leer“ erstellen, dann nach und nach Properties zuweisen/ändern.</a:t>
+            </a:r>
+          </a:p>
+          <a:p>
+            <a:r>
+              <a:rPr lang="de-DE" baseline="0" dirty="0" smtClean="0"/>
+              <a:t>In FP nicht.  </a:t>
+            </a:r>
+            <a:r>
+              <a:rPr lang="de-DE" baseline="0" dirty="0" err="1" smtClean="0"/>
+              <a:t>Immutability</a:t>
+            </a:r>
+            <a:r>
+              <a:rPr lang="de-DE" baseline="0" dirty="0" smtClean="0"/>
+              <a:t> heißt einmal erstellt, unveränderbar. Alle Daten müssen bei der Erstellung verfügbar sein</a:t>
+            </a:r>
             <a:endParaRPr lang="en-US" dirty="0"/>
           </a:p>
         </p:txBody>
@@ -1445,11 +1617,60 @@
           <a:p>
             <a:r>
               <a:rPr lang="de-DE" dirty="0" smtClean="0"/>
-              <a:t>Zwei im</a:t>
+              <a:t>IF </a:t>
+            </a:r>
+            <a:r>
+              <a:rPr lang="de-DE" dirty="0" err="1" smtClean="0"/>
+              <a:t>and</a:t>
+            </a:r>
+            <a:r>
+              <a:rPr lang="de-DE" dirty="0" smtClean="0"/>
+              <a:t> SWITCH on STERIODS</a:t>
+            </a:r>
+          </a:p>
+          <a:p>
+            <a:endParaRPr lang="de-DE" dirty="0" smtClean="0"/>
+          </a:p>
+          <a:p>
+            <a:r>
+              <a:rPr lang="de-DE" dirty="0" smtClean="0"/>
+              <a:t>Der F# Compiler ist in der Lage fehlende oder fehlerhafte Fälle</a:t>
             </a:r>
             <a:r>
               <a:rPr lang="de-DE" baseline="0" dirty="0" smtClean="0"/>
-              <a:t> Sinne des Domains gleichwertige Instanzen „Kunde 123“ sind nicht identisch.</a:t>
+              <a:t> zu entdecken.  Dies ist bedingt durch die </a:t>
+            </a:r>
+            <a:r>
+              <a:rPr lang="de-DE" baseline="0" dirty="0" err="1" smtClean="0"/>
+              <a:t>Hindley-Milner</a:t>
+            </a:r>
+            <a:r>
+              <a:rPr lang="de-DE" baseline="0" dirty="0" smtClean="0"/>
+              <a:t> Type </a:t>
+            </a:r>
+            <a:r>
+              <a:rPr lang="de-DE" baseline="0" dirty="0" err="1" smtClean="0"/>
+              <a:t>Inference</a:t>
+            </a:r>
+            <a:r>
+              <a:rPr lang="de-DE" baseline="0" dirty="0" smtClean="0"/>
+              <a:t>, C# wird dies nicht können ohne dass „</a:t>
+            </a:r>
+            <a:r>
+              <a:rPr lang="de-DE" baseline="0" dirty="0" err="1" smtClean="0"/>
+              <a:t>breaking</a:t>
+            </a:r>
+            <a:r>
+              <a:rPr lang="de-DE" baseline="0" dirty="0" smtClean="0"/>
+              <a:t> </a:t>
+            </a:r>
+            <a:r>
+              <a:rPr lang="de-DE" baseline="0" dirty="0" err="1" smtClean="0"/>
+              <a:t>changes</a:t>
+            </a:r>
+            <a:r>
+              <a:rPr lang="de-DE" baseline="0" dirty="0" smtClean="0"/>
+              <a:t>“ eingeführt werden.</a:t>
             </a:r>
             <a:endParaRPr lang="en-US" dirty="0"/>
           </a:p>
@@ -1481,7 +1702,7 @@
     </p:spTree>
     <p:extLst>
       <p:ext uri="{BB962C8B-B14F-4D97-AF65-F5344CB8AC3E}">
-        <p14:creationId xmlns:p14="http://schemas.microsoft.com/office/powerpoint/2010/main" val="836832827"/>
+        <p14:creationId xmlns:p14="http://schemas.microsoft.com/office/powerpoint/2010/main" val="1056229856"/>
       </p:ext>
     </p:extLst>
   </p:cSld>
@@ -1537,19 +1758,11 @@
           <a:p>
             <a:r>
               <a:rPr lang="de-DE" dirty="0" smtClean="0"/>
-              <a:t>Es ist möglich das generierte</a:t>
+              <a:t>Zwei im</a:t>
             </a:r>
             <a:r>
               <a:rPr lang="de-DE" baseline="0" dirty="0" smtClean="0"/>
-              <a:t> Code in einem Decompiler zu sehen, nur die PDB Datei entfernen damit das IL Code als C# dekompiliert wird, manche </a:t>
-            </a:r>
-            <a:r>
-              <a:rPr lang="de-DE" baseline="0" dirty="0" err="1" smtClean="0"/>
-              <a:t>decompiler</a:t>
-            </a:r>
-            <a:r>
-              <a:rPr lang="de-DE" baseline="0" dirty="0" smtClean="0"/>
-              <a:t> sind schlau und nehmen die Info aus der PDB heraus.  Dann sieht man was der Compiler alles erzeugt.</a:t>
+              <a:t> Sinne des Domains gleichwertige Instanzen „Kunde 123“ sind nicht identisch.</a:t>
             </a:r>
             <a:endParaRPr lang="en-US" dirty="0"/>
           </a:p>
@@ -1573,6 +1786,106 @@
             <a:fld id="{4775FDF9-2A53-4261-A0AF-3B6A9698D365}" type="slidenum">
               <a:rPr lang="en-US" smtClean="0"/>
               <a:t>18</a:t>
+            </a:fld>
+            <a:endParaRPr lang="en-US"/>
+          </a:p>
+        </p:txBody>
+      </p:sp>
+    </p:spTree>
+    <p:extLst>
+      <p:ext uri="{BB962C8B-B14F-4D97-AF65-F5344CB8AC3E}">
+        <p14:creationId xmlns:p14="http://schemas.microsoft.com/office/powerpoint/2010/main" val="836832827"/>
+      </p:ext>
+    </p:extLst>
+  </p:cSld>
+  <p:clrMapOvr>
+    <a:masterClrMapping/>
+  </p:clrMapOvr>
+</p:notes>
+</file>
+
+<file path=ppt/notesSlides/notesSlide18.xml><?xml version="1.0" encoding="utf-8"?>
+<p:notes xmlns:a="http://schemas.openxmlformats.org/drawingml/2006/main" xmlns:r="http://schemas.openxmlformats.org/officeDocument/2006/relationships" xmlns:p="http://schemas.openxmlformats.org/presentationml/2006/main">
+  <p:cSld>
+    <p:spTree>
+      <p:nvGrpSpPr>
+        <p:cNvPr id="1" name=""/>
+        <p:cNvGrpSpPr/>
+        <p:nvPr/>
+      </p:nvGrpSpPr>
+      <p:grpSpPr>
+        <a:xfrm>
+          <a:off x="0" y="0"/>
+          <a:ext cx="0" cy="0"/>
+          <a:chOff x="0" y="0"/>
+          <a:chExt cx="0" cy="0"/>
+        </a:xfrm>
+      </p:grpSpPr>
+      <p:sp>
+        <p:nvSpPr>
+          <p:cNvPr id="2" name="Slide Image Placeholder 1"/>
+          <p:cNvSpPr>
+            <a:spLocks noGrp="1" noRot="1" noChangeAspect="1"/>
+          </p:cNvSpPr>
+          <p:nvPr>
+            <p:ph type="sldImg"/>
+          </p:nvPr>
+        </p:nvSpPr>
+        <p:spPr/>
+      </p:sp>
+      <p:sp>
+        <p:nvSpPr>
+          <p:cNvPr id="3" name="Notes Placeholder 2"/>
+          <p:cNvSpPr>
+            <a:spLocks noGrp="1"/>
+          </p:cNvSpPr>
+          <p:nvPr>
+            <p:ph type="body" idx="1"/>
+          </p:nvPr>
+        </p:nvSpPr>
+        <p:spPr/>
+        <p:txBody>
+          <a:bodyPr/>
+          <a:lstStyle/>
+          <a:p>
+            <a:r>
+              <a:rPr lang="de-DE" dirty="0" smtClean="0"/>
+              <a:t>Es ist möglich das generierte</a:t>
+            </a:r>
+            <a:r>
+              <a:rPr lang="de-DE" baseline="0" dirty="0" smtClean="0"/>
+              <a:t> Code in einem Decompiler zu sehen, nur die PDB Datei entfernen damit das IL Code als C# dekompiliert wird, manche </a:t>
+            </a:r>
+            <a:r>
+              <a:rPr lang="de-DE" baseline="0" dirty="0" err="1" smtClean="0"/>
+              <a:t>decompiler</a:t>
+            </a:r>
+            <a:r>
+              <a:rPr lang="de-DE" baseline="0" dirty="0" smtClean="0"/>
+              <a:t> sind schlau und nehmen die Info aus der PDB heraus.  Dann sieht man was der Compiler alles erzeugt.</a:t>
+            </a:r>
+            <a:endParaRPr lang="en-US" dirty="0"/>
+          </a:p>
+        </p:txBody>
+      </p:sp>
+      <p:sp>
+        <p:nvSpPr>
+          <p:cNvPr id="4" name="Slide Number Placeholder 3"/>
+          <p:cNvSpPr>
+            <a:spLocks noGrp="1"/>
+          </p:cNvSpPr>
+          <p:nvPr>
+            <p:ph type="sldNum" sz="quarter" idx="10"/>
+          </p:nvPr>
+        </p:nvSpPr>
+        <p:spPr/>
+        <p:txBody>
+          <a:bodyPr/>
+          <a:lstStyle/>
+          <a:p>
+            <a:fld id="{4775FDF9-2A53-4261-A0AF-3B6A9698D365}" type="slidenum">
+              <a:rPr lang="en-US" smtClean="0"/>
+              <a:t>19</a:t>
             </a:fld>
             <a:endParaRPr lang="en-US"/>
           </a:p>
@@ -1915,21 +2228,31 @@
             </a:r>
             <a:r>
               <a:rPr lang="de-DE" baseline="0" dirty="0" smtClean="0"/>
-              <a:t> gearbeitet, Sollte eine Turing Maschine werden. </a:t>
-            </a:r>
-          </a:p>
-          <a:p>
+              <a:t> gearbeitet</a:t>
+            </a:r>
             <a:r>
               <a:rPr lang="de-DE" baseline="0" dirty="0" smtClean="0"/>
-              <a:t>Alonzo Church führt das Lambda-Kalkül: "formale Sprache zur Untersuchung von Funktionen". </a:t>
-            </a:r>
-            <a:r>
-              <a:rPr lang="de-DE" baseline="0" dirty="0" err="1" smtClean="0"/>
-              <a:t>Mathmatische</a:t>
+              <a:t>, die Basis für eine </a:t>
             </a:r>
             <a:r>
               <a:rPr lang="de-DE" baseline="0" dirty="0" smtClean="0"/>
-              <a:t> Analyse von Funktionen und deren gebundenen Parameter.</a:t>
+              <a:t>Turing </a:t>
+            </a:r>
+            <a:r>
+              <a:rPr lang="de-DE" baseline="0" dirty="0" smtClean="0"/>
+              <a:t>Maschine. "</a:t>
+            </a:r>
+            <a:r>
+              <a:rPr lang="de-DE" baseline="0" dirty="0" smtClean="0"/>
+              <a:t>formale Sprache zur Untersuchung von Funktionen". </a:t>
+            </a:r>
+            <a:r>
+              <a:rPr lang="de-DE" baseline="0" dirty="0" smtClean="0"/>
+              <a:t>Mathematische </a:t>
+            </a:r>
+            <a:r>
+              <a:rPr lang="de-DE" baseline="0" dirty="0" smtClean="0"/>
+              <a:t>Analyse von Funktionen und deren gebundenen Parameter.</a:t>
             </a:r>
           </a:p>
           <a:p>
@@ -1941,8 +2264,13 @@
           <a:p>
             <a:r>
               <a:rPr lang="de-DE" baseline="0" dirty="0" smtClean="0"/>
-              <a:t>John McCarthy, hat die Spezifikation und das erste Compiler für LISP geschrieben</a:t>
-            </a:r>
+              <a:t>John McCarthy, hat die Spezifikation und das erste Compiler für LISP </a:t>
+            </a:r>
+            <a:r>
+              <a:rPr lang="de-DE" baseline="0" dirty="0" smtClean="0"/>
+              <a:t>geschrieben, die zweit älteste und noch gebräuchliche Programmiersprache (FORTRAN ist die erste!)</a:t>
+            </a:r>
+            <a:endParaRPr lang="de-DE" baseline="0" dirty="0" smtClean="0"/>
           </a:p>
           <a:p>
             <a:endParaRPr lang="de-DE" baseline="0" dirty="0" smtClean="0"/>
@@ -2033,8 +2361,30 @@
           <a:lstStyle/>
           <a:p>
             <a:r>
+              <a:rPr lang="de-DE" dirty="0" err="1" smtClean="0"/>
+              <a:t>Functional</a:t>
+            </a:r>
+            <a:r>
               <a:rPr lang="de-DE" dirty="0" smtClean="0"/>
-              <a:t>Kein Hype, kein neuer Trend, sondern endlich auch im Enterprise-Umfeld angekommen (Scala/</a:t>
+              <a:t> </a:t>
+            </a:r>
+            <a:r>
+              <a:rPr lang="de-DE" dirty="0" err="1" smtClean="0"/>
+              <a:t>Creep</a:t>
+            </a:r>
+            <a:endParaRPr lang="de-DE" dirty="0" smtClean="0"/>
+          </a:p>
+          <a:p>
+            <a:endParaRPr lang="de-DE" dirty="0" smtClean="0"/>
+          </a:p>
+          <a:p>
+            <a:r>
+              <a:rPr lang="de-DE" dirty="0" smtClean="0"/>
+              <a:t>Kein </a:t>
+            </a:r>
+            <a:r>
+              <a:rPr lang="de-DE" dirty="0" smtClean="0"/>
+              <a:t>Hype, kein neuer Trend, sondern endlich auch im Enterprise-Umfeld angekommen (Scala/</a:t>
             </a:r>
             <a:r>
               <a:rPr lang="de-DE" dirty="0" err="1" smtClean="0"/>
@@ -2048,8 +2398,61 @@
           <a:p>
             <a:r>
               <a:rPr lang="de-DE" baseline="0" dirty="0" smtClean="0"/>
-              <a:t>Prognose: In den 2020ern wird genau so erwartet, dass man funktional programmieren kann, wie heute mit OOP</a:t>
-            </a:r>
+              <a:t>Prognose: In den 2020ern wird genau so erwartet, dass man funktional programmieren kann, wie heute mit </a:t>
+            </a:r>
+            <a:r>
+              <a:rPr lang="de-DE" baseline="0" dirty="0" smtClean="0"/>
+              <a:t>OOP (Zitat R.B.!)</a:t>
+            </a:r>
+          </a:p>
+          <a:p>
+            <a:endParaRPr lang="de-DE" baseline="0" dirty="0" smtClean="0"/>
+          </a:p>
+          <a:p>
+            <a:pPr marL="0" marR="0" indent="0" algn="l" defTabSz="914400" rtl="0" eaLnBrk="1" fontAlgn="auto" latinLnBrk="0" hangingPunct="1">
+              <a:lnSpc>
+                <a:spcPct val="100000"/>
+              </a:lnSpc>
+              <a:spcBef>
+                <a:spcPts val="0"/>
+              </a:spcBef>
+              <a:spcAft>
+                <a:spcPts val="0"/>
+              </a:spcAft>
+              <a:buClrTx/>
+              <a:buSzTx/>
+              <a:buFontTx/>
+              <a:buNone/>
+              <a:tabLst/>
+              <a:defRPr/>
+            </a:pPr>
+            <a:r>
+              <a:rPr lang="de-DE" dirty="0" smtClean="0"/>
+              <a:t>OO Unzulänglichkeiten: Noch mehr Frameworks, vielversprechende</a:t>
+            </a:r>
+            <a:r>
+              <a:rPr lang="de-DE" baseline="0" dirty="0" smtClean="0"/>
+              <a:t> Ansätze erweisen sich als äußerst schwierig wie Test-</a:t>
+            </a:r>
+            <a:r>
+              <a:rPr lang="de-DE" baseline="0" dirty="0" err="1" smtClean="0"/>
+              <a:t>Driven</a:t>
+            </a:r>
+            <a:r>
+              <a:rPr lang="de-DE" baseline="0" dirty="0" smtClean="0"/>
+              <a:t>-Development, Domain </a:t>
+            </a:r>
+            <a:r>
+              <a:rPr lang="de-DE" baseline="0" dirty="0" err="1" smtClean="0"/>
+              <a:t>Driven</a:t>
+            </a:r>
+            <a:r>
+              <a:rPr lang="de-DE" baseline="0" dirty="0" smtClean="0"/>
+              <a:t> Development</a:t>
+            </a:r>
+            <a:endParaRPr lang="de-DE" dirty="0" smtClean="0"/>
+          </a:p>
+          <a:p>
             <a:endParaRPr lang="de-DE" dirty="0"/>
           </a:p>
         </p:txBody>
@@ -2415,6 +2818,23 @@
             </a:r>
           </a:p>
           <a:p>
+            <a:pPr marL="171450" indent="-171450">
+              <a:buFontTx/>
+              <a:buChar char="-"/>
+            </a:pPr>
+            <a:endParaRPr lang="de-DE" baseline="0" dirty="0" smtClean="0"/>
+          </a:p>
+          <a:p>
+            <a:pPr marL="0" indent="0">
+              <a:buFontTx/>
+              <a:buNone/>
+            </a:pPr>
+            <a:r>
+              <a:rPr lang="de-DE" baseline="0" dirty="0" smtClean="0"/>
+              <a:t>Eine Funktion wird zu einem Ausdruck gebunden und gibt diesem einen Wert.</a:t>
+            </a:r>
+          </a:p>
+          <a:p>
             <a:endParaRPr lang="de-DE" baseline="0" dirty="0" smtClean="0"/>
           </a:p>
           <a:p>
@@ -2503,275 +2923,52 @@
           <a:lstStyle/>
           <a:p>
             <a:r>
-              <a:rPr lang="en-US" sz="1200" kern="1200" dirty="0" smtClean="0">
-                <a:solidFill>
-                  <a:schemeClr val="tx1"/>
-                </a:solidFill>
-                <a:latin typeface="+mn-lt"/>
-                <a:ea typeface="+mn-ea"/>
-                <a:cs typeface="+mn-cs"/>
-              </a:rPr>
-              <a:t>type S = { Name : string; </a:t>
-            </a:r>
-            <a:r>
-              <a:rPr lang="en-US" sz="1200" kern="1200" dirty="0" err="1" smtClean="0">
-                <a:solidFill>
-                  <a:schemeClr val="tx1"/>
-                </a:solidFill>
-                <a:latin typeface="+mn-lt"/>
-                <a:ea typeface="+mn-ea"/>
-                <a:cs typeface="+mn-cs"/>
-              </a:rPr>
-              <a:t>Tun</a:t>
-            </a:r>
-            <a:r>
-              <a:rPr lang="en-US" sz="1200" kern="1200" dirty="0" smtClean="0">
-                <a:solidFill>
-                  <a:schemeClr val="tx1"/>
-                </a:solidFill>
-                <a:latin typeface="+mn-lt"/>
-                <a:ea typeface="+mn-ea"/>
-                <a:cs typeface="+mn-cs"/>
-              </a:rPr>
-              <a:t> : string -&gt; string; };;</a:t>
-            </a:r>
-          </a:p>
-          <a:p>
-            <a:r>
-              <a:rPr lang="de-DE" sz="1200" kern="1200" dirty="0" err="1" smtClean="0">
-                <a:solidFill>
-                  <a:schemeClr val="tx1"/>
-                </a:solidFill>
-                <a:latin typeface="+mn-lt"/>
-                <a:ea typeface="+mn-ea"/>
-                <a:cs typeface="+mn-cs"/>
-              </a:rPr>
-              <a:t>let</a:t>
-            </a:r>
-            <a:r>
-              <a:rPr lang="de-DE" sz="1200" kern="1200" baseline="0" dirty="0" smtClean="0">
-                <a:solidFill>
-                  <a:schemeClr val="tx1"/>
-                </a:solidFill>
-                <a:latin typeface="+mn-lt"/>
-                <a:ea typeface="+mn-ea"/>
-                <a:cs typeface="+mn-cs"/>
-              </a:rPr>
-              <a:t> f g x = g x;;</a:t>
-            </a:r>
-          </a:p>
-          <a:p>
-            <a:r>
-              <a:rPr lang="de-DE" sz="1200" kern="1200" baseline="0" dirty="0" err="1" smtClean="0">
-                <a:solidFill>
-                  <a:schemeClr val="tx1"/>
-                </a:solidFill>
-                <a:latin typeface="+mn-lt"/>
-                <a:ea typeface="+mn-ea"/>
-                <a:cs typeface="+mn-cs"/>
-              </a:rPr>
-              <a:t>let</a:t>
-            </a:r>
-            <a:r>
-              <a:rPr lang="de-DE" sz="1200" kern="1200" baseline="0" dirty="0" smtClean="0">
-                <a:solidFill>
-                  <a:schemeClr val="tx1"/>
-                </a:solidFill>
-                <a:latin typeface="+mn-lt"/>
-                <a:ea typeface="+mn-ea"/>
-                <a:cs typeface="+mn-cs"/>
-              </a:rPr>
-              <a:t> </a:t>
-            </a:r>
-            <a:r>
-              <a:rPr lang="de-DE" sz="1200" kern="1200" baseline="0" dirty="0" err="1" smtClean="0">
-                <a:solidFill>
-                  <a:schemeClr val="tx1"/>
-                </a:solidFill>
-                <a:latin typeface="+mn-lt"/>
-                <a:ea typeface="+mn-ea"/>
-                <a:cs typeface="+mn-cs"/>
-              </a:rPr>
-              <a:t>addFive</a:t>
-            </a:r>
-            <a:r>
-              <a:rPr lang="de-DE" sz="1200" kern="1200" baseline="0" dirty="0" smtClean="0">
-                <a:solidFill>
-                  <a:schemeClr val="tx1"/>
-                </a:solidFill>
-                <a:latin typeface="+mn-lt"/>
-                <a:ea typeface="+mn-ea"/>
-                <a:cs typeface="+mn-cs"/>
-              </a:rPr>
-              <a:t> x = (+) x 5;;</a:t>
-            </a:r>
-            <a:endParaRPr lang="de-DE" dirty="0" smtClean="0"/>
-          </a:p>
-          <a:p>
-            <a:endParaRPr lang="de-DE" dirty="0" smtClean="0"/>
-          </a:p>
-          <a:p>
-            <a:r>
               <a:rPr lang="de-DE" dirty="0" smtClean="0"/>
-              <a:t>Typ &lt;&gt; Klasse: Kein Verhalten,</a:t>
+              <a:t>Variable </a:t>
+            </a:r>
+            <a:r>
+              <a:rPr lang="de-DE" dirty="0" err="1" smtClean="0"/>
+              <a:t>result</a:t>
+            </a:r>
+            <a:r>
+              <a:rPr lang="de-DE" dirty="0" smtClean="0"/>
+              <a:t> muss außerhalb der Anweisung definiert werden,</a:t>
             </a:r>
             <a:r>
               <a:rPr lang="de-DE" baseline="0" dirty="0" smtClean="0"/>
-              <a:t> Reine Datenstruktur.  Aber Achtung: Ich kann in F# da ein bisschen schummeln, F# ist </a:t>
+              <a:t> wird jedoch davon berührt: das ist eine Nebenwirkung, also Side </a:t>
             </a:r>
             <a:r>
               <a:rPr lang="de-DE" baseline="0" dirty="0" err="1" smtClean="0"/>
-              <a:t>Functional</a:t>
+              <a:t>Effect</a:t>
             </a:r>
             <a:r>
               <a:rPr lang="de-DE" baseline="0" dirty="0" smtClean="0"/>
-              <a:t> </a:t>
-            </a:r>
+              <a:t>.</a:t>
+            </a:r>
+          </a:p>
+          <a:p>
             <a:r>
               <a:rPr lang="de-DE" baseline="0" dirty="0" err="1" smtClean="0"/>
-              <a:t>first</a:t>
+              <a:t>If</a:t>
             </a:r>
             <a:r>
               <a:rPr lang="de-DE" baseline="0" dirty="0" smtClean="0"/>
-              <a:t> und erlaubt die Verwendung von OO Konstrukte.</a:t>
-            </a:r>
-          </a:p>
-          <a:p>
-            <a:endParaRPr lang="de-DE" baseline="0" dirty="0" smtClean="0"/>
+              <a:t> ist eine Anweisung die NUR Nebenwirkungen erzeugt.  Ich kann IF nicht binden zu einem Bezeichner.</a:t>
+            </a:r>
           </a:p>
           <a:p>
             <a:r>
               <a:rPr lang="de-DE" baseline="0" dirty="0" smtClean="0"/>
-              <a:t>type Name = { Vor : </a:t>
+              <a:t>In einem Ausdruck gibt es keine Nebenwirkung da die Variable den Wert erhält sobald sie deklariert wird.  In einer FP Sprache wäre </a:t>
             </a:r>
             <a:r>
               <a:rPr lang="de-DE" baseline="0" dirty="0" err="1" smtClean="0"/>
-              <a:t>string</a:t>
+              <a:t>result</a:t>
             </a:r>
             <a:r>
               <a:rPr lang="de-DE" baseline="0" dirty="0" smtClean="0"/>
-              <a:t>; Nach : </a:t>
-            </a:r>
-            <a:r>
-              <a:rPr lang="de-DE" baseline="0" dirty="0" err="1" smtClean="0"/>
-              <a:t>string</a:t>
-            </a:r>
-            <a:r>
-              <a:rPr lang="de-DE" baseline="0" dirty="0" smtClean="0"/>
-              <a:t>; }</a:t>
-            </a:r>
-          </a:p>
-          <a:p>
-            <a:r>
-              <a:rPr lang="de-DE" baseline="0" dirty="0" smtClean="0"/>
-              <a:t>type Name‘ = { Name : Name; Title : </a:t>
-            </a:r>
-            <a:r>
-              <a:rPr lang="de-DE" baseline="0" dirty="0" err="1" smtClean="0"/>
-              <a:t>string</a:t>
-            </a:r>
-            <a:r>
-              <a:rPr lang="de-DE" baseline="0" dirty="0" smtClean="0"/>
-              <a:t>; Zusatz : </a:t>
-            </a:r>
-            <a:r>
-              <a:rPr lang="de-DE" baseline="0" dirty="0" err="1" smtClean="0"/>
-              <a:t>string</a:t>
-            </a:r>
-            <a:r>
-              <a:rPr lang="de-DE" baseline="0" dirty="0" smtClean="0"/>
-              <a:t>; }</a:t>
-            </a:r>
-          </a:p>
-          <a:p>
-            <a:endParaRPr lang="de-DE" baseline="0" dirty="0" smtClean="0"/>
-          </a:p>
-          <a:p>
-            <a:r>
-              <a:rPr lang="de-DE" baseline="0" dirty="0" err="1" smtClean="0"/>
-              <a:t>Immutability</a:t>
-            </a:r>
-            <a:r>
-              <a:rPr lang="de-DE" baseline="0" dirty="0" smtClean="0"/>
-              <a:t>. Grundsätzlich: Es gibt keine Variablen (Slot im Speicher wo ich etwas pushen und poppen kann). Einmal zugewiesen, bleibt es da für immer! Zwei Vorteile:</a:t>
-            </a:r>
-          </a:p>
-          <a:p>
-            <a:pPr marL="171450" indent="-171450">
-              <a:buFontTx/>
-              <a:buChar char="-"/>
-            </a:pPr>
-            <a:r>
-              <a:rPr lang="de-DE" baseline="0" dirty="0" smtClean="0"/>
-              <a:t>Simple </a:t>
-            </a:r>
-            <a:r>
-              <a:rPr lang="de-DE" baseline="0" dirty="0" err="1" smtClean="0"/>
-              <a:t>to</a:t>
-            </a:r>
-            <a:r>
-              <a:rPr lang="de-DE" baseline="0" dirty="0" smtClean="0"/>
-              <a:t> </a:t>
-            </a:r>
-            <a:r>
-              <a:rPr lang="de-DE" baseline="0" dirty="0" err="1" smtClean="0"/>
-              <a:t>reason</a:t>
-            </a:r>
-            <a:r>
-              <a:rPr lang="de-DE" baseline="0" dirty="0" smtClean="0"/>
-              <a:t> </a:t>
-            </a:r>
-            <a:r>
-              <a:rPr lang="de-DE" baseline="0" dirty="0" err="1" smtClean="0"/>
-              <a:t>about</a:t>
-            </a:r>
-            <a:r>
-              <a:rPr lang="de-DE" baseline="0" dirty="0" smtClean="0"/>
-              <a:t>. Die Frage „Wann hat sich der Wert geändert?“ stellt sich gar nicht mehr, der Wert kann nur zugewiesen werden</a:t>
-            </a:r>
-          </a:p>
-          <a:p>
-            <a:pPr marL="171450" indent="-171450">
-              <a:buFontTx/>
-              <a:buChar char="-"/>
-            </a:pPr>
-            <a:r>
-              <a:rPr lang="de-DE" baseline="0" dirty="0" smtClean="0"/>
-              <a:t>Multi Core </a:t>
-            </a:r>
-            <a:r>
-              <a:rPr lang="de-DE" baseline="0" dirty="0" err="1" smtClean="0"/>
-              <a:t>ready</a:t>
-            </a:r>
-            <a:r>
-              <a:rPr lang="de-DE" baseline="0" dirty="0" smtClean="0"/>
-              <a:t>: Kein </a:t>
-            </a:r>
-            <a:r>
-              <a:rPr lang="de-DE" baseline="0" dirty="0" err="1" smtClean="0"/>
-              <a:t>Mutex</a:t>
-            </a:r>
-            <a:r>
-              <a:rPr lang="de-DE" baseline="0" dirty="0" smtClean="0"/>
-              <a:t>, kein Semaphore, kein Monitor!</a:t>
-            </a:r>
-          </a:p>
-          <a:p>
-            <a:pPr marL="171450" indent="-171450">
-              <a:buFontTx/>
-              <a:buChar char="-"/>
-            </a:pPr>
-            <a:r>
-              <a:rPr lang="de-DE" baseline="0" dirty="0" smtClean="0"/>
-              <a:t>Man muss State neudenken, besser neulernen, die FP Leute haben das schon gemacht. Und übrigens, </a:t>
-            </a:r>
-            <a:r>
-              <a:rPr lang="de-DE" baseline="0" dirty="0" err="1" smtClean="0"/>
-              <a:t>SmallTalk</a:t>
-            </a:r>
-            <a:r>
-              <a:rPr lang="de-DE" baseline="0" dirty="0" smtClean="0"/>
-              <a:t> war auch </a:t>
+              <a:t> auch noch </a:t>
             </a:r>
             <a:r>
               <a:rPr lang="de-DE" baseline="0" dirty="0" err="1" smtClean="0"/>
@@ -2779,13 +2976,25 @@
             </a:r>
             <a:r>
               <a:rPr lang="de-DE" baseline="0" dirty="0" smtClean="0"/>
-              <a:t>, State war nur mittels eines Messaging Untersystem möglich.</a:t>
+              <a:t>.</a:t>
             </a:r>
           </a:p>
           <a:p>
             <a:endParaRPr lang="de-DE" baseline="0" dirty="0" smtClean="0"/>
           </a:p>
           <a:p>
+            <a:r>
+              <a:rPr lang="de-DE" baseline="0" dirty="0" smtClean="0"/>
+              <a:t>KEINE </a:t>
+            </a:r>
+            <a:r>
+              <a:rPr lang="de-DE" baseline="0" dirty="0" err="1" smtClean="0"/>
+              <a:t>NullReferenceExceptions</a:t>
+            </a:r>
+            <a:r>
+              <a:rPr lang="de-DE" baseline="0" dirty="0" smtClean="0"/>
+              <a:t> mehr, WIRKLICH, GAR keine mehr!!!!!!!!!!!!</a:t>
+            </a:r>
             <a:endParaRPr lang="en-US" dirty="0"/>
           </a:p>
         </p:txBody>
@@ -2816,7 +3025,7 @@
     </p:spTree>
     <p:extLst>
       <p:ext uri="{BB962C8B-B14F-4D97-AF65-F5344CB8AC3E}">
-        <p14:creationId xmlns:p14="http://schemas.microsoft.com/office/powerpoint/2010/main" val="1782259541"/>
+        <p14:creationId xmlns:p14="http://schemas.microsoft.com/office/powerpoint/2010/main" val="1270029111"/>
       </p:ext>
     </p:extLst>
   </p:cSld>
@@ -3238,6 +3447,189 @@
           <a:bodyPr/>
           <a:lstStyle/>
           <a:p>
+            <a:r>
+              <a:rPr lang="de-DE" dirty="0" smtClean="0"/>
+              <a:t>Typ </a:t>
+            </a:r>
+            <a:r>
+              <a:rPr lang="de-DE" dirty="0" smtClean="0"/>
+              <a:t>&lt;&gt; Klasse: Kein Verhalten,</a:t>
+            </a:r>
+            <a:r>
+              <a:rPr lang="de-DE" baseline="0" dirty="0" smtClean="0"/>
+              <a:t> Reine Datenstruktur.  Aber Achtung: Ich kann in F# da ein bisschen schummeln, F# ist </a:t>
+            </a:r>
+            <a:r>
+              <a:rPr lang="de-DE" baseline="0" dirty="0" err="1" smtClean="0"/>
+              <a:t>Functional</a:t>
+            </a:r>
+            <a:r>
+              <a:rPr lang="de-DE" baseline="0" dirty="0" smtClean="0"/>
+              <a:t> </a:t>
+            </a:r>
+            <a:r>
+              <a:rPr lang="de-DE" baseline="0" dirty="0" err="1" smtClean="0"/>
+              <a:t>first</a:t>
+            </a:r>
+            <a:r>
+              <a:rPr lang="de-DE" baseline="0" dirty="0" smtClean="0"/>
+              <a:t> und erlaubt die Verwendung von OO Konstrukte.</a:t>
+            </a:r>
+          </a:p>
+          <a:p>
+            <a:endParaRPr lang="de-DE" baseline="0" dirty="0" smtClean="0"/>
+          </a:p>
+          <a:p>
+            <a:r>
+              <a:rPr lang="de-DE" baseline="0" dirty="0" smtClean="0"/>
+              <a:t>type Name = { Vor : </a:t>
+            </a:r>
+            <a:r>
+              <a:rPr lang="de-DE" baseline="0" dirty="0" err="1" smtClean="0"/>
+              <a:t>string</a:t>
+            </a:r>
+            <a:r>
+              <a:rPr lang="de-DE" baseline="0" dirty="0" smtClean="0"/>
+              <a:t>; Nach : </a:t>
+            </a:r>
+            <a:r>
+              <a:rPr lang="de-DE" baseline="0" dirty="0" err="1" smtClean="0"/>
+              <a:t>string</a:t>
+            </a:r>
+            <a:r>
+              <a:rPr lang="de-DE" baseline="0" dirty="0" smtClean="0"/>
+              <a:t>; }</a:t>
+            </a:r>
+          </a:p>
+          <a:p>
+            <a:r>
+              <a:rPr lang="de-DE" baseline="0" dirty="0" smtClean="0"/>
+              <a:t>type Name‘ = { Name : Name; Title : </a:t>
+            </a:r>
+            <a:r>
+              <a:rPr lang="de-DE" baseline="0" dirty="0" err="1" smtClean="0"/>
+              <a:t>string</a:t>
+            </a:r>
+            <a:r>
+              <a:rPr lang="de-DE" baseline="0" dirty="0" smtClean="0"/>
+              <a:t>; Zusatz : </a:t>
+            </a:r>
+            <a:r>
+              <a:rPr lang="de-DE" baseline="0" dirty="0" err="1" smtClean="0"/>
+              <a:t>string</a:t>
+            </a:r>
+            <a:r>
+              <a:rPr lang="de-DE" baseline="0" dirty="0" smtClean="0"/>
+              <a:t>; }</a:t>
+            </a:r>
+          </a:p>
+          <a:p>
+            <a:endParaRPr lang="de-DE" baseline="0" dirty="0" smtClean="0"/>
+          </a:p>
+          <a:p>
+            <a:r>
+              <a:rPr lang="de-DE" baseline="0" dirty="0" err="1" smtClean="0"/>
+              <a:t>Immutability</a:t>
+            </a:r>
+            <a:r>
+              <a:rPr lang="de-DE" baseline="0" dirty="0" smtClean="0"/>
+              <a:t>. Grundsätzlich: Es gibt keine Variablen (Slot im Speicher wo ich etwas pushen und poppen kann). Einmal zugewiesen, bleibt es da für immer! Zwei Vorteile:</a:t>
+            </a:r>
+          </a:p>
+          <a:p>
+            <a:pPr marL="171450" indent="-171450">
+              <a:buFontTx/>
+              <a:buChar char="-"/>
+            </a:pPr>
+            <a:r>
+              <a:rPr lang="de-DE" baseline="0" dirty="0" smtClean="0"/>
+              <a:t>Simple </a:t>
+            </a:r>
+            <a:r>
+              <a:rPr lang="de-DE" baseline="0" dirty="0" err="1" smtClean="0"/>
+              <a:t>to</a:t>
+            </a:r>
+            <a:r>
+              <a:rPr lang="de-DE" baseline="0" dirty="0" smtClean="0"/>
+              <a:t> </a:t>
+            </a:r>
+            <a:r>
+              <a:rPr lang="de-DE" baseline="0" dirty="0" err="1" smtClean="0"/>
+              <a:t>reason</a:t>
+            </a:r>
+            <a:r>
+              <a:rPr lang="de-DE" baseline="0" dirty="0" smtClean="0"/>
+              <a:t> </a:t>
+            </a:r>
+            <a:r>
+              <a:rPr lang="de-DE" baseline="0" dirty="0" err="1" smtClean="0"/>
+              <a:t>about</a:t>
+            </a:r>
+            <a:r>
+              <a:rPr lang="de-DE" baseline="0" dirty="0" smtClean="0"/>
+              <a:t>. Die Frage „Wann hat sich der Wert geändert?“ stellt sich gar nicht mehr, der Wert kann nur zugewiesen werden</a:t>
+            </a:r>
+          </a:p>
+          <a:p>
+            <a:pPr marL="171450" indent="-171450">
+              <a:buFontTx/>
+              <a:buChar char="-"/>
+            </a:pPr>
+            <a:r>
+              <a:rPr lang="de-DE" baseline="0" dirty="0" smtClean="0"/>
+              <a:t>Multi Core </a:t>
+            </a:r>
+            <a:r>
+              <a:rPr lang="de-DE" baseline="0" dirty="0" err="1" smtClean="0"/>
+              <a:t>ready</a:t>
+            </a:r>
+            <a:r>
+              <a:rPr lang="de-DE" baseline="0" dirty="0" smtClean="0"/>
+              <a:t>: Kein </a:t>
+            </a:r>
+            <a:r>
+              <a:rPr lang="de-DE" baseline="0" dirty="0" err="1" smtClean="0"/>
+              <a:t>Mutex</a:t>
+            </a:r>
+            <a:r>
+              <a:rPr lang="de-DE" baseline="0" dirty="0" smtClean="0"/>
+              <a:t>, kein Semaphore, kein Monitor!</a:t>
+            </a:r>
+          </a:p>
+          <a:p>
+            <a:pPr marL="171450" indent="-171450">
+              <a:buFontTx/>
+              <a:buChar char="-"/>
+            </a:pPr>
+            <a:r>
+              <a:rPr lang="de-DE" baseline="0" dirty="0" smtClean="0"/>
+              <a:t>Man muss State neudenken, besser neulernen, die FP Leute haben das schon gemacht. Und übrigens, </a:t>
+            </a:r>
+            <a:r>
+              <a:rPr lang="de-DE" baseline="0" dirty="0" err="1" smtClean="0"/>
+              <a:t>SmallTalk</a:t>
+            </a:r>
+            <a:r>
+              <a:rPr lang="de-DE" baseline="0" dirty="0" smtClean="0"/>
+              <a:t> war auch </a:t>
+            </a:r>
+            <a:r>
+              <a:rPr lang="de-DE" baseline="0" dirty="0" err="1" smtClean="0"/>
+              <a:t>immutable</a:t>
+            </a:r>
+            <a:r>
+              <a:rPr lang="de-DE" baseline="0" dirty="0" smtClean="0"/>
+              <a:t>, State war nur mittels eines Messaging Untersystem möglich.</a:t>
+            </a:r>
+          </a:p>
+          <a:p>
+            <a:pPr marL="171450" indent="-171450">
+              <a:buFontTx/>
+              <a:buChar char="-"/>
+            </a:pPr>
+            <a:endParaRPr lang="de-DE" baseline="0" dirty="0" smtClean="0"/>
+          </a:p>
+          <a:p>
             <a:pPr marL="0" marR="0" indent="0" algn="l" defTabSz="914400" rtl="0" eaLnBrk="1" fontAlgn="auto" latinLnBrk="0" hangingPunct="1">
               <a:lnSpc>
                 <a:spcPct val="100000"/>
@@ -3257,166 +3649,147 @@
             </a:pPr>
             <a:r>
               <a:rPr lang="de-DE" dirty="0" smtClean="0"/>
-              <a:t>F# ist „</a:t>
-            </a:r>
-            <a:r>
-              <a:rPr lang="de-DE" dirty="0" err="1" smtClean="0"/>
-              <a:t>functional</a:t>
-            </a:r>
-            <a:r>
-              <a:rPr lang="de-DE" dirty="0" smtClean="0"/>
-              <a:t> </a:t>
-            </a:r>
-            <a:r>
-              <a:rPr lang="de-DE" dirty="0" err="1" smtClean="0"/>
-              <a:t>first</a:t>
-            </a:r>
-            <a:r>
-              <a:rPr lang="de-DE" dirty="0" smtClean="0"/>
-              <a:t>“, die Konstrukte der OO Welt stehen mir weiterhin zur</a:t>
+              <a:t>Eventuell</a:t>
             </a:r>
             <a:r>
               <a:rPr lang="de-DE" baseline="0" dirty="0" smtClean="0"/>
-              <a:t> Verfügung in F#.</a:t>
-            </a:r>
-          </a:p>
-          <a:p>
-            <a:pPr marL="0" marR="0" indent="0" algn="l" defTabSz="914400" rtl="0" eaLnBrk="1" fontAlgn="auto" latinLnBrk="0" hangingPunct="1">
-              <a:lnSpc>
-                <a:spcPct val="100000"/>
-              </a:lnSpc>
-              <a:spcBef>
-                <a:spcPts val="0"/>
-              </a:spcBef>
-              <a:spcAft>
-                <a:spcPts val="0"/>
-              </a:spcAft>
-              <a:buClrTx/>
-              <a:buSzTx/>
+              <a:t> noch zusammenfassen – was sind die Vorteile? Nicht unbedingt hier, sondern als </a:t>
+            </a:r>
+            <a:r>
+              <a:rPr lang="de-DE" baseline="0" dirty="0" err="1" smtClean="0"/>
+              <a:t>Zusammenfasung</a:t>
+            </a:r>
+            <a:r>
+              <a:rPr lang="de-DE" baseline="0" dirty="0" smtClean="0"/>
+              <a:t> am Ende</a:t>
+            </a:r>
+            <a:r>
+              <a:rPr lang="de-DE" baseline="0" dirty="0" smtClean="0"/>
+              <a:t>? FEHLT</a:t>
+            </a:r>
+            <a:endParaRPr lang="de-DE" dirty="0" smtClean="0"/>
+          </a:p>
+          <a:p>
+            <a:pPr marL="0" indent="0">
               <a:buFontTx/>
               <a:buNone/>
-              <a:tabLst/>
-              <a:defRPr/>
             </a:pPr>
             <a:endParaRPr lang="de-DE" baseline="0" dirty="0" smtClean="0"/>
           </a:p>
           <a:p>
-            <a:pPr marL="0" marR="0" indent="0" algn="l" defTabSz="914400" rtl="0" eaLnBrk="1" fontAlgn="auto" latinLnBrk="0" hangingPunct="1">
-              <a:lnSpc>
-                <a:spcPct val="100000"/>
-              </a:lnSpc>
-              <a:spcBef>
-                <a:spcPts val="0"/>
-              </a:spcBef>
-              <a:spcAft>
-                <a:spcPts val="0"/>
-              </a:spcAft>
-              <a:buClrTx/>
-              <a:buSzTx/>
+            <a:r>
+              <a:rPr lang="en-US" sz="1200" kern="1200" dirty="0" smtClean="0">
+                <a:solidFill>
+                  <a:schemeClr val="tx1"/>
+                </a:solidFill>
+                <a:latin typeface="+mn-lt"/>
+                <a:ea typeface="+mn-ea"/>
+                <a:cs typeface="+mn-cs"/>
+              </a:rPr>
+              <a:t>type S = { Name : string; </a:t>
+            </a:r>
+            <a:r>
+              <a:rPr lang="en-US" sz="1200" kern="1200" dirty="0" err="1" smtClean="0">
+                <a:solidFill>
+                  <a:schemeClr val="tx1"/>
+                </a:solidFill>
+                <a:latin typeface="+mn-lt"/>
+                <a:ea typeface="+mn-ea"/>
+                <a:cs typeface="+mn-cs"/>
+              </a:rPr>
+              <a:t>Tun</a:t>
+            </a:r>
+            <a:r>
+              <a:rPr lang="en-US" sz="1200" kern="1200" dirty="0" smtClean="0">
+                <a:solidFill>
+                  <a:schemeClr val="tx1"/>
+                </a:solidFill>
+                <a:latin typeface="+mn-lt"/>
+                <a:ea typeface="+mn-ea"/>
+                <a:cs typeface="+mn-cs"/>
+              </a:rPr>
+              <a:t> : string -&gt; string; };;</a:t>
+            </a:r>
+          </a:p>
+          <a:p>
+            <a:r>
+              <a:rPr lang="de-DE" sz="1200" kern="1200" dirty="0" err="1" smtClean="0">
+                <a:solidFill>
+                  <a:schemeClr val="tx1"/>
+                </a:solidFill>
+                <a:latin typeface="+mn-lt"/>
+                <a:ea typeface="+mn-ea"/>
+                <a:cs typeface="+mn-cs"/>
+              </a:rPr>
+              <a:t>let</a:t>
+            </a:r>
+            <a:r>
+              <a:rPr lang="de-DE" sz="1200" kern="1200" baseline="0" dirty="0" smtClean="0">
+                <a:solidFill>
+                  <a:schemeClr val="tx1"/>
+                </a:solidFill>
+                <a:latin typeface="+mn-lt"/>
+                <a:ea typeface="+mn-ea"/>
+                <a:cs typeface="+mn-cs"/>
+              </a:rPr>
+              <a:t> f g x = g x;;</a:t>
+            </a:r>
+          </a:p>
+          <a:p>
+            <a:r>
+              <a:rPr lang="de-DE" sz="1200" kern="1200" baseline="0" dirty="0" err="1" smtClean="0">
+                <a:solidFill>
+                  <a:schemeClr val="tx1"/>
+                </a:solidFill>
+                <a:latin typeface="+mn-lt"/>
+                <a:ea typeface="+mn-ea"/>
+                <a:cs typeface="+mn-cs"/>
+              </a:rPr>
+              <a:t>let</a:t>
+            </a:r>
+            <a:r>
+              <a:rPr lang="de-DE" sz="1200" kern="1200" baseline="0" dirty="0" smtClean="0">
+                <a:solidFill>
+                  <a:schemeClr val="tx1"/>
+                </a:solidFill>
+                <a:latin typeface="+mn-lt"/>
+                <a:ea typeface="+mn-ea"/>
+                <a:cs typeface="+mn-cs"/>
+              </a:rPr>
+              <a:t> </a:t>
+            </a:r>
+            <a:r>
+              <a:rPr lang="de-DE" sz="1200" kern="1200" baseline="0" dirty="0" err="1" smtClean="0">
+                <a:solidFill>
+                  <a:schemeClr val="tx1"/>
+                </a:solidFill>
+                <a:latin typeface="+mn-lt"/>
+                <a:ea typeface="+mn-ea"/>
+                <a:cs typeface="+mn-cs"/>
+              </a:rPr>
+              <a:t>addFive</a:t>
+            </a:r>
+            <a:r>
+              <a:rPr lang="de-DE" sz="1200" kern="1200" baseline="0" dirty="0" smtClean="0">
+                <a:solidFill>
+                  <a:schemeClr val="tx1"/>
+                </a:solidFill>
+                <a:latin typeface="+mn-lt"/>
+                <a:ea typeface="+mn-ea"/>
+                <a:cs typeface="+mn-cs"/>
+              </a:rPr>
+              <a:t> x = (+) x 5;;</a:t>
+            </a:r>
+            <a:endParaRPr lang="de-DE" dirty="0" smtClean="0"/>
+          </a:p>
+          <a:p>
+            <a:pPr marL="0" indent="0">
               <a:buFontTx/>
               <a:buNone/>
-              <a:tabLst/>
-              <a:defRPr/>
-            </a:pPr>
-            <a:r>
-              <a:rPr lang="de-DE" baseline="0" dirty="0" smtClean="0"/>
-              <a:t>Stärker betonen, dass (sobald funktionale Konstrukte in der Sprache bereitstehen), diese den Code vereinfachen können</a:t>
-            </a:r>
-          </a:p>
-          <a:p>
-            <a:pPr marL="0" marR="0" indent="0" algn="l" defTabSz="914400" rtl="0" eaLnBrk="1" fontAlgn="auto" latinLnBrk="0" hangingPunct="1">
-              <a:lnSpc>
-                <a:spcPct val="100000"/>
-              </a:lnSpc>
-              <a:spcBef>
-                <a:spcPts val="0"/>
-              </a:spcBef>
-              <a:spcAft>
-                <a:spcPts val="0"/>
-              </a:spcAft>
-              <a:buClrTx/>
-              <a:buSzTx/>
-              <a:buFontTx/>
-              <a:buNone/>
-              <a:tabLst/>
-              <a:defRPr/>
             </a:pPr>
             <a:endParaRPr lang="de-DE" baseline="0" dirty="0" smtClean="0"/>
           </a:p>
           <a:p>
-            <a:pPr marL="0" marR="0" indent="0" algn="l" defTabSz="914400" rtl="0" eaLnBrk="1" fontAlgn="auto" latinLnBrk="0" hangingPunct="1">
-              <a:lnSpc>
-                <a:spcPct val="100000"/>
-              </a:lnSpc>
-              <a:spcBef>
-                <a:spcPts val="0"/>
-              </a:spcBef>
-              <a:spcAft>
-                <a:spcPts val="0"/>
-              </a:spcAft>
-              <a:buClrTx/>
-              <a:buSzTx/>
-              <a:buFontTx/>
-              <a:buNone/>
-              <a:tabLst/>
-              <a:defRPr/>
-            </a:pPr>
-            <a:r>
-              <a:rPr lang="de-DE" baseline="0" dirty="0" smtClean="0"/>
-              <a:t>Direkt die Frage beantworten – Warum FP? -&gt; </a:t>
-            </a:r>
-            <a:r>
-              <a:rPr lang="de-DE" baseline="0" dirty="0" err="1" smtClean="0"/>
-              <a:t>Immutability</a:t>
-            </a:r>
-            <a:r>
-              <a:rPr lang="de-DE" baseline="0" dirty="0" smtClean="0"/>
-              <a:t>, Making invalid </a:t>
-            </a:r>
-            <a:r>
-              <a:rPr lang="de-DE" baseline="0" dirty="0" err="1" smtClean="0"/>
-              <a:t>state</a:t>
-            </a:r>
-            <a:r>
-              <a:rPr lang="de-DE" baseline="0" dirty="0" smtClean="0"/>
-              <a:t> </a:t>
-            </a:r>
-            <a:r>
-              <a:rPr lang="de-DE" baseline="0" dirty="0" err="1" smtClean="0"/>
-              <a:t>un-representable</a:t>
-            </a:r>
-            <a:r>
-              <a:rPr lang="de-DE" baseline="0" dirty="0" smtClean="0"/>
-              <a:t> (Muss ich mir für das Beispiel mit DDD aufheben!), high-oder </a:t>
-            </a:r>
-            <a:r>
-              <a:rPr lang="de-DE" baseline="0" dirty="0" err="1" smtClean="0"/>
-              <a:t>functions</a:t>
-            </a:r>
-            <a:r>
-              <a:rPr lang="de-DE" baseline="0" dirty="0" smtClean="0"/>
-              <a:t>, …</a:t>
-            </a:r>
-            <a:endParaRPr lang="en-US" dirty="0" smtClean="0"/>
-          </a:p>
-          <a:p>
-            <a:pPr marL="0" marR="0" indent="0" algn="l" defTabSz="914400" rtl="0" eaLnBrk="1" fontAlgn="auto" latinLnBrk="0" hangingPunct="1">
-              <a:lnSpc>
-                <a:spcPct val="100000"/>
-              </a:lnSpc>
-              <a:spcBef>
-                <a:spcPts val="0"/>
-              </a:spcBef>
-              <a:spcAft>
-                <a:spcPts val="0"/>
-              </a:spcAft>
-              <a:buClrTx/>
-              <a:buSzTx/>
-              <a:buFontTx/>
-              <a:buNone/>
-              <a:tabLst/>
-              <a:defRPr/>
-            </a:pPr>
             <a:endParaRPr lang="de-DE" baseline="0" dirty="0" smtClean="0"/>
           </a:p>
           <a:p>
@@ -3450,7 +3823,7 @@
     </p:spTree>
     <p:extLst>
       <p:ext uri="{BB962C8B-B14F-4D97-AF65-F5344CB8AC3E}">
-        <p14:creationId xmlns:p14="http://schemas.microsoft.com/office/powerpoint/2010/main" val="3358926703"/>
+        <p14:creationId xmlns:p14="http://schemas.microsoft.com/office/powerpoint/2010/main" val="1782259541"/>
       </p:ext>
     </p:extLst>
   </p:cSld>
@@ -3641,7 +4014,7 @@
           <a:p>
             <a:fld id="{28CA3B8B-C56F-4663-93D1-BECEDA7EAF67}" type="datetimeFigureOut">
               <a:rPr lang="en-US" smtClean="0"/>
-              <a:t>11/23/2015</a:t>
+              <a:t>11/24/2015</a:t>
             </a:fld>
             <a:endParaRPr lang="en-US"/>
           </a:p>
@@ -3811,7 +4184,7 @@
           <a:p>
             <a:fld id="{28CA3B8B-C56F-4663-93D1-BECEDA7EAF67}" type="datetimeFigureOut">
               <a:rPr lang="en-US" smtClean="0"/>
-              <a:t>11/23/2015</a:t>
+              <a:t>11/24/2015</a:t>
             </a:fld>
             <a:endParaRPr lang="en-US"/>
           </a:p>
@@ -3991,7 +4364,7 @@
           <a:p>
             <a:fld id="{28CA3B8B-C56F-4663-93D1-BECEDA7EAF67}" type="datetimeFigureOut">
               <a:rPr lang="en-US" smtClean="0"/>
-              <a:t>11/23/2015</a:t>
+              <a:t>11/24/2015</a:t>
             </a:fld>
             <a:endParaRPr lang="en-US"/>
           </a:p>
@@ -4161,7 +4534,7 @@
           <a:p>
             <a:fld id="{28CA3B8B-C56F-4663-93D1-BECEDA7EAF67}" type="datetimeFigureOut">
               <a:rPr lang="en-US" smtClean="0"/>
-              <a:t>11/23/2015</a:t>
+              <a:t>11/24/2015</a:t>
             </a:fld>
             <a:endParaRPr lang="en-US"/>
           </a:p>
@@ -4407,7 +4780,7 @@
           <a:p>
             <a:fld id="{28CA3B8B-C56F-4663-93D1-BECEDA7EAF67}" type="datetimeFigureOut">
               <a:rPr lang="en-US" smtClean="0"/>
-              <a:t>11/23/2015</a:t>
+              <a:t>11/24/2015</a:t>
             </a:fld>
             <a:endParaRPr lang="en-US"/>
           </a:p>
@@ -4695,7 +5068,7 @@
           <a:p>
             <a:fld id="{28CA3B8B-C56F-4663-93D1-BECEDA7EAF67}" type="datetimeFigureOut">
               <a:rPr lang="en-US" smtClean="0"/>
-              <a:t>11/23/2015</a:t>
+              <a:t>11/24/2015</a:t>
             </a:fld>
             <a:endParaRPr lang="en-US"/>
           </a:p>
@@ -5117,7 +5490,7 @@
           <a:p>
             <a:fld id="{28CA3B8B-C56F-4663-93D1-BECEDA7EAF67}" type="datetimeFigureOut">
               <a:rPr lang="en-US" smtClean="0"/>
-              <a:t>11/23/2015</a:t>
+              <a:t>11/24/2015</a:t>
             </a:fld>
             <a:endParaRPr lang="en-US"/>
           </a:p>
@@ -5235,7 +5608,7 @@
           <a:p>
             <a:fld id="{28CA3B8B-C56F-4663-93D1-BECEDA7EAF67}" type="datetimeFigureOut">
               <a:rPr lang="en-US" smtClean="0"/>
-              <a:t>11/23/2015</a:t>
+              <a:t>11/24/2015</a:t>
             </a:fld>
             <a:endParaRPr lang="en-US"/>
           </a:p>
@@ -5330,7 +5703,7 @@
           <a:p>
             <a:fld id="{28CA3B8B-C56F-4663-93D1-BECEDA7EAF67}" type="datetimeFigureOut">
               <a:rPr lang="en-US" smtClean="0"/>
-              <a:t>11/23/2015</a:t>
+              <a:t>11/24/2015</a:t>
             </a:fld>
             <a:endParaRPr lang="en-US"/>
           </a:p>
@@ -5607,7 +5980,7 @@
           <a:p>
             <a:fld id="{28CA3B8B-C56F-4663-93D1-BECEDA7EAF67}" type="datetimeFigureOut">
               <a:rPr lang="en-US" smtClean="0"/>
-              <a:t>11/23/2015</a:t>
+              <a:t>11/24/2015</a:t>
             </a:fld>
             <a:endParaRPr lang="en-US"/>
           </a:p>
@@ -5860,7 +6233,7 @@
           <a:p>
             <a:fld id="{28CA3B8B-C56F-4663-93D1-BECEDA7EAF67}" type="datetimeFigureOut">
               <a:rPr lang="en-US" smtClean="0"/>
-              <a:t>11/23/2015</a:t>
+              <a:t>11/24/2015</a:t>
             </a:fld>
             <a:endParaRPr lang="en-US"/>
           </a:p>
@@ -6073,7 +6446,7 @@
           <a:p>
             <a:fld id="{28CA3B8B-C56F-4663-93D1-BECEDA7EAF67}" type="datetimeFigureOut">
               <a:rPr lang="en-US" smtClean="0"/>
-              <a:t>11/23/2015</a:t>
+              <a:t>11/24/2015</a:t>
             </a:fld>
             <a:endParaRPr lang="en-US"/>
           </a:p>
@@ -6709,11 +7082,11 @@
           <a:bodyPr/>
           <a:lstStyle/>
           <a:p>
-            <a:r>
-              <a:rPr lang="de-DE" dirty="0" smtClean="0"/>
-              <a:t>Warum F#?</a:t>
-            </a:r>
-            <a:endParaRPr lang="en-US" dirty="0"/>
+            <a:pPr marL="0" indent="0"/>
+            <a:r>
+              <a:rPr lang="de-DE" dirty="0"/>
+              <a:t>Ideen aus der FP Welt</a:t>
+            </a:r>
           </a:p>
         </p:txBody>
       </p:sp>
@@ -6730,7 +7103,7 @@
         <p:spPr/>
         <p:txBody>
           <a:bodyPr>
-            <a:normAutofit/>
+            <a:normAutofit fontScale="92500" lnSpcReduction="20000"/>
           </a:bodyPr>
           <a:lstStyle/>
           <a:p>
@@ -6738,22 +7111,471 @@
               <a:buNone/>
             </a:pPr>
             <a:r>
+              <a:rPr lang="de-DE" dirty="0" err="1" smtClean="0"/>
+              <a:t>Immutability</a:t>
+            </a:r>
+            <a:endParaRPr lang="de-DE" dirty="0" smtClean="0"/>
+          </a:p>
+          <a:p>
+            <a:r>
+              <a:rPr lang="de-DE" dirty="0" smtClean="0"/>
+              <a:t>Keine </a:t>
+            </a:r>
+            <a:r>
               <a:rPr lang="de-DE" dirty="0"/>
-              <a:t>F# ist eine </a:t>
+              <a:t>Variablen (Slot im Speicher wo ich etwas pushen und poppen kann). Einmal zugewiesen, bleibt </a:t>
+            </a:r>
+            <a:r>
+              <a:rPr lang="de-DE" dirty="0" smtClean="0"/>
+              <a:t>der Wert</a:t>
+            </a:r>
+          </a:p>
+          <a:p>
+            <a:r>
+              <a:rPr lang="de-DE" dirty="0" smtClean="0"/>
+              <a:t>Die </a:t>
+            </a:r>
+            <a:r>
+              <a:rPr lang="de-DE" dirty="0"/>
+              <a:t>Frage „Wann hat sich der Wert geändert?“ stellt sich gar nicht mehr, der Wert kann nur zugewiesen </a:t>
+            </a:r>
+            <a:r>
+              <a:rPr lang="de-DE" dirty="0" smtClean="0"/>
+              <a:t>werden</a:t>
+            </a:r>
+          </a:p>
+          <a:p>
+            <a:r>
+              <a:rPr lang="de-DE" dirty="0" smtClean="0"/>
+              <a:t>Multi-Core </a:t>
             </a:r>
             <a:r>
               <a:rPr lang="de-DE" dirty="0" err="1"/>
-              <a:t>functional</a:t>
+              <a:t>ready</a:t>
             </a:r>
             <a:r>
               <a:rPr lang="de-DE" dirty="0"/>
-              <a:t>-first .net Sprache</a:t>
-            </a:r>
+              <a:t>: Kein </a:t>
+            </a:r>
+            <a:r>
+              <a:rPr lang="de-DE" dirty="0" err="1"/>
+              <a:t>Mutex</a:t>
+            </a:r>
+            <a:r>
+              <a:rPr lang="de-DE" dirty="0"/>
+              <a:t>, </a:t>
+            </a:r>
+            <a:r>
+              <a:rPr lang="de-DE" dirty="0" smtClean="0"/>
+              <a:t>Semaphore</a:t>
+            </a:r>
+            <a:r>
+              <a:rPr lang="de-DE" dirty="0"/>
+              <a:t>, </a:t>
+            </a:r>
+            <a:r>
+              <a:rPr lang="de-DE" dirty="0" smtClean="0"/>
+              <a:t>Monitor!</a:t>
+            </a:r>
+          </a:p>
+          <a:p>
+            <a:r>
+              <a:rPr lang="de-DE" dirty="0" smtClean="0"/>
+              <a:t>Konsequenz: State muss neugedacht werden</a:t>
+            </a:r>
+            <a:endParaRPr lang="de-DE" dirty="0"/>
+          </a:p>
+          <a:p>
+            <a:endParaRPr lang="de-DE" dirty="0" smtClean="0"/>
           </a:p>
           <a:p>
             <a:pPr marL="0" indent="0">
               <a:buNone/>
             </a:pPr>
+            <a:endParaRPr lang="de-DE" dirty="0"/>
+          </a:p>
+        </p:txBody>
+      </p:sp>
+    </p:spTree>
+    <p:extLst>
+      <p:ext uri="{BB962C8B-B14F-4D97-AF65-F5344CB8AC3E}">
+        <p14:creationId xmlns:p14="http://schemas.microsoft.com/office/powerpoint/2010/main" val="1145584124"/>
+      </p:ext>
+    </p:extLst>
+  </p:cSld>
+  <p:clrMapOvr>
+    <a:masterClrMapping/>
+  </p:clrMapOvr>
+  <p:timing>
+    <p:tnLst>
+      <p:par>
+        <p:cTn id="1" dur="indefinite" restart="never" nodeType="tmRoot">
+          <p:childTnLst>
+            <p:seq concurrent="1" nextAc="seek">
+              <p:cTn id="2" dur="indefinite" nodeType="mainSeq">
+                <p:childTnLst>
+                  <p:par>
+                    <p:cTn id="3" fill="hold">
+                      <p:stCondLst>
+                        <p:cond delay="indefinite"/>
+                      </p:stCondLst>
+                      <p:childTnLst>
+                        <p:par>
+                          <p:cTn id="4" fill="hold">
+                            <p:stCondLst>
+                              <p:cond delay="0"/>
+                            </p:stCondLst>
+                            <p:childTnLst>
+                              <p:par>
+                                <p:cTn id="5" presetID="1" presetClass="entr" presetSubtype="0" fill="hold" nodeType="clickEffect">
+                                  <p:stCondLst>
+                                    <p:cond delay="0"/>
+                                  </p:stCondLst>
+                                  <p:childTnLst>
+                                    <p:set>
+                                      <p:cBhvr>
+                                        <p:cTn id="6" dur="1" fill="hold">
+                                          <p:stCondLst>
+                                            <p:cond delay="0"/>
+                                          </p:stCondLst>
+                                        </p:cTn>
+                                        <p:tgtEl>
+                                          <p:spTgt spid="3">
+                                            <p:txEl>
+                                              <p:pRg st="0" end="0"/>
+                                            </p:txEl>
+                                          </p:spTgt>
+                                        </p:tgtEl>
+                                        <p:attrNameLst>
+                                          <p:attrName>style.visibility</p:attrName>
+                                        </p:attrNameLst>
+                                      </p:cBhvr>
+                                      <p:to>
+                                        <p:strVal val="visible"/>
+                                      </p:to>
+                                    </p:set>
+                                  </p:childTnLst>
+                                </p:cTn>
+                              </p:par>
+                            </p:childTnLst>
+                          </p:cTn>
+                        </p:par>
+                      </p:childTnLst>
+                    </p:cTn>
+                  </p:par>
+                  <p:par>
+                    <p:cTn id="7" fill="hold">
+                      <p:stCondLst>
+                        <p:cond delay="indefinite"/>
+                      </p:stCondLst>
+                      <p:childTnLst>
+                        <p:par>
+                          <p:cTn id="8" fill="hold">
+                            <p:stCondLst>
+                              <p:cond delay="0"/>
+                            </p:stCondLst>
+                            <p:childTnLst>
+                              <p:par>
+                                <p:cTn id="9" presetID="1" presetClass="entr" presetSubtype="0" fill="hold" nodeType="clickEffect">
+                                  <p:stCondLst>
+                                    <p:cond delay="0"/>
+                                  </p:stCondLst>
+                                  <p:childTnLst>
+                                    <p:set>
+                                      <p:cBhvr>
+                                        <p:cTn id="10" dur="1" fill="hold">
+                                          <p:stCondLst>
+                                            <p:cond delay="0"/>
+                                          </p:stCondLst>
+                                        </p:cTn>
+                                        <p:tgtEl>
+                                          <p:spTgt spid="3">
+                                            <p:txEl>
+                                              <p:pRg st="1" end="1"/>
+                                            </p:txEl>
+                                          </p:spTgt>
+                                        </p:tgtEl>
+                                        <p:attrNameLst>
+                                          <p:attrName>style.visibility</p:attrName>
+                                        </p:attrNameLst>
+                                      </p:cBhvr>
+                                      <p:to>
+                                        <p:strVal val="visible"/>
+                                      </p:to>
+                                    </p:set>
+                                  </p:childTnLst>
+                                </p:cTn>
+                              </p:par>
+                            </p:childTnLst>
+                          </p:cTn>
+                        </p:par>
+                      </p:childTnLst>
+                    </p:cTn>
+                  </p:par>
+                  <p:par>
+                    <p:cTn id="11" fill="hold">
+                      <p:stCondLst>
+                        <p:cond delay="indefinite"/>
+                      </p:stCondLst>
+                      <p:childTnLst>
+                        <p:par>
+                          <p:cTn id="12" fill="hold">
+                            <p:stCondLst>
+                              <p:cond delay="0"/>
+                            </p:stCondLst>
+                            <p:childTnLst>
+                              <p:par>
+                                <p:cTn id="13" presetID="1" presetClass="entr" presetSubtype="0" fill="hold" nodeType="clickEffect">
+                                  <p:stCondLst>
+                                    <p:cond delay="0"/>
+                                  </p:stCondLst>
+                                  <p:childTnLst>
+                                    <p:set>
+                                      <p:cBhvr>
+                                        <p:cTn id="14" dur="1" fill="hold">
+                                          <p:stCondLst>
+                                            <p:cond delay="0"/>
+                                          </p:stCondLst>
+                                        </p:cTn>
+                                        <p:tgtEl>
+                                          <p:spTgt spid="3">
+                                            <p:txEl>
+                                              <p:pRg st="2" end="2"/>
+                                            </p:txEl>
+                                          </p:spTgt>
+                                        </p:tgtEl>
+                                        <p:attrNameLst>
+                                          <p:attrName>style.visibility</p:attrName>
+                                        </p:attrNameLst>
+                                      </p:cBhvr>
+                                      <p:to>
+                                        <p:strVal val="visible"/>
+                                      </p:to>
+                                    </p:set>
+                                  </p:childTnLst>
+                                </p:cTn>
+                              </p:par>
+                            </p:childTnLst>
+                          </p:cTn>
+                        </p:par>
+                      </p:childTnLst>
+                    </p:cTn>
+                  </p:par>
+                  <p:par>
+                    <p:cTn id="15" fill="hold">
+                      <p:stCondLst>
+                        <p:cond delay="indefinite"/>
+                      </p:stCondLst>
+                      <p:childTnLst>
+                        <p:par>
+                          <p:cTn id="16" fill="hold">
+                            <p:stCondLst>
+                              <p:cond delay="0"/>
+                            </p:stCondLst>
+                            <p:childTnLst>
+                              <p:par>
+                                <p:cTn id="17" presetID="1" presetClass="entr" presetSubtype="0" fill="hold" nodeType="clickEffect">
+                                  <p:stCondLst>
+                                    <p:cond delay="0"/>
+                                  </p:stCondLst>
+                                  <p:childTnLst>
+                                    <p:set>
+                                      <p:cBhvr>
+                                        <p:cTn id="18" dur="1" fill="hold">
+                                          <p:stCondLst>
+                                            <p:cond delay="0"/>
+                                          </p:stCondLst>
+                                        </p:cTn>
+                                        <p:tgtEl>
+                                          <p:spTgt spid="3">
+                                            <p:txEl>
+                                              <p:pRg st="3" end="3"/>
+                                            </p:txEl>
+                                          </p:spTgt>
+                                        </p:tgtEl>
+                                        <p:attrNameLst>
+                                          <p:attrName>style.visibility</p:attrName>
+                                        </p:attrNameLst>
+                                      </p:cBhvr>
+                                      <p:to>
+                                        <p:strVal val="visible"/>
+                                      </p:to>
+                                    </p:set>
+                                  </p:childTnLst>
+                                </p:cTn>
+                              </p:par>
+                            </p:childTnLst>
+                          </p:cTn>
+                        </p:par>
+                      </p:childTnLst>
+                    </p:cTn>
+                  </p:par>
+                  <p:par>
+                    <p:cTn id="19" fill="hold">
+                      <p:stCondLst>
+                        <p:cond delay="indefinite"/>
+                      </p:stCondLst>
+                      <p:childTnLst>
+                        <p:par>
+                          <p:cTn id="20" fill="hold">
+                            <p:stCondLst>
+                              <p:cond delay="0"/>
+                            </p:stCondLst>
+                            <p:childTnLst>
+                              <p:par>
+                                <p:cTn id="21" presetID="1" presetClass="entr" presetSubtype="0" fill="hold" nodeType="clickEffect">
+                                  <p:stCondLst>
+                                    <p:cond delay="0"/>
+                                  </p:stCondLst>
+                                  <p:childTnLst>
+                                    <p:set>
+                                      <p:cBhvr>
+                                        <p:cTn id="22" dur="1" fill="hold">
+                                          <p:stCondLst>
+                                            <p:cond delay="0"/>
+                                          </p:stCondLst>
+                                        </p:cTn>
+                                        <p:tgtEl>
+                                          <p:spTgt spid="3">
+                                            <p:txEl>
+                                              <p:pRg st="4" end="4"/>
+                                            </p:txEl>
+                                          </p:spTgt>
+                                        </p:tgtEl>
+                                        <p:attrNameLst>
+                                          <p:attrName>style.visibility</p:attrName>
+                                        </p:attrNameLst>
+                                      </p:cBhvr>
+                                      <p:to>
+                                        <p:strVal val="visible"/>
+                                      </p:to>
+                                    </p:set>
+                                  </p:childTnLst>
+                                </p:cTn>
+                              </p:par>
+                            </p:childTnLst>
+                          </p:cTn>
+                        </p:par>
+                      </p:childTnLst>
+                    </p:cTn>
+                  </p:par>
+                </p:childTnLst>
+              </p:cTn>
+              <p:prevCondLst>
+                <p:cond evt="onPrev" delay="0">
+                  <p:tgtEl>
+                    <p:sldTgt/>
+                  </p:tgtEl>
+                </p:cond>
+              </p:prevCondLst>
+              <p:nextCondLst>
+                <p:cond evt="onNext" delay="0">
+                  <p:tgtEl>
+                    <p:sldTgt/>
+                  </p:tgtEl>
+                </p:cond>
+              </p:nextCondLst>
+            </p:seq>
+          </p:childTnLst>
+        </p:cTn>
+      </p:par>
+    </p:tnLst>
+  </p:timing>
+</p:sld>
+</file>
+
+<file path=ppt/slides/slide11.xml><?xml version="1.0" encoding="utf-8"?>
+<p:sld xmlns:a="http://schemas.openxmlformats.org/drawingml/2006/main" xmlns:r="http://schemas.openxmlformats.org/officeDocument/2006/relationships" xmlns:p="http://schemas.openxmlformats.org/presentationml/2006/main">
+  <p:cSld>
+    <p:spTree>
+      <p:nvGrpSpPr>
+        <p:cNvPr id="1" name=""/>
+        <p:cNvGrpSpPr/>
+        <p:nvPr/>
+      </p:nvGrpSpPr>
+      <p:grpSpPr>
+        <a:xfrm>
+          <a:off x="0" y="0"/>
+          <a:ext cx="0" cy="0"/>
+          <a:chOff x="0" y="0"/>
+          <a:chExt cx="0" cy="0"/>
+        </a:xfrm>
+      </p:grpSpPr>
+      <p:sp>
+        <p:nvSpPr>
+          <p:cNvPr id="2" name="Title 1"/>
+          <p:cNvSpPr>
+            <a:spLocks noGrp="1"/>
+          </p:cNvSpPr>
+          <p:nvPr>
+            <p:ph type="title"/>
+          </p:nvPr>
+        </p:nvSpPr>
+        <p:spPr/>
+        <p:txBody>
+          <a:bodyPr/>
+          <a:lstStyle/>
+          <a:p>
+            <a:r>
+              <a:rPr lang="de-DE" dirty="0" smtClean="0"/>
+              <a:t>Warum F#?</a:t>
+            </a:r>
+            <a:endParaRPr lang="en-US" dirty="0"/>
+          </a:p>
+        </p:txBody>
+      </p:sp>
+      <p:sp>
+        <p:nvSpPr>
+          <p:cNvPr id="3" name="Content Placeholder 2"/>
+          <p:cNvSpPr>
+            <a:spLocks noGrp="1"/>
+          </p:cNvSpPr>
+          <p:nvPr>
+            <p:ph idx="1"/>
+          </p:nvPr>
+        </p:nvSpPr>
+        <p:spPr/>
+        <p:txBody>
+          <a:bodyPr>
+            <a:normAutofit fontScale="92500" lnSpcReduction="10000"/>
+          </a:bodyPr>
+          <a:lstStyle/>
+          <a:p>
+            <a:r>
+              <a:rPr lang="de-DE" dirty="0"/>
+              <a:t>F# ist eine </a:t>
+            </a:r>
+            <a:r>
+              <a:rPr lang="de-DE" dirty="0" err="1"/>
+              <a:t>functional</a:t>
+            </a:r>
+            <a:r>
+              <a:rPr lang="de-DE" dirty="0"/>
+              <a:t>-first .net Sprache: </a:t>
+            </a:r>
+            <a:r>
+              <a:rPr lang="de-DE" dirty="0" smtClean="0"/>
+              <a:t>Alles </a:t>
+            </a:r>
+            <a:r>
+              <a:rPr lang="de-DE" dirty="0"/>
+              <a:t>was in C# (IL) möglich ist (Getter/Setter, Interfaces, </a:t>
+            </a:r>
+            <a:r>
+              <a:rPr lang="de-DE" dirty="0" err="1"/>
+              <a:t>Methods</a:t>
+            </a:r>
+            <a:r>
+              <a:rPr lang="de-DE" dirty="0"/>
+              <a:t>, etc</a:t>
+            </a:r>
+            <a:r>
+              <a:rPr lang="de-DE" dirty="0" smtClean="0"/>
+              <a:t>.)</a:t>
+            </a:r>
+            <a:endParaRPr lang="de-DE" dirty="0"/>
+          </a:p>
+          <a:p>
             <a:r>
               <a:rPr lang="de-DE" dirty="0" smtClean="0"/>
               <a:t>Typsystem das </a:t>
@@ -6769,31 +7591,43 @@
             <a:endParaRPr lang="de-DE" dirty="0"/>
           </a:p>
           <a:p>
-            <a:pPr marL="0" indent="0">
-              <a:buNone/>
-            </a:pPr>
             <a:r>
               <a:rPr lang="de-DE" dirty="0" smtClean="0"/>
               <a:t>Prägnanz, LOC Zahl reduziert durch ML Syntax</a:t>
             </a:r>
           </a:p>
           <a:p>
-            <a:pPr marL="0" indent="0">
-              <a:buNone/>
-            </a:pPr>
             <a:r>
               <a:rPr lang="de-DE" dirty="0" err="1" smtClean="0"/>
               <a:t>Immutability</a:t>
             </a:r>
             <a:r>
               <a:rPr lang="de-DE" dirty="0" smtClean="0"/>
-              <a:t> als Default</a:t>
-            </a:r>
-          </a:p>
-          <a:p>
-            <a:pPr marL="0" indent="0">
-              <a:buNone/>
-            </a:pPr>
+              <a:t> als </a:t>
+            </a:r>
+            <a:r>
+              <a:rPr lang="de-DE" dirty="0" smtClean="0"/>
+              <a:t>Default, </a:t>
+            </a:r>
+            <a:r>
+              <a:rPr lang="de-DE" dirty="0" err="1" smtClean="0"/>
+              <a:t>mutable</a:t>
+            </a:r>
+            <a:r>
+              <a:rPr lang="de-DE" dirty="0" smtClean="0"/>
+              <a:t> „Code </a:t>
+            </a:r>
+            <a:r>
+              <a:rPr lang="de-DE" dirty="0" err="1" smtClean="0"/>
+              <a:t>smell</a:t>
+            </a:r>
+            <a:r>
+              <a:rPr lang="de-DE" dirty="0" smtClean="0"/>
+              <a:t>“</a:t>
+            </a:r>
+            <a:endParaRPr lang="de-DE" dirty="0" smtClean="0"/>
+          </a:p>
+          <a:p>
             <a:r>
               <a:rPr lang="de-DE" dirty="0"/>
               <a:t>ML Syntax </a:t>
@@ -6812,9 +7646,6 @@
             </a:r>
           </a:p>
           <a:p>
-            <a:pPr marL="0" indent="0">
-              <a:buNone/>
-            </a:pPr>
             <a:r>
               <a:rPr lang="de-DE" dirty="0" smtClean="0"/>
               <a:t>Vereinfachung </a:t>
@@ -6849,9 +7680,6 @@
             </a:r>
           </a:p>
           <a:p>
-            <a:pPr marL="0" indent="0">
-              <a:buNone/>
-            </a:pPr>
             <a:r>
               <a:rPr lang="de-DE" dirty="0"/>
               <a:t>Vereinfachung (Asynchron, Parallel, Strategie</a:t>
@@ -7276,7 +8104,7 @@
 </p:sld>
 </file>
 
-<file path=ppt/slides/slide11.xml><?xml version="1.0" encoding="utf-8"?>
+<file path=ppt/slides/slide12.xml><?xml version="1.0" encoding="utf-8"?>
 <p:sld xmlns:a="http://schemas.openxmlformats.org/drawingml/2006/main" xmlns:r="http://schemas.openxmlformats.org/officeDocument/2006/relationships" xmlns:p="http://schemas.openxmlformats.org/presentationml/2006/main">
   <p:cSld>
     <p:spTree>
@@ -7705,7 +8533,7 @@
 </p:sld>
 </file>
 
-<file path=ppt/slides/slide12.xml><?xml version="1.0" encoding="utf-8"?>
+<file path=ppt/slides/slide13.xml><?xml version="1.0" encoding="utf-8"?>
 <p:sld xmlns:a="http://schemas.openxmlformats.org/drawingml/2006/main" xmlns:r="http://schemas.openxmlformats.org/officeDocument/2006/relationships" xmlns:p="http://schemas.openxmlformats.org/presentationml/2006/main">
   <p:cSld>
     <p:spTree>
@@ -8191,7 +9019,7 @@
 </p:sld>
 </file>
 
-<file path=ppt/slides/slide13.xml><?xml version="1.0" encoding="utf-8"?>
+<file path=ppt/slides/slide14.xml><?xml version="1.0" encoding="utf-8"?>
 <p:sld xmlns:a="http://schemas.openxmlformats.org/drawingml/2006/main" xmlns:r="http://schemas.openxmlformats.org/officeDocument/2006/relationships" xmlns:p="http://schemas.openxmlformats.org/presentationml/2006/main">
   <p:cSld>
     <p:spTree>
@@ -8399,7 +9227,7 @@
 </p:sld>
 </file>
 
-<file path=ppt/slides/slide14.xml><?xml version="1.0" encoding="utf-8"?>
+<file path=ppt/slides/slide15.xml><?xml version="1.0" encoding="utf-8"?>
 <p:sld xmlns:a="http://schemas.openxmlformats.org/drawingml/2006/main" xmlns:r="http://schemas.openxmlformats.org/officeDocument/2006/relationships" xmlns:p="http://schemas.openxmlformats.org/presentationml/2006/main">
   <p:cSld>
     <p:spTree>
@@ -8433,7 +9261,7 @@
           <a:p>
             <a:r>
               <a:rPr lang="de-DE" dirty="0" smtClean="0"/>
-              <a:t>Fokus für Heute?</a:t>
+              <a:t>Themen</a:t>
             </a:r>
             <a:endParaRPr lang="en-US" dirty="0"/>
           </a:p>
@@ -8452,7 +9280,7 @@
         <p:spPr/>
         <p:txBody>
           <a:bodyPr>
-            <a:normAutofit lnSpcReduction="10000"/>
+            <a:normAutofit fontScale="92500" lnSpcReduction="20000"/>
           </a:bodyPr>
           <a:lstStyle/>
           <a:p>
@@ -8515,42 +9343,37 @@
           </a:p>
           <a:p>
             <a:r>
-              <a:rPr lang="de-DE" dirty="0" err="1"/>
-              <a:t>Function</a:t>
-            </a:r>
-            <a:r>
-              <a:rPr lang="de-DE" dirty="0"/>
-              <a:t> </a:t>
-            </a:r>
-            <a:r>
-              <a:rPr lang="de-DE" dirty="0" err="1"/>
-              <a:t>types</a:t>
-            </a:r>
-            <a:r>
-              <a:rPr lang="de-DE" dirty="0"/>
-              <a:t> (Nein</a:t>
-            </a:r>
+              <a:rPr lang="de-DE" dirty="0" err="1" smtClean="0"/>
+              <a:t>Functions</a:t>
+            </a:r>
+            <a:endParaRPr lang="de-DE" dirty="0" smtClean="0"/>
+          </a:p>
+          <a:p>
             <a:r>
               <a:rPr lang="de-DE" dirty="0" smtClean="0"/>
-              <a:t>)</a:t>
+              <a:t>Listenwesen</a:t>
             </a:r>
           </a:p>
           <a:p>
             <a:r>
               <a:rPr lang="de-DE" dirty="0" smtClean="0"/>
-              <a:t>Listenwesen (Nein)</a:t>
+              <a:t>Einheiten</a:t>
             </a:r>
           </a:p>
           <a:p>
             <a:r>
               <a:rPr lang="de-DE" dirty="0" smtClean="0"/>
-              <a:t>Einheiten (Nein)</a:t>
-            </a:r>
-          </a:p>
-          <a:p>
+              <a:t>Type </a:t>
+            </a:r>
             <a:r>
               <a:rPr lang="de-DE" dirty="0" smtClean="0"/>
-              <a:t>Type Provider (Nein)</a:t>
+              <a:t>Provider</a:t>
+            </a:r>
+          </a:p>
+          <a:p>
+            <a:r>
+              <a:rPr lang="de-DE" dirty="0" smtClean="0"/>
+              <a:t>Berechnungsausdrucke</a:t>
             </a:r>
             <a:endParaRPr lang="de-DE" dirty="0"/>
           </a:p>
@@ -8972,6 +9795,55 @@
                       </p:childTnLst>
                     </p:cTn>
                   </p:par>
+                  <p:par>
+                    <p:cTn id="35" fill="hold">
+                      <p:stCondLst>
+                        <p:cond delay="indefinite"/>
+                      </p:stCondLst>
+                      <p:childTnLst>
+                        <p:par>
+                          <p:cTn id="36" fill="hold">
+                            <p:stCondLst>
+                              <p:cond delay="0"/>
+                            </p:stCondLst>
+                            <p:childTnLst>
+                              <p:par>
+                                <p:cTn id="37" presetID="1" presetClass="entr" presetSubtype="0" fill="hold" grpId="0" nodeType="clickEffect">
+                                  <p:stCondLst>
+                                    <p:cond delay="0"/>
+                                  </p:stCondLst>
+                                  <p:childTnLst>
+                                    <p:set>
+                                      <p:cBhvr>
+                                        <p:cTn id="38" dur="1" fill="hold">
+                                          <p:stCondLst>
+                                            <p:cond delay="0"/>
+                                          </p:stCondLst>
+                                        </p:cTn>
+                                        <p:tgtEl>
+                                          <p:spTgt spid="3">
+                                            <p:txEl>
+                                              <p:pRg st="8" end="8"/>
+                                            </p:txEl>
+                                          </p:spTgt>
+                                        </p:tgtEl>
+                                        <p:attrNameLst>
+                                          <p:attrName>style.visibility</p:attrName>
+                                        </p:attrNameLst>
+                                      </p:cBhvr>
+                                      <p:to>
+                                        <p:strVal val="visible"/>
+                                      </p:to>
+                                    </p:set>
+                                  </p:childTnLst>
+                                </p:cTn>
+                              </p:par>
+                            </p:childTnLst>
+                          </p:cTn>
+                        </p:par>
+                      </p:childTnLst>
+                    </p:cTn>
+                  </p:par>
                 </p:childTnLst>
               </p:cTn>
               <p:prevCondLst>
@@ -9000,7 +9872,7 @@
 </p:sld>
 </file>
 
-<file path=ppt/slides/slide15.xml><?xml version="1.0" encoding="utf-8"?>
+<file path=ppt/slides/slide16.xml><?xml version="1.0" encoding="utf-8"?>
 <p:sld xmlns:a="http://schemas.openxmlformats.org/drawingml/2006/main" xmlns:r="http://schemas.openxmlformats.org/officeDocument/2006/relationships" xmlns:p="http://schemas.openxmlformats.org/presentationml/2006/main">
   <p:cSld>
     <p:spTree>
@@ -9059,35 +9931,20 @@
           <a:bodyPr/>
           <a:lstStyle/>
           <a:p>
-            <a:pPr marL="0" indent="0">
-              <a:buNone/>
-            </a:pPr>
             <a:r>
               <a:rPr lang="de-DE" dirty="0" err="1" smtClean="0"/>
-              <a:t>Constructing</a:t>
-            </a:r>
-            <a:r>
-              <a:rPr lang="de-DE" dirty="0" smtClean="0"/>
-              <a:t> a type</a:t>
-            </a:r>
-          </a:p>
-          <a:p>
-            <a:pPr marL="0" indent="0">
-              <a:buNone/>
-            </a:pPr>
+              <a:t>Construction</a:t>
+            </a:r>
+            <a:endParaRPr lang="de-DE" dirty="0" smtClean="0"/>
+          </a:p>
+          <a:p>
             <a:r>
               <a:rPr lang="de-DE" dirty="0" err="1" smtClean="0"/>
-              <a:t>Deconstructing</a:t>
-            </a:r>
-            <a:r>
-              <a:rPr lang="de-DE" dirty="0" smtClean="0"/>
-              <a:t> a type</a:t>
-            </a:r>
-          </a:p>
-          <a:p>
-            <a:pPr marL="0" indent="0">
-              <a:buNone/>
-            </a:pPr>
+              <a:t>Deconstruction</a:t>
+            </a:r>
+            <a:endParaRPr lang="de-DE" dirty="0" smtClean="0"/>
+          </a:p>
+          <a:p>
             <a:r>
               <a:rPr lang="de-DE" dirty="0" smtClean="0"/>
               <a:t>Pattern </a:t>
@@ -9099,9 +9956,6 @@
             <a:endParaRPr lang="de-DE" dirty="0" smtClean="0"/>
           </a:p>
           <a:p>
-            <a:pPr marL="0" indent="0">
-              <a:buNone/>
-            </a:pPr>
             <a:r>
               <a:rPr lang="de-DE" dirty="0" err="1" smtClean="0"/>
               <a:t>Structural</a:t>
@@ -9113,6 +9967,14 @@
             <a:r>
               <a:rPr lang="de-DE" dirty="0" err="1" smtClean="0"/>
               <a:t>Equality</a:t>
+            </a:r>
+            <a:r>
+              <a:rPr lang="de-DE" dirty="0" smtClean="0"/>
+              <a:t> vs. Reference </a:t>
+            </a:r>
+            <a:r>
+              <a:rPr lang="de-DE" dirty="0" err="1" smtClean="0"/>
+              <a:t>Euqality</a:t>
             </a:r>
             <a:endParaRPr lang="en-US" dirty="0"/>
           </a:p>
@@ -9360,7 +10222,7 @@
 </p:sld>
 </file>
 
-<file path=ppt/slides/slide16.xml><?xml version="1.0" encoding="utf-8"?>
+<file path=ppt/slides/slide17.xml><?xml version="1.0" encoding="utf-8"?>
 <p:sld xmlns:a="http://schemas.openxmlformats.org/drawingml/2006/main" xmlns:r="http://schemas.openxmlformats.org/officeDocument/2006/relationships" xmlns:p="http://schemas.openxmlformats.org/presentationml/2006/main">
   <p:cSld>
     <p:spTree>
@@ -9420,8 +10282,8 @@
         </p:nvSpPr>
         <p:spPr>
           <a:xfrm>
-            <a:off x="971600" y="4941168"/>
-            <a:ext cx="7409849" cy="1200329"/>
+            <a:off x="947639" y="3933056"/>
+            <a:ext cx="3791872" cy="461665"/>
           </a:xfrm>
           <a:prstGeom prst="rect">
             <a:avLst/>
@@ -9440,24 +10302,20 @@
             </a:pPr>
             <a:r>
               <a:rPr lang="de-DE" sz="2400" dirty="0" smtClean="0"/>
-              <a:t>Erlaubt die Extraktion von Werten aus Datentypen auch</a:t>
-            </a:r>
-          </a:p>
-          <a:p>
-            <a:pPr marL="285750" indent="-285750">
-              <a:buFont typeface="Arial" panose="020B0604020202020204" pitchFamily="34" charset="0"/>
-              <a:buChar char="•"/>
-            </a:pPr>
-            <a:r>
-              <a:rPr lang="de-DE" sz="2400" dirty="0"/>
-              <a:t>Angepasst für die F# Datentypen, weniger für </a:t>
+              <a:t>Kreuzung aus </a:t>
+            </a:r>
+            <a:r>
+              <a:rPr lang="de-DE" sz="2400" dirty="0" err="1" smtClean="0"/>
+              <a:t>if</a:t>
             </a:r>
             <a:r>
               <a:rPr lang="de-DE" sz="2400" dirty="0" smtClean="0"/>
-              <a:t>OO</a:t>
-            </a:r>
-          </a:p>
-          <a:p>
+              <a:t> und </a:t>
+            </a:r>
+            <a:r>
+              <a:rPr lang="de-DE" sz="2400" dirty="0" err="1" smtClean="0"/>
+              <a:t>switch</a:t>
+            </a:r>
             <a:endParaRPr lang="de-DE" sz="2400" dirty="0" smtClean="0"/>
           </a:p>
         </p:txBody>
@@ -9516,6 +10374,152 @@
           </a:extLst>
         </p:spPr>
       </p:pic>
+      <p:sp>
+        <p:nvSpPr>
+          <p:cNvPr id="5" name="TextBox 4"/>
+          <p:cNvSpPr txBox="1"/>
+          <p:nvPr/>
+        </p:nvSpPr>
+        <p:spPr>
+          <a:xfrm>
+            <a:off x="947639" y="4725144"/>
+            <a:ext cx="7103676" cy="461665"/>
+          </a:xfrm>
+          <a:prstGeom prst="rect">
+            <a:avLst/>
+          </a:prstGeom>
+          <a:noFill/>
+        </p:spPr>
+        <p:txBody>
+          <a:bodyPr wrap="none" rtlCol="0">
+            <a:spAutoFit/>
+          </a:bodyPr>
+          <a:lstStyle/>
+          <a:p>
+            <a:pPr marL="285750" indent="-285750">
+              <a:buFont typeface="Arial" panose="020B0604020202020204" pitchFamily="34" charset="0"/>
+              <a:buChar char="•"/>
+            </a:pPr>
+            <a:r>
+              <a:rPr lang="de-DE" sz="2400" dirty="0" smtClean="0"/>
+              <a:t>Erlaubt die Extraktion von Werten aus F# Datentypen</a:t>
+            </a:r>
+            <a:endParaRPr lang="de-DE" sz="2400" dirty="0" smtClean="0"/>
+          </a:p>
+        </p:txBody>
+      </p:sp>
+      <p:sp>
+        <p:nvSpPr>
+          <p:cNvPr id="6" name="TextBox 5"/>
+          <p:cNvSpPr txBox="1"/>
+          <p:nvPr/>
+        </p:nvSpPr>
+        <p:spPr>
+          <a:xfrm>
+            <a:off x="947638" y="5559623"/>
+            <a:ext cx="4291624" cy="461665"/>
+          </a:xfrm>
+          <a:prstGeom prst="rect">
+            <a:avLst/>
+          </a:prstGeom>
+          <a:noFill/>
+        </p:spPr>
+        <p:txBody>
+          <a:bodyPr wrap="none" rtlCol="0">
+            <a:spAutoFit/>
+          </a:bodyPr>
+          <a:lstStyle/>
+          <a:p>
+            <a:pPr marL="285750" indent="-285750">
+              <a:buFont typeface="Arial" panose="020B0604020202020204" pitchFamily="34" charset="0"/>
+              <a:buChar char="•"/>
+            </a:pPr>
+            <a:r>
+              <a:rPr lang="de-DE" sz="2400" dirty="0" smtClean="0"/>
+              <a:t>(Vollständigkeit) Exhaustivness</a:t>
+            </a:r>
+            <a:endParaRPr lang="de-DE" sz="2400" dirty="0" smtClean="0"/>
+          </a:p>
+        </p:txBody>
+      </p:sp>
+      <p:sp>
+        <p:nvSpPr>
+          <p:cNvPr id="7" name="TextBox 6"/>
+          <p:cNvSpPr txBox="1"/>
+          <p:nvPr/>
+        </p:nvSpPr>
+        <p:spPr>
+          <a:xfrm>
+            <a:off x="971600" y="4309645"/>
+            <a:ext cx="5183855" cy="461665"/>
+          </a:xfrm>
+          <a:prstGeom prst="rect">
+            <a:avLst/>
+          </a:prstGeom>
+          <a:noFill/>
+        </p:spPr>
+        <p:txBody>
+          <a:bodyPr wrap="none" rtlCol="0">
+            <a:spAutoFit/>
+          </a:bodyPr>
+          <a:lstStyle/>
+          <a:p>
+            <a:pPr marL="285750" indent="-285750">
+              <a:buFont typeface="Arial" panose="020B0604020202020204" pitchFamily="34" charset="0"/>
+              <a:buChar char="•"/>
+            </a:pPr>
+            <a:r>
+              <a:rPr lang="de-DE" sz="2400" dirty="0" smtClean="0"/>
+              <a:t>Ist </a:t>
+            </a:r>
+            <a:r>
+              <a:rPr lang="de-DE" sz="2400" dirty="0" smtClean="0"/>
+              <a:t>ein Ausdruck und keine Anweisung</a:t>
+            </a:r>
+          </a:p>
+        </p:txBody>
+      </p:sp>
+      <p:sp>
+        <p:nvSpPr>
+          <p:cNvPr id="8" name="TextBox 7"/>
+          <p:cNvSpPr txBox="1"/>
+          <p:nvPr/>
+        </p:nvSpPr>
+        <p:spPr>
+          <a:xfrm>
+            <a:off x="971600" y="5127575"/>
+            <a:ext cx="6605142" cy="461665"/>
+          </a:xfrm>
+          <a:prstGeom prst="rect">
+            <a:avLst/>
+          </a:prstGeom>
+          <a:noFill/>
+        </p:spPr>
+        <p:txBody>
+          <a:bodyPr wrap="none" rtlCol="0">
+            <a:spAutoFit/>
+          </a:bodyPr>
+          <a:lstStyle/>
+          <a:p>
+            <a:pPr marL="285750" indent="-285750">
+              <a:buFont typeface="Arial" panose="020B0604020202020204" pitchFamily="34" charset="0"/>
+              <a:buChar char="•"/>
+            </a:pPr>
+            <a:r>
+              <a:rPr lang="de-DE" sz="2400" dirty="0" smtClean="0"/>
+              <a:t>Angepasst </a:t>
+            </a:r>
+            <a:r>
+              <a:rPr lang="de-DE" sz="2400" dirty="0"/>
+              <a:t>für die F# Datentypen, weniger für </a:t>
+            </a:r>
+            <a:r>
+              <a:rPr lang="de-DE" sz="2400" dirty="0" smtClean="0"/>
+              <a:t>OO</a:t>
+            </a:r>
+          </a:p>
+        </p:txBody>
+      </p:sp>
     </p:spTree>
     <p:extLst>
       <p:ext uri="{BB962C8B-B14F-4D97-AF65-F5344CB8AC3E}">
@@ -9624,6 +10628,186 @@
                       </p:childTnLst>
                     </p:cTn>
                   </p:par>
+                  <p:par>
+                    <p:cTn id="11" fill="hold">
+                      <p:stCondLst>
+                        <p:cond delay="indefinite"/>
+                      </p:stCondLst>
+                      <p:childTnLst>
+                        <p:par>
+                          <p:cTn id="12" fill="hold">
+                            <p:stCondLst>
+                              <p:cond delay="0"/>
+                            </p:stCondLst>
+                            <p:childTnLst>
+                              <p:par>
+                                <p:cTn id="13" presetID="1" presetClass="entr" presetSubtype="0" fill="hold" grpId="0" nodeType="clickEffect">
+                                  <p:stCondLst>
+                                    <p:cond delay="0"/>
+                                  </p:stCondLst>
+                                  <p:childTnLst>
+                                    <p:set>
+                                      <p:cBhvr>
+                                        <p:cTn id="14" dur="1" fill="hold">
+                                          <p:stCondLst>
+                                            <p:cond delay="0"/>
+                                          </p:stCondLst>
+                                        </p:cTn>
+                                        <p:tgtEl>
+                                          <p:spTgt spid="7"/>
+                                        </p:tgtEl>
+                                        <p:attrNameLst>
+                                          <p:attrName>style.visibility</p:attrName>
+                                        </p:attrNameLst>
+                                      </p:cBhvr>
+                                      <p:to>
+                                        <p:strVal val="visible"/>
+                                      </p:to>
+                                    </p:set>
+                                  </p:childTnLst>
+                                </p:cTn>
+                              </p:par>
+                            </p:childTnLst>
+                          </p:cTn>
+                        </p:par>
+                      </p:childTnLst>
+                    </p:cTn>
+                  </p:par>
+                  <p:par>
+                    <p:cTn id="15" fill="hold">
+                      <p:stCondLst>
+                        <p:cond delay="indefinite"/>
+                      </p:stCondLst>
+                      <p:childTnLst>
+                        <p:par>
+                          <p:cTn id="16" fill="hold">
+                            <p:stCondLst>
+                              <p:cond delay="0"/>
+                            </p:stCondLst>
+                            <p:childTnLst>
+                              <p:par>
+                                <p:cTn id="17" presetID="1" presetClass="entr" presetSubtype="0" fill="hold" grpId="0" nodeType="clickEffect">
+                                  <p:stCondLst>
+                                    <p:cond delay="0"/>
+                                  </p:stCondLst>
+                                  <p:childTnLst>
+                                    <p:set>
+                                      <p:cBhvr>
+                                        <p:cTn id="18" dur="1" fill="hold">
+                                          <p:stCondLst>
+                                            <p:cond delay="0"/>
+                                          </p:stCondLst>
+                                        </p:cTn>
+                                        <p:tgtEl>
+                                          <p:spTgt spid="5"/>
+                                        </p:tgtEl>
+                                        <p:attrNameLst>
+                                          <p:attrName>style.visibility</p:attrName>
+                                        </p:attrNameLst>
+                                      </p:cBhvr>
+                                      <p:to>
+                                        <p:strVal val="visible"/>
+                                      </p:to>
+                                    </p:set>
+                                  </p:childTnLst>
+                                </p:cTn>
+                              </p:par>
+                            </p:childTnLst>
+                          </p:cTn>
+                        </p:par>
+                      </p:childTnLst>
+                    </p:cTn>
+                  </p:par>
+                  <p:par>
+                    <p:cTn id="19" fill="hold">
+                      <p:stCondLst>
+                        <p:cond delay="indefinite"/>
+                      </p:stCondLst>
+                      <p:childTnLst>
+                        <p:par>
+                          <p:cTn id="20" fill="hold">
+                            <p:stCondLst>
+                              <p:cond delay="0"/>
+                            </p:stCondLst>
+                            <p:childTnLst>
+                              <p:par>
+                                <p:cTn id="21" presetID="1" presetClass="entr" presetSubtype="0" fill="hold" grpId="0" nodeType="clickEffect">
+                                  <p:stCondLst>
+                                    <p:cond delay="0"/>
+                                  </p:stCondLst>
+                                  <p:childTnLst>
+                                    <p:set>
+                                      <p:cBhvr>
+                                        <p:cTn id="22" dur="1" fill="hold">
+                                          <p:stCondLst>
+                                            <p:cond delay="0"/>
+                                          </p:stCondLst>
+                                        </p:cTn>
+                                        <p:tgtEl>
+                                          <p:spTgt spid="8"/>
+                                        </p:tgtEl>
+                                        <p:attrNameLst>
+                                          <p:attrName>style.visibility</p:attrName>
+                                        </p:attrNameLst>
+                                      </p:cBhvr>
+                                      <p:to>
+                                        <p:strVal val="visible"/>
+                                      </p:to>
+                                    </p:set>
+                                  </p:childTnLst>
+                                </p:cTn>
+                              </p:par>
+                            </p:childTnLst>
+                          </p:cTn>
+                        </p:par>
+                      </p:childTnLst>
+                    </p:cTn>
+                  </p:par>
+                  <p:par>
+                    <p:cTn id="23" fill="hold">
+                      <p:stCondLst>
+                        <p:cond delay="indefinite"/>
+                      </p:stCondLst>
+                      <p:childTnLst>
+                        <p:par>
+                          <p:cTn id="24" fill="hold">
+                            <p:stCondLst>
+                              <p:cond delay="0"/>
+                            </p:stCondLst>
+                            <p:childTnLst>
+                              <p:par>
+                                <p:cTn id="25" presetID="1" presetClass="entr" presetSubtype="0" fill="hold" grpId="0" nodeType="clickEffect">
+                                  <p:stCondLst>
+                                    <p:cond delay="0"/>
+                                  </p:stCondLst>
+                                  <p:childTnLst>
+                                    <p:set>
+                                      <p:cBhvr>
+                                        <p:cTn id="26" dur="1" fill="hold">
+                                          <p:stCondLst>
+                                            <p:cond delay="0"/>
+                                          </p:stCondLst>
+                                        </p:cTn>
+                                        <p:tgtEl>
+                                          <p:spTgt spid="6"/>
+                                        </p:tgtEl>
+                                        <p:attrNameLst>
+                                          <p:attrName>style.visibility</p:attrName>
+                                        </p:attrNameLst>
+                                      </p:cBhvr>
+                                      <p:to>
+                                        <p:strVal val="visible"/>
+                                      </p:to>
+                                    </p:set>
+                                  </p:childTnLst>
+                                </p:cTn>
+                              </p:par>
+                            </p:childTnLst>
+                          </p:cTn>
+                        </p:par>
+                      </p:childTnLst>
+                    </p:cTn>
+                  </p:par>
                 </p:childTnLst>
               </p:cTn>
               <p:prevCondLst>
@@ -9647,12 +10831,16 @@
     </p:tnLst>
     <p:bldLst>
       <p:bldP spid="4" grpId="0"/>
+      <p:bldP spid="5" grpId="0"/>
+      <p:bldP spid="6" grpId="0"/>
+      <p:bldP spid="7" grpId="0"/>
+      <p:bldP spid="8" grpId="0"/>
     </p:bldLst>
   </p:timing>
 </p:sld>
 </file>
 
-<file path=ppt/slides/slide17.xml><?xml version="1.0" encoding="utf-8"?>
+<file path=ppt/slides/slide18.xml><?xml version="1.0" encoding="utf-8"?>
 <p:sld xmlns:a="http://schemas.openxmlformats.org/drawingml/2006/main" xmlns:r="http://schemas.openxmlformats.org/officeDocument/2006/relationships" xmlns:p="http://schemas.openxmlformats.org/presentationml/2006/main">
   <p:cSld>
     <p:spTree>
@@ -9720,7 +10908,12 @@
             <p:ph idx="1"/>
           </p:nvPr>
         </p:nvSpPr>
-        <p:spPr/>
+        <p:spPr>
+          <a:xfrm>
+            <a:off x="457200" y="1600201"/>
+            <a:ext cx="8229600" cy="3484984"/>
+          </a:xfrm>
+        </p:spPr>
         <p:txBody>
           <a:bodyPr/>
           <a:lstStyle/>
@@ -9734,10 +10927,6 @@
             </a:r>
           </a:p>
           <a:p>
-            <a:pPr>
-              <a:buFontTx/>
-              <a:buChar char="-"/>
-            </a:pPr>
             <a:r>
               <a:rPr lang="de-DE" dirty="0" err="1" smtClean="0"/>
               <a:t>Werttyp</a:t>
@@ -9756,10 +10945,6 @@
             </a:r>
           </a:p>
           <a:p>
-            <a:pPr>
-              <a:buFontTx/>
-              <a:buChar char="-"/>
-            </a:pPr>
             <a:r>
               <a:rPr lang="de-DE" dirty="0" err="1" smtClean="0"/>
               <a:t>Struct</a:t>
@@ -9778,10 +10963,6 @@
             </a:r>
           </a:p>
           <a:p>
-            <a:pPr>
-              <a:buFontTx/>
-              <a:buChar char="-"/>
-            </a:pPr>
             <a:r>
               <a:rPr lang="de-DE" dirty="0" smtClean="0"/>
               <a:t>Instanzen: Referenzen werden abgeglichen</a:t>
@@ -9803,14 +10984,236 @@
   <p:timing>
     <p:tnLst>
       <p:par>
-        <p:cTn id="1" dur="indefinite" restart="never" nodeType="tmRoot"/>
+        <p:cTn id="1" dur="indefinite" restart="never" nodeType="tmRoot">
+          <p:childTnLst>
+            <p:seq concurrent="1" nextAc="seek">
+              <p:cTn id="2" dur="indefinite" nodeType="mainSeq">
+                <p:childTnLst>
+                  <p:par>
+                    <p:cTn id="3" fill="hold">
+                      <p:stCondLst>
+                        <p:cond delay="indefinite"/>
+                      </p:stCondLst>
+                      <p:childTnLst>
+                        <p:par>
+                          <p:cTn id="4" fill="hold">
+                            <p:stCondLst>
+                              <p:cond delay="0"/>
+                            </p:stCondLst>
+                            <p:childTnLst>
+                              <p:par>
+                                <p:cTn id="5" presetID="1" presetClass="entr" presetSubtype="0" fill="hold" grpId="0" nodeType="clickEffect">
+                                  <p:stCondLst>
+                                    <p:cond delay="0"/>
+                                  </p:stCondLst>
+                                  <p:childTnLst>
+                                    <p:set>
+                                      <p:cBhvr>
+                                        <p:cTn id="6" dur="1" fill="hold">
+                                          <p:stCondLst>
+                                            <p:cond delay="0"/>
+                                          </p:stCondLst>
+                                        </p:cTn>
+                                        <p:tgtEl>
+                                          <p:spTgt spid="3">
+                                            <p:txEl>
+                                              <p:pRg st="0" end="0"/>
+                                            </p:txEl>
+                                          </p:spTgt>
+                                        </p:tgtEl>
+                                        <p:attrNameLst>
+                                          <p:attrName>style.visibility</p:attrName>
+                                        </p:attrNameLst>
+                                      </p:cBhvr>
+                                      <p:to>
+                                        <p:strVal val="visible"/>
+                                      </p:to>
+                                    </p:set>
+                                  </p:childTnLst>
+                                </p:cTn>
+                              </p:par>
+                            </p:childTnLst>
+                          </p:cTn>
+                        </p:par>
+                      </p:childTnLst>
+                    </p:cTn>
+                  </p:par>
+                  <p:par>
+                    <p:cTn id="7" fill="hold">
+                      <p:stCondLst>
+                        <p:cond delay="indefinite"/>
+                      </p:stCondLst>
+                      <p:childTnLst>
+                        <p:par>
+                          <p:cTn id="8" fill="hold">
+                            <p:stCondLst>
+                              <p:cond delay="0"/>
+                            </p:stCondLst>
+                            <p:childTnLst>
+                              <p:par>
+                                <p:cTn id="9" presetID="1" presetClass="entr" presetSubtype="0" fill="hold" grpId="0" nodeType="clickEffect">
+                                  <p:stCondLst>
+                                    <p:cond delay="0"/>
+                                  </p:stCondLst>
+                                  <p:childTnLst>
+                                    <p:set>
+                                      <p:cBhvr>
+                                        <p:cTn id="10" dur="1" fill="hold">
+                                          <p:stCondLst>
+                                            <p:cond delay="0"/>
+                                          </p:stCondLst>
+                                        </p:cTn>
+                                        <p:tgtEl>
+                                          <p:spTgt spid="3">
+                                            <p:txEl>
+                                              <p:pRg st="1" end="1"/>
+                                            </p:txEl>
+                                          </p:spTgt>
+                                        </p:tgtEl>
+                                        <p:attrNameLst>
+                                          <p:attrName>style.visibility</p:attrName>
+                                        </p:attrNameLst>
+                                      </p:cBhvr>
+                                      <p:to>
+                                        <p:strVal val="visible"/>
+                                      </p:to>
+                                    </p:set>
+                                  </p:childTnLst>
+                                </p:cTn>
+                              </p:par>
+                            </p:childTnLst>
+                          </p:cTn>
+                        </p:par>
+                      </p:childTnLst>
+                    </p:cTn>
+                  </p:par>
+                  <p:par>
+                    <p:cTn id="11" fill="hold">
+                      <p:stCondLst>
+                        <p:cond delay="indefinite"/>
+                      </p:stCondLst>
+                      <p:childTnLst>
+                        <p:par>
+                          <p:cTn id="12" fill="hold">
+                            <p:stCondLst>
+                              <p:cond delay="0"/>
+                            </p:stCondLst>
+                            <p:childTnLst>
+                              <p:par>
+                                <p:cTn id="13" presetID="1" presetClass="entr" presetSubtype="0" fill="hold" grpId="0" nodeType="clickEffect">
+                                  <p:stCondLst>
+                                    <p:cond delay="0"/>
+                                  </p:stCondLst>
+                                  <p:childTnLst>
+                                    <p:set>
+                                      <p:cBhvr>
+                                        <p:cTn id="14" dur="1" fill="hold">
+                                          <p:stCondLst>
+                                            <p:cond delay="0"/>
+                                          </p:stCondLst>
+                                        </p:cTn>
+                                        <p:tgtEl>
+                                          <p:spTgt spid="3">
+                                            <p:txEl>
+                                              <p:pRg st="2" end="2"/>
+                                            </p:txEl>
+                                          </p:spTgt>
+                                        </p:tgtEl>
+                                        <p:attrNameLst>
+                                          <p:attrName>style.visibility</p:attrName>
+                                        </p:attrNameLst>
+                                      </p:cBhvr>
+                                      <p:to>
+                                        <p:strVal val="visible"/>
+                                      </p:to>
+                                    </p:set>
+                                  </p:childTnLst>
+                                </p:cTn>
+                              </p:par>
+                            </p:childTnLst>
+                          </p:cTn>
+                        </p:par>
+                      </p:childTnLst>
+                    </p:cTn>
+                  </p:par>
+                  <p:par>
+                    <p:cTn id="15" fill="hold">
+                      <p:stCondLst>
+                        <p:cond delay="indefinite"/>
+                      </p:stCondLst>
+                      <p:childTnLst>
+                        <p:par>
+                          <p:cTn id="16" fill="hold">
+                            <p:stCondLst>
+                              <p:cond delay="0"/>
+                            </p:stCondLst>
+                            <p:childTnLst>
+                              <p:par>
+                                <p:cTn id="17" presetID="1" presetClass="entr" presetSubtype="0" fill="hold" grpId="0" nodeType="clickEffect">
+                                  <p:stCondLst>
+                                    <p:cond delay="0"/>
+                                  </p:stCondLst>
+                                  <p:childTnLst>
+                                    <p:set>
+                                      <p:cBhvr>
+                                        <p:cTn id="18" dur="1" fill="hold">
+                                          <p:stCondLst>
+                                            <p:cond delay="0"/>
+                                          </p:stCondLst>
+                                        </p:cTn>
+                                        <p:tgtEl>
+                                          <p:spTgt spid="3">
+                                            <p:txEl>
+                                              <p:pRg st="3" end="3"/>
+                                            </p:txEl>
+                                          </p:spTgt>
+                                        </p:tgtEl>
+                                        <p:attrNameLst>
+                                          <p:attrName>style.visibility</p:attrName>
+                                        </p:attrNameLst>
+                                      </p:cBhvr>
+                                      <p:to>
+                                        <p:strVal val="visible"/>
+                                      </p:to>
+                                    </p:set>
+                                  </p:childTnLst>
+                                </p:cTn>
+                              </p:par>
+                            </p:childTnLst>
+                          </p:cTn>
+                        </p:par>
+                      </p:childTnLst>
+                    </p:cTn>
+                  </p:par>
+                </p:childTnLst>
+              </p:cTn>
+              <p:prevCondLst>
+                <p:cond evt="onPrev" delay="0">
+                  <p:tgtEl>
+                    <p:sldTgt/>
+                  </p:tgtEl>
+                </p:cond>
+              </p:prevCondLst>
+              <p:nextCondLst>
+                <p:cond evt="onNext" delay="0">
+                  <p:tgtEl>
+                    <p:sldTgt/>
+                  </p:tgtEl>
+                </p:cond>
+              </p:nextCondLst>
+            </p:seq>
+          </p:childTnLst>
+        </p:cTn>
       </p:par>
     </p:tnLst>
+    <p:bldLst>
+      <p:bldP spid="3" grpId="0" build="p"/>
+    </p:bldLst>
   </p:timing>
 </p:sld>
 </file>
 
-<file path=ppt/slides/slide18.xml><?xml version="1.0" encoding="utf-8"?>
+<file path=ppt/slides/slide19.xml><?xml version="1.0" encoding="utf-8"?>
 <p:sld xmlns:a="http://schemas.openxmlformats.org/drawingml/2006/main" xmlns:r="http://schemas.openxmlformats.org/officeDocument/2006/relationships" xmlns:p="http://schemas.openxmlformats.org/presentationml/2006/main">
   <p:cSld>
     <p:spTree>
@@ -9960,8 +11363,8 @@
         </p:blipFill>
         <p:spPr bwMode="auto">
           <a:xfrm>
-            <a:off x="611560" y="3826346"/>
-            <a:ext cx="5314950" cy="2266950"/>
+            <a:off x="611560" y="3826345"/>
+            <a:ext cx="6408712" cy="2733465"/>
           </a:xfrm>
           <a:prstGeom prst="rect">
             <a:avLst/>
@@ -11109,9 +12512,6 @@
           </a:bodyPr>
           <a:lstStyle/>
           <a:p>
-            <a:pPr marL="0" indent="0">
-              <a:buNone/>
-            </a:pPr>
             <a:r>
               <a:rPr lang="de-DE" dirty="0" err="1"/>
               <a:t>JQuery</a:t>
@@ -11122,9 +12522,6 @@
             </a:r>
           </a:p>
           <a:p>
-            <a:pPr marL="0" indent="0">
-              <a:buNone/>
-            </a:pPr>
             <a:r>
               <a:rPr lang="de-DE" dirty="0" smtClean="0"/>
               <a:t>C</a:t>
@@ -11139,9 +12536,6 @@
             </a:r>
           </a:p>
           <a:p>
-            <a:pPr marL="0" indent="0">
-              <a:buNone/>
-            </a:pPr>
             <a:r>
               <a:rPr lang="de-DE" dirty="0" err="1" smtClean="0"/>
               <a:t>Func</a:t>
@@ -11152,9 +12546,6 @@
             </a:r>
           </a:p>
           <a:p>
-            <a:pPr marL="0" indent="0">
-              <a:buNone/>
-            </a:pPr>
             <a:r>
               <a:rPr lang="de-DE" dirty="0" err="1" smtClean="0"/>
               <a:t>Immutability</a:t>
@@ -11169,21 +12560,9 @@
             </a:r>
           </a:p>
           <a:p>
-            <a:pPr marL="0" indent="0">
-              <a:buNone/>
-            </a:pPr>
             <a:r>
               <a:rPr lang="de-DE" dirty="0" smtClean="0"/>
               <a:t>Erfolge: WhatsApp, Jane Street</a:t>
-            </a:r>
-          </a:p>
-          <a:p>
-            <a:pPr marL="0" indent="0">
-              <a:buNone/>
-            </a:pPr>
-            <a:r>
-              <a:rPr lang="de-DE" dirty="0" smtClean="0"/>
-              <a:t>OO Unzulänglichkeiten: Noch mehr Frameworks</a:t>
             </a:r>
           </a:p>
           <a:p>
@@ -11469,55 +12848,6 @@
                       </p:childTnLst>
                     </p:cTn>
                   </p:par>
-                  <p:par>
-                    <p:cTn id="23" fill="hold">
-                      <p:stCondLst>
-                        <p:cond delay="indefinite"/>
-                      </p:stCondLst>
-                      <p:childTnLst>
-                        <p:par>
-                          <p:cTn id="24" fill="hold">
-                            <p:stCondLst>
-                              <p:cond delay="0"/>
-                            </p:stCondLst>
-                            <p:childTnLst>
-                              <p:par>
-                                <p:cTn id="25" presetID="1" presetClass="entr" presetSubtype="0" fill="hold" nodeType="clickEffect">
-                                  <p:stCondLst>
-                                    <p:cond delay="0"/>
-                                  </p:stCondLst>
-                                  <p:childTnLst>
-                                    <p:set>
-                                      <p:cBhvr>
-                                        <p:cTn id="26" dur="1" fill="hold">
-                                          <p:stCondLst>
-                                            <p:cond delay="0"/>
-                                          </p:stCondLst>
-                                        </p:cTn>
-                                        <p:tgtEl>
-                                          <p:spTgt spid="3">
-                                            <p:txEl>
-                                              <p:pRg st="5" end="5"/>
-                                            </p:txEl>
-                                          </p:spTgt>
-                                        </p:tgtEl>
-                                        <p:attrNameLst>
-                                          <p:attrName>style.visibility</p:attrName>
-                                        </p:attrNameLst>
-                                      </p:cBhvr>
-                                      <p:to>
-                                        <p:strVal val="visible"/>
-                                      </p:to>
-                                    </p:set>
-                                  </p:childTnLst>
-                                </p:cTn>
-                              </p:par>
-                            </p:childTnLst>
-                          </p:cTn>
-                        </p:par>
-                      </p:childTnLst>
-                    </p:cTn>
-                  </p:par>
                 </p:childTnLst>
               </p:cTn>
               <p:prevCondLst>
@@ -11605,13 +12935,13 @@
             </a:pPr>
             <a:r>
               <a:rPr lang="de-DE" dirty="0" smtClean="0"/>
-              <a:t>Funktionen sind auch nur Typen, können als Input, als Output verwendet werden</a:t>
+              <a:t>Funktionen sind auch nur Typen</a:t>
             </a:r>
           </a:p>
           <a:p>
             <a:r>
               <a:rPr lang="de-DE" dirty="0" smtClean="0"/>
-              <a:t>Können Namen haben</a:t>
+              <a:t>Haben Bezeichner</a:t>
             </a:r>
           </a:p>
           <a:p>
@@ -11635,7 +12965,7 @@
           <a:p>
             <a:r>
               <a:rPr lang="de-DE" dirty="0" smtClean="0"/>
-              <a:t>Funktion ist keine Anweisung</a:t>
+              <a:t>„Reine“ (pure) Funktionen haben keine Nebenwirkung</a:t>
             </a:r>
           </a:p>
         </p:txBody>
@@ -12009,6 +13339,370 @@
           <a:bodyPr/>
           <a:lstStyle/>
           <a:p>
+            <a:r>
+              <a:rPr lang="de-DE" dirty="0" smtClean="0"/>
+              <a:t>Ideen aus der FP Welt</a:t>
+            </a:r>
+            <a:endParaRPr lang="en-US" dirty="0"/>
+          </a:p>
+        </p:txBody>
+      </p:sp>
+      <p:sp>
+        <p:nvSpPr>
+          <p:cNvPr id="3" name="Content Placeholder 2"/>
+          <p:cNvSpPr>
+            <a:spLocks noGrp="1"/>
+          </p:cNvSpPr>
+          <p:nvPr>
+            <p:ph idx="1"/>
+          </p:nvPr>
+        </p:nvSpPr>
+        <p:spPr>
+          <a:xfrm>
+            <a:off x="457200" y="1600201"/>
+            <a:ext cx="8229600" cy="604664"/>
+          </a:xfrm>
+        </p:spPr>
+        <p:txBody>
+          <a:bodyPr/>
+          <a:lstStyle/>
+          <a:p>
+            <a:pPr marL="0" indent="0">
+              <a:buNone/>
+            </a:pPr>
+            <a:r>
+              <a:rPr lang="de-DE" dirty="0" smtClean="0"/>
+              <a:t>Funktionen vs. Ausdrucke</a:t>
+            </a:r>
+            <a:endParaRPr lang="en-US" dirty="0"/>
+          </a:p>
+        </p:txBody>
+      </p:sp>
+      <p:pic>
+        <p:nvPicPr>
+          <p:cNvPr id="1029" name="Picture 5"/>
+          <p:cNvPicPr>
+            <a:picLocks noChangeAspect="1" noChangeArrowheads="1"/>
+          </p:cNvPicPr>
+          <p:nvPr/>
+        </p:nvPicPr>
+        <p:blipFill>
+          <a:blip r:embed="rId3">
+            <a:extLst>
+              <a:ext uri="{28A0092B-C50C-407E-A947-70E740481C1C}">
+                <a14:useLocalDpi xmlns:a14="http://schemas.microsoft.com/office/drawing/2010/main" val="0"/>
+              </a:ext>
+            </a:extLst>
+          </a:blip>
+          <a:srcRect/>
+          <a:stretch>
+            <a:fillRect/>
+          </a:stretch>
+        </p:blipFill>
+        <p:spPr bwMode="auto">
+          <a:xfrm>
+            <a:off x="539552" y="2204864"/>
+            <a:ext cx="4410075" cy="2724150"/>
+          </a:xfrm>
+          <a:prstGeom prst="rect">
+            <a:avLst/>
+          </a:prstGeom>
+          <a:noFill/>
+          <a:ln>
+            <a:noFill/>
+          </a:ln>
+          <a:extLst>
+            <a:ext uri="{909E8E84-426E-40DD-AFC4-6F175D3DCCD1}">
+              <a14:hiddenFill xmlns:a14="http://schemas.microsoft.com/office/drawing/2010/main">
+                <a:solidFill>
+                  <a:schemeClr val="accent1"/>
+                </a:solidFill>
+              </a14:hiddenFill>
+            </a:ext>
+            <a:ext uri="{91240B29-F687-4F45-9708-019B960494DF}">
+              <a14:hiddenLine xmlns:a14="http://schemas.microsoft.com/office/drawing/2010/main" w="9525">
+                <a:solidFill>
+                  <a:schemeClr val="tx1"/>
+                </a:solidFill>
+                <a:miter lim="800000"/>
+                <a:headEnd/>
+                <a:tailEnd/>
+              </a14:hiddenLine>
+            </a:ext>
+          </a:extLst>
+        </p:spPr>
+      </p:pic>
+      <p:pic>
+        <p:nvPicPr>
+          <p:cNvPr id="1030" name="Picture 6"/>
+          <p:cNvPicPr>
+            <a:picLocks noChangeAspect="1" noChangeArrowheads="1"/>
+          </p:cNvPicPr>
+          <p:nvPr/>
+        </p:nvPicPr>
+        <p:blipFill>
+          <a:blip r:embed="rId4">
+            <a:extLst>
+              <a:ext uri="{28A0092B-C50C-407E-A947-70E740481C1C}">
+                <a14:useLocalDpi xmlns:a14="http://schemas.microsoft.com/office/drawing/2010/main" val="0"/>
+              </a:ext>
+            </a:extLst>
+          </a:blip>
+          <a:srcRect/>
+          <a:stretch>
+            <a:fillRect/>
+          </a:stretch>
+        </p:blipFill>
+        <p:spPr bwMode="auto">
+          <a:xfrm>
+            <a:off x="568127" y="4971876"/>
+            <a:ext cx="4552950" cy="1209675"/>
+          </a:xfrm>
+          <a:prstGeom prst="rect">
+            <a:avLst/>
+          </a:prstGeom>
+          <a:noFill/>
+          <a:ln>
+            <a:noFill/>
+          </a:ln>
+          <a:extLst>
+            <a:ext uri="{909E8E84-426E-40DD-AFC4-6F175D3DCCD1}">
+              <a14:hiddenFill xmlns:a14="http://schemas.microsoft.com/office/drawing/2010/main">
+                <a:solidFill>
+                  <a:schemeClr val="accent1"/>
+                </a:solidFill>
+              </a14:hiddenFill>
+            </a:ext>
+            <a:ext uri="{91240B29-F687-4F45-9708-019B960494DF}">
+              <a14:hiddenLine xmlns:a14="http://schemas.microsoft.com/office/drawing/2010/main" w="9525">
+                <a:solidFill>
+                  <a:schemeClr val="tx1"/>
+                </a:solidFill>
+                <a:miter lim="800000"/>
+                <a:headEnd/>
+                <a:tailEnd/>
+              </a14:hiddenLine>
+            </a:ext>
+          </a:extLst>
+        </p:spPr>
+      </p:pic>
+    </p:spTree>
+    <p:extLst>
+      <p:ext uri="{BB962C8B-B14F-4D97-AF65-F5344CB8AC3E}">
+        <p14:creationId xmlns:p14="http://schemas.microsoft.com/office/powerpoint/2010/main" val="211290368"/>
+      </p:ext>
+    </p:extLst>
+  </p:cSld>
+  <p:clrMapOvr>
+    <a:masterClrMapping/>
+  </p:clrMapOvr>
+  <p:timing>
+    <p:tnLst>
+      <p:par>
+        <p:cTn id="1" dur="indefinite" restart="never" nodeType="tmRoot">
+          <p:childTnLst>
+            <p:seq concurrent="1" nextAc="seek">
+              <p:cTn id="2" dur="indefinite" nodeType="mainSeq">
+                <p:childTnLst>
+                  <p:par>
+                    <p:cTn id="3" fill="hold">
+                      <p:stCondLst>
+                        <p:cond delay="indefinite"/>
+                      </p:stCondLst>
+                      <p:childTnLst>
+                        <p:par>
+                          <p:cTn id="4" fill="hold">
+                            <p:stCondLst>
+                              <p:cond delay="0"/>
+                            </p:stCondLst>
+                            <p:childTnLst>
+                              <p:par>
+                                <p:cTn id="5" presetID="1" presetClass="entr" presetSubtype="0" fill="hold" grpId="0" nodeType="clickEffect">
+                                  <p:stCondLst>
+                                    <p:cond delay="0"/>
+                                  </p:stCondLst>
+                                  <p:childTnLst>
+                                    <p:set>
+                                      <p:cBhvr>
+                                        <p:cTn id="6" dur="1" fill="hold">
+                                          <p:stCondLst>
+                                            <p:cond delay="0"/>
+                                          </p:stCondLst>
+                                        </p:cTn>
+                                        <p:tgtEl>
+                                          <p:spTgt spid="3">
+                                            <p:txEl>
+                                              <p:pRg st="0" end="0"/>
+                                            </p:txEl>
+                                          </p:spTgt>
+                                        </p:tgtEl>
+                                        <p:attrNameLst>
+                                          <p:attrName>style.visibility</p:attrName>
+                                        </p:attrNameLst>
+                                      </p:cBhvr>
+                                      <p:to>
+                                        <p:strVal val="visible"/>
+                                      </p:to>
+                                    </p:set>
+                                  </p:childTnLst>
+                                </p:cTn>
+                              </p:par>
+                            </p:childTnLst>
+                          </p:cTn>
+                        </p:par>
+                      </p:childTnLst>
+                    </p:cTn>
+                  </p:par>
+                  <p:par>
+                    <p:cTn id="7" fill="hold">
+                      <p:stCondLst>
+                        <p:cond delay="indefinite"/>
+                      </p:stCondLst>
+                      <p:childTnLst>
+                        <p:par>
+                          <p:cTn id="8" fill="hold">
+                            <p:stCondLst>
+                              <p:cond delay="0"/>
+                            </p:stCondLst>
+                            <p:childTnLst>
+                              <p:par>
+                                <p:cTn id="9" presetID="1" presetClass="entr" presetSubtype="0" fill="hold" nodeType="clickEffect">
+                                  <p:stCondLst>
+                                    <p:cond delay="0"/>
+                                  </p:stCondLst>
+                                  <p:childTnLst>
+                                    <p:set>
+                                      <p:cBhvr>
+                                        <p:cTn id="10" dur="1" fill="hold">
+                                          <p:stCondLst>
+                                            <p:cond delay="0"/>
+                                          </p:stCondLst>
+                                        </p:cTn>
+                                        <p:tgtEl>
+                                          <p:spTgt spid="1029"/>
+                                        </p:tgtEl>
+                                        <p:attrNameLst>
+                                          <p:attrName>style.visibility</p:attrName>
+                                        </p:attrNameLst>
+                                      </p:cBhvr>
+                                      <p:to>
+                                        <p:strVal val="visible"/>
+                                      </p:to>
+                                    </p:set>
+                                  </p:childTnLst>
+                                </p:cTn>
+                              </p:par>
+                            </p:childTnLst>
+                          </p:cTn>
+                        </p:par>
+                      </p:childTnLst>
+                    </p:cTn>
+                  </p:par>
+                  <p:par>
+                    <p:cTn id="11" fill="hold">
+                      <p:stCondLst>
+                        <p:cond delay="indefinite"/>
+                      </p:stCondLst>
+                      <p:childTnLst>
+                        <p:par>
+                          <p:cTn id="12" fill="hold">
+                            <p:stCondLst>
+                              <p:cond delay="0"/>
+                            </p:stCondLst>
+                            <p:childTnLst>
+                              <p:par>
+                                <p:cTn id="13" presetID="1" presetClass="entr" presetSubtype="0" fill="hold" nodeType="clickEffect">
+                                  <p:stCondLst>
+                                    <p:cond delay="0"/>
+                                  </p:stCondLst>
+                                  <p:childTnLst>
+                                    <p:set>
+                                      <p:cBhvr>
+                                        <p:cTn id="14" dur="1" fill="hold">
+                                          <p:stCondLst>
+                                            <p:cond delay="0"/>
+                                          </p:stCondLst>
+                                        </p:cTn>
+                                        <p:tgtEl>
+                                          <p:spTgt spid="1030"/>
+                                        </p:tgtEl>
+                                        <p:attrNameLst>
+                                          <p:attrName>style.visibility</p:attrName>
+                                        </p:attrNameLst>
+                                      </p:cBhvr>
+                                      <p:to>
+                                        <p:strVal val="visible"/>
+                                      </p:to>
+                                    </p:set>
+                                  </p:childTnLst>
+                                </p:cTn>
+                              </p:par>
+                            </p:childTnLst>
+                          </p:cTn>
+                        </p:par>
+                      </p:childTnLst>
+                    </p:cTn>
+                  </p:par>
+                </p:childTnLst>
+              </p:cTn>
+              <p:prevCondLst>
+                <p:cond evt="onPrev" delay="0">
+                  <p:tgtEl>
+                    <p:sldTgt/>
+                  </p:tgtEl>
+                </p:cond>
+              </p:prevCondLst>
+              <p:nextCondLst>
+                <p:cond evt="onNext" delay="0">
+                  <p:tgtEl>
+                    <p:sldTgt/>
+                  </p:tgtEl>
+                </p:cond>
+              </p:nextCondLst>
+            </p:seq>
+          </p:childTnLst>
+        </p:cTn>
+      </p:par>
+    </p:tnLst>
+    <p:bldLst>
+      <p:bldP spid="3" grpId="0" build="p"/>
+    </p:bldLst>
+  </p:timing>
+</p:sld>
+</file>
+
+<file path=ppt/slides/slide9.xml><?xml version="1.0" encoding="utf-8"?>
+<p:sld xmlns:a="http://schemas.openxmlformats.org/drawingml/2006/main" xmlns:r="http://schemas.openxmlformats.org/officeDocument/2006/relationships" xmlns:p="http://schemas.openxmlformats.org/presentationml/2006/main">
+  <p:cSld>
+    <p:spTree>
+      <p:nvGrpSpPr>
+        <p:cNvPr id="1" name=""/>
+        <p:cNvGrpSpPr/>
+        <p:nvPr/>
+      </p:nvGrpSpPr>
+      <p:grpSpPr>
+        <a:xfrm>
+          <a:off x="0" y="0"/>
+          <a:ext cx="0" cy="0"/>
+          <a:chOff x="0" y="0"/>
+          <a:chExt cx="0" cy="0"/>
+        </a:xfrm>
+      </p:grpSpPr>
+      <p:sp>
+        <p:nvSpPr>
+          <p:cNvPr id="2" name="Title 1"/>
+          <p:cNvSpPr>
+            <a:spLocks noGrp="1"/>
+          </p:cNvSpPr>
+          <p:nvPr>
+            <p:ph type="title"/>
+          </p:nvPr>
+        </p:nvSpPr>
+        <p:spPr/>
+        <p:txBody>
+          <a:bodyPr/>
+          <a:lstStyle/>
+          <a:p>
             <a:pPr marL="0" indent="0"/>
             <a:r>
               <a:rPr lang="de-DE" dirty="0"/>
@@ -12049,19 +13743,17 @@
           <a:p>
             <a:r>
               <a:rPr lang="de-DE" dirty="0" smtClean="0"/>
-              <a:t>Datenstruktur beinhalten nur Daten</a:t>
+              <a:t>Datenstruktur beinhaltet nur Daten</a:t>
             </a:r>
           </a:p>
           <a:p>
             <a:r>
               <a:rPr lang="de-DE" dirty="0" smtClean="0"/>
-              <a:t>Funktionen dienen der Transformation</a:t>
-            </a:r>
-          </a:p>
-          <a:p>
+              <a:t>Komposition</a:t>
+            </a:r>
             <a:r>
               <a:rPr lang="de-DE" dirty="0"/>
-              <a:t>Komposition: light-</a:t>
+              <a:t>: light-</a:t>
             </a:r>
             <a:r>
               <a:rPr lang="de-DE" dirty="0" err="1"/>
@@ -12100,12 +13792,6 @@
               <a:t>Vererbung</a:t>
             </a:r>
             <a:endParaRPr lang="de-DE" dirty="0"/>
-          </a:p>
-          <a:p>
-            <a:r>
-              <a:rPr lang="de-DE" dirty="0" smtClean="0"/>
-              <a:t>F# ist eine .net Sprache: Alles was in C# (IL) möglich ist</a:t>
-            </a:r>
           </a:p>
           <a:p>
             <a:pPr marL="0" indent="0">
@@ -12260,538 +13946,6 @@
                                           <p:spTgt spid="3">
                                             <p:txEl>
                                               <p:pRg st="2" end="2"/>
-                                            </p:txEl>
-                                          </p:spTgt>
-                                        </p:tgtEl>
-                                        <p:attrNameLst>
-                                          <p:attrName>style.visibility</p:attrName>
-                                        </p:attrNameLst>
-                                      </p:cBhvr>
-                                      <p:to>
-                                        <p:strVal val="visible"/>
-                                      </p:to>
-                                    </p:set>
-                                  </p:childTnLst>
-                                </p:cTn>
-                              </p:par>
-                            </p:childTnLst>
-                          </p:cTn>
-                        </p:par>
-                      </p:childTnLst>
-                    </p:cTn>
-                  </p:par>
-                  <p:par>
-                    <p:cTn id="15" fill="hold">
-                      <p:stCondLst>
-                        <p:cond delay="indefinite"/>
-                      </p:stCondLst>
-                      <p:childTnLst>
-                        <p:par>
-                          <p:cTn id="16" fill="hold">
-                            <p:stCondLst>
-                              <p:cond delay="0"/>
-                            </p:stCondLst>
-                            <p:childTnLst>
-                              <p:par>
-                                <p:cTn id="17" presetID="1" presetClass="entr" presetSubtype="0" fill="hold" nodeType="clickEffect">
-                                  <p:stCondLst>
-                                    <p:cond delay="0"/>
-                                  </p:stCondLst>
-                                  <p:childTnLst>
-                                    <p:set>
-                                      <p:cBhvr>
-                                        <p:cTn id="18" dur="1" fill="hold">
-                                          <p:stCondLst>
-                                            <p:cond delay="0"/>
-                                          </p:stCondLst>
-                                        </p:cTn>
-                                        <p:tgtEl>
-                                          <p:spTgt spid="3">
-                                            <p:txEl>
-                                              <p:pRg st="3" end="3"/>
-                                            </p:txEl>
-                                          </p:spTgt>
-                                        </p:tgtEl>
-                                        <p:attrNameLst>
-                                          <p:attrName>style.visibility</p:attrName>
-                                        </p:attrNameLst>
-                                      </p:cBhvr>
-                                      <p:to>
-                                        <p:strVal val="visible"/>
-                                      </p:to>
-                                    </p:set>
-                                  </p:childTnLst>
-                                </p:cTn>
-                              </p:par>
-                            </p:childTnLst>
-                          </p:cTn>
-                        </p:par>
-                      </p:childTnLst>
-                    </p:cTn>
-                  </p:par>
-                  <p:par>
-                    <p:cTn id="19" fill="hold">
-                      <p:stCondLst>
-                        <p:cond delay="indefinite"/>
-                      </p:stCondLst>
-                      <p:childTnLst>
-                        <p:par>
-                          <p:cTn id="20" fill="hold">
-                            <p:stCondLst>
-                              <p:cond delay="0"/>
-                            </p:stCondLst>
-                            <p:childTnLst>
-                              <p:par>
-                                <p:cTn id="21" presetID="1" presetClass="entr" presetSubtype="0" fill="hold" nodeType="clickEffect">
-                                  <p:stCondLst>
-                                    <p:cond delay="0"/>
-                                  </p:stCondLst>
-                                  <p:childTnLst>
-                                    <p:set>
-                                      <p:cBhvr>
-                                        <p:cTn id="22" dur="1" fill="hold">
-                                          <p:stCondLst>
-                                            <p:cond delay="0"/>
-                                          </p:stCondLst>
-                                        </p:cTn>
-                                        <p:tgtEl>
-                                          <p:spTgt spid="3">
-                                            <p:txEl>
-                                              <p:pRg st="4" end="4"/>
-                                            </p:txEl>
-                                          </p:spTgt>
-                                        </p:tgtEl>
-                                        <p:attrNameLst>
-                                          <p:attrName>style.visibility</p:attrName>
-                                        </p:attrNameLst>
-                                      </p:cBhvr>
-                                      <p:to>
-                                        <p:strVal val="visible"/>
-                                      </p:to>
-                                    </p:set>
-                                  </p:childTnLst>
-                                </p:cTn>
-                              </p:par>
-                            </p:childTnLst>
-                          </p:cTn>
-                        </p:par>
-                      </p:childTnLst>
-                    </p:cTn>
-                  </p:par>
-                </p:childTnLst>
-              </p:cTn>
-              <p:prevCondLst>
-                <p:cond evt="onPrev" delay="0">
-                  <p:tgtEl>
-                    <p:sldTgt/>
-                  </p:tgtEl>
-                </p:cond>
-              </p:prevCondLst>
-              <p:nextCondLst>
-                <p:cond evt="onNext" delay="0">
-                  <p:tgtEl>
-                    <p:sldTgt/>
-                  </p:tgtEl>
-                </p:cond>
-              </p:nextCondLst>
-            </p:seq>
-          </p:childTnLst>
-        </p:cTn>
-      </p:par>
-    </p:tnLst>
-  </p:timing>
-</p:sld>
-</file>
-
-<file path=ppt/slides/slide9.xml><?xml version="1.0" encoding="utf-8"?>
-<p:sld xmlns:a="http://schemas.openxmlformats.org/drawingml/2006/main" xmlns:r="http://schemas.openxmlformats.org/officeDocument/2006/relationships" xmlns:p="http://schemas.openxmlformats.org/presentationml/2006/main">
-  <p:cSld>
-    <p:spTree>
-      <p:nvGrpSpPr>
-        <p:cNvPr id="1" name=""/>
-        <p:cNvGrpSpPr/>
-        <p:nvPr/>
-      </p:nvGrpSpPr>
-      <p:grpSpPr>
-        <a:xfrm>
-          <a:off x="0" y="0"/>
-          <a:ext cx="0" cy="0"/>
-          <a:chOff x="0" y="0"/>
-          <a:chExt cx="0" cy="0"/>
-        </a:xfrm>
-      </p:grpSpPr>
-      <p:sp>
-        <p:nvSpPr>
-          <p:cNvPr id="2" name="Title 1"/>
-          <p:cNvSpPr>
-            <a:spLocks noGrp="1"/>
-          </p:cNvSpPr>
-          <p:nvPr>
-            <p:ph type="title"/>
-          </p:nvPr>
-        </p:nvSpPr>
-        <p:spPr/>
-        <p:txBody>
-          <a:bodyPr/>
-          <a:lstStyle/>
-          <a:p>
-            <a:pPr marL="0" indent="0"/>
-            <a:r>
-              <a:rPr lang="de-DE" dirty="0"/>
-              <a:t>Ideen aus der FP Welt</a:t>
-            </a:r>
-          </a:p>
-        </p:txBody>
-      </p:sp>
-      <p:sp>
-        <p:nvSpPr>
-          <p:cNvPr id="3" name="Content Placeholder 2"/>
-          <p:cNvSpPr>
-            <a:spLocks noGrp="1"/>
-          </p:cNvSpPr>
-          <p:nvPr>
-            <p:ph idx="1"/>
-          </p:nvPr>
-        </p:nvSpPr>
-        <p:spPr/>
-        <p:txBody>
-          <a:bodyPr>
-            <a:normAutofit fontScale="92500" lnSpcReduction="20000"/>
-          </a:bodyPr>
-          <a:lstStyle/>
-          <a:p>
-            <a:pPr marL="0" indent="0">
-              <a:buNone/>
-            </a:pPr>
-            <a:r>
-              <a:rPr lang="de-DE" dirty="0" err="1" smtClean="0"/>
-              <a:t>Mutability</a:t>
-            </a:r>
-            <a:endParaRPr lang="de-DE" dirty="0" smtClean="0"/>
-          </a:p>
-          <a:p>
-            <a:r>
-              <a:rPr lang="de-DE" dirty="0" smtClean="0"/>
-              <a:t>Keine </a:t>
-            </a:r>
-            <a:r>
-              <a:rPr lang="de-DE" dirty="0"/>
-              <a:t>Variablen (Slot im Speicher wo ich etwas pushen und poppen kann). Einmal zugewiesen, bleibt </a:t>
-            </a:r>
-            <a:r>
-              <a:rPr lang="de-DE" dirty="0" smtClean="0"/>
-              <a:t>der Wert</a:t>
-            </a:r>
-          </a:p>
-          <a:p>
-            <a:r>
-              <a:rPr lang="de-DE" dirty="0" smtClean="0"/>
-              <a:t>Die </a:t>
-            </a:r>
-            <a:r>
-              <a:rPr lang="de-DE" dirty="0"/>
-              <a:t>Frage „Wann hat sich der Wert geändert?“ stellt sich gar nicht mehr, der Wert kann nur zugewiesen </a:t>
-            </a:r>
-            <a:r>
-              <a:rPr lang="de-DE" dirty="0" smtClean="0"/>
-              <a:t>werden</a:t>
-            </a:r>
-          </a:p>
-          <a:p>
-            <a:r>
-              <a:rPr lang="de-DE" dirty="0" smtClean="0"/>
-              <a:t>Multi-Core </a:t>
-            </a:r>
-            <a:r>
-              <a:rPr lang="de-DE" dirty="0" err="1"/>
-              <a:t>ready</a:t>
-            </a:r>
-            <a:r>
-              <a:rPr lang="de-DE" dirty="0"/>
-              <a:t>: Kein </a:t>
-            </a:r>
-            <a:r>
-              <a:rPr lang="de-DE" dirty="0" err="1"/>
-              <a:t>Mutex</a:t>
-            </a:r>
-            <a:r>
-              <a:rPr lang="de-DE" dirty="0"/>
-              <a:t>, </a:t>
-            </a:r>
-            <a:r>
-              <a:rPr lang="de-DE" dirty="0" smtClean="0"/>
-              <a:t>Semaphore</a:t>
-            </a:r>
-            <a:r>
-              <a:rPr lang="de-DE" dirty="0"/>
-              <a:t>, </a:t>
-            </a:r>
-            <a:r>
-              <a:rPr lang="de-DE" dirty="0" smtClean="0"/>
-              <a:t>Monitor!</a:t>
-            </a:r>
-          </a:p>
-          <a:p>
-            <a:r>
-              <a:rPr lang="de-DE" dirty="0" smtClean="0"/>
-              <a:t>State muss neugedacht werden</a:t>
-            </a:r>
-            <a:endParaRPr lang="de-DE" dirty="0"/>
-          </a:p>
-          <a:p>
-            <a:endParaRPr lang="de-DE" dirty="0" smtClean="0"/>
-          </a:p>
-          <a:p>
-            <a:pPr marL="0" indent="0">
-              <a:buNone/>
-            </a:pPr>
-            <a:endParaRPr lang="de-DE" dirty="0"/>
-          </a:p>
-        </p:txBody>
-      </p:sp>
-    </p:spTree>
-    <p:extLst>
-      <p:ext uri="{BB962C8B-B14F-4D97-AF65-F5344CB8AC3E}">
-        <p14:creationId xmlns:p14="http://schemas.microsoft.com/office/powerpoint/2010/main" val="1145584124"/>
-      </p:ext>
-    </p:extLst>
-  </p:cSld>
-  <p:clrMapOvr>
-    <a:masterClrMapping/>
-  </p:clrMapOvr>
-  <p:timing>
-    <p:tnLst>
-      <p:par>
-        <p:cTn id="1" dur="indefinite" restart="never" nodeType="tmRoot">
-          <p:childTnLst>
-            <p:seq concurrent="1" nextAc="seek">
-              <p:cTn id="2" dur="indefinite" nodeType="mainSeq">
-                <p:childTnLst>
-                  <p:par>
-                    <p:cTn id="3" fill="hold">
-                      <p:stCondLst>
-                        <p:cond delay="indefinite"/>
-                      </p:stCondLst>
-                      <p:childTnLst>
-                        <p:par>
-                          <p:cTn id="4" fill="hold">
-                            <p:stCondLst>
-                              <p:cond delay="0"/>
-                            </p:stCondLst>
-                            <p:childTnLst>
-                              <p:par>
-                                <p:cTn id="5" presetID="1" presetClass="entr" presetSubtype="0" fill="hold" nodeType="clickEffect">
-                                  <p:stCondLst>
-                                    <p:cond delay="0"/>
-                                  </p:stCondLst>
-                                  <p:childTnLst>
-                                    <p:set>
-                                      <p:cBhvr>
-                                        <p:cTn id="6" dur="1" fill="hold">
-                                          <p:stCondLst>
-                                            <p:cond delay="0"/>
-                                          </p:stCondLst>
-                                        </p:cTn>
-                                        <p:tgtEl>
-                                          <p:spTgt spid="3">
-                                            <p:txEl>
-                                              <p:pRg st="0" end="0"/>
-                                            </p:txEl>
-                                          </p:spTgt>
-                                        </p:tgtEl>
-                                        <p:attrNameLst>
-                                          <p:attrName>style.visibility</p:attrName>
-                                        </p:attrNameLst>
-                                      </p:cBhvr>
-                                      <p:to>
-                                        <p:strVal val="visible"/>
-                                      </p:to>
-                                    </p:set>
-                                  </p:childTnLst>
-                                </p:cTn>
-                              </p:par>
-                            </p:childTnLst>
-                          </p:cTn>
-                        </p:par>
-                      </p:childTnLst>
-                    </p:cTn>
-                  </p:par>
-                  <p:par>
-                    <p:cTn id="7" fill="hold">
-                      <p:stCondLst>
-                        <p:cond delay="indefinite"/>
-                      </p:stCondLst>
-                      <p:childTnLst>
-                        <p:par>
-                          <p:cTn id="8" fill="hold">
-                            <p:stCondLst>
-                              <p:cond delay="0"/>
-                            </p:stCondLst>
-                            <p:childTnLst>
-                              <p:par>
-                                <p:cTn id="9" presetID="1" presetClass="entr" presetSubtype="0" fill="hold" nodeType="clickEffect">
-                                  <p:stCondLst>
-                                    <p:cond delay="0"/>
-                                  </p:stCondLst>
-                                  <p:childTnLst>
-                                    <p:set>
-                                      <p:cBhvr>
-                                        <p:cTn id="10" dur="1" fill="hold">
-                                          <p:stCondLst>
-                                            <p:cond delay="0"/>
-                                          </p:stCondLst>
-                                        </p:cTn>
-                                        <p:tgtEl>
-                                          <p:spTgt spid="3">
-                                            <p:txEl>
-                                              <p:pRg st="1" end="1"/>
-                                            </p:txEl>
-                                          </p:spTgt>
-                                        </p:tgtEl>
-                                        <p:attrNameLst>
-                                          <p:attrName>style.visibility</p:attrName>
-                                        </p:attrNameLst>
-                                      </p:cBhvr>
-                                      <p:to>
-                                        <p:strVal val="visible"/>
-                                      </p:to>
-                                    </p:set>
-                                  </p:childTnLst>
-                                </p:cTn>
-                              </p:par>
-                            </p:childTnLst>
-                          </p:cTn>
-                        </p:par>
-                      </p:childTnLst>
-                    </p:cTn>
-                  </p:par>
-                  <p:par>
-                    <p:cTn id="11" fill="hold">
-                      <p:stCondLst>
-                        <p:cond delay="indefinite"/>
-                      </p:stCondLst>
-                      <p:childTnLst>
-                        <p:par>
-                          <p:cTn id="12" fill="hold">
-                            <p:stCondLst>
-                              <p:cond delay="0"/>
-                            </p:stCondLst>
-                            <p:childTnLst>
-                              <p:par>
-                                <p:cTn id="13" presetID="1" presetClass="entr" presetSubtype="0" fill="hold" nodeType="clickEffect">
-                                  <p:stCondLst>
-                                    <p:cond delay="0"/>
-                                  </p:stCondLst>
-                                  <p:childTnLst>
-                                    <p:set>
-                                      <p:cBhvr>
-                                        <p:cTn id="14" dur="1" fill="hold">
-                                          <p:stCondLst>
-                                            <p:cond delay="0"/>
-                                          </p:stCondLst>
-                                        </p:cTn>
-                                        <p:tgtEl>
-                                          <p:spTgt spid="3">
-                                            <p:txEl>
-                                              <p:pRg st="2" end="2"/>
-                                            </p:txEl>
-                                          </p:spTgt>
-                                        </p:tgtEl>
-                                        <p:attrNameLst>
-                                          <p:attrName>style.visibility</p:attrName>
-                                        </p:attrNameLst>
-                                      </p:cBhvr>
-                                      <p:to>
-                                        <p:strVal val="visible"/>
-                                      </p:to>
-                                    </p:set>
-                                  </p:childTnLst>
-                                </p:cTn>
-                              </p:par>
-                            </p:childTnLst>
-                          </p:cTn>
-                        </p:par>
-                      </p:childTnLst>
-                    </p:cTn>
-                  </p:par>
-                  <p:par>
-                    <p:cTn id="15" fill="hold">
-                      <p:stCondLst>
-                        <p:cond delay="indefinite"/>
-                      </p:stCondLst>
-                      <p:childTnLst>
-                        <p:par>
-                          <p:cTn id="16" fill="hold">
-                            <p:stCondLst>
-                              <p:cond delay="0"/>
-                            </p:stCondLst>
-                            <p:childTnLst>
-                              <p:par>
-                                <p:cTn id="17" presetID="1" presetClass="entr" presetSubtype="0" fill="hold" nodeType="clickEffect">
-                                  <p:stCondLst>
-                                    <p:cond delay="0"/>
-                                  </p:stCondLst>
-                                  <p:childTnLst>
-                                    <p:set>
-                                      <p:cBhvr>
-                                        <p:cTn id="18" dur="1" fill="hold">
-                                          <p:stCondLst>
-                                            <p:cond delay="0"/>
-                                          </p:stCondLst>
-                                        </p:cTn>
-                                        <p:tgtEl>
-                                          <p:spTgt spid="3">
-                                            <p:txEl>
-                                              <p:pRg st="3" end="3"/>
-                                            </p:txEl>
-                                          </p:spTgt>
-                                        </p:tgtEl>
-                                        <p:attrNameLst>
-                                          <p:attrName>style.visibility</p:attrName>
-                                        </p:attrNameLst>
-                                      </p:cBhvr>
-                                      <p:to>
-                                        <p:strVal val="visible"/>
-                                      </p:to>
-                                    </p:set>
-                                  </p:childTnLst>
-                                </p:cTn>
-                              </p:par>
-                            </p:childTnLst>
-                          </p:cTn>
-                        </p:par>
-                      </p:childTnLst>
-                    </p:cTn>
-                  </p:par>
-                  <p:par>
-                    <p:cTn id="19" fill="hold">
-                      <p:stCondLst>
-                        <p:cond delay="indefinite"/>
-                      </p:stCondLst>
-                      <p:childTnLst>
-                        <p:par>
-                          <p:cTn id="20" fill="hold">
-                            <p:stCondLst>
-                              <p:cond delay="0"/>
-                            </p:stCondLst>
-                            <p:childTnLst>
-                              <p:par>
-                                <p:cTn id="21" presetID="1" presetClass="entr" presetSubtype="0" fill="hold" nodeType="clickEffect">
-                                  <p:stCondLst>
-                                    <p:cond delay="0"/>
-                                  </p:stCondLst>
-                                  <p:childTnLst>
-                                    <p:set>
-                                      <p:cBhvr>
-                                        <p:cTn id="22" dur="1" fill="hold">
-                                          <p:stCondLst>
-                                            <p:cond delay="0"/>
-                                          </p:stCondLst>
-                                        </p:cTn>
-                                        <p:tgtEl>
-                                          <p:spTgt spid="3">
-                                            <p:txEl>
-                                              <p:pRg st="4" end="4"/>
                                             </p:txEl>
                                           </p:spTgt>
                                         </p:tgtEl>

--- a/20151202/Einführung20151202.pptx
+++ b/20151202/Einführung20151202.pptx
@@ -5,7 +5,7 @@
     <p:sldMasterId id="2147483648" r:id="rId1"/>
   </p:sldMasterIdLst>
   <p:notesMasterIdLst>
-    <p:notesMasterId r:id="rId21"/>
+    <p:notesMasterId r:id="rId22"/>
   </p:notesMasterIdLst>
   <p:sldIdLst>
     <p:sldId id="256" r:id="rId2"/>
@@ -13,20 +13,21 @@
     <p:sldId id="288" r:id="rId4"/>
     <p:sldId id="290" r:id="rId5"/>
     <p:sldId id="289" r:id="rId6"/>
-    <p:sldId id="275" r:id="rId7"/>
-    <p:sldId id="259" r:id="rId8"/>
-    <p:sldId id="295" r:id="rId9"/>
-    <p:sldId id="291" r:id="rId10"/>
-    <p:sldId id="292" r:id="rId11"/>
-    <p:sldId id="287" r:id="rId12"/>
-    <p:sldId id="285" r:id="rId13"/>
-    <p:sldId id="260" r:id="rId14"/>
-    <p:sldId id="293" r:id="rId15"/>
-    <p:sldId id="261" r:id="rId16"/>
-    <p:sldId id="263" r:id="rId17"/>
-    <p:sldId id="294" r:id="rId18"/>
-    <p:sldId id="267" r:id="rId19"/>
-    <p:sldId id="268" r:id="rId20"/>
+    <p:sldId id="296" r:id="rId7"/>
+    <p:sldId id="275" r:id="rId8"/>
+    <p:sldId id="259" r:id="rId9"/>
+    <p:sldId id="295" r:id="rId10"/>
+    <p:sldId id="291" r:id="rId11"/>
+    <p:sldId id="292" r:id="rId12"/>
+    <p:sldId id="287" r:id="rId13"/>
+    <p:sldId id="285" r:id="rId14"/>
+    <p:sldId id="260" r:id="rId15"/>
+    <p:sldId id="293" r:id="rId16"/>
+    <p:sldId id="261" r:id="rId17"/>
+    <p:sldId id="263" r:id="rId18"/>
+    <p:sldId id="294" r:id="rId19"/>
+    <p:sldId id="267" r:id="rId20"/>
+    <p:sldId id="268" r:id="rId21"/>
   </p:sldIdLst>
   <p:sldSz cx="9144000" cy="6858000" type="screen4x3"/>
   <p:notesSz cx="6858000" cy="9144000"/>
@@ -127,7 +128,7 @@
   </p:defaultTextStyle>
   <p:extLst>
     <p:ext uri="{EFAFB233-063F-42B5-8137-9DF3F51BA10A}">
-      <p15:sldGuideLst xmlns="" xmlns:p15="http://schemas.microsoft.com/office/powerpoint/2012/main">
+      <p15:sldGuideLst xmlns:p15="http://schemas.microsoft.com/office/powerpoint/2012/main" xmlns="">
         <p15:guide id="1" orient="horz" pos="2160">
           <p15:clr>
             <a:srgbClr val="A4A3A4"/>
@@ -226,7 +227,7 @@
           <a:p>
             <a:fld id="{8583A242-7230-4070-B2AF-A33EB304C08D}" type="datetimeFigureOut">
               <a:rPr lang="en-US" smtClean="0"/>
-              <a:t>11/24/2015</a:t>
+              <a:t>11/25/2015</a:t>
             </a:fld>
             <a:endParaRPr lang="en-US"/>
           </a:p>
@@ -716,6 +717,185 @@
           <a:bodyPr/>
           <a:lstStyle/>
           <a:p>
+            <a:r>
+              <a:rPr lang="de-DE" dirty="0" smtClean="0"/>
+              <a:t>Typ &lt;&gt; Klasse: Kein Verhalten,</a:t>
+            </a:r>
+            <a:r>
+              <a:rPr lang="de-DE" baseline="0" dirty="0" smtClean="0"/>
+              <a:t> Reine Datenstruktur.  Aber Achtung: Ich kann in F# da ein bisschen schummeln, F# ist </a:t>
+            </a:r>
+            <a:r>
+              <a:rPr lang="de-DE" baseline="0" dirty="0" err="1" smtClean="0"/>
+              <a:t>Functional</a:t>
+            </a:r>
+            <a:r>
+              <a:rPr lang="de-DE" baseline="0" dirty="0" smtClean="0"/>
+              <a:t> </a:t>
+            </a:r>
+            <a:r>
+              <a:rPr lang="de-DE" baseline="0" dirty="0" err="1" smtClean="0"/>
+              <a:t>first</a:t>
+            </a:r>
+            <a:r>
+              <a:rPr lang="de-DE" baseline="0" dirty="0" smtClean="0"/>
+              <a:t> und erlaubt die Verwendung von OO Konstrukte.</a:t>
+            </a:r>
+          </a:p>
+          <a:p>
+            <a:endParaRPr lang="de-DE" baseline="0" dirty="0" smtClean="0"/>
+          </a:p>
+          <a:p>
+            <a:r>
+              <a:rPr lang="de-DE" baseline="0" dirty="0" smtClean="0"/>
+              <a:t>type Name = { Vor : </a:t>
+            </a:r>
+            <a:r>
+              <a:rPr lang="de-DE" baseline="0" dirty="0" err="1" smtClean="0"/>
+              <a:t>string</a:t>
+            </a:r>
+            <a:r>
+              <a:rPr lang="de-DE" baseline="0" dirty="0" smtClean="0"/>
+              <a:t>; Nach : </a:t>
+            </a:r>
+            <a:r>
+              <a:rPr lang="de-DE" baseline="0" dirty="0" err="1" smtClean="0"/>
+              <a:t>string</a:t>
+            </a:r>
+            <a:r>
+              <a:rPr lang="de-DE" baseline="0" dirty="0" smtClean="0"/>
+              <a:t>; }</a:t>
+            </a:r>
+          </a:p>
+          <a:p>
+            <a:r>
+              <a:rPr lang="de-DE" baseline="0" dirty="0" smtClean="0"/>
+              <a:t>type Name‘ = { Name : Name; Title : </a:t>
+            </a:r>
+            <a:r>
+              <a:rPr lang="de-DE" baseline="0" dirty="0" err="1" smtClean="0"/>
+              <a:t>string</a:t>
+            </a:r>
+            <a:r>
+              <a:rPr lang="de-DE" baseline="0" dirty="0" smtClean="0"/>
+              <a:t>; Zusatz : </a:t>
+            </a:r>
+            <a:r>
+              <a:rPr lang="de-DE" baseline="0" dirty="0" err="1" smtClean="0"/>
+              <a:t>string</a:t>
+            </a:r>
+            <a:r>
+              <a:rPr lang="de-DE" baseline="0" dirty="0" smtClean="0"/>
+              <a:t>; }</a:t>
+            </a:r>
+          </a:p>
+          <a:p>
+            <a:endParaRPr lang="de-DE" baseline="0" dirty="0" smtClean="0"/>
+          </a:p>
+          <a:p>
+            <a:r>
+              <a:rPr lang="de-DE" baseline="0" dirty="0" err="1" smtClean="0"/>
+              <a:t>Immutability</a:t>
+            </a:r>
+            <a:r>
+              <a:rPr lang="de-DE" baseline="0" dirty="0" smtClean="0"/>
+              <a:t>. Grundsätzlich: Es gibt keine Variablen (Slot im Speicher wo ich etwas pushen und poppen kann). Einmal zugewiesen, bleibt es da für immer! Zwei Vorteile:</a:t>
+            </a:r>
+          </a:p>
+          <a:p>
+            <a:pPr marL="171450" indent="-171450">
+              <a:buFontTx/>
+              <a:buChar char="-"/>
+            </a:pPr>
+            <a:r>
+              <a:rPr lang="de-DE" baseline="0" dirty="0" smtClean="0"/>
+              <a:t>Simple </a:t>
+            </a:r>
+            <a:r>
+              <a:rPr lang="de-DE" baseline="0" dirty="0" err="1" smtClean="0"/>
+              <a:t>to</a:t>
+            </a:r>
+            <a:r>
+              <a:rPr lang="de-DE" baseline="0" dirty="0" smtClean="0"/>
+              <a:t> </a:t>
+            </a:r>
+            <a:r>
+              <a:rPr lang="de-DE" baseline="0" dirty="0" err="1" smtClean="0"/>
+              <a:t>reason</a:t>
+            </a:r>
+            <a:r>
+              <a:rPr lang="de-DE" baseline="0" dirty="0" smtClean="0"/>
+              <a:t> </a:t>
+            </a:r>
+            <a:r>
+              <a:rPr lang="de-DE" baseline="0" dirty="0" err="1" smtClean="0"/>
+              <a:t>about</a:t>
+            </a:r>
+            <a:r>
+              <a:rPr lang="de-DE" baseline="0" dirty="0" smtClean="0"/>
+              <a:t>. Die Frage „Wann hat sich der Wert geändert?“ stellt sich gar nicht mehr, der Wert kann nur zugewiesen werden</a:t>
+            </a:r>
+          </a:p>
+          <a:p>
+            <a:pPr marL="171450" indent="-171450">
+              <a:buFontTx/>
+              <a:buChar char="-"/>
+            </a:pPr>
+            <a:r>
+              <a:rPr lang="de-DE" baseline="0" dirty="0" smtClean="0"/>
+              <a:t>Multi Core </a:t>
+            </a:r>
+            <a:r>
+              <a:rPr lang="de-DE" baseline="0" dirty="0" err="1" smtClean="0"/>
+              <a:t>ready</a:t>
+            </a:r>
+            <a:r>
+              <a:rPr lang="de-DE" baseline="0" dirty="0" smtClean="0"/>
+              <a:t>: Kein </a:t>
+            </a:r>
+            <a:r>
+              <a:rPr lang="de-DE" baseline="0" dirty="0" err="1" smtClean="0"/>
+              <a:t>Mutex</a:t>
+            </a:r>
+            <a:r>
+              <a:rPr lang="de-DE" baseline="0" dirty="0" smtClean="0"/>
+              <a:t>, kein Semaphore, kein Monitor!</a:t>
+            </a:r>
+          </a:p>
+          <a:p>
+            <a:pPr marL="171450" indent="-171450">
+              <a:buFontTx/>
+              <a:buChar char="-"/>
+            </a:pPr>
+            <a:r>
+              <a:rPr lang="de-DE" baseline="0" dirty="0" smtClean="0"/>
+              <a:t>Man muss State neudenken, besser neulernen, die FP Leute haben das schon gemacht. Und übrigens, </a:t>
+            </a:r>
+            <a:r>
+              <a:rPr lang="de-DE" baseline="0" dirty="0" err="1" smtClean="0"/>
+              <a:t>SmallTalk</a:t>
+            </a:r>
+            <a:r>
+              <a:rPr lang="de-DE" baseline="0" dirty="0" smtClean="0"/>
+              <a:t> war auch </a:t>
+            </a:r>
+            <a:r>
+              <a:rPr lang="de-DE" baseline="0" dirty="0" err="1" smtClean="0"/>
+              <a:t>immutable</a:t>
+            </a:r>
+            <a:r>
+              <a:rPr lang="de-DE" baseline="0" dirty="0" smtClean="0"/>
+              <a:t>, State war nur mittels eines Messaging Untersystem möglich.</a:t>
+            </a:r>
+          </a:p>
+          <a:p>
+            <a:pPr marL="171450" indent="-171450">
+              <a:buFontTx/>
+              <a:buChar char="-"/>
+            </a:pPr>
+            <a:endParaRPr lang="de-DE" baseline="0" dirty="0" smtClean="0"/>
+          </a:p>
+          <a:p>
             <a:pPr marL="0" marR="0" indent="0" algn="l" defTabSz="914400" rtl="0" eaLnBrk="1" fontAlgn="auto" latinLnBrk="0" hangingPunct="1">
               <a:lnSpc>
                 <a:spcPct val="100000"/>
@@ -735,166 +915,143 @@
             </a:pPr>
             <a:r>
               <a:rPr lang="de-DE" dirty="0" smtClean="0"/>
-              <a:t>F# ist „</a:t>
-            </a:r>
-            <a:r>
-              <a:rPr lang="de-DE" dirty="0" err="1" smtClean="0"/>
-              <a:t>functional</a:t>
-            </a:r>
-            <a:r>
-              <a:rPr lang="de-DE" dirty="0" smtClean="0"/>
-              <a:t> </a:t>
-            </a:r>
-            <a:r>
-              <a:rPr lang="de-DE" dirty="0" err="1" smtClean="0"/>
-              <a:t>first</a:t>
-            </a:r>
-            <a:r>
-              <a:rPr lang="de-DE" dirty="0" smtClean="0"/>
-              <a:t>“, die Konstrukte der OO Welt stehen mir weiterhin zur</a:t>
+              <a:t>Eventuell</a:t>
             </a:r>
             <a:r>
               <a:rPr lang="de-DE" baseline="0" dirty="0" smtClean="0"/>
-              <a:t> Verfügung in F#.</a:t>
-            </a:r>
-          </a:p>
-          <a:p>
-            <a:pPr marL="0" marR="0" indent="0" algn="l" defTabSz="914400" rtl="0" eaLnBrk="1" fontAlgn="auto" latinLnBrk="0" hangingPunct="1">
-              <a:lnSpc>
-                <a:spcPct val="100000"/>
-              </a:lnSpc>
-              <a:spcBef>
-                <a:spcPts val="0"/>
-              </a:spcBef>
-              <a:spcAft>
-                <a:spcPts val="0"/>
-              </a:spcAft>
-              <a:buClrTx/>
-              <a:buSzTx/>
+              <a:t> noch zusammenfassen – was sind die Vorteile? Nicht unbedingt hier, sondern als </a:t>
+            </a:r>
+            <a:r>
+              <a:rPr lang="de-DE" baseline="0" dirty="0" err="1" smtClean="0"/>
+              <a:t>Zusammenfasung</a:t>
+            </a:r>
+            <a:r>
+              <a:rPr lang="de-DE" baseline="0" dirty="0" smtClean="0"/>
+              <a:t> am Ende? FEHLT</a:t>
+            </a:r>
+            <a:endParaRPr lang="de-DE" dirty="0" smtClean="0"/>
+          </a:p>
+          <a:p>
+            <a:pPr marL="0" indent="0">
               <a:buFontTx/>
               <a:buNone/>
-              <a:tabLst/>
-              <a:defRPr/>
             </a:pPr>
             <a:endParaRPr lang="de-DE" baseline="0" dirty="0" smtClean="0"/>
           </a:p>
           <a:p>
-            <a:pPr marL="0" marR="0" indent="0" algn="l" defTabSz="914400" rtl="0" eaLnBrk="1" fontAlgn="auto" latinLnBrk="0" hangingPunct="1">
-              <a:lnSpc>
-                <a:spcPct val="100000"/>
-              </a:lnSpc>
-              <a:spcBef>
-                <a:spcPts val="0"/>
-              </a:spcBef>
-              <a:spcAft>
-                <a:spcPts val="0"/>
-              </a:spcAft>
-              <a:buClrTx/>
-              <a:buSzTx/>
+            <a:r>
+              <a:rPr lang="en-US" sz="1200" kern="1200" dirty="0" smtClean="0">
+                <a:solidFill>
+                  <a:schemeClr val="tx1"/>
+                </a:solidFill>
+                <a:latin typeface="+mn-lt"/>
+                <a:ea typeface="+mn-ea"/>
+                <a:cs typeface="+mn-cs"/>
+              </a:rPr>
+              <a:t>type S = { Name : string; </a:t>
+            </a:r>
+            <a:r>
+              <a:rPr lang="en-US" sz="1200" kern="1200" dirty="0" err="1" smtClean="0">
+                <a:solidFill>
+                  <a:schemeClr val="tx1"/>
+                </a:solidFill>
+                <a:latin typeface="+mn-lt"/>
+                <a:ea typeface="+mn-ea"/>
+                <a:cs typeface="+mn-cs"/>
+              </a:rPr>
+              <a:t>Tun</a:t>
+            </a:r>
+            <a:r>
+              <a:rPr lang="en-US" sz="1200" kern="1200" dirty="0" smtClean="0">
+                <a:solidFill>
+                  <a:schemeClr val="tx1"/>
+                </a:solidFill>
+                <a:latin typeface="+mn-lt"/>
+                <a:ea typeface="+mn-ea"/>
+                <a:cs typeface="+mn-cs"/>
+              </a:rPr>
+              <a:t> : string -&gt; string; };;</a:t>
+            </a:r>
+          </a:p>
+          <a:p>
+            <a:r>
+              <a:rPr lang="de-DE" sz="1200" kern="1200" dirty="0" err="1" smtClean="0">
+                <a:solidFill>
+                  <a:schemeClr val="tx1"/>
+                </a:solidFill>
+                <a:latin typeface="+mn-lt"/>
+                <a:ea typeface="+mn-ea"/>
+                <a:cs typeface="+mn-cs"/>
+              </a:rPr>
+              <a:t>let</a:t>
+            </a:r>
+            <a:r>
+              <a:rPr lang="de-DE" sz="1200" kern="1200" baseline="0" dirty="0" smtClean="0">
+                <a:solidFill>
+                  <a:schemeClr val="tx1"/>
+                </a:solidFill>
+                <a:latin typeface="+mn-lt"/>
+                <a:ea typeface="+mn-ea"/>
+                <a:cs typeface="+mn-cs"/>
+              </a:rPr>
+              <a:t> f g x = g x;;</a:t>
+            </a:r>
+          </a:p>
+          <a:p>
+            <a:r>
+              <a:rPr lang="de-DE" sz="1200" kern="1200" baseline="0" dirty="0" err="1" smtClean="0">
+                <a:solidFill>
+                  <a:schemeClr val="tx1"/>
+                </a:solidFill>
+                <a:latin typeface="+mn-lt"/>
+                <a:ea typeface="+mn-ea"/>
+                <a:cs typeface="+mn-cs"/>
+              </a:rPr>
+              <a:t>let</a:t>
+            </a:r>
+            <a:r>
+              <a:rPr lang="de-DE" sz="1200" kern="1200" baseline="0" dirty="0" smtClean="0">
+                <a:solidFill>
+                  <a:schemeClr val="tx1"/>
+                </a:solidFill>
+                <a:latin typeface="+mn-lt"/>
+                <a:ea typeface="+mn-ea"/>
+                <a:cs typeface="+mn-cs"/>
+              </a:rPr>
+              <a:t> </a:t>
+            </a:r>
+            <a:r>
+              <a:rPr lang="de-DE" sz="1200" kern="1200" baseline="0" dirty="0" err="1" smtClean="0">
+                <a:solidFill>
+                  <a:schemeClr val="tx1"/>
+                </a:solidFill>
+                <a:latin typeface="+mn-lt"/>
+                <a:ea typeface="+mn-ea"/>
+                <a:cs typeface="+mn-cs"/>
+              </a:rPr>
+              <a:t>addFive</a:t>
+            </a:r>
+            <a:r>
+              <a:rPr lang="de-DE" sz="1200" kern="1200" baseline="0" dirty="0" smtClean="0">
+                <a:solidFill>
+                  <a:schemeClr val="tx1"/>
+                </a:solidFill>
+                <a:latin typeface="+mn-lt"/>
+                <a:ea typeface="+mn-ea"/>
+                <a:cs typeface="+mn-cs"/>
+              </a:rPr>
+              <a:t> x = (+) x 5;;</a:t>
+            </a:r>
+            <a:endParaRPr lang="de-DE" dirty="0" smtClean="0"/>
+          </a:p>
+          <a:p>
+            <a:pPr marL="0" indent="0">
               <a:buFontTx/>
               <a:buNone/>
-              <a:tabLst/>
-              <a:defRPr/>
-            </a:pPr>
-            <a:r>
-              <a:rPr lang="de-DE" baseline="0" dirty="0" smtClean="0"/>
-              <a:t>Stärker betonen, dass (sobald funktionale Konstrukte in der Sprache bereitstehen), diese den Code vereinfachen können</a:t>
-            </a:r>
-          </a:p>
-          <a:p>
-            <a:pPr marL="0" marR="0" indent="0" algn="l" defTabSz="914400" rtl="0" eaLnBrk="1" fontAlgn="auto" latinLnBrk="0" hangingPunct="1">
-              <a:lnSpc>
-                <a:spcPct val="100000"/>
-              </a:lnSpc>
-              <a:spcBef>
-                <a:spcPts val="0"/>
-              </a:spcBef>
-              <a:spcAft>
-                <a:spcPts val="0"/>
-              </a:spcAft>
-              <a:buClrTx/>
-              <a:buSzTx/>
-              <a:buFontTx/>
-              <a:buNone/>
-              <a:tabLst/>
-              <a:defRPr/>
             </a:pPr>
             <a:endParaRPr lang="de-DE" baseline="0" dirty="0" smtClean="0"/>
           </a:p>
           <a:p>
-            <a:pPr marL="0" marR="0" indent="0" algn="l" defTabSz="914400" rtl="0" eaLnBrk="1" fontAlgn="auto" latinLnBrk="0" hangingPunct="1">
-              <a:lnSpc>
-                <a:spcPct val="100000"/>
-              </a:lnSpc>
-              <a:spcBef>
-                <a:spcPts val="0"/>
-              </a:spcBef>
-              <a:spcAft>
-                <a:spcPts val="0"/>
-              </a:spcAft>
-              <a:buClrTx/>
-              <a:buSzTx/>
-              <a:buFontTx/>
-              <a:buNone/>
-              <a:tabLst/>
-              <a:defRPr/>
-            </a:pPr>
-            <a:r>
-              <a:rPr lang="de-DE" baseline="0" dirty="0" smtClean="0"/>
-              <a:t>Direkt die Frage beantworten – Warum FP? -&gt; </a:t>
-            </a:r>
-            <a:r>
-              <a:rPr lang="de-DE" baseline="0" dirty="0" err="1" smtClean="0"/>
-              <a:t>Immutability</a:t>
-            </a:r>
-            <a:r>
-              <a:rPr lang="de-DE" baseline="0" dirty="0" smtClean="0"/>
-              <a:t>, Making invalid </a:t>
-            </a:r>
-            <a:r>
-              <a:rPr lang="de-DE" baseline="0" dirty="0" err="1" smtClean="0"/>
-              <a:t>state</a:t>
-            </a:r>
-            <a:r>
-              <a:rPr lang="de-DE" baseline="0" dirty="0" smtClean="0"/>
-              <a:t> </a:t>
-            </a:r>
-            <a:r>
-              <a:rPr lang="de-DE" baseline="0" dirty="0" err="1" smtClean="0"/>
-              <a:t>un-representable</a:t>
-            </a:r>
-            <a:r>
-              <a:rPr lang="de-DE" baseline="0" dirty="0" smtClean="0"/>
-              <a:t> (Muss ich mir für das Beispiel mit DDD aufheben!), high-oder </a:t>
-            </a:r>
-            <a:r>
-              <a:rPr lang="de-DE" baseline="0" dirty="0" err="1" smtClean="0"/>
-              <a:t>functions</a:t>
-            </a:r>
-            <a:r>
-              <a:rPr lang="de-DE" baseline="0" dirty="0" smtClean="0"/>
-              <a:t>, …</a:t>
-            </a:r>
-            <a:endParaRPr lang="en-US" dirty="0" smtClean="0"/>
-          </a:p>
-          <a:p>
-            <a:pPr marL="0" marR="0" indent="0" algn="l" defTabSz="914400" rtl="0" eaLnBrk="1" fontAlgn="auto" latinLnBrk="0" hangingPunct="1">
-              <a:lnSpc>
-                <a:spcPct val="100000"/>
-              </a:lnSpc>
-              <a:spcBef>
-                <a:spcPts val="0"/>
-              </a:spcBef>
-              <a:spcAft>
-                <a:spcPts val="0"/>
-              </a:spcAft>
-              <a:buClrTx/>
-              <a:buSzTx/>
-              <a:buFontTx/>
-              <a:buNone/>
-              <a:tabLst/>
-              <a:defRPr/>
-            </a:pPr>
             <a:endParaRPr lang="de-DE" baseline="0" dirty="0" smtClean="0"/>
           </a:p>
           <a:p>
@@ -928,7 +1085,7 @@
     </p:spTree>
     <p:extLst>
       <p:ext uri="{BB962C8B-B14F-4D97-AF65-F5344CB8AC3E}">
-        <p14:creationId xmlns:p14="http://schemas.microsoft.com/office/powerpoint/2010/main" val="3358926703"/>
+        <p14:creationId xmlns:p14="http://schemas.microsoft.com/office/powerpoint/2010/main" val="1782259541"/>
       </p:ext>
     </p:extLst>
   </p:cSld>
@@ -957,7 +1114,7 @@
       </p:grpSpPr>
       <p:sp>
         <p:nvSpPr>
-          <p:cNvPr id="2" name="Folienbildplatzhalter 1"/>
+          <p:cNvPr id="2" name="Slide Image Placeholder 1"/>
           <p:cNvSpPr>
             <a:spLocks noGrp="1" noRot="1" noChangeAspect="1"/>
           </p:cNvSpPr>
@@ -969,7 +1126,7 @@
       </p:sp>
       <p:sp>
         <p:nvSpPr>
-          <p:cNvPr id="3" name="Notizenplatzhalter 2"/>
+          <p:cNvPr id="3" name="Notes Placeholder 2"/>
           <p:cNvSpPr>
             <a:spLocks noGrp="1"/>
           </p:cNvSpPr>
@@ -982,21 +1139,195 @@
           <a:bodyPr/>
           <a:lstStyle/>
           <a:p>
+            <a:pPr marL="0" marR="0" indent="0" algn="l" defTabSz="914400" rtl="0" eaLnBrk="1" fontAlgn="auto" latinLnBrk="0" hangingPunct="1">
+              <a:lnSpc>
+                <a:spcPct val="100000"/>
+              </a:lnSpc>
+              <a:spcBef>
+                <a:spcPts val="0"/>
+              </a:spcBef>
+              <a:spcAft>
+                <a:spcPts val="0"/>
+              </a:spcAft>
+              <a:buClrTx/>
+              <a:buSzTx/>
+              <a:buFontTx/>
+              <a:buNone/>
+              <a:tabLst/>
+              <a:defRPr/>
+            </a:pPr>
             <a:r>
               <a:rPr lang="de-DE" dirty="0" smtClean="0"/>
-              <a:t>Warum dieses Thema? Weil es überraschend viel</a:t>
+              <a:t>F# ist „</a:t>
+            </a:r>
+            <a:r>
+              <a:rPr lang="de-DE" dirty="0" err="1" smtClean="0"/>
+              <a:t>functional</a:t>
+            </a:r>
+            <a:r>
+              <a:rPr lang="de-DE" dirty="0" smtClean="0"/>
+              <a:t> </a:t>
+            </a:r>
+            <a:r>
+              <a:rPr lang="de-DE" dirty="0" err="1" smtClean="0"/>
+              <a:t>first</a:t>
+            </a:r>
+            <a:r>
+              <a:rPr lang="de-DE" dirty="0" smtClean="0"/>
+              <a:t>“, die Konstrukte der OO Welt stehen mir weiterhin zur</a:t>
             </a:r>
             <a:r>
               <a:rPr lang="de-DE" baseline="0" dirty="0" smtClean="0"/>
-              <a:t> Nutzen brachte und weil es mit DDD gut zusammenpasst</a:t>
-            </a:r>
-            <a:endParaRPr lang="de-DE" dirty="0"/>
-          </a:p>
-        </p:txBody>
-      </p:sp>
-      <p:sp>
-        <p:nvSpPr>
-          <p:cNvPr id="4" name="Foliennummernplatzhalter 3"/>
+              <a:t> Verfügung in F#.</a:t>
+            </a:r>
+          </a:p>
+          <a:p>
+            <a:pPr marL="0" marR="0" indent="0" algn="l" defTabSz="914400" rtl="0" eaLnBrk="1" fontAlgn="auto" latinLnBrk="0" hangingPunct="1">
+              <a:lnSpc>
+                <a:spcPct val="100000"/>
+              </a:lnSpc>
+              <a:spcBef>
+                <a:spcPts val="0"/>
+              </a:spcBef>
+              <a:spcAft>
+                <a:spcPts val="0"/>
+              </a:spcAft>
+              <a:buClrTx/>
+              <a:buSzTx/>
+              <a:buFontTx/>
+              <a:buNone/>
+              <a:tabLst/>
+              <a:defRPr/>
+            </a:pPr>
+            <a:endParaRPr lang="de-DE" baseline="0" dirty="0" smtClean="0"/>
+          </a:p>
+          <a:p>
+            <a:pPr marL="0" marR="0" indent="0" algn="l" defTabSz="914400" rtl="0" eaLnBrk="1" fontAlgn="auto" latinLnBrk="0" hangingPunct="1">
+              <a:lnSpc>
+                <a:spcPct val="100000"/>
+              </a:lnSpc>
+              <a:spcBef>
+                <a:spcPts val="0"/>
+              </a:spcBef>
+              <a:spcAft>
+                <a:spcPts val="0"/>
+              </a:spcAft>
+              <a:buClrTx/>
+              <a:buSzTx/>
+              <a:buFontTx/>
+              <a:buNone/>
+              <a:tabLst/>
+              <a:defRPr/>
+            </a:pPr>
+            <a:r>
+              <a:rPr lang="de-DE" baseline="0" dirty="0" smtClean="0"/>
+              <a:t>Stärker betonen, dass (sobald funktionale Konstrukte in der Sprache bereitstehen), diese den Code vereinfachen können</a:t>
+            </a:r>
+          </a:p>
+          <a:p>
+            <a:pPr marL="0" marR="0" indent="0" algn="l" defTabSz="914400" rtl="0" eaLnBrk="1" fontAlgn="auto" latinLnBrk="0" hangingPunct="1">
+              <a:lnSpc>
+                <a:spcPct val="100000"/>
+              </a:lnSpc>
+              <a:spcBef>
+                <a:spcPts val="0"/>
+              </a:spcBef>
+              <a:spcAft>
+                <a:spcPts val="0"/>
+              </a:spcAft>
+              <a:buClrTx/>
+              <a:buSzTx/>
+              <a:buFontTx/>
+              <a:buNone/>
+              <a:tabLst/>
+              <a:defRPr/>
+            </a:pPr>
+            <a:endParaRPr lang="de-DE" baseline="0" dirty="0" smtClean="0"/>
+          </a:p>
+          <a:p>
+            <a:pPr marL="0" marR="0" indent="0" algn="l" defTabSz="914400" rtl="0" eaLnBrk="1" fontAlgn="auto" latinLnBrk="0" hangingPunct="1">
+              <a:lnSpc>
+                <a:spcPct val="100000"/>
+              </a:lnSpc>
+              <a:spcBef>
+                <a:spcPts val="0"/>
+              </a:spcBef>
+              <a:spcAft>
+                <a:spcPts val="0"/>
+              </a:spcAft>
+              <a:buClrTx/>
+              <a:buSzTx/>
+              <a:buFontTx/>
+              <a:buNone/>
+              <a:tabLst/>
+              <a:defRPr/>
+            </a:pPr>
+            <a:r>
+              <a:rPr lang="de-DE" baseline="0" dirty="0" smtClean="0"/>
+              <a:t>Direkt die Frage beantworten – Warum FP? -&gt; </a:t>
+            </a:r>
+            <a:r>
+              <a:rPr lang="de-DE" baseline="0" dirty="0" err="1" smtClean="0"/>
+              <a:t>Immutability</a:t>
+            </a:r>
+            <a:r>
+              <a:rPr lang="de-DE" baseline="0" dirty="0" smtClean="0"/>
+              <a:t>, Making invalid </a:t>
+            </a:r>
+            <a:r>
+              <a:rPr lang="de-DE" baseline="0" dirty="0" err="1" smtClean="0"/>
+              <a:t>state</a:t>
+            </a:r>
+            <a:r>
+              <a:rPr lang="de-DE" baseline="0" dirty="0" smtClean="0"/>
+              <a:t> </a:t>
+            </a:r>
+            <a:r>
+              <a:rPr lang="de-DE" baseline="0" dirty="0" err="1" smtClean="0"/>
+              <a:t>un-representable</a:t>
+            </a:r>
+            <a:r>
+              <a:rPr lang="de-DE" baseline="0" dirty="0" smtClean="0"/>
+              <a:t> (Muss ich mir für das Beispiel mit DDD aufheben!), high-oder </a:t>
+            </a:r>
+            <a:r>
+              <a:rPr lang="de-DE" baseline="0" dirty="0" err="1" smtClean="0"/>
+              <a:t>functions</a:t>
+            </a:r>
+            <a:r>
+              <a:rPr lang="de-DE" baseline="0" dirty="0" smtClean="0"/>
+              <a:t>, …</a:t>
+            </a:r>
+            <a:endParaRPr lang="en-US" dirty="0" smtClean="0"/>
+          </a:p>
+          <a:p>
+            <a:pPr marL="0" marR="0" indent="0" algn="l" defTabSz="914400" rtl="0" eaLnBrk="1" fontAlgn="auto" latinLnBrk="0" hangingPunct="1">
+              <a:lnSpc>
+                <a:spcPct val="100000"/>
+              </a:lnSpc>
+              <a:spcBef>
+                <a:spcPts val="0"/>
+              </a:spcBef>
+              <a:spcAft>
+                <a:spcPts val="0"/>
+              </a:spcAft>
+              <a:buClrTx/>
+              <a:buSzTx/>
+              <a:buFontTx/>
+              <a:buNone/>
+              <a:tabLst/>
+              <a:defRPr/>
+            </a:pPr>
+            <a:endParaRPr lang="de-DE" baseline="0" dirty="0" smtClean="0"/>
+          </a:p>
+          <a:p>
+            <a:endParaRPr lang="en-US" dirty="0"/>
+          </a:p>
+        </p:txBody>
+      </p:sp>
+      <p:sp>
+        <p:nvSpPr>
+          <p:cNvPr id="4" name="Slide Number Placeholder 3"/>
           <p:cNvSpPr>
             <a:spLocks noGrp="1"/>
           </p:cNvSpPr>
@@ -1020,7 +1351,7 @@
     </p:spTree>
     <p:extLst>
       <p:ext uri="{BB962C8B-B14F-4D97-AF65-F5344CB8AC3E}">
-        <p14:creationId xmlns:p14="http://schemas.microsoft.com/office/powerpoint/2010/main" val="3022985809"/>
+        <p14:creationId xmlns:p14="http://schemas.microsoft.com/office/powerpoint/2010/main" val="3358926703"/>
       </p:ext>
     </p:extLst>
   </p:cSld>
@@ -1049,7 +1380,7 @@
       </p:grpSpPr>
       <p:sp>
         <p:nvSpPr>
-          <p:cNvPr id="2" name="Slide Image Placeholder 1"/>
+          <p:cNvPr id="2" name="Folienbildplatzhalter 1"/>
           <p:cNvSpPr>
             <a:spLocks noGrp="1" noRot="1" noChangeAspect="1"/>
           </p:cNvSpPr>
@@ -1061,7 +1392,7 @@
       </p:sp>
       <p:sp>
         <p:nvSpPr>
-          <p:cNvPr id="3" name="Notes Placeholder 2"/>
+          <p:cNvPr id="3" name="Notizenplatzhalter 2"/>
           <p:cNvSpPr>
             <a:spLocks noGrp="1"/>
           </p:cNvSpPr>
@@ -1076,26 +1407,19 @@
           <a:p>
             <a:r>
               <a:rPr lang="de-DE" dirty="0" smtClean="0"/>
-              <a:t>Annotation: entweder tut der Programmierer dies oder,</a:t>
+              <a:t>Warum dieses Thema? Weil es überraschend viel</a:t>
             </a:r>
             <a:r>
               <a:rPr lang="de-DE" baseline="0" dirty="0" smtClean="0"/>
-              <a:t> im Falle von F#, das Type </a:t>
-            </a:r>
-            <a:r>
-              <a:rPr lang="de-DE" baseline="0" dirty="0" err="1" smtClean="0"/>
-              <a:t>inference</a:t>
-            </a:r>
-            <a:endParaRPr lang="de-DE" baseline="0" dirty="0" smtClean="0"/>
-          </a:p>
-          <a:p>
-            <a:endParaRPr lang="en-US" dirty="0"/>
-          </a:p>
-        </p:txBody>
-      </p:sp>
-      <p:sp>
-        <p:nvSpPr>
-          <p:cNvPr id="4" name="Slide Number Placeholder 3"/>
+              <a:t> Nutzen brachte und weil es mit DDD gut zusammenpasst</a:t>
+            </a:r>
+            <a:endParaRPr lang="de-DE" dirty="0"/>
+          </a:p>
+        </p:txBody>
+      </p:sp>
+      <p:sp>
+        <p:nvSpPr>
+          <p:cNvPr id="4" name="Foliennummernplatzhalter 3"/>
           <p:cNvSpPr>
             <a:spLocks noGrp="1"/>
           </p:cNvSpPr>
@@ -1119,7 +1443,7 @@
     </p:spTree>
     <p:extLst>
       <p:ext uri="{BB962C8B-B14F-4D97-AF65-F5344CB8AC3E}">
-        <p14:creationId xmlns:p14="http://schemas.microsoft.com/office/powerpoint/2010/main" val="2102569733"/>
+        <p14:creationId xmlns:p14="http://schemas.microsoft.com/office/powerpoint/2010/main" val="3022985809"/>
       </p:ext>
     </p:extLst>
   </p:cSld>
@@ -1173,124 +1497,18 @@
           <a:bodyPr/>
           <a:lstStyle/>
           <a:p>
-            <a:pPr marL="0" marR="0" indent="0" algn="l" defTabSz="914400" rtl="0" eaLnBrk="1" fontAlgn="auto" latinLnBrk="0" hangingPunct="1">
-              <a:lnSpc>
-                <a:spcPct val="100000"/>
-              </a:lnSpc>
-              <a:spcBef>
-                <a:spcPts val="0"/>
-              </a:spcBef>
-              <a:spcAft>
-                <a:spcPts val="0"/>
-              </a:spcAft>
-              <a:buClrTx/>
-              <a:buSzTx/>
-              <a:buFontTx/>
-              <a:buNone/>
-              <a:tabLst/>
-              <a:defRPr/>
-            </a:pPr>
             <a:r>
               <a:rPr lang="de-DE" dirty="0" smtClean="0"/>
-              <a:t>Ist am besten erkennbar wenn man die Möglichkeiten einer schwachen Typisierung betrachtet</a:t>
-            </a:r>
-          </a:p>
-          <a:p>
-            <a:pPr marL="0" marR="0" indent="0" algn="l" defTabSz="914400" rtl="0" eaLnBrk="1" fontAlgn="auto" latinLnBrk="0" hangingPunct="1">
-              <a:lnSpc>
-                <a:spcPct val="100000"/>
-              </a:lnSpc>
-              <a:spcBef>
-                <a:spcPts val="0"/>
-              </a:spcBef>
-              <a:spcAft>
-                <a:spcPts val="0"/>
-              </a:spcAft>
-              <a:buClrTx/>
-              <a:buSzTx/>
-              <a:buFontTx/>
-              <a:buNone/>
-              <a:tabLst/>
-              <a:defRPr/>
-            </a:pPr>
-            <a:r>
-              <a:rPr lang="de-DE" dirty="0" smtClean="0"/>
-              <a:t>Copyright </a:t>
-            </a:r>
-            <a:r>
-              <a:rPr lang="en-US" sz="1200" b="1" i="0" kern="1200" dirty="0" err="1" smtClean="0">
-                <a:solidFill>
-                  <a:schemeClr val="tx1"/>
-                </a:solidFill>
-                <a:effectLst/>
-                <a:latin typeface="+mn-lt"/>
-                <a:ea typeface="+mn-ea"/>
-                <a:cs typeface="+mn-cs"/>
-              </a:rPr>
-              <a:t>Karlkim</a:t>
-            </a:r>
-            <a:r>
-              <a:rPr lang="en-US" sz="1200" b="1" i="0" kern="1200" dirty="0" smtClean="0">
-                <a:solidFill>
-                  <a:schemeClr val="tx1"/>
-                </a:solidFill>
-                <a:effectLst/>
-                <a:latin typeface="+mn-lt"/>
-                <a:ea typeface="+mn-ea"/>
-                <a:cs typeface="+mn-cs"/>
-              </a:rPr>
-              <a:t> </a:t>
-            </a:r>
-            <a:r>
-              <a:rPr lang="en-US" sz="1200" b="1" i="0" kern="1200" dirty="0" err="1" smtClean="0">
-                <a:solidFill>
-                  <a:schemeClr val="tx1"/>
-                </a:solidFill>
-                <a:effectLst/>
-                <a:latin typeface="+mn-lt"/>
-                <a:ea typeface="+mn-ea"/>
-                <a:cs typeface="+mn-cs"/>
-              </a:rPr>
-              <a:t>Suwanmongkol</a:t>
-            </a:r>
-            <a:r>
-              <a:rPr lang="en-US" sz="1200" b="1" i="0" kern="1200" dirty="0" smtClean="0">
-                <a:solidFill>
-                  <a:schemeClr val="tx1"/>
-                </a:solidFill>
-                <a:effectLst/>
-                <a:latin typeface="+mn-lt"/>
-                <a:ea typeface="+mn-ea"/>
-                <a:cs typeface="+mn-cs"/>
-              </a:rPr>
-              <a:t> (@</a:t>
-            </a:r>
-            <a:r>
-              <a:rPr lang="en-US" sz="1200" b="1" i="0" kern="1200" dirty="0" err="1" smtClean="0">
-                <a:solidFill>
-                  <a:schemeClr val="tx1"/>
-                </a:solidFill>
-                <a:effectLst/>
-                <a:latin typeface="+mn-lt"/>
-                <a:ea typeface="+mn-ea"/>
-                <a:cs typeface="+mn-cs"/>
-              </a:rPr>
-              <a:t>kimsk</a:t>
-            </a:r>
-            <a:r>
-              <a:rPr lang="en-US" sz="1200" b="1" i="0" kern="1200" dirty="0" smtClean="0">
-                <a:solidFill>
-                  <a:schemeClr val="tx1"/>
-                </a:solidFill>
-                <a:effectLst/>
-                <a:latin typeface="+mn-lt"/>
-                <a:ea typeface="+mn-ea"/>
-                <a:cs typeface="+mn-cs"/>
-              </a:rPr>
-              <a:t>) | Twitter</a:t>
-            </a:r>
-          </a:p>
-          <a:p>
+              <a:t>Annotation: entweder tut der Programmierer dies oder,</a:t>
+            </a:r>
+            <a:r>
+              <a:rPr lang="de-DE" baseline="0" dirty="0" smtClean="0"/>
+              <a:t> im Falle von F#, das Type </a:t>
+            </a:r>
+            <a:r>
+              <a:rPr lang="de-DE" baseline="0" dirty="0" err="1" smtClean="0"/>
+              <a:t>inference</a:t>
+            </a:r>
             <a:endParaRPr lang="de-DE" baseline="0" dirty="0" smtClean="0"/>
           </a:p>
           <a:p>
@@ -1353,7 +1571,7 @@
       </p:grpSpPr>
       <p:sp>
         <p:nvSpPr>
-          <p:cNvPr id="2" name="Folienbildplatzhalter 1"/>
+          <p:cNvPr id="2" name="Slide Image Placeholder 1"/>
           <p:cNvSpPr>
             <a:spLocks noGrp="1" noRot="1" noChangeAspect="1"/>
           </p:cNvSpPr>
@@ -1365,7 +1583,7 @@
       </p:sp>
       <p:sp>
         <p:nvSpPr>
-          <p:cNvPr id="3" name="Notizenplatzhalter 2"/>
+          <p:cNvPr id="3" name="Notes Placeholder 2"/>
           <p:cNvSpPr>
             <a:spLocks noGrp="1"/>
           </p:cNvSpPr>
@@ -1378,13 +1596,134 @@
           <a:bodyPr/>
           <a:lstStyle/>
           <a:p>
-            <a:endParaRPr lang="de-DE" dirty="0"/>
-          </a:p>
-        </p:txBody>
-      </p:sp>
-      <p:sp>
-        <p:nvSpPr>
-          <p:cNvPr id="4" name="Foliennummernplatzhalter 3"/>
+            <a:pPr marL="0" marR="0" indent="0" algn="l" defTabSz="914400" rtl="0" eaLnBrk="1" fontAlgn="auto" latinLnBrk="0" hangingPunct="1">
+              <a:lnSpc>
+                <a:spcPct val="100000"/>
+              </a:lnSpc>
+              <a:spcBef>
+                <a:spcPts val="0"/>
+              </a:spcBef>
+              <a:spcAft>
+                <a:spcPts val="0"/>
+              </a:spcAft>
+              <a:buClrTx/>
+              <a:buSzTx/>
+              <a:buFontTx/>
+              <a:buNone/>
+              <a:tabLst/>
+              <a:defRPr/>
+            </a:pPr>
+            <a:r>
+              <a:rPr lang="de-DE" dirty="0" smtClean="0"/>
+              <a:t>Ist am besten erkennbar wenn man die Möglichkeiten einer schwachen Typisierung betrachtet</a:t>
+            </a:r>
+          </a:p>
+          <a:p>
+            <a:pPr marL="0" marR="0" indent="0" algn="l" defTabSz="914400" rtl="0" eaLnBrk="1" fontAlgn="auto" latinLnBrk="0" hangingPunct="1">
+              <a:lnSpc>
+                <a:spcPct val="100000"/>
+              </a:lnSpc>
+              <a:spcBef>
+                <a:spcPts val="0"/>
+              </a:spcBef>
+              <a:spcAft>
+                <a:spcPts val="0"/>
+              </a:spcAft>
+              <a:buClrTx/>
+              <a:buSzTx/>
+              <a:buFontTx/>
+              <a:buNone/>
+              <a:tabLst/>
+              <a:defRPr/>
+            </a:pPr>
+            <a:r>
+              <a:rPr lang="de-DE" dirty="0" smtClean="0"/>
+              <a:t>Copyright </a:t>
+            </a:r>
+            <a:r>
+              <a:rPr lang="en-US" sz="1200" b="1" i="0" kern="1200" dirty="0" err="1" smtClean="0">
+                <a:solidFill>
+                  <a:schemeClr val="tx1"/>
+                </a:solidFill>
+                <a:effectLst/>
+                <a:latin typeface="+mn-lt"/>
+                <a:ea typeface="+mn-ea"/>
+                <a:cs typeface="+mn-cs"/>
+              </a:rPr>
+              <a:t>Karlkim</a:t>
+            </a:r>
+            <a:r>
+              <a:rPr lang="en-US" sz="1200" b="1" i="0" kern="1200" dirty="0" smtClean="0">
+                <a:solidFill>
+                  <a:schemeClr val="tx1"/>
+                </a:solidFill>
+                <a:effectLst/>
+                <a:latin typeface="+mn-lt"/>
+                <a:ea typeface="+mn-ea"/>
+                <a:cs typeface="+mn-cs"/>
+              </a:rPr>
+              <a:t> </a:t>
+            </a:r>
+            <a:r>
+              <a:rPr lang="en-US" sz="1200" b="1" i="0" kern="1200" dirty="0" err="1" smtClean="0">
+                <a:solidFill>
+                  <a:schemeClr val="tx1"/>
+                </a:solidFill>
+                <a:effectLst/>
+                <a:latin typeface="+mn-lt"/>
+                <a:ea typeface="+mn-ea"/>
+                <a:cs typeface="+mn-cs"/>
+              </a:rPr>
+              <a:t>Suwanmongkol</a:t>
+            </a:r>
+            <a:r>
+              <a:rPr lang="en-US" sz="1200" b="1" i="0" kern="1200" dirty="0" smtClean="0">
+                <a:solidFill>
+                  <a:schemeClr val="tx1"/>
+                </a:solidFill>
+                <a:effectLst/>
+                <a:latin typeface="+mn-lt"/>
+                <a:ea typeface="+mn-ea"/>
+                <a:cs typeface="+mn-cs"/>
+              </a:rPr>
+              <a:t> (@</a:t>
+            </a:r>
+            <a:r>
+              <a:rPr lang="en-US" sz="1200" b="1" i="0" kern="1200" dirty="0" err="1" smtClean="0">
+                <a:solidFill>
+                  <a:schemeClr val="tx1"/>
+                </a:solidFill>
+                <a:effectLst/>
+                <a:latin typeface="+mn-lt"/>
+                <a:ea typeface="+mn-ea"/>
+                <a:cs typeface="+mn-cs"/>
+              </a:rPr>
+              <a:t>kimsk</a:t>
+            </a:r>
+            <a:r>
+              <a:rPr lang="en-US" sz="1200" b="1" i="0" kern="1200" dirty="0" smtClean="0">
+                <a:solidFill>
+                  <a:schemeClr val="tx1"/>
+                </a:solidFill>
+                <a:effectLst/>
+                <a:latin typeface="+mn-lt"/>
+                <a:ea typeface="+mn-ea"/>
+                <a:cs typeface="+mn-cs"/>
+              </a:rPr>
+              <a:t>) | Twitter</a:t>
+            </a:r>
+          </a:p>
+          <a:p>
+            <a:endParaRPr lang="de-DE" baseline="0" dirty="0" smtClean="0"/>
+          </a:p>
+          <a:p>
+            <a:endParaRPr lang="en-US" dirty="0"/>
+          </a:p>
+        </p:txBody>
+      </p:sp>
+      <p:sp>
+        <p:nvSpPr>
+          <p:cNvPr id="4" name="Slide Number Placeholder 3"/>
           <p:cNvSpPr>
             <a:spLocks noGrp="1"/>
           </p:cNvSpPr>
@@ -1408,7 +1747,7 @@
     </p:spTree>
     <p:extLst>
       <p:ext uri="{BB962C8B-B14F-4D97-AF65-F5344CB8AC3E}">
-        <p14:creationId xmlns:p14="http://schemas.microsoft.com/office/powerpoint/2010/main" val="2305588509"/>
+        <p14:creationId xmlns:p14="http://schemas.microsoft.com/office/powerpoint/2010/main" val="2102569733"/>
       </p:ext>
     </p:extLst>
   </p:cSld>
@@ -1437,7 +1776,7 @@
       </p:grpSpPr>
       <p:sp>
         <p:nvSpPr>
-          <p:cNvPr id="2" name="Slide Image Placeholder 1"/>
+          <p:cNvPr id="2" name="Folienbildplatzhalter 1"/>
           <p:cNvSpPr>
             <a:spLocks noGrp="1" noRot="1" noChangeAspect="1"/>
           </p:cNvSpPr>
@@ -1449,7 +1788,7 @@
       </p:sp>
       <p:sp>
         <p:nvSpPr>
-          <p:cNvPr id="3" name="Notes Placeholder 2"/>
+          <p:cNvPr id="3" name="Notizenplatzhalter 2"/>
           <p:cNvSpPr>
             <a:spLocks noGrp="1"/>
           </p:cNvSpPr>
@@ -1462,82 +1801,13 @@
           <a:bodyPr/>
           <a:lstStyle/>
           <a:p>
-            <a:r>
-              <a:rPr lang="de-DE" dirty="0" err="1" smtClean="0"/>
-              <a:t>Types</a:t>
-            </a:r>
-            <a:r>
-              <a:rPr lang="de-DE" dirty="0" smtClean="0"/>
-              <a:t> werden immer aus kleineren Einheiten zusammen erstellt, die kleinsten sind die Primitives der</a:t>
-            </a:r>
-            <a:r>
-              <a:rPr lang="de-DE" baseline="0" dirty="0" smtClean="0"/>
-              <a:t> Sprache.</a:t>
-            </a:r>
-            <a:endParaRPr lang="de-DE" dirty="0" smtClean="0"/>
-          </a:p>
-          <a:p>
-            <a:r>
-              <a:rPr lang="de-DE" dirty="0" smtClean="0"/>
-              <a:t>Dies bedingt dass ich sowohl aus einfachen Einheiten einen komplexeren Typ</a:t>
-            </a:r>
-            <a:r>
-              <a:rPr lang="de-DE" baseline="0" dirty="0" smtClean="0"/>
-              <a:t> erstellen kann, </a:t>
-            </a:r>
-          </a:p>
-          <a:p>
-            <a:r>
-              <a:rPr lang="de-DE" baseline="0" dirty="0" smtClean="0"/>
-              <a:t>oder aus einem komplexeren die konstituierende einfachere Typen „heraus“ holen </a:t>
-            </a:r>
-            <a:r>
-              <a:rPr lang="de-DE" baseline="0" dirty="0" smtClean="0"/>
-              <a:t>kann, oder „Zerlegen“</a:t>
-            </a:r>
-            <a:endParaRPr lang="de-DE" baseline="0" dirty="0" smtClean="0"/>
-          </a:p>
-          <a:p>
-            <a:endParaRPr lang="de-DE" baseline="0" dirty="0" smtClean="0"/>
-          </a:p>
-          <a:p>
-            <a:r>
-              <a:rPr lang="de-DE" baseline="0" dirty="0" smtClean="0"/>
-              <a:t>WICHTIG</a:t>
-            </a:r>
-          </a:p>
-          <a:p>
-            <a:r>
-              <a:rPr lang="de-DE" baseline="0" dirty="0" smtClean="0"/>
-              <a:t>Unterschied zu OO:</a:t>
-            </a:r>
-          </a:p>
-          <a:p>
-            <a:r>
-              <a:rPr lang="de-DE" baseline="0" dirty="0" smtClean="0"/>
-              <a:t>In OO kann ich eine Klasse erst „Leer“ erstellen, dann nach und nach Properties zuweisen/ändern.</a:t>
-            </a:r>
-          </a:p>
-          <a:p>
-            <a:r>
-              <a:rPr lang="de-DE" baseline="0" dirty="0" smtClean="0"/>
-              <a:t>In FP nicht.  </a:t>
-            </a:r>
-            <a:r>
-              <a:rPr lang="de-DE" baseline="0" dirty="0" err="1" smtClean="0"/>
-              <a:t>Immutability</a:t>
-            </a:r>
-            <a:r>
-              <a:rPr lang="de-DE" baseline="0" dirty="0" smtClean="0"/>
-              <a:t> heißt einmal erstellt, unveränderbar. Alle Daten müssen bei der Erstellung verfügbar sein</a:t>
-            </a:r>
-            <a:endParaRPr lang="en-US" dirty="0"/>
-          </a:p>
-        </p:txBody>
-      </p:sp>
-      <p:sp>
-        <p:nvSpPr>
-          <p:cNvPr id="4" name="Slide Number Placeholder 3"/>
+            <a:endParaRPr lang="de-DE" dirty="0"/>
+          </a:p>
+        </p:txBody>
+      </p:sp>
+      <p:sp>
+        <p:nvSpPr>
+          <p:cNvPr id="4" name="Foliennummernplatzhalter 3"/>
           <p:cNvSpPr>
             <a:spLocks noGrp="1"/>
           </p:cNvSpPr>
@@ -1561,7 +1831,7 @@
     </p:spTree>
     <p:extLst>
       <p:ext uri="{BB962C8B-B14F-4D97-AF65-F5344CB8AC3E}">
-        <p14:creationId xmlns:p14="http://schemas.microsoft.com/office/powerpoint/2010/main" val="1056229856"/>
+        <p14:creationId xmlns:p14="http://schemas.microsoft.com/office/powerpoint/2010/main" val="2305588509"/>
       </p:ext>
     </p:extLst>
   </p:cSld>
@@ -1616,61 +1886,68 @@
           <a:lstStyle/>
           <a:p>
             <a:r>
+              <a:rPr lang="de-DE" dirty="0" err="1" smtClean="0"/>
+              <a:t>Types</a:t>
+            </a:r>
+            <a:r>
               <a:rPr lang="de-DE" dirty="0" smtClean="0"/>
-              <a:t>IF </a:t>
-            </a:r>
-            <a:r>
-              <a:rPr lang="de-DE" dirty="0" err="1" smtClean="0"/>
-              <a:t>and</a:t>
-            </a:r>
+              <a:t> werden immer aus kleineren Einheiten zusammen erstellt, die kleinsten sind die Primitives der</a:t>
+            </a:r>
+            <a:r>
+              <a:rPr lang="de-DE" baseline="0" dirty="0" smtClean="0"/>
+              <a:t> Sprache.</a:t>
+            </a:r>
+            <a:endParaRPr lang="de-DE" dirty="0" smtClean="0"/>
+          </a:p>
+          <a:p>
             <a:r>
               <a:rPr lang="de-DE" dirty="0" smtClean="0"/>
-              <a:t> SWITCH on STERIODS</a:t>
-            </a:r>
-          </a:p>
-          <a:p>
-            <a:endParaRPr lang="de-DE" dirty="0" smtClean="0"/>
-          </a:p>
-          <a:p>
-            <a:r>
-              <a:rPr lang="de-DE" dirty="0" smtClean="0"/>
-              <a:t>Der F# Compiler ist in der Lage fehlende oder fehlerhafte Fälle</a:t>
+              <a:t>Dies bedingt dass ich sowohl aus einfachen Einheiten einen komplexeren Typ</a:t>
             </a:r>
             <a:r>
               <a:rPr lang="de-DE" baseline="0" dirty="0" smtClean="0"/>
-              <a:t> zu entdecken.  Dies ist bedingt durch die </a:t>
+              <a:t> erstellen kann, </a:t>
+            </a:r>
+          </a:p>
+          <a:p>
+            <a:r>
+              <a:rPr lang="de-DE" baseline="0" dirty="0" smtClean="0"/>
+              <a:t>oder aus einem komplexeren die konstituierende einfachere Typen „heraus“ holen kann, oder „Zerlegen“</a:t>
+            </a:r>
+          </a:p>
+          <a:p>
+            <a:endParaRPr lang="de-DE" baseline="0" dirty="0" smtClean="0"/>
+          </a:p>
+          <a:p>
+            <a:r>
+              <a:rPr lang="de-DE" baseline="0" dirty="0" smtClean="0"/>
+              <a:t>WICHTIG</a:t>
+            </a:r>
+          </a:p>
+          <a:p>
+            <a:r>
+              <a:rPr lang="de-DE" baseline="0" dirty="0" smtClean="0"/>
+              <a:t>Unterschied zu OO:</a:t>
+            </a:r>
+          </a:p>
+          <a:p>
+            <a:r>
+              <a:rPr lang="de-DE" baseline="0" dirty="0" smtClean="0"/>
+              <a:t>In OO kann ich eine Klasse erst „Leer“ erstellen, dann nach und nach Properties zuweisen/ändern.</a:t>
+            </a:r>
+          </a:p>
+          <a:p>
+            <a:r>
+              <a:rPr lang="de-DE" baseline="0" dirty="0" smtClean="0"/>
+              <a:t>In FP nicht.  </a:t>
             </a:r>
             <a:r>
               <a:rPr lang="de-DE" baseline="0" dirty="0" err="1" smtClean="0"/>
-              <a:t>Hindley-Milner</a:t>
+              <a:t>Immutability</a:t>
             </a:r>
             <a:r>
               <a:rPr lang="de-DE" baseline="0" dirty="0" smtClean="0"/>
-              <a:t> Type </a:t>
-            </a:r>
-            <a:r>
-              <a:rPr lang="de-DE" baseline="0" dirty="0" err="1" smtClean="0"/>
-              <a:t>Inference</a:t>
-            </a:r>
-            <a:r>
-              <a:rPr lang="de-DE" baseline="0" dirty="0" smtClean="0"/>
-              <a:t>, C# wird dies nicht können ohne dass „</a:t>
-            </a:r>
-            <a:r>
-              <a:rPr lang="de-DE" baseline="0" dirty="0" err="1" smtClean="0"/>
-              <a:t>breaking</a:t>
-            </a:r>
-            <a:r>
-              <a:rPr lang="de-DE" baseline="0" dirty="0" smtClean="0"/>
-              <a:t> </a:t>
-            </a:r>
-            <a:r>
-              <a:rPr lang="de-DE" baseline="0" dirty="0" err="1" smtClean="0"/>
-              <a:t>changes</a:t>
-            </a:r>
-            <a:r>
-              <a:rPr lang="de-DE" baseline="0" dirty="0" smtClean="0"/>
-              <a:t>“ eingeführt werden.</a:t>
+              <a:t> heißt einmal erstellt, unveränderbar. Alle Daten müssen bei der Erstellung verfügbar sein</a:t>
             </a:r>
             <a:endParaRPr lang="en-US" dirty="0"/>
           </a:p>
@@ -1758,11 +2035,60 @@
           <a:p>
             <a:r>
               <a:rPr lang="de-DE" dirty="0" smtClean="0"/>
-              <a:t>Zwei im</a:t>
+              <a:t>IF </a:t>
+            </a:r>
+            <a:r>
+              <a:rPr lang="de-DE" dirty="0" err="1" smtClean="0"/>
+              <a:t>and</a:t>
+            </a:r>
+            <a:r>
+              <a:rPr lang="de-DE" dirty="0" smtClean="0"/>
+              <a:t> SWITCH on STERIODS</a:t>
+            </a:r>
+          </a:p>
+          <a:p>
+            <a:endParaRPr lang="de-DE" dirty="0" smtClean="0"/>
+          </a:p>
+          <a:p>
+            <a:r>
+              <a:rPr lang="de-DE" dirty="0" smtClean="0"/>
+              <a:t>Der F# Compiler ist in der Lage fehlende oder fehlerhafte Fälle</a:t>
             </a:r>
             <a:r>
               <a:rPr lang="de-DE" baseline="0" dirty="0" smtClean="0"/>
-              <a:t> Sinne des Domains gleichwertige Instanzen „Kunde 123“ sind nicht identisch.</a:t>
+              <a:t> zu entdecken.  Dies ist bedingt durch die </a:t>
+            </a:r>
+            <a:r>
+              <a:rPr lang="de-DE" baseline="0" dirty="0" err="1" smtClean="0"/>
+              <a:t>Hindley-Milner</a:t>
+            </a:r>
+            <a:r>
+              <a:rPr lang="de-DE" baseline="0" dirty="0" smtClean="0"/>
+              <a:t> Type </a:t>
+            </a:r>
+            <a:r>
+              <a:rPr lang="de-DE" baseline="0" dirty="0" err="1" smtClean="0"/>
+              <a:t>Inference</a:t>
+            </a:r>
+            <a:r>
+              <a:rPr lang="de-DE" baseline="0" dirty="0" smtClean="0"/>
+              <a:t>, C# wird dies nicht können ohne dass „</a:t>
+            </a:r>
+            <a:r>
+              <a:rPr lang="de-DE" baseline="0" dirty="0" err="1" smtClean="0"/>
+              <a:t>breaking</a:t>
+            </a:r>
+            <a:r>
+              <a:rPr lang="de-DE" baseline="0" dirty="0" smtClean="0"/>
+              <a:t> </a:t>
+            </a:r>
+            <a:r>
+              <a:rPr lang="de-DE" baseline="0" dirty="0" err="1" smtClean="0"/>
+              <a:t>changes</a:t>
+            </a:r>
+            <a:r>
+              <a:rPr lang="de-DE" baseline="0" dirty="0" smtClean="0"/>
+              <a:t>“ eingeführt werden.</a:t>
             </a:r>
             <a:endParaRPr lang="en-US" dirty="0"/>
           </a:p>
@@ -1794,7 +2120,7 @@
     </p:spTree>
     <p:extLst>
       <p:ext uri="{BB962C8B-B14F-4D97-AF65-F5344CB8AC3E}">
-        <p14:creationId xmlns:p14="http://schemas.microsoft.com/office/powerpoint/2010/main" val="836832827"/>
+        <p14:creationId xmlns:p14="http://schemas.microsoft.com/office/powerpoint/2010/main" val="1056229856"/>
       </p:ext>
     </p:extLst>
   </p:cSld>
@@ -1850,19 +2176,11 @@
           <a:p>
             <a:r>
               <a:rPr lang="de-DE" dirty="0" smtClean="0"/>
-              <a:t>Es ist möglich das generierte</a:t>
+              <a:t>Zwei im</a:t>
             </a:r>
             <a:r>
               <a:rPr lang="de-DE" baseline="0" dirty="0" smtClean="0"/>
-              <a:t> Code in einem Decompiler zu sehen, nur die PDB Datei entfernen damit das IL Code als C# dekompiliert wird, manche </a:t>
-            </a:r>
-            <a:r>
-              <a:rPr lang="de-DE" baseline="0" dirty="0" err="1" smtClean="0"/>
-              <a:t>decompiler</a:t>
-            </a:r>
-            <a:r>
-              <a:rPr lang="de-DE" baseline="0" dirty="0" smtClean="0"/>
-              <a:t> sind schlau und nehmen die Info aus der PDB heraus.  Dann sieht man was der Compiler alles erzeugt.</a:t>
+              <a:t> Sinne des Domains gleichwertige Instanzen „Kunde 123“ sind nicht identisch.</a:t>
             </a:r>
             <a:endParaRPr lang="en-US" dirty="0"/>
           </a:p>
@@ -1886,6 +2204,106 @@
             <a:fld id="{4775FDF9-2A53-4261-A0AF-3B6A9698D365}" type="slidenum">
               <a:rPr lang="en-US" smtClean="0"/>
               <a:t>19</a:t>
+            </a:fld>
+            <a:endParaRPr lang="en-US"/>
+          </a:p>
+        </p:txBody>
+      </p:sp>
+    </p:spTree>
+    <p:extLst>
+      <p:ext uri="{BB962C8B-B14F-4D97-AF65-F5344CB8AC3E}">
+        <p14:creationId xmlns:p14="http://schemas.microsoft.com/office/powerpoint/2010/main" val="836832827"/>
+      </p:ext>
+    </p:extLst>
+  </p:cSld>
+  <p:clrMapOvr>
+    <a:masterClrMapping/>
+  </p:clrMapOvr>
+</p:notes>
+</file>
+
+<file path=ppt/notesSlides/notesSlide19.xml><?xml version="1.0" encoding="utf-8"?>
+<p:notes xmlns:a="http://schemas.openxmlformats.org/drawingml/2006/main" xmlns:r="http://schemas.openxmlformats.org/officeDocument/2006/relationships" xmlns:p="http://schemas.openxmlformats.org/presentationml/2006/main">
+  <p:cSld>
+    <p:spTree>
+      <p:nvGrpSpPr>
+        <p:cNvPr id="1" name=""/>
+        <p:cNvGrpSpPr/>
+        <p:nvPr/>
+      </p:nvGrpSpPr>
+      <p:grpSpPr>
+        <a:xfrm>
+          <a:off x="0" y="0"/>
+          <a:ext cx="0" cy="0"/>
+          <a:chOff x="0" y="0"/>
+          <a:chExt cx="0" cy="0"/>
+        </a:xfrm>
+      </p:grpSpPr>
+      <p:sp>
+        <p:nvSpPr>
+          <p:cNvPr id="2" name="Slide Image Placeholder 1"/>
+          <p:cNvSpPr>
+            <a:spLocks noGrp="1" noRot="1" noChangeAspect="1"/>
+          </p:cNvSpPr>
+          <p:nvPr>
+            <p:ph type="sldImg"/>
+          </p:nvPr>
+        </p:nvSpPr>
+        <p:spPr/>
+      </p:sp>
+      <p:sp>
+        <p:nvSpPr>
+          <p:cNvPr id="3" name="Notes Placeholder 2"/>
+          <p:cNvSpPr>
+            <a:spLocks noGrp="1"/>
+          </p:cNvSpPr>
+          <p:nvPr>
+            <p:ph type="body" idx="1"/>
+          </p:nvPr>
+        </p:nvSpPr>
+        <p:spPr/>
+        <p:txBody>
+          <a:bodyPr/>
+          <a:lstStyle/>
+          <a:p>
+            <a:r>
+              <a:rPr lang="de-DE" dirty="0" smtClean="0"/>
+              <a:t>Es ist möglich das generierte</a:t>
+            </a:r>
+            <a:r>
+              <a:rPr lang="de-DE" baseline="0" dirty="0" smtClean="0"/>
+              <a:t> Code in einem Decompiler zu sehen, nur die PDB Datei entfernen damit das IL Code als C# dekompiliert wird, manche </a:t>
+            </a:r>
+            <a:r>
+              <a:rPr lang="de-DE" baseline="0" dirty="0" err="1" smtClean="0"/>
+              <a:t>decompiler</a:t>
+            </a:r>
+            <a:r>
+              <a:rPr lang="de-DE" baseline="0" dirty="0" smtClean="0"/>
+              <a:t> sind schlau und nehmen die Info aus der PDB heraus.  Dann sieht man was der Compiler alles erzeugt.</a:t>
+            </a:r>
+            <a:endParaRPr lang="en-US" dirty="0"/>
+          </a:p>
+        </p:txBody>
+      </p:sp>
+      <p:sp>
+        <p:nvSpPr>
+          <p:cNvPr id="4" name="Slide Number Placeholder 3"/>
+          <p:cNvSpPr>
+            <a:spLocks noGrp="1"/>
+          </p:cNvSpPr>
+          <p:nvPr>
+            <p:ph type="sldNum" sz="quarter" idx="10"/>
+          </p:nvPr>
+        </p:nvSpPr>
+        <p:spPr/>
+        <p:txBody>
+          <a:bodyPr/>
+          <a:lstStyle/>
+          <a:p>
+            <a:fld id="{4775FDF9-2A53-4261-A0AF-3B6A9698D365}" type="slidenum">
+              <a:rPr lang="en-US" smtClean="0"/>
+              <a:t>20</a:t>
             </a:fld>
             <a:endParaRPr lang="en-US"/>
           </a:p>
@@ -2228,31 +2646,7 @@
             </a:r>
             <a:r>
               <a:rPr lang="de-DE" baseline="0" dirty="0" smtClean="0"/>
-              <a:t> gearbeitet</a:t>
-            </a:r>
-            <a:r>
-              <a:rPr lang="de-DE" baseline="0" dirty="0" smtClean="0"/>
-              <a:t>, die Basis für eine </a:t>
-            </a:r>
-            <a:r>
-              <a:rPr lang="de-DE" baseline="0" dirty="0" smtClean="0"/>
-              <a:t>Turing </a:t>
-            </a:r>
-            <a:r>
-              <a:rPr lang="de-DE" baseline="0" dirty="0" smtClean="0"/>
-              <a:t>Maschine. "</a:t>
-            </a:r>
-            <a:r>
-              <a:rPr lang="de-DE" baseline="0" dirty="0" smtClean="0"/>
-              <a:t>formale Sprache zur Untersuchung von Funktionen". </a:t>
-            </a:r>
-            <a:r>
-              <a:rPr lang="de-DE" baseline="0" dirty="0" smtClean="0"/>
-              <a:t>Mathematische </a:t>
-            </a:r>
-            <a:r>
-              <a:rPr lang="de-DE" baseline="0" dirty="0" smtClean="0"/>
-              <a:t>Analyse von Funktionen und deren gebundenen Parameter.</a:t>
+              <a:t> gearbeitet, die Basis für eine Turing Maschine. "formale Sprache zur Untersuchung von Funktionen". Mathematische Analyse von Funktionen und deren gebundenen Parameter.</a:t>
             </a:r>
           </a:p>
           <a:p>
@@ -2264,13 +2658,8 @@
           <a:p>
             <a:r>
               <a:rPr lang="de-DE" baseline="0" dirty="0" smtClean="0"/>
-              <a:t>John McCarthy, hat die Spezifikation und das erste Compiler für LISP </a:t>
-            </a:r>
-            <a:r>
-              <a:rPr lang="de-DE" baseline="0" dirty="0" smtClean="0"/>
-              <a:t>geschrieben, die zweit älteste und noch gebräuchliche Programmiersprache (FORTRAN ist die erste!)</a:t>
-            </a:r>
-            <a:endParaRPr lang="de-DE" baseline="0" dirty="0" smtClean="0"/>
+              <a:t>John McCarthy, hat die Spezifikation und das erste Compiler für LISP geschrieben, die zweit älteste und noch gebräuchliche Programmiersprache (FORTRAN ist die erste!)</a:t>
+            </a:r>
           </a:p>
           <a:p>
             <a:endParaRPr lang="de-DE" baseline="0" dirty="0" smtClean="0"/>
@@ -2361,99 +2750,56 @@
           <a:lstStyle/>
           <a:p>
             <a:r>
-              <a:rPr lang="de-DE" dirty="0" err="1" smtClean="0"/>
-              <a:t>Functional</a:t>
-            </a:r>
-            <a:r>
               <a:rPr lang="de-DE" dirty="0" smtClean="0"/>
+              <a:t>Seit Mitte</a:t>
+            </a:r>
+            <a:r>
+              <a:rPr lang="de-DE" baseline="0" dirty="0" smtClean="0"/>
+              <a:t> der 2000er Jahre haben die führenden Laufzeitumgebungen neue Konstrukte eingeführt die funktionale Sprachen begünstigen</a:t>
+            </a:r>
+          </a:p>
+          <a:p>
+            <a:pPr marL="171450" indent="-171450">
+              <a:buFontTx/>
+              <a:buChar char="-"/>
+            </a:pPr>
+            <a:r>
+              <a:rPr lang="de-DE" baseline="0" dirty="0" smtClean="0"/>
+              <a:t>Lambdas</a:t>
+            </a:r>
+          </a:p>
+          <a:p>
+            <a:pPr marL="171450" indent="-171450">
+              <a:buFontTx/>
+              <a:buChar char="-"/>
+            </a:pPr>
+            <a:r>
+              <a:rPr lang="de-DE" baseline="0" dirty="0" smtClean="0"/>
+              <a:t>Endrekursion (</a:t>
+            </a:r>
+            <a:r>
+              <a:rPr lang="de-DE" baseline="0" dirty="0" err="1" smtClean="0"/>
+              <a:t>Tail</a:t>
+            </a:r>
+            <a:r>
+              <a:rPr lang="de-DE" baseline="0" dirty="0" smtClean="0"/>
               <a:t> </a:t>
             </a:r>
             <a:r>
-              <a:rPr lang="de-DE" dirty="0" err="1" smtClean="0"/>
-              <a:t>Creep</a:t>
-            </a:r>
-            <a:endParaRPr lang="de-DE" dirty="0" smtClean="0"/>
-          </a:p>
-          <a:p>
-            <a:endParaRPr lang="de-DE" dirty="0" smtClean="0"/>
-          </a:p>
-          <a:p>
-            <a:r>
-              <a:rPr lang="de-DE" dirty="0" smtClean="0"/>
-              <a:t>Kein </a:t>
-            </a:r>
-            <a:r>
-              <a:rPr lang="de-DE" dirty="0" smtClean="0"/>
-              <a:t>Hype, kein neuer Trend, sondern endlich auch im Enterprise-Umfeld angekommen (Scala/</a:t>
-            </a:r>
-            <a:r>
-              <a:rPr lang="de-DE" dirty="0" err="1" smtClean="0"/>
-              <a:t>Clojure</a:t>
+              <a:rPr lang="de-DE" baseline="0" dirty="0" err="1" smtClean="0"/>
+              <a:t>Recursion</a:t>
             </a:r>
             <a:r>
               <a:rPr lang="de-DE" baseline="0" dirty="0" smtClean="0"/>
-              <a:t> auf JVM, F# auf .NET, funktionale Ansätze in JavaScript)</a:t>
-            </a:r>
-          </a:p>
-          <a:p>
-            <a:r>
-              <a:rPr lang="de-DE" baseline="0" dirty="0" smtClean="0"/>
-              <a:t>Prognose: In den 2020ern wird genau so erwartet, dass man funktional programmieren kann, wie heute mit </a:t>
-            </a:r>
-            <a:r>
-              <a:rPr lang="de-DE" baseline="0" dirty="0" smtClean="0"/>
-              <a:t>OOP (Zitat R.B.!)</a:t>
-            </a:r>
-          </a:p>
-          <a:p>
-            <a:endParaRPr lang="de-DE" baseline="0" dirty="0" smtClean="0"/>
-          </a:p>
-          <a:p>
-            <a:pPr marL="0" marR="0" indent="0" algn="l" defTabSz="914400" rtl="0" eaLnBrk="1" fontAlgn="auto" latinLnBrk="0" hangingPunct="1">
-              <a:lnSpc>
-                <a:spcPct val="100000"/>
-              </a:lnSpc>
-              <a:spcBef>
-                <a:spcPts val="0"/>
-              </a:spcBef>
-              <a:spcAft>
-                <a:spcPts val="0"/>
-              </a:spcAft>
-              <a:buClrTx/>
-              <a:buSzTx/>
+              <a:t>)</a:t>
+            </a:r>
+          </a:p>
+          <a:p>
+            <a:pPr marL="0" indent="0">
               <a:buFontTx/>
               <a:buNone/>
-              <a:tabLst/>
-              <a:defRPr/>
             </a:pPr>
-            <a:r>
-              <a:rPr lang="de-DE" dirty="0" smtClean="0"/>
-              <a:t>OO Unzulänglichkeiten: Noch mehr Frameworks, vielversprechende</a:t>
-            </a:r>
-            <a:r>
-              <a:rPr lang="de-DE" baseline="0" dirty="0" smtClean="0"/>
-              <a:t> Ansätze erweisen sich als äußerst schwierig wie Test-</a:t>
-            </a:r>
-            <a:r>
-              <a:rPr lang="de-DE" baseline="0" dirty="0" err="1" smtClean="0"/>
-              <a:t>Driven</a:t>
-            </a:r>
-            <a:r>
-              <a:rPr lang="de-DE" baseline="0" dirty="0" smtClean="0"/>
-              <a:t>-Development, Domain </a:t>
-            </a:r>
-            <a:r>
-              <a:rPr lang="de-DE" baseline="0" dirty="0" err="1" smtClean="0"/>
-              <a:t>Driven</a:t>
-            </a:r>
-            <a:r>
-              <a:rPr lang="de-DE" baseline="0" dirty="0" smtClean="0"/>
-              <a:t> Development</a:t>
-            </a:r>
-            <a:endParaRPr lang="de-DE" dirty="0" smtClean="0"/>
-          </a:p>
-          <a:p>
-            <a:endParaRPr lang="de-DE" dirty="0"/>
+            <a:endParaRPr lang="de-DE" baseline="0" dirty="0" smtClean="0"/>
           </a:p>
         </p:txBody>
       </p:sp>
@@ -2483,7 +2829,7 @@
     </p:spTree>
     <p:extLst>
       <p:ext uri="{BB962C8B-B14F-4D97-AF65-F5344CB8AC3E}">
-        <p14:creationId xmlns:p14="http://schemas.microsoft.com/office/powerpoint/2010/main" val="1139320735"/>
+        <p14:creationId xmlns:p14="http://schemas.microsoft.com/office/powerpoint/2010/main" val="948069316"/>
       </p:ext>
     </p:extLst>
   </p:cSld>
@@ -2538,107 +2884,16 @@
           <a:lstStyle/>
           <a:p>
             <a:r>
-              <a:rPr lang="en-US" sz="1200" kern="1200" dirty="0" smtClean="0">
-                <a:solidFill>
-                  <a:schemeClr val="tx1"/>
-                </a:solidFill>
-                <a:latin typeface="+mn-lt"/>
-                <a:ea typeface="+mn-ea"/>
-                <a:cs typeface="+mn-cs"/>
-              </a:rPr>
-              <a:t>type S = { Name : string; </a:t>
-            </a:r>
-            <a:r>
-              <a:rPr lang="en-US" sz="1200" kern="1200" dirty="0" err="1" smtClean="0">
-                <a:solidFill>
-                  <a:schemeClr val="tx1"/>
-                </a:solidFill>
-                <a:latin typeface="+mn-lt"/>
-                <a:ea typeface="+mn-ea"/>
-                <a:cs typeface="+mn-cs"/>
-              </a:rPr>
-              <a:t>Tun</a:t>
-            </a:r>
-            <a:r>
-              <a:rPr lang="en-US" sz="1200" kern="1200" dirty="0" smtClean="0">
-                <a:solidFill>
-                  <a:schemeClr val="tx1"/>
-                </a:solidFill>
-                <a:latin typeface="+mn-lt"/>
-                <a:ea typeface="+mn-ea"/>
-                <a:cs typeface="+mn-cs"/>
-              </a:rPr>
-              <a:t> : string -&gt; string; };;</a:t>
-            </a:r>
-          </a:p>
-          <a:p>
-            <a:r>
-              <a:rPr lang="de-DE" sz="1200" kern="1200" dirty="0" err="1" smtClean="0">
-                <a:solidFill>
-                  <a:schemeClr val="tx1"/>
-                </a:solidFill>
-                <a:latin typeface="+mn-lt"/>
-                <a:ea typeface="+mn-ea"/>
-                <a:cs typeface="+mn-cs"/>
-              </a:rPr>
-              <a:t>let</a:t>
-            </a:r>
-            <a:r>
-              <a:rPr lang="de-DE" sz="1200" kern="1200" baseline="0" dirty="0" smtClean="0">
-                <a:solidFill>
-                  <a:schemeClr val="tx1"/>
-                </a:solidFill>
-                <a:latin typeface="+mn-lt"/>
-                <a:ea typeface="+mn-ea"/>
-                <a:cs typeface="+mn-cs"/>
-              </a:rPr>
-              <a:t> f g x = g x;;</a:t>
-            </a:r>
-          </a:p>
-          <a:p>
-            <a:r>
-              <a:rPr lang="de-DE" sz="1200" kern="1200" baseline="0" dirty="0" err="1" smtClean="0">
-                <a:solidFill>
-                  <a:schemeClr val="tx1"/>
-                </a:solidFill>
-                <a:latin typeface="+mn-lt"/>
-                <a:ea typeface="+mn-ea"/>
-                <a:cs typeface="+mn-cs"/>
-              </a:rPr>
-              <a:t>let</a:t>
-            </a:r>
-            <a:r>
-              <a:rPr lang="de-DE" sz="1200" kern="1200" baseline="0" dirty="0" smtClean="0">
-                <a:solidFill>
-                  <a:schemeClr val="tx1"/>
-                </a:solidFill>
-                <a:latin typeface="+mn-lt"/>
-                <a:ea typeface="+mn-ea"/>
-                <a:cs typeface="+mn-cs"/>
-              </a:rPr>
+              <a:rPr lang="de-DE" dirty="0" err="1" smtClean="0"/>
+              <a:t>Functional</a:t>
+            </a:r>
+            <a:r>
+              <a:rPr lang="de-DE" dirty="0" smtClean="0"/>
               <a:t> </a:t>
             </a:r>
             <a:r>
-              <a:rPr lang="de-DE" sz="1200" kern="1200" baseline="0" dirty="0" err="1" smtClean="0">
-                <a:solidFill>
-                  <a:schemeClr val="tx1"/>
-                </a:solidFill>
-                <a:latin typeface="+mn-lt"/>
-                <a:ea typeface="+mn-ea"/>
-                <a:cs typeface="+mn-cs"/>
-              </a:rPr>
-              <a:t>addFive</a:t>
-            </a:r>
-            <a:r>
-              <a:rPr lang="de-DE" sz="1200" kern="1200" baseline="0" dirty="0" smtClean="0">
-                <a:solidFill>
-                  <a:schemeClr val="tx1"/>
-                </a:solidFill>
-                <a:latin typeface="+mn-lt"/>
-                <a:ea typeface="+mn-ea"/>
-                <a:cs typeface="+mn-cs"/>
-              </a:rPr>
-              <a:t> x = (+) x 5;;</a:t>
+              <a:rPr lang="de-DE" dirty="0" err="1" smtClean="0"/>
+              <a:t>Creep</a:t>
             </a:r>
             <a:endParaRPr lang="de-DE" dirty="0" smtClean="0"/>
           </a:p>
@@ -2648,197 +2903,72 @@
           <a:p>
             <a:r>
               <a:rPr lang="de-DE" dirty="0" smtClean="0"/>
-              <a:t>Typ &lt;&gt; Klasse: Kein Verhalten,</a:t>
+              <a:t>Kein Hype, kein neuer Trend, sondern endlich auch im Enterprise-Umfeld angekommen (Scala/</a:t>
+            </a:r>
+            <a:r>
+              <a:rPr lang="de-DE" dirty="0" err="1" smtClean="0"/>
+              <a:t>Clojure</a:t>
             </a:r>
             <a:r>
               <a:rPr lang="de-DE" baseline="0" dirty="0" smtClean="0"/>
-              <a:t> Reine Datenstruktur.  Aber Achtung: Ich kann in F# da ein bisschen schummeln, F# ist </a:t>
-            </a:r>
-            <a:r>
-              <a:rPr lang="de-DE" baseline="0" dirty="0" err="1" smtClean="0"/>
-              <a:t>Functional</a:t>
-            </a:r>
+              <a:t> auf JVM, F# auf .NET, funktionale Ansätze in JavaScript)</a:t>
+            </a:r>
+          </a:p>
+          <a:p>
             <a:r>
               <a:rPr lang="de-DE" baseline="0" dirty="0" smtClean="0"/>
-              <a:t> </a:t>
-            </a:r>
-            <a:r>
-              <a:rPr lang="de-DE" baseline="0" dirty="0" err="1" smtClean="0"/>
-              <a:t>first</a:t>
-            </a:r>
-            <a:r>
-              <a:rPr lang="de-DE" baseline="0" dirty="0" smtClean="0"/>
-              <a:t> und erlaubt die Verwendung von OO Konstrukte.</a:t>
+              <a:t>Prognose: In den 2020ern wird genau so erwartet, dass man funktional programmieren kann, wie heute mit OOP (Zitat R.B.!)</a:t>
             </a:r>
           </a:p>
           <a:p>
             <a:endParaRPr lang="de-DE" baseline="0" dirty="0" smtClean="0"/>
           </a:p>
           <a:p>
-            <a:r>
-              <a:rPr lang="de-DE" baseline="0" dirty="0" smtClean="0"/>
-              <a:t>type Name = { Vor : </a:t>
-            </a:r>
-            <a:r>
-              <a:rPr lang="de-DE" baseline="0" dirty="0" err="1" smtClean="0"/>
-              <a:t>string</a:t>
-            </a:r>
-            <a:r>
-              <a:rPr lang="de-DE" baseline="0" dirty="0" smtClean="0"/>
-              <a:t>; Nach : </a:t>
-            </a:r>
-            <a:r>
-              <a:rPr lang="de-DE" baseline="0" dirty="0" err="1" smtClean="0"/>
-              <a:t>string</a:t>
-            </a:r>
-            <a:r>
-              <a:rPr lang="de-DE" baseline="0" dirty="0" smtClean="0"/>
-              <a:t>; }</a:t>
-            </a:r>
-          </a:p>
-          <a:p>
-            <a:r>
-              <a:rPr lang="de-DE" baseline="0" dirty="0" smtClean="0"/>
-              <a:t>type Name‘ = { Name : Name; Title : </a:t>
-            </a:r>
-            <a:r>
-              <a:rPr lang="de-DE" baseline="0" dirty="0" err="1" smtClean="0"/>
-              <a:t>string</a:t>
-            </a:r>
-            <a:r>
-              <a:rPr lang="de-DE" baseline="0" dirty="0" smtClean="0"/>
-              <a:t>; Zusatz : </a:t>
-            </a:r>
-            <a:r>
-              <a:rPr lang="de-DE" baseline="0" dirty="0" err="1" smtClean="0"/>
-              <a:t>string</a:t>
-            </a:r>
-            <a:r>
-              <a:rPr lang="de-DE" baseline="0" dirty="0" smtClean="0"/>
-              <a:t>; }</a:t>
-            </a:r>
-          </a:p>
-          <a:p>
-            <a:endParaRPr lang="de-DE" baseline="0" dirty="0" smtClean="0"/>
-          </a:p>
-          <a:p>
-            <a:r>
-              <a:rPr lang="de-DE" baseline="0" dirty="0" err="1" smtClean="0"/>
-              <a:t>Immutability</a:t>
-            </a:r>
-            <a:r>
-              <a:rPr lang="de-DE" baseline="0" dirty="0" smtClean="0"/>
-              <a:t>. Grundsätzlich: Es gibt keine Variablen (Slot im Speicher wo ich etwas pushen und poppen kann). Einmal zugewiesen, bleibt es da für immer! Zwei Vorteile:</a:t>
-            </a:r>
-          </a:p>
-          <a:p>
-            <a:pPr marL="171450" indent="-171450">
-              <a:buFontTx/>
-              <a:buChar char="-"/>
-            </a:pPr>
-            <a:r>
-              <a:rPr lang="de-DE" baseline="0" dirty="0" smtClean="0"/>
-              <a:t>Simple </a:t>
-            </a:r>
-            <a:r>
-              <a:rPr lang="de-DE" baseline="0" dirty="0" err="1" smtClean="0"/>
-              <a:t>to</a:t>
-            </a:r>
-            <a:r>
-              <a:rPr lang="de-DE" baseline="0" dirty="0" smtClean="0"/>
-              <a:t> </a:t>
-            </a:r>
-            <a:r>
-              <a:rPr lang="de-DE" baseline="0" dirty="0" err="1" smtClean="0"/>
-              <a:t>reason</a:t>
-            </a:r>
-            <a:r>
-              <a:rPr lang="de-DE" baseline="0" dirty="0" smtClean="0"/>
-              <a:t> </a:t>
-            </a:r>
-            <a:r>
-              <a:rPr lang="de-DE" baseline="0" dirty="0" err="1" smtClean="0"/>
-              <a:t>about</a:t>
-            </a:r>
-            <a:r>
-              <a:rPr lang="de-DE" baseline="0" dirty="0" smtClean="0"/>
-              <a:t>. Die Frage „Wann hat sich der Wert geändert?“ stellt sich gar nicht mehr, der Wert kann nur zugewiesen werden</a:t>
-            </a:r>
-          </a:p>
-          <a:p>
-            <a:pPr marL="171450" indent="-171450">
-              <a:buFontTx/>
-              <a:buChar char="-"/>
-            </a:pPr>
-            <a:r>
-              <a:rPr lang="de-DE" baseline="0" dirty="0" smtClean="0"/>
-              <a:t>Multi Core </a:t>
-            </a:r>
-            <a:r>
-              <a:rPr lang="de-DE" baseline="0" dirty="0" err="1" smtClean="0"/>
-              <a:t>ready</a:t>
-            </a:r>
-            <a:r>
-              <a:rPr lang="de-DE" baseline="0" dirty="0" smtClean="0"/>
-              <a:t>: Kein </a:t>
-            </a:r>
-            <a:r>
-              <a:rPr lang="de-DE" baseline="0" dirty="0" err="1" smtClean="0"/>
-              <a:t>Mutex</a:t>
-            </a:r>
-            <a:r>
-              <a:rPr lang="de-DE" baseline="0" dirty="0" smtClean="0"/>
-              <a:t>, kein Semaphore, kein Monitor!</a:t>
-            </a:r>
-          </a:p>
-          <a:p>
-            <a:pPr marL="171450" indent="-171450">
-              <a:buFontTx/>
-              <a:buChar char="-"/>
-            </a:pPr>
-            <a:r>
-              <a:rPr lang="de-DE" baseline="0" dirty="0" smtClean="0"/>
-              <a:t>Man muss State neudenken, besser neulernen, die FP Leute haben das schon gemacht. Und übrigens, </a:t>
-            </a:r>
-            <a:r>
-              <a:rPr lang="de-DE" baseline="0" dirty="0" err="1" smtClean="0"/>
-              <a:t>SmallTalk</a:t>
-            </a:r>
-            <a:r>
-              <a:rPr lang="de-DE" baseline="0" dirty="0" smtClean="0"/>
-              <a:t> war auch </a:t>
-            </a:r>
-            <a:r>
-              <a:rPr lang="de-DE" baseline="0" dirty="0" err="1" smtClean="0"/>
-              <a:t>immutable</a:t>
-            </a:r>
-            <a:r>
-              <a:rPr lang="de-DE" baseline="0" dirty="0" smtClean="0"/>
-              <a:t>, State war nur mittels eines Messaging Untersystem möglich.</a:t>
-            </a:r>
-          </a:p>
-          <a:p>
-            <a:pPr marL="171450" indent="-171450">
-              <a:buFontTx/>
-              <a:buChar char="-"/>
-            </a:pPr>
-            <a:endParaRPr lang="de-DE" baseline="0" dirty="0" smtClean="0"/>
-          </a:p>
-          <a:p>
-            <a:pPr marL="0" indent="0">
+            <a:pPr marL="0" marR="0" indent="0" algn="l" defTabSz="914400" rtl="0" eaLnBrk="1" fontAlgn="auto" latinLnBrk="0" hangingPunct="1">
+              <a:lnSpc>
+                <a:spcPct val="100000"/>
+              </a:lnSpc>
+              <a:spcBef>
+                <a:spcPts val="0"/>
+              </a:spcBef>
+              <a:spcAft>
+                <a:spcPts val="0"/>
+              </a:spcAft>
+              <a:buClrTx/>
+              <a:buSzTx/>
               <a:buFontTx/>
               <a:buNone/>
+              <a:tabLst/>
+              <a:defRPr/>
             </a:pPr>
             <a:r>
+              <a:rPr lang="de-DE" dirty="0" smtClean="0"/>
+              <a:t>OO Unzulänglichkeiten: Noch mehr Frameworks, vielversprechende</a:t>
+            </a:r>
+            <a:r>
               <a:rPr lang="de-DE" baseline="0" dirty="0" smtClean="0"/>
-              <a:t>Eine Funktion wird zu einem Ausdruck gebunden und gibt diesem einen Wert.</a:t>
-            </a:r>
-          </a:p>
-          <a:p>
-            <a:endParaRPr lang="de-DE" baseline="0" dirty="0" smtClean="0"/>
-          </a:p>
-          <a:p>
-            <a:endParaRPr lang="en-US" dirty="0"/>
+              <a:t> Ansätze erweisen sich als äußerst schwierig wie Test-</a:t>
+            </a:r>
+            <a:r>
+              <a:rPr lang="de-DE" baseline="0" dirty="0" err="1" smtClean="0"/>
+              <a:t>Driven</a:t>
+            </a:r>
+            <a:r>
+              <a:rPr lang="de-DE" baseline="0" dirty="0" smtClean="0"/>
+              <a:t>-Development, Domain </a:t>
+            </a:r>
+            <a:r>
+              <a:rPr lang="de-DE" baseline="0" dirty="0" err="1" smtClean="0"/>
+              <a:t>Driven</a:t>
+            </a:r>
+            <a:r>
+              <a:rPr lang="de-DE" baseline="0" dirty="0" smtClean="0"/>
+              <a:t> Development</a:t>
+            </a:r>
+            <a:endParaRPr lang="de-DE" dirty="0" smtClean="0"/>
+          </a:p>
+          <a:p>
+            <a:endParaRPr lang="de-DE" dirty="0"/>
           </a:p>
         </p:txBody>
       </p:sp>
@@ -2868,7 +2998,7 @@
     </p:spTree>
     <p:extLst>
       <p:ext uri="{BB962C8B-B14F-4D97-AF65-F5344CB8AC3E}">
-        <p14:creationId xmlns:p14="http://schemas.microsoft.com/office/powerpoint/2010/main" val="1782259541"/>
+        <p14:creationId xmlns:p14="http://schemas.microsoft.com/office/powerpoint/2010/main" val="1139320735"/>
       </p:ext>
     </p:extLst>
   </p:cSld>
@@ -2923,52 +3053,275 @@
           <a:lstStyle/>
           <a:p>
             <a:r>
+              <a:rPr lang="en-US" sz="1200" kern="1200" dirty="0" smtClean="0">
+                <a:solidFill>
+                  <a:schemeClr val="tx1"/>
+                </a:solidFill>
+                <a:latin typeface="+mn-lt"/>
+                <a:ea typeface="+mn-ea"/>
+                <a:cs typeface="+mn-cs"/>
+              </a:rPr>
+              <a:t>type S = { Name : string; </a:t>
+            </a:r>
+            <a:r>
+              <a:rPr lang="en-US" sz="1200" kern="1200" dirty="0" err="1" smtClean="0">
+                <a:solidFill>
+                  <a:schemeClr val="tx1"/>
+                </a:solidFill>
+                <a:latin typeface="+mn-lt"/>
+                <a:ea typeface="+mn-ea"/>
+                <a:cs typeface="+mn-cs"/>
+              </a:rPr>
+              <a:t>Tun</a:t>
+            </a:r>
+            <a:r>
+              <a:rPr lang="en-US" sz="1200" kern="1200" dirty="0" smtClean="0">
+                <a:solidFill>
+                  <a:schemeClr val="tx1"/>
+                </a:solidFill>
+                <a:latin typeface="+mn-lt"/>
+                <a:ea typeface="+mn-ea"/>
+                <a:cs typeface="+mn-cs"/>
+              </a:rPr>
+              <a:t> : string -&gt; string; };;</a:t>
+            </a:r>
+          </a:p>
+          <a:p>
+            <a:r>
+              <a:rPr lang="de-DE" sz="1200" kern="1200" dirty="0" err="1" smtClean="0">
+                <a:solidFill>
+                  <a:schemeClr val="tx1"/>
+                </a:solidFill>
+                <a:latin typeface="+mn-lt"/>
+                <a:ea typeface="+mn-ea"/>
+                <a:cs typeface="+mn-cs"/>
+              </a:rPr>
+              <a:t>let</a:t>
+            </a:r>
+            <a:r>
+              <a:rPr lang="de-DE" sz="1200" kern="1200" baseline="0" dirty="0" smtClean="0">
+                <a:solidFill>
+                  <a:schemeClr val="tx1"/>
+                </a:solidFill>
+                <a:latin typeface="+mn-lt"/>
+                <a:ea typeface="+mn-ea"/>
+                <a:cs typeface="+mn-cs"/>
+              </a:rPr>
+              <a:t> f g x = g x;;</a:t>
+            </a:r>
+          </a:p>
+          <a:p>
+            <a:r>
+              <a:rPr lang="de-DE" sz="1200" kern="1200" baseline="0" dirty="0" err="1" smtClean="0">
+                <a:solidFill>
+                  <a:schemeClr val="tx1"/>
+                </a:solidFill>
+                <a:latin typeface="+mn-lt"/>
+                <a:ea typeface="+mn-ea"/>
+                <a:cs typeface="+mn-cs"/>
+              </a:rPr>
+              <a:t>let</a:t>
+            </a:r>
+            <a:r>
+              <a:rPr lang="de-DE" sz="1200" kern="1200" baseline="0" dirty="0" smtClean="0">
+                <a:solidFill>
+                  <a:schemeClr val="tx1"/>
+                </a:solidFill>
+                <a:latin typeface="+mn-lt"/>
+                <a:ea typeface="+mn-ea"/>
+                <a:cs typeface="+mn-cs"/>
+              </a:rPr>
+              <a:t> </a:t>
+            </a:r>
+            <a:r>
+              <a:rPr lang="de-DE" sz="1200" kern="1200" baseline="0" dirty="0" err="1" smtClean="0">
+                <a:solidFill>
+                  <a:schemeClr val="tx1"/>
+                </a:solidFill>
+                <a:latin typeface="+mn-lt"/>
+                <a:ea typeface="+mn-ea"/>
+                <a:cs typeface="+mn-cs"/>
+              </a:rPr>
+              <a:t>addFive</a:t>
+            </a:r>
+            <a:r>
+              <a:rPr lang="de-DE" sz="1200" kern="1200" baseline="0" dirty="0" smtClean="0">
+                <a:solidFill>
+                  <a:schemeClr val="tx1"/>
+                </a:solidFill>
+                <a:latin typeface="+mn-lt"/>
+                <a:ea typeface="+mn-ea"/>
+                <a:cs typeface="+mn-cs"/>
+              </a:rPr>
+              <a:t> x = (+) x 5;;</a:t>
+            </a:r>
+            <a:endParaRPr lang="de-DE" dirty="0" smtClean="0"/>
+          </a:p>
+          <a:p>
+            <a:endParaRPr lang="de-DE" dirty="0" smtClean="0"/>
+          </a:p>
+          <a:p>
+            <a:r>
               <a:rPr lang="de-DE" dirty="0" smtClean="0"/>
-              <a:t>Variable </a:t>
-            </a:r>
-            <a:r>
-              <a:rPr lang="de-DE" dirty="0" err="1" smtClean="0"/>
-              <a:t>result</a:t>
-            </a:r>
-            <a:r>
-              <a:rPr lang="de-DE" dirty="0" smtClean="0"/>
-              <a:t> muss außerhalb der Anweisung definiert werden,</a:t>
+              <a:t>Typ &lt;&gt; Klasse: Kein Verhalten,</a:t>
             </a:r>
             <a:r>
               <a:rPr lang="de-DE" baseline="0" dirty="0" smtClean="0"/>
-              <a:t> wird jedoch davon berührt: das ist eine Nebenwirkung, also Side </a:t>
+              <a:t> Reine Datenstruktur.  Aber Achtung: Ich kann in F# da ein bisschen schummeln, F# ist </a:t>
             </a:r>
             <a:r>
               <a:rPr lang="de-DE" baseline="0" dirty="0" err="1" smtClean="0"/>
-              <a:t>Effect</a:t>
+              <a:t>Functional</a:t>
             </a:r>
             <a:r>
               <a:rPr lang="de-DE" baseline="0" dirty="0" smtClean="0"/>
-              <a:t>.</a:t>
-            </a:r>
-          </a:p>
-          <a:p>
+              <a:t> </a:t>
+            </a:r>
             <a:r>
               <a:rPr lang="de-DE" baseline="0" dirty="0" err="1" smtClean="0"/>
-              <a:t>If</a:t>
+              <a:t>first</a:t>
             </a:r>
             <a:r>
               <a:rPr lang="de-DE" baseline="0" dirty="0" smtClean="0"/>
-              <a:t> ist eine Anweisung die NUR Nebenwirkungen erzeugt.  Ich kann IF nicht binden zu einem Bezeichner.</a:t>
-            </a:r>
+              <a:t> und erlaubt die Verwendung von OO Konstrukte.</a:t>
+            </a:r>
+          </a:p>
+          <a:p>
+            <a:endParaRPr lang="de-DE" baseline="0" dirty="0" smtClean="0"/>
           </a:p>
           <a:p>
             <a:r>
               <a:rPr lang="de-DE" baseline="0" dirty="0" smtClean="0"/>
-              <a:t>In einem Ausdruck gibt es keine Nebenwirkung da die Variable den Wert erhält sobald sie deklariert wird.  In einer FP Sprache wäre </a:t>
+              <a:t>type Name = { Vor : </a:t>
             </a:r>
             <a:r>
               <a:rPr lang="de-DE" baseline="0" dirty="0" err="1" smtClean="0"/>
-              <a:t>result</a:t>
+              <a:t>string</a:t>
             </a:r>
             <a:r>
               <a:rPr lang="de-DE" baseline="0" dirty="0" smtClean="0"/>
-              <a:t> auch noch </a:t>
+              <a:t>; Nach : </a:t>
+            </a:r>
+            <a:r>
+              <a:rPr lang="de-DE" baseline="0" dirty="0" err="1" smtClean="0"/>
+              <a:t>string</a:t>
+            </a:r>
+            <a:r>
+              <a:rPr lang="de-DE" baseline="0" dirty="0" smtClean="0"/>
+              <a:t>; }</a:t>
+            </a:r>
+          </a:p>
+          <a:p>
+            <a:r>
+              <a:rPr lang="de-DE" baseline="0" dirty="0" smtClean="0"/>
+              <a:t>type Name‘ = { Name : Name; Title : </a:t>
+            </a:r>
+            <a:r>
+              <a:rPr lang="de-DE" baseline="0" dirty="0" err="1" smtClean="0"/>
+              <a:t>string</a:t>
+            </a:r>
+            <a:r>
+              <a:rPr lang="de-DE" baseline="0" dirty="0" smtClean="0"/>
+              <a:t>; Zusatz : </a:t>
+            </a:r>
+            <a:r>
+              <a:rPr lang="de-DE" baseline="0" dirty="0" err="1" smtClean="0"/>
+              <a:t>string</a:t>
+            </a:r>
+            <a:r>
+              <a:rPr lang="de-DE" baseline="0" dirty="0" smtClean="0"/>
+              <a:t>; }</a:t>
+            </a:r>
+          </a:p>
+          <a:p>
+            <a:endParaRPr lang="de-DE" baseline="0" dirty="0" smtClean="0"/>
+          </a:p>
+          <a:p>
+            <a:r>
+              <a:rPr lang="de-DE" baseline="0" dirty="0" err="1" smtClean="0"/>
+              <a:t>Immutability</a:t>
+            </a:r>
+            <a:r>
+              <a:rPr lang="de-DE" baseline="0" dirty="0" smtClean="0"/>
+              <a:t>. Grundsätzlich: Es gibt keine Variablen (Slot im Speicher wo ich etwas pushen und poppen kann). Einmal zugewiesen, bleibt es da für immer! Zwei Vorteile:</a:t>
+            </a:r>
+          </a:p>
+          <a:p>
+            <a:pPr marL="171450" indent="-171450">
+              <a:buFontTx/>
+              <a:buChar char="-"/>
+            </a:pPr>
+            <a:r>
+              <a:rPr lang="de-DE" baseline="0" dirty="0" smtClean="0"/>
+              <a:t>Simple </a:t>
+            </a:r>
+            <a:r>
+              <a:rPr lang="de-DE" baseline="0" dirty="0" err="1" smtClean="0"/>
+              <a:t>to</a:t>
+            </a:r>
+            <a:r>
+              <a:rPr lang="de-DE" baseline="0" dirty="0" smtClean="0"/>
+              <a:t> </a:t>
+            </a:r>
+            <a:r>
+              <a:rPr lang="de-DE" baseline="0" dirty="0" err="1" smtClean="0"/>
+              <a:t>reason</a:t>
+            </a:r>
+            <a:r>
+              <a:rPr lang="de-DE" baseline="0" dirty="0" smtClean="0"/>
+              <a:t> </a:t>
+            </a:r>
+            <a:r>
+              <a:rPr lang="de-DE" baseline="0" dirty="0" err="1" smtClean="0"/>
+              <a:t>about</a:t>
+            </a:r>
+            <a:r>
+              <a:rPr lang="de-DE" baseline="0" dirty="0" smtClean="0"/>
+              <a:t>. Die Frage „Wann hat sich der Wert geändert?“ stellt sich gar nicht mehr, der Wert kann nur zugewiesen werden</a:t>
+            </a:r>
+          </a:p>
+          <a:p>
+            <a:pPr marL="171450" indent="-171450">
+              <a:buFontTx/>
+              <a:buChar char="-"/>
+            </a:pPr>
+            <a:r>
+              <a:rPr lang="de-DE" baseline="0" dirty="0" smtClean="0"/>
+              <a:t>Multi Core </a:t>
+            </a:r>
+            <a:r>
+              <a:rPr lang="de-DE" baseline="0" dirty="0" err="1" smtClean="0"/>
+              <a:t>ready</a:t>
+            </a:r>
+            <a:r>
+              <a:rPr lang="de-DE" baseline="0" dirty="0" smtClean="0"/>
+              <a:t>: Kein </a:t>
+            </a:r>
+            <a:r>
+              <a:rPr lang="de-DE" baseline="0" dirty="0" err="1" smtClean="0"/>
+              <a:t>Mutex</a:t>
+            </a:r>
+            <a:r>
+              <a:rPr lang="de-DE" baseline="0" dirty="0" smtClean="0"/>
+              <a:t>, kein Semaphore, kein Monitor!</a:t>
+            </a:r>
+          </a:p>
+          <a:p>
+            <a:pPr marL="171450" indent="-171450">
+              <a:buFontTx/>
+              <a:buChar char="-"/>
+            </a:pPr>
+            <a:r>
+              <a:rPr lang="de-DE" baseline="0" dirty="0" smtClean="0"/>
+              <a:t>Man muss State neudenken, besser neulernen, die FP Leute haben das schon gemacht. Und übrigens, </a:t>
+            </a:r>
+            <a:r>
+              <a:rPr lang="de-DE" baseline="0" dirty="0" err="1" smtClean="0"/>
+              <a:t>SmallTalk</a:t>
+            </a:r>
+            <a:r>
+              <a:rPr lang="de-DE" baseline="0" dirty="0" smtClean="0"/>
+              <a:t> war auch </a:t>
             </a:r>
             <a:r>
               <a:rPr lang="de-DE" baseline="0" dirty="0" err="1" smtClean="0"/>
@@ -2976,25 +3329,30 @@
             </a:r>
             <a:r>
               <a:rPr lang="de-DE" baseline="0" dirty="0" smtClean="0"/>
-              <a:t>.</a:t>
-            </a:r>
-          </a:p>
-          <a:p>
+              <a:t>, State war nur mittels eines Messaging Untersystem möglich.</a:t>
+            </a:r>
+          </a:p>
+          <a:p>
+            <a:pPr marL="171450" indent="-171450">
+              <a:buFontTx/>
+              <a:buChar char="-"/>
+            </a:pPr>
             <a:endParaRPr lang="de-DE" baseline="0" dirty="0" smtClean="0"/>
           </a:p>
           <a:p>
+            <a:pPr marL="0" indent="0">
+              <a:buFontTx/>
+              <a:buNone/>
+            </a:pPr>
             <a:r>
               <a:rPr lang="de-DE" baseline="0" dirty="0" smtClean="0"/>
-              <a:t>KEINE </a:t>
-            </a:r>
-            <a:r>
-              <a:rPr lang="de-DE" baseline="0" dirty="0" err="1" smtClean="0"/>
-              <a:t>NullReferenceExceptions</a:t>
-            </a:r>
-            <a:r>
-              <a:rPr lang="de-DE" baseline="0" dirty="0" smtClean="0"/>
-              <a:t> mehr, WIRKLICH, GAR keine mehr!!!!!!!!!!!!</a:t>
-            </a:r>
+              <a:t>Eine Funktion wird zu einem Ausdruck gebunden und gibt diesem einen Wert.</a:t>
+            </a:r>
+          </a:p>
+          <a:p>
+            <a:endParaRPr lang="de-DE" baseline="0" dirty="0" smtClean="0"/>
+          </a:p>
+          <a:p>
             <a:endParaRPr lang="en-US" dirty="0"/>
           </a:p>
         </p:txBody>
@@ -3025,7 +3383,7 @@
     </p:spTree>
     <p:extLst>
       <p:ext uri="{BB962C8B-B14F-4D97-AF65-F5344CB8AC3E}">
-        <p14:creationId xmlns:p14="http://schemas.microsoft.com/office/powerpoint/2010/main" val="1270029111"/>
+        <p14:creationId xmlns:p14="http://schemas.microsoft.com/office/powerpoint/2010/main" val="1782259541"/>
       </p:ext>
     </p:extLst>
   </p:cSld>
@@ -3080,275 +3438,52 @@
           <a:lstStyle/>
           <a:p>
             <a:r>
-              <a:rPr lang="en-US" sz="1200" kern="1200" dirty="0" smtClean="0">
-                <a:solidFill>
-                  <a:schemeClr val="tx1"/>
-                </a:solidFill>
-                <a:latin typeface="+mn-lt"/>
-                <a:ea typeface="+mn-ea"/>
-                <a:cs typeface="+mn-cs"/>
-              </a:rPr>
-              <a:t>type S = { Name : string; </a:t>
-            </a:r>
-            <a:r>
-              <a:rPr lang="en-US" sz="1200" kern="1200" dirty="0" err="1" smtClean="0">
-                <a:solidFill>
-                  <a:schemeClr val="tx1"/>
-                </a:solidFill>
-                <a:latin typeface="+mn-lt"/>
-                <a:ea typeface="+mn-ea"/>
-                <a:cs typeface="+mn-cs"/>
-              </a:rPr>
-              <a:t>Tun</a:t>
-            </a:r>
-            <a:r>
-              <a:rPr lang="en-US" sz="1200" kern="1200" dirty="0" smtClean="0">
-                <a:solidFill>
-                  <a:schemeClr val="tx1"/>
-                </a:solidFill>
-                <a:latin typeface="+mn-lt"/>
-                <a:ea typeface="+mn-ea"/>
-                <a:cs typeface="+mn-cs"/>
-              </a:rPr>
-              <a:t> : string -&gt; string; };;</a:t>
-            </a:r>
-          </a:p>
-          <a:p>
-            <a:r>
-              <a:rPr lang="de-DE" sz="1200" kern="1200" dirty="0" err="1" smtClean="0">
-                <a:solidFill>
-                  <a:schemeClr val="tx1"/>
-                </a:solidFill>
-                <a:latin typeface="+mn-lt"/>
-                <a:ea typeface="+mn-ea"/>
-                <a:cs typeface="+mn-cs"/>
-              </a:rPr>
-              <a:t>let</a:t>
-            </a:r>
-            <a:r>
-              <a:rPr lang="de-DE" sz="1200" kern="1200" baseline="0" dirty="0" smtClean="0">
-                <a:solidFill>
-                  <a:schemeClr val="tx1"/>
-                </a:solidFill>
-                <a:latin typeface="+mn-lt"/>
-                <a:ea typeface="+mn-ea"/>
-                <a:cs typeface="+mn-cs"/>
-              </a:rPr>
-              <a:t> f g x = g x;;</a:t>
-            </a:r>
-          </a:p>
-          <a:p>
-            <a:r>
-              <a:rPr lang="de-DE" sz="1200" kern="1200" baseline="0" dirty="0" err="1" smtClean="0">
-                <a:solidFill>
-                  <a:schemeClr val="tx1"/>
-                </a:solidFill>
-                <a:latin typeface="+mn-lt"/>
-                <a:ea typeface="+mn-ea"/>
-                <a:cs typeface="+mn-cs"/>
-              </a:rPr>
-              <a:t>let</a:t>
-            </a:r>
-            <a:r>
-              <a:rPr lang="de-DE" sz="1200" kern="1200" baseline="0" dirty="0" smtClean="0">
-                <a:solidFill>
-                  <a:schemeClr val="tx1"/>
-                </a:solidFill>
-                <a:latin typeface="+mn-lt"/>
-                <a:ea typeface="+mn-ea"/>
-                <a:cs typeface="+mn-cs"/>
-              </a:rPr>
-              <a:t> </a:t>
-            </a:r>
-            <a:r>
-              <a:rPr lang="de-DE" sz="1200" kern="1200" baseline="0" dirty="0" err="1" smtClean="0">
-                <a:solidFill>
-                  <a:schemeClr val="tx1"/>
-                </a:solidFill>
-                <a:latin typeface="+mn-lt"/>
-                <a:ea typeface="+mn-ea"/>
-                <a:cs typeface="+mn-cs"/>
-              </a:rPr>
-              <a:t>addFive</a:t>
-            </a:r>
-            <a:r>
-              <a:rPr lang="de-DE" sz="1200" kern="1200" baseline="0" dirty="0" smtClean="0">
-                <a:solidFill>
-                  <a:schemeClr val="tx1"/>
-                </a:solidFill>
-                <a:latin typeface="+mn-lt"/>
-                <a:ea typeface="+mn-ea"/>
-                <a:cs typeface="+mn-cs"/>
-              </a:rPr>
-              <a:t> x = (+) x 5;;</a:t>
-            </a:r>
-            <a:endParaRPr lang="de-DE" dirty="0" smtClean="0"/>
-          </a:p>
-          <a:p>
-            <a:endParaRPr lang="de-DE" dirty="0" smtClean="0"/>
-          </a:p>
-          <a:p>
-            <a:r>
               <a:rPr lang="de-DE" dirty="0" smtClean="0"/>
-              <a:t>Typ &lt;&gt; Klasse: Kein Verhalten,</a:t>
+              <a:t>Variable </a:t>
+            </a:r>
+            <a:r>
+              <a:rPr lang="de-DE" dirty="0" err="1" smtClean="0"/>
+              <a:t>result</a:t>
+            </a:r>
+            <a:r>
+              <a:rPr lang="de-DE" dirty="0" smtClean="0"/>
+              <a:t> muss außerhalb der Anweisung definiert werden,</a:t>
             </a:r>
             <a:r>
               <a:rPr lang="de-DE" baseline="0" dirty="0" smtClean="0"/>
-              <a:t> Reine Datenstruktur.  Aber Achtung: Ich kann in F# da ein bisschen schummeln, F# ist </a:t>
+              <a:t> wird jedoch davon berührt: das ist eine Nebenwirkung, also Side </a:t>
             </a:r>
             <a:r>
               <a:rPr lang="de-DE" baseline="0" dirty="0" err="1" smtClean="0"/>
-              <a:t>Functional</a:t>
+              <a:t>Effect</a:t>
             </a:r>
             <a:r>
               <a:rPr lang="de-DE" baseline="0" dirty="0" smtClean="0"/>
-              <a:t> </a:t>
-            </a:r>
+              <a:t>.</a:t>
+            </a:r>
+          </a:p>
+          <a:p>
             <a:r>
               <a:rPr lang="de-DE" baseline="0" dirty="0" err="1" smtClean="0"/>
-              <a:t>first</a:t>
+              <a:t>If</a:t>
             </a:r>
             <a:r>
               <a:rPr lang="de-DE" baseline="0" dirty="0" smtClean="0"/>
-              <a:t> und erlaubt die Verwendung von OO Konstrukte.</a:t>
-            </a:r>
-          </a:p>
-          <a:p>
-            <a:endParaRPr lang="de-DE" baseline="0" dirty="0" smtClean="0"/>
+              <a:t> ist eine Anweisung die NUR Nebenwirkungen erzeugt.  Ich kann IF nicht binden zu einem Bezeichner.</a:t>
+            </a:r>
           </a:p>
           <a:p>
             <a:r>
               <a:rPr lang="de-DE" baseline="0" dirty="0" smtClean="0"/>
-              <a:t>type Name = { Vor : </a:t>
+              <a:t>In einem Ausdruck gibt es keine Nebenwirkung da die Variable den Wert erhält sobald sie deklariert wird.  In einer FP Sprache wäre </a:t>
             </a:r>
             <a:r>
               <a:rPr lang="de-DE" baseline="0" dirty="0" err="1" smtClean="0"/>
-              <a:t>string</a:t>
+              <a:t>result</a:t>
             </a:r>
             <a:r>
               <a:rPr lang="de-DE" baseline="0" dirty="0" smtClean="0"/>
-              <a:t>; Nach : </a:t>
-            </a:r>
-            <a:r>
-              <a:rPr lang="de-DE" baseline="0" dirty="0" err="1" smtClean="0"/>
-              <a:t>string</a:t>
-            </a:r>
-            <a:r>
-              <a:rPr lang="de-DE" baseline="0" dirty="0" smtClean="0"/>
-              <a:t>; }</a:t>
-            </a:r>
-          </a:p>
-          <a:p>
-            <a:r>
-              <a:rPr lang="de-DE" baseline="0" dirty="0" smtClean="0"/>
-              <a:t>type Name‘ = { Name : Name; Title : </a:t>
-            </a:r>
-            <a:r>
-              <a:rPr lang="de-DE" baseline="0" dirty="0" err="1" smtClean="0"/>
-              <a:t>string</a:t>
-            </a:r>
-            <a:r>
-              <a:rPr lang="de-DE" baseline="0" dirty="0" smtClean="0"/>
-              <a:t>; Zusatz : </a:t>
-            </a:r>
-            <a:r>
-              <a:rPr lang="de-DE" baseline="0" dirty="0" err="1" smtClean="0"/>
-              <a:t>string</a:t>
-            </a:r>
-            <a:r>
-              <a:rPr lang="de-DE" baseline="0" dirty="0" smtClean="0"/>
-              <a:t>; }</a:t>
-            </a:r>
-          </a:p>
-          <a:p>
-            <a:endParaRPr lang="de-DE" baseline="0" dirty="0" smtClean="0"/>
-          </a:p>
-          <a:p>
-            <a:r>
-              <a:rPr lang="de-DE" baseline="0" dirty="0" err="1" smtClean="0"/>
-              <a:t>Immutability</a:t>
-            </a:r>
-            <a:r>
-              <a:rPr lang="de-DE" baseline="0" dirty="0" smtClean="0"/>
-              <a:t>. Grundsätzlich: Es gibt keine Variablen (Slot im Speicher wo ich etwas pushen und poppen kann). Einmal zugewiesen, bleibt es da für immer! Zwei Vorteile:</a:t>
-            </a:r>
-          </a:p>
-          <a:p>
-            <a:pPr marL="171450" indent="-171450">
-              <a:buFontTx/>
-              <a:buChar char="-"/>
-            </a:pPr>
-            <a:r>
-              <a:rPr lang="de-DE" baseline="0" dirty="0" smtClean="0"/>
-              <a:t>Simple </a:t>
-            </a:r>
-            <a:r>
-              <a:rPr lang="de-DE" baseline="0" dirty="0" err="1" smtClean="0"/>
-              <a:t>to</a:t>
-            </a:r>
-            <a:r>
-              <a:rPr lang="de-DE" baseline="0" dirty="0" smtClean="0"/>
-              <a:t> </a:t>
-            </a:r>
-            <a:r>
-              <a:rPr lang="de-DE" baseline="0" dirty="0" err="1" smtClean="0"/>
-              <a:t>reason</a:t>
-            </a:r>
-            <a:r>
-              <a:rPr lang="de-DE" baseline="0" dirty="0" smtClean="0"/>
-              <a:t> </a:t>
-            </a:r>
-            <a:r>
-              <a:rPr lang="de-DE" baseline="0" dirty="0" err="1" smtClean="0"/>
-              <a:t>about</a:t>
-            </a:r>
-            <a:r>
-              <a:rPr lang="de-DE" baseline="0" dirty="0" smtClean="0"/>
-              <a:t>. Die Frage „Wann hat sich der Wert geändert?“ stellt sich gar nicht mehr, der Wert kann nur zugewiesen werden</a:t>
-            </a:r>
-          </a:p>
-          <a:p>
-            <a:pPr marL="171450" indent="-171450">
-              <a:buFontTx/>
-              <a:buChar char="-"/>
-            </a:pPr>
-            <a:r>
-              <a:rPr lang="de-DE" baseline="0" dirty="0" smtClean="0"/>
-              <a:t>Multi Core </a:t>
-            </a:r>
-            <a:r>
-              <a:rPr lang="de-DE" baseline="0" dirty="0" err="1" smtClean="0"/>
-              <a:t>ready</a:t>
-            </a:r>
-            <a:r>
-              <a:rPr lang="de-DE" baseline="0" dirty="0" smtClean="0"/>
-              <a:t>: Kein </a:t>
-            </a:r>
-            <a:r>
-              <a:rPr lang="de-DE" baseline="0" dirty="0" err="1" smtClean="0"/>
-              <a:t>Mutex</a:t>
-            </a:r>
-            <a:r>
-              <a:rPr lang="de-DE" baseline="0" dirty="0" smtClean="0"/>
-              <a:t>, kein Semaphore, kein Monitor!</a:t>
-            </a:r>
-          </a:p>
-          <a:p>
-            <a:pPr marL="171450" indent="-171450">
-              <a:buFontTx/>
-              <a:buChar char="-"/>
-            </a:pPr>
-            <a:r>
-              <a:rPr lang="de-DE" baseline="0" dirty="0" smtClean="0"/>
-              <a:t>Man muss State neudenken, besser neulernen, die FP Leute haben das schon gemacht. Und übrigens, </a:t>
-            </a:r>
-            <a:r>
-              <a:rPr lang="de-DE" baseline="0" dirty="0" err="1" smtClean="0"/>
-              <a:t>SmallTalk</a:t>
-            </a:r>
-            <a:r>
-              <a:rPr lang="de-DE" baseline="0" dirty="0" smtClean="0"/>
-              <a:t> war auch </a:t>
+              <a:t> auch noch </a:t>
             </a:r>
             <a:r>
               <a:rPr lang="de-DE" baseline="0" dirty="0" err="1" smtClean="0"/>
@@ -3356,13 +3491,25 @@
             </a:r>
             <a:r>
               <a:rPr lang="de-DE" baseline="0" dirty="0" smtClean="0"/>
-              <a:t>, State war nur mittels eines Messaging Untersystem möglich.</a:t>
+              <a:t>.</a:t>
             </a:r>
           </a:p>
           <a:p>
             <a:endParaRPr lang="de-DE" baseline="0" dirty="0" smtClean="0"/>
           </a:p>
           <a:p>
+            <a:r>
+              <a:rPr lang="de-DE" baseline="0" dirty="0" smtClean="0"/>
+              <a:t>KEINE </a:t>
+            </a:r>
+            <a:r>
+              <a:rPr lang="de-DE" baseline="0" dirty="0" err="1" smtClean="0"/>
+              <a:t>NullReferenceExceptions</a:t>
+            </a:r>
+            <a:r>
+              <a:rPr lang="de-DE" baseline="0" dirty="0" smtClean="0"/>
+              <a:t> mehr, WIRKLICH, GAR keine mehr!!!!!!!!!!!!</a:t>
+            </a:r>
             <a:endParaRPr lang="en-US" dirty="0"/>
           </a:p>
         </p:txBody>
@@ -3393,7 +3540,7 @@
     </p:spTree>
     <p:extLst>
       <p:ext uri="{BB962C8B-B14F-4D97-AF65-F5344CB8AC3E}">
-        <p14:creationId xmlns:p14="http://schemas.microsoft.com/office/powerpoint/2010/main" val="1782259541"/>
+        <p14:creationId xmlns:p14="http://schemas.microsoft.com/office/powerpoint/2010/main" val="1270029111"/>
       </p:ext>
     </p:extLst>
   </p:cSld>
@@ -3448,236 +3595,6 @@
           <a:lstStyle/>
           <a:p>
             <a:r>
-              <a:rPr lang="de-DE" dirty="0" smtClean="0"/>
-              <a:t>Typ </a:t>
-            </a:r>
-            <a:r>
-              <a:rPr lang="de-DE" dirty="0" smtClean="0"/>
-              <a:t>&lt;&gt; Klasse: Kein Verhalten,</a:t>
-            </a:r>
-            <a:r>
-              <a:rPr lang="de-DE" baseline="0" dirty="0" smtClean="0"/>
-              <a:t> Reine Datenstruktur.  Aber Achtung: Ich kann in F# da ein bisschen schummeln, F# ist </a:t>
-            </a:r>
-            <a:r>
-              <a:rPr lang="de-DE" baseline="0" dirty="0" err="1" smtClean="0"/>
-              <a:t>Functional</a:t>
-            </a:r>
-            <a:r>
-              <a:rPr lang="de-DE" baseline="0" dirty="0" smtClean="0"/>
-              <a:t> </a:t>
-            </a:r>
-            <a:r>
-              <a:rPr lang="de-DE" baseline="0" dirty="0" err="1" smtClean="0"/>
-              <a:t>first</a:t>
-            </a:r>
-            <a:r>
-              <a:rPr lang="de-DE" baseline="0" dirty="0" smtClean="0"/>
-              <a:t> und erlaubt die Verwendung von OO Konstrukte.</a:t>
-            </a:r>
-          </a:p>
-          <a:p>
-            <a:endParaRPr lang="de-DE" baseline="0" dirty="0" smtClean="0"/>
-          </a:p>
-          <a:p>
-            <a:r>
-              <a:rPr lang="de-DE" baseline="0" dirty="0" smtClean="0"/>
-              <a:t>type Name = { Vor : </a:t>
-            </a:r>
-            <a:r>
-              <a:rPr lang="de-DE" baseline="0" dirty="0" err="1" smtClean="0"/>
-              <a:t>string</a:t>
-            </a:r>
-            <a:r>
-              <a:rPr lang="de-DE" baseline="0" dirty="0" smtClean="0"/>
-              <a:t>; Nach : </a:t>
-            </a:r>
-            <a:r>
-              <a:rPr lang="de-DE" baseline="0" dirty="0" err="1" smtClean="0"/>
-              <a:t>string</a:t>
-            </a:r>
-            <a:r>
-              <a:rPr lang="de-DE" baseline="0" dirty="0" smtClean="0"/>
-              <a:t>; }</a:t>
-            </a:r>
-          </a:p>
-          <a:p>
-            <a:r>
-              <a:rPr lang="de-DE" baseline="0" dirty="0" smtClean="0"/>
-              <a:t>type Name‘ = { Name : Name; Title : </a:t>
-            </a:r>
-            <a:r>
-              <a:rPr lang="de-DE" baseline="0" dirty="0" err="1" smtClean="0"/>
-              <a:t>string</a:t>
-            </a:r>
-            <a:r>
-              <a:rPr lang="de-DE" baseline="0" dirty="0" smtClean="0"/>
-              <a:t>; Zusatz : </a:t>
-            </a:r>
-            <a:r>
-              <a:rPr lang="de-DE" baseline="0" dirty="0" err="1" smtClean="0"/>
-              <a:t>string</a:t>
-            </a:r>
-            <a:r>
-              <a:rPr lang="de-DE" baseline="0" dirty="0" smtClean="0"/>
-              <a:t>; }</a:t>
-            </a:r>
-          </a:p>
-          <a:p>
-            <a:endParaRPr lang="de-DE" baseline="0" dirty="0" smtClean="0"/>
-          </a:p>
-          <a:p>
-            <a:r>
-              <a:rPr lang="de-DE" baseline="0" dirty="0" err="1" smtClean="0"/>
-              <a:t>Immutability</a:t>
-            </a:r>
-            <a:r>
-              <a:rPr lang="de-DE" baseline="0" dirty="0" smtClean="0"/>
-              <a:t>. Grundsätzlich: Es gibt keine Variablen (Slot im Speicher wo ich etwas pushen und poppen kann). Einmal zugewiesen, bleibt es da für immer! Zwei Vorteile:</a:t>
-            </a:r>
-          </a:p>
-          <a:p>
-            <a:pPr marL="171450" indent="-171450">
-              <a:buFontTx/>
-              <a:buChar char="-"/>
-            </a:pPr>
-            <a:r>
-              <a:rPr lang="de-DE" baseline="0" dirty="0" smtClean="0"/>
-              <a:t>Simple </a:t>
-            </a:r>
-            <a:r>
-              <a:rPr lang="de-DE" baseline="0" dirty="0" err="1" smtClean="0"/>
-              <a:t>to</a:t>
-            </a:r>
-            <a:r>
-              <a:rPr lang="de-DE" baseline="0" dirty="0" smtClean="0"/>
-              <a:t> </a:t>
-            </a:r>
-            <a:r>
-              <a:rPr lang="de-DE" baseline="0" dirty="0" err="1" smtClean="0"/>
-              <a:t>reason</a:t>
-            </a:r>
-            <a:r>
-              <a:rPr lang="de-DE" baseline="0" dirty="0" smtClean="0"/>
-              <a:t> </a:t>
-            </a:r>
-            <a:r>
-              <a:rPr lang="de-DE" baseline="0" dirty="0" err="1" smtClean="0"/>
-              <a:t>about</a:t>
-            </a:r>
-            <a:r>
-              <a:rPr lang="de-DE" baseline="0" dirty="0" smtClean="0"/>
-              <a:t>. Die Frage „Wann hat sich der Wert geändert?“ stellt sich gar nicht mehr, der Wert kann nur zugewiesen werden</a:t>
-            </a:r>
-          </a:p>
-          <a:p>
-            <a:pPr marL="171450" indent="-171450">
-              <a:buFontTx/>
-              <a:buChar char="-"/>
-            </a:pPr>
-            <a:r>
-              <a:rPr lang="de-DE" baseline="0" dirty="0" smtClean="0"/>
-              <a:t>Multi Core </a:t>
-            </a:r>
-            <a:r>
-              <a:rPr lang="de-DE" baseline="0" dirty="0" err="1" smtClean="0"/>
-              <a:t>ready</a:t>
-            </a:r>
-            <a:r>
-              <a:rPr lang="de-DE" baseline="0" dirty="0" smtClean="0"/>
-              <a:t>: Kein </a:t>
-            </a:r>
-            <a:r>
-              <a:rPr lang="de-DE" baseline="0" dirty="0" err="1" smtClean="0"/>
-              <a:t>Mutex</a:t>
-            </a:r>
-            <a:r>
-              <a:rPr lang="de-DE" baseline="0" dirty="0" smtClean="0"/>
-              <a:t>, kein Semaphore, kein Monitor!</a:t>
-            </a:r>
-          </a:p>
-          <a:p>
-            <a:pPr marL="171450" indent="-171450">
-              <a:buFontTx/>
-              <a:buChar char="-"/>
-            </a:pPr>
-            <a:r>
-              <a:rPr lang="de-DE" baseline="0" dirty="0" smtClean="0"/>
-              <a:t>Man muss State neudenken, besser neulernen, die FP Leute haben das schon gemacht. Und übrigens, </a:t>
-            </a:r>
-            <a:r>
-              <a:rPr lang="de-DE" baseline="0" dirty="0" err="1" smtClean="0"/>
-              <a:t>SmallTalk</a:t>
-            </a:r>
-            <a:r>
-              <a:rPr lang="de-DE" baseline="0" dirty="0" smtClean="0"/>
-              <a:t> war auch </a:t>
-            </a:r>
-            <a:r>
-              <a:rPr lang="de-DE" baseline="0" dirty="0" err="1" smtClean="0"/>
-              <a:t>immutable</a:t>
-            </a:r>
-            <a:r>
-              <a:rPr lang="de-DE" baseline="0" dirty="0" smtClean="0"/>
-              <a:t>, State war nur mittels eines Messaging Untersystem möglich.</a:t>
-            </a:r>
-          </a:p>
-          <a:p>
-            <a:pPr marL="171450" indent="-171450">
-              <a:buFontTx/>
-              <a:buChar char="-"/>
-            </a:pPr>
-            <a:endParaRPr lang="de-DE" baseline="0" dirty="0" smtClean="0"/>
-          </a:p>
-          <a:p>
-            <a:pPr marL="0" marR="0" indent="0" algn="l" defTabSz="914400" rtl="0" eaLnBrk="1" fontAlgn="auto" latinLnBrk="0" hangingPunct="1">
-              <a:lnSpc>
-                <a:spcPct val="100000"/>
-              </a:lnSpc>
-              <a:spcBef>
-                <a:spcPts val="0"/>
-              </a:spcBef>
-              <a:spcAft>
-                <a:spcPts val="0"/>
-              </a:spcAft>
-              <a:buClrTx/>
-              <a:buSzTx/>
-              <a:buFontTx/>
-              <a:buNone/>
-              <a:tabLst/>
-              <a:defRPr/>
-            </a:pPr>
-            <a:r>
-              <a:rPr lang="de-DE" dirty="0" smtClean="0"/>
-              <a:t>Eventuell</a:t>
-            </a:r>
-            <a:r>
-              <a:rPr lang="de-DE" baseline="0" dirty="0" smtClean="0"/>
-              <a:t> noch zusammenfassen – was sind die Vorteile? Nicht unbedingt hier, sondern als </a:t>
-            </a:r>
-            <a:r>
-              <a:rPr lang="de-DE" baseline="0" dirty="0" err="1" smtClean="0"/>
-              <a:t>Zusammenfasung</a:t>
-            </a:r>
-            <a:r>
-              <a:rPr lang="de-DE" baseline="0" dirty="0" smtClean="0"/>
-              <a:t> am Ende</a:t>
-            </a:r>
-            <a:r>
-              <a:rPr lang="de-DE" baseline="0" dirty="0" smtClean="0"/>
-              <a:t>? FEHLT</a:t>
-            </a:r>
-            <a:endParaRPr lang="de-DE" dirty="0" smtClean="0"/>
-          </a:p>
-          <a:p>
-            <a:pPr marL="0" indent="0">
-              <a:buFontTx/>
-              <a:buNone/>
-            </a:pPr>
-            <a:endParaRPr lang="de-DE" baseline="0" dirty="0" smtClean="0"/>
-          </a:p>
-          <a:p>
-            <a:r>
               <a:rPr lang="en-US" sz="1200" kern="1200" dirty="0" smtClean="0">
                 <a:solidFill>
                   <a:schemeClr val="tx1"/>
@@ -3783,11 +3700,179 @@
             <a:endParaRPr lang="de-DE" dirty="0" smtClean="0"/>
           </a:p>
           <a:p>
-            <a:pPr marL="0" indent="0">
+            <a:endParaRPr lang="de-DE" dirty="0" smtClean="0"/>
+          </a:p>
+          <a:p>
+            <a:r>
+              <a:rPr lang="de-DE" dirty="0" smtClean="0"/>
+              <a:t>Typ &lt;&gt; Klasse: Kein Verhalten,</a:t>
+            </a:r>
+            <a:r>
+              <a:rPr lang="de-DE" baseline="0" dirty="0" smtClean="0"/>
+              <a:t> Reine Datenstruktur.  Aber Achtung: Ich kann in F# da ein bisschen schummeln, F# ist </a:t>
+            </a:r>
+            <a:r>
+              <a:rPr lang="de-DE" baseline="0" dirty="0" err="1" smtClean="0"/>
+              <a:t>Functional</a:t>
+            </a:r>
+            <a:r>
+              <a:rPr lang="de-DE" baseline="0" dirty="0" smtClean="0"/>
+              <a:t> </a:t>
+            </a:r>
+            <a:r>
+              <a:rPr lang="de-DE" baseline="0" dirty="0" err="1" smtClean="0"/>
+              <a:t>first</a:t>
+            </a:r>
+            <a:r>
+              <a:rPr lang="de-DE" baseline="0" dirty="0" smtClean="0"/>
+              <a:t> und erlaubt die Verwendung von OO Konstrukte.</a:t>
+            </a:r>
+          </a:p>
+          <a:p>
+            <a:endParaRPr lang="de-DE" baseline="0" dirty="0" smtClean="0"/>
+          </a:p>
+          <a:p>
+            <a:r>
+              <a:rPr lang="de-DE" baseline="0" dirty="0" smtClean="0"/>
+              <a:t>type Name = { Vor : </a:t>
+            </a:r>
+            <a:r>
+              <a:rPr lang="de-DE" baseline="0" dirty="0" err="1" smtClean="0"/>
+              <a:t>string</a:t>
+            </a:r>
+            <a:r>
+              <a:rPr lang="de-DE" baseline="0" dirty="0" smtClean="0"/>
+              <a:t>; Nach : </a:t>
+            </a:r>
+            <a:r>
+              <a:rPr lang="de-DE" baseline="0" dirty="0" err="1" smtClean="0"/>
+              <a:t>string</a:t>
+            </a:r>
+            <a:r>
+              <a:rPr lang="de-DE" baseline="0" dirty="0" smtClean="0"/>
+              <a:t>; }</a:t>
+            </a:r>
+          </a:p>
+          <a:p>
+            <a:r>
+              <a:rPr lang="de-DE" baseline="0" dirty="0" smtClean="0"/>
+              <a:t>type Name‘ = { Name : Name; Title : </a:t>
+            </a:r>
+            <a:r>
+              <a:rPr lang="de-DE" baseline="0" dirty="0" err="1" smtClean="0"/>
+              <a:t>string</a:t>
+            </a:r>
+            <a:r>
+              <a:rPr lang="de-DE" baseline="0" dirty="0" smtClean="0"/>
+              <a:t>; Zusatz : </a:t>
+            </a:r>
+            <a:r>
+              <a:rPr lang="de-DE" baseline="0" dirty="0" err="1" smtClean="0"/>
+              <a:t>string</a:t>
+            </a:r>
+            <a:r>
+              <a:rPr lang="de-DE" baseline="0" dirty="0" smtClean="0"/>
+              <a:t>; }</a:t>
+            </a:r>
+          </a:p>
+          <a:p>
+            <a:endParaRPr lang="de-DE" baseline="0" dirty="0" smtClean="0"/>
+          </a:p>
+          <a:p>
+            <a:r>
+              <a:rPr lang="de-DE" baseline="0" dirty="0" err="1" smtClean="0"/>
+              <a:t>Immutability</a:t>
+            </a:r>
+            <a:r>
+              <a:rPr lang="de-DE" baseline="0" dirty="0" smtClean="0"/>
+              <a:t>. Grundsätzlich: Es gibt keine Variablen (Slot im Speicher wo ich etwas pushen und poppen kann). Einmal zugewiesen, bleibt es da für immer! Zwei Vorteile:</a:t>
+            </a:r>
+          </a:p>
+          <a:p>
+            <a:pPr marL="171450" indent="-171450">
               <a:buFontTx/>
-              <a:buNone/>
+              <a:buChar char="-"/>
             </a:pPr>
-            <a:endParaRPr lang="de-DE" baseline="0" dirty="0" smtClean="0"/>
+            <a:r>
+              <a:rPr lang="de-DE" baseline="0" dirty="0" smtClean="0"/>
+              <a:t>Simple </a:t>
+            </a:r>
+            <a:r>
+              <a:rPr lang="de-DE" baseline="0" dirty="0" err="1" smtClean="0"/>
+              <a:t>to</a:t>
+            </a:r>
+            <a:r>
+              <a:rPr lang="de-DE" baseline="0" dirty="0" smtClean="0"/>
+              <a:t> </a:t>
+            </a:r>
+            <a:r>
+              <a:rPr lang="de-DE" baseline="0" dirty="0" err="1" smtClean="0"/>
+              <a:t>reason</a:t>
+            </a:r>
+            <a:r>
+              <a:rPr lang="de-DE" baseline="0" dirty="0" smtClean="0"/>
+              <a:t> </a:t>
+            </a:r>
+            <a:r>
+              <a:rPr lang="de-DE" baseline="0" dirty="0" err="1" smtClean="0"/>
+              <a:t>about</a:t>
+            </a:r>
+            <a:r>
+              <a:rPr lang="de-DE" baseline="0" dirty="0" smtClean="0"/>
+              <a:t>. Die Frage „Wann hat sich der Wert geändert?“ stellt sich gar nicht mehr, der Wert kann nur zugewiesen werden</a:t>
+            </a:r>
+          </a:p>
+          <a:p>
+            <a:pPr marL="171450" indent="-171450">
+              <a:buFontTx/>
+              <a:buChar char="-"/>
+            </a:pPr>
+            <a:r>
+              <a:rPr lang="de-DE" baseline="0" dirty="0" smtClean="0"/>
+              <a:t>Multi Core </a:t>
+            </a:r>
+            <a:r>
+              <a:rPr lang="de-DE" baseline="0" dirty="0" err="1" smtClean="0"/>
+              <a:t>ready</a:t>
+            </a:r>
+            <a:r>
+              <a:rPr lang="de-DE" baseline="0" dirty="0" smtClean="0"/>
+              <a:t>: Kein </a:t>
+            </a:r>
+            <a:r>
+              <a:rPr lang="de-DE" baseline="0" dirty="0" err="1" smtClean="0"/>
+              <a:t>Mutex</a:t>
+            </a:r>
+            <a:r>
+              <a:rPr lang="de-DE" baseline="0" dirty="0" smtClean="0"/>
+              <a:t>, kein Semaphore, kein Monitor!</a:t>
+            </a:r>
+          </a:p>
+          <a:p>
+            <a:pPr marL="171450" indent="-171450">
+              <a:buFontTx/>
+              <a:buChar char="-"/>
+            </a:pPr>
+            <a:r>
+              <a:rPr lang="de-DE" baseline="0" dirty="0" smtClean="0"/>
+              <a:t>Man muss State neudenken, besser neulernen, die FP Leute haben das schon gemacht. Und übrigens, </a:t>
+            </a:r>
+            <a:r>
+              <a:rPr lang="de-DE" baseline="0" dirty="0" err="1" smtClean="0"/>
+              <a:t>SmallTalk</a:t>
+            </a:r>
+            <a:r>
+              <a:rPr lang="de-DE" baseline="0" dirty="0" smtClean="0"/>
+              <a:t> war auch </a:t>
+            </a:r>
+            <a:r>
+              <a:rPr lang="de-DE" baseline="0" dirty="0" err="1" smtClean="0"/>
+              <a:t>immutable</a:t>
+            </a:r>
+            <a:r>
+              <a:rPr lang="de-DE" baseline="0" dirty="0" smtClean="0"/>
+              <a:t>, State war nur mittels eines Messaging Untersystem möglich.</a:t>
+            </a:r>
           </a:p>
           <a:p>
             <a:endParaRPr lang="de-DE" baseline="0" dirty="0" smtClean="0"/>
@@ -4014,7 +4099,7 @@
           <a:p>
             <a:fld id="{28CA3B8B-C56F-4663-93D1-BECEDA7EAF67}" type="datetimeFigureOut">
               <a:rPr lang="en-US" smtClean="0"/>
-              <a:t>11/24/2015</a:t>
+              <a:t>11/25/2015</a:t>
             </a:fld>
             <a:endParaRPr lang="en-US"/>
           </a:p>
@@ -4184,7 +4269,7 @@
           <a:p>
             <a:fld id="{28CA3B8B-C56F-4663-93D1-BECEDA7EAF67}" type="datetimeFigureOut">
               <a:rPr lang="en-US" smtClean="0"/>
-              <a:t>11/24/2015</a:t>
+              <a:t>11/25/2015</a:t>
             </a:fld>
             <a:endParaRPr lang="en-US"/>
           </a:p>
@@ -4364,7 +4449,7 @@
           <a:p>
             <a:fld id="{28CA3B8B-C56F-4663-93D1-BECEDA7EAF67}" type="datetimeFigureOut">
               <a:rPr lang="en-US" smtClean="0"/>
-              <a:t>11/24/2015</a:t>
+              <a:t>11/25/2015</a:t>
             </a:fld>
             <a:endParaRPr lang="en-US"/>
           </a:p>
@@ -4534,7 +4619,7 @@
           <a:p>
             <a:fld id="{28CA3B8B-C56F-4663-93D1-BECEDA7EAF67}" type="datetimeFigureOut">
               <a:rPr lang="en-US" smtClean="0"/>
-              <a:t>11/24/2015</a:t>
+              <a:t>11/25/2015</a:t>
             </a:fld>
             <a:endParaRPr lang="en-US"/>
           </a:p>
@@ -4780,7 +4865,7 @@
           <a:p>
             <a:fld id="{28CA3B8B-C56F-4663-93D1-BECEDA7EAF67}" type="datetimeFigureOut">
               <a:rPr lang="en-US" smtClean="0"/>
-              <a:t>11/24/2015</a:t>
+              <a:t>11/25/2015</a:t>
             </a:fld>
             <a:endParaRPr lang="en-US"/>
           </a:p>
@@ -5068,7 +5153,7 @@
           <a:p>
             <a:fld id="{28CA3B8B-C56F-4663-93D1-BECEDA7EAF67}" type="datetimeFigureOut">
               <a:rPr lang="en-US" smtClean="0"/>
-              <a:t>11/24/2015</a:t>
+              <a:t>11/25/2015</a:t>
             </a:fld>
             <a:endParaRPr lang="en-US"/>
           </a:p>
@@ -5490,7 +5575,7 @@
           <a:p>
             <a:fld id="{28CA3B8B-C56F-4663-93D1-BECEDA7EAF67}" type="datetimeFigureOut">
               <a:rPr lang="en-US" smtClean="0"/>
-              <a:t>11/24/2015</a:t>
+              <a:t>11/25/2015</a:t>
             </a:fld>
             <a:endParaRPr lang="en-US"/>
           </a:p>
@@ -5608,7 +5693,7 @@
           <a:p>
             <a:fld id="{28CA3B8B-C56F-4663-93D1-BECEDA7EAF67}" type="datetimeFigureOut">
               <a:rPr lang="en-US" smtClean="0"/>
-              <a:t>11/24/2015</a:t>
+              <a:t>11/25/2015</a:t>
             </a:fld>
             <a:endParaRPr lang="en-US"/>
           </a:p>
@@ -5703,7 +5788,7 @@
           <a:p>
             <a:fld id="{28CA3B8B-C56F-4663-93D1-BECEDA7EAF67}" type="datetimeFigureOut">
               <a:rPr lang="en-US" smtClean="0"/>
-              <a:t>11/24/2015</a:t>
+              <a:t>11/25/2015</a:t>
             </a:fld>
             <a:endParaRPr lang="en-US"/>
           </a:p>
@@ -5980,7 +6065,7 @@
           <a:p>
             <a:fld id="{28CA3B8B-C56F-4663-93D1-BECEDA7EAF67}" type="datetimeFigureOut">
               <a:rPr lang="en-US" smtClean="0"/>
-              <a:t>11/24/2015</a:t>
+              <a:t>11/25/2015</a:t>
             </a:fld>
             <a:endParaRPr lang="en-US"/>
           </a:p>
@@ -6233,7 +6318,7 @@
           <a:p>
             <a:fld id="{28CA3B8B-C56F-4663-93D1-BECEDA7EAF67}" type="datetimeFigureOut">
               <a:rPr lang="en-US" smtClean="0"/>
-              <a:t>11/24/2015</a:t>
+              <a:t>11/25/2015</a:t>
             </a:fld>
             <a:endParaRPr lang="en-US"/>
           </a:p>
@@ -6446,7 +6531,7 @@
           <a:p>
             <a:fld id="{28CA3B8B-C56F-4663-93D1-BECEDA7EAF67}" type="datetimeFigureOut">
               <a:rPr lang="en-US" smtClean="0"/>
-              <a:t>11/24/2015</a:t>
+              <a:t>11/25/2015</a:t>
             </a:fld>
             <a:endParaRPr lang="en-US"/>
           </a:p>
@@ -7103,6 +7188,326 @@
         <p:spPr/>
         <p:txBody>
           <a:bodyPr>
+            <a:normAutofit/>
+          </a:bodyPr>
+          <a:lstStyle/>
+          <a:p>
+            <a:pPr marL="0" indent="0">
+              <a:buNone/>
+            </a:pPr>
+            <a:r>
+              <a:rPr lang="de-DE" dirty="0"/>
+              <a:t>Typ &lt;&gt; Klasse: Datenstruktur vs. </a:t>
+            </a:r>
+            <a:r>
+              <a:rPr lang="de-DE" dirty="0" smtClean="0"/>
+              <a:t>Verhalten</a:t>
+            </a:r>
+          </a:p>
+          <a:p>
+            <a:r>
+              <a:rPr lang="de-DE" dirty="0" smtClean="0"/>
+              <a:t>Datenstruktur beinhaltet nur Daten</a:t>
+            </a:r>
+          </a:p>
+          <a:p>
+            <a:r>
+              <a:rPr lang="de-DE" dirty="0" smtClean="0"/>
+              <a:t>Komposition</a:t>
+            </a:r>
+            <a:r>
+              <a:rPr lang="de-DE" dirty="0"/>
+              <a:t>: light-</a:t>
+            </a:r>
+            <a:r>
+              <a:rPr lang="de-DE" dirty="0" err="1"/>
+              <a:t>weight</a:t>
+            </a:r>
+            <a:r>
+              <a:rPr lang="de-DE" dirty="0"/>
+              <a:t> </a:t>
+            </a:r>
+            <a:r>
+              <a:rPr lang="de-DE" dirty="0" err="1"/>
+              <a:t>types</a:t>
+            </a:r>
+            <a:r>
+              <a:rPr lang="de-DE" dirty="0"/>
+              <a:t>, verbinden zu neuen </a:t>
+            </a:r>
+            <a:r>
+              <a:rPr lang="de-DE" dirty="0" err="1"/>
+              <a:t>composite</a:t>
+            </a:r>
+            <a:r>
+              <a:rPr lang="de-DE" dirty="0"/>
+              <a:t> </a:t>
+            </a:r>
+            <a:r>
+              <a:rPr lang="de-DE" dirty="0" err="1"/>
+              <a:t>types</a:t>
+            </a:r>
+            <a:r>
+              <a:rPr lang="de-DE" dirty="0"/>
+              <a:t>. Keine </a:t>
+            </a:r>
+            <a:r>
+              <a:rPr lang="de-DE" dirty="0" smtClean="0"/>
+              <a:t>Vererbung</a:t>
+            </a:r>
+            <a:endParaRPr lang="de-DE" dirty="0"/>
+          </a:p>
+          <a:p>
+            <a:pPr marL="0" indent="0">
+              <a:buNone/>
+            </a:pPr>
+            <a:endParaRPr lang="de-DE" dirty="0"/>
+          </a:p>
+        </p:txBody>
+      </p:sp>
+    </p:spTree>
+    <p:extLst>
+      <p:ext uri="{BB962C8B-B14F-4D97-AF65-F5344CB8AC3E}">
+        <p14:creationId xmlns:p14="http://schemas.microsoft.com/office/powerpoint/2010/main" val="304289206"/>
+      </p:ext>
+    </p:extLst>
+  </p:cSld>
+  <p:clrMapOvr>
+    <a:masterClrMapping/>
+  </p:clrMapOvr>
+  <p:timing>
+    <p:tnLst>
+      <p:par>
+        <p:cTn id="1" dur="indefinite" restart="never" nodeType="tmRoot">
+          <p:childTnLst>
+            <p:seq concurrent="1" nextAc="seek">
+              <p:cTn id="2" dur="indefinite" nodeType="mainSeq">
+                <p:childTnLst>
+                  <p:par>
+                    <p:cTn id="3" fill="hold">
+                      <p:stCondLst>
+                        <p:cond delay="indefinite"/>
+                      </p:stCondLst>
+                      <p:childTnLst>
+                        <p:par>
+                          <p:cTn id="4" fill="hold">
+                            <p:stCondLst>
+                              <p:cond delay="0"/>
+                            </p:stCondLst>
+                            <p:childTnLst>
+                              <p:par>
+                                <p:cTn id="5" presetID="1" presetClass="entr" presetSubtype="0" fill="hold" nodeType="clickEffect">
+                                  <p:stCondLst>
+                                    <p:cond delay="0"/>
+                                  </p:stCondLst>
+                                  <p:childTnLst>
+                                    <p:set>
+                                      <p:cBhvr>
+                                        <p:cTn id="6" dur="1" fill="hold">
+                                          <p:stCondLst>
+                                            <p:cond delay="0"/>
+                                          </p:stCondLst>
+                                        </p:cTn>
+                                        <p:tgtEl>
+                                          <p:spTgt spid="3">
+                                            <p:txEl>
+                                              <p:pRg st="0" end="0"/>
+                                            </p:txEl>
+                                          </p:spTgt>
+                                        </p:tgtEl>
+                                        <p:attrNameLst>
+                                          <p:attrName>style.visibility</p:attrName>
+                                        </p:attrNameLst>
+                                      </p:cBhvr>
+                                      <p:to>
+                                        <p:strVal val="visible"/>
+                                      </p:to>
+                                    </p:set>
+                                  </p:childTnLst>
+                                </p:cTn>
+                              </p:par>
+                            </p:childTnLst>
+                          </p:cTn>
+                        </p:par>
+                      </p:childTnLst>
+                    </p:cTn>
+                  </p:par>
+                  <p:par>
+                    <p:cTn id="7" fill="hold">
+                      <p:stCondLst>
+                        <p:cond delay="indefinite"/>
+                      </p:stCondLst>
+                      <p:childTnLst>
+                        <p:par>
+                          <p:cTn id="8" fill="hold">
+                            <p:stCondLst>
+                              <p:cond delay="0"/>
+                            </p:stCondLst>
+                            <p:childTnLst>
+                              <p:par>
+                                <p:cTn id="9" presetID="1" presetClass="entr" presetSubtype="0" fill="hold" nodeType="clickEffect">
+                                  <p:stCondLst>
+                                    <p:cond delay="0"/>
+                                  </p:stCondLst>
+                                  <p:childTnLst>
+                                    <p:set>
+                                      <p:cBhvr>
+                                        <p:cTn id="10" dur="1" fill="hold">
+                                          <p:stCondLst>
+                                            <p:cond delay="0"/>
+                                          </p:stCondLst>
+                                        </p:cTn>
+                                        <p:tgtEl>
+                                          <p:spTgt spid="3">
+                                            <p:txEl>
+                                              <p:pRg st="1" end="1"/>
+                                            </p:txEl>
+                                          </p:spTgt>
+                                        </p:tgtEl>
+                                        <p:attrNameLst>
+                                          <p:attrName>style.visibility</p:attrName>
+                                        </p:attrNameLst>
+                                      </p:cBhvr>
+                                      <p:to>
+                                        <p:strVal val="visible"/>
+                                      </p:to>
+                                    </p:set>
+                                  </p:childTnLst>
+                                </p:cTn>
+                              </p:par>
+                            </p:childTnLst>
+                          </p:cTn>
+                        </p:par>
+                      </p:childTnLst>
+                    </p:cTn>
+                  </p:par>
+                  <p:par>
+                    <p:cTn id="11" fill="hold">
+                      <p:stCondLst>
+                        <p:cond delay="indefinite"/>
+                      </p:stCondLst>
+                      <p:childTnLst>
+                        <p:par>
+                          <p:cTn id="12" fill="hold">
+                            <p:stCondLst>
+                              <p:cond delay="0"/>
+                            </p:stCondLst>
+                            <p:childTnLst>
+                              <p:par>
+                                <p:cTn id="13" presetID="1" presetClass="entr" presetSubtype="0" fill="hold" nodeType="clickEffect">
+                                  <p:stCondLst>
+                                    <p:cond delay="0"/>
+                                  </p:stCondLst>
+                                  <p:childTnLst>
+                                    <p:set>
+                                      <p:cBhvr>
+                                        <p:cTn id="14" dur="1" fill="hold">
+                                          <p:stCondLst>
+                                            <p:cond delay="0"/>
+                                          </p:stCondLst>
+                                        </p:cTn>
+                                        <p:tgtEl>
+                                          <p:spTgt spid="3">
+                                            <p:txEl>
+                                              <p:pRg st="2" end="2"/>
+                                            </p:txEl>
+                                          </p:spTgt>
+                                        </p:tgtEl>
+                                        <p:attrNameLst>
+                                          <p:attrName>style.visibility</p:attrName>
+                                        </p:attrNameLst>
+                                      </p:cBhvr>
+                                      <p:to>
+                                        <p:strVal val="visible"/>
+                                      </p:to>
+                                    </p:set>
+                                  </p:childTnLst>
+                                </p:cTn>
+                              </p:par>
+                            </p:childTnLst>
+                          </p:cTn>
+                        </p:par>
+                      </p:childTnLst>
+                    </p:cTn>
+                  </p:par>
+                </p:childTnLst>
+              </p:cTn>
+              <p:prevCondLst>
+                <p:cond evt="onPrev" delay="0">
+                  <p:tgtEl>
+                    <p:sldTgt/>
+                  </p:tgtEl>
+                </p:cond>
+              </p:prevCondLst>
+              <p:nextCondLst>
+                <p:cond evt="onNext" delay="0">
+                  <p:tgtEl>
+                    <p:sldTgt/>
+                  </p:tgtEl>
+                </p:cond>
+              </p:nextCondLst>
+            </p:seq>
+          </p:childTnLst>
+        </p:cTn>
+      </p:par>
+    </p:tnLst>
+  </p:timing>
+</p:sld>
+</file>
+
+<file path=ppt/slides/slide11.xml><?xml version="1.0" encoding="utf-8"?>
+<p:sld xmlns:a="http://schemas.openxmlformats.org/drawingml/2006/main" xmlns:r="http://schemas.openxmlformats.org/officeDocument/2006/relationships" xmlns:p="http://schemas.openxmlformats.org/presentationml/2006/main">
+  <p:cSld>
+    <p:spTree>
+      <p:nvGrpSpPr>
+        <p:cNvPr id="1" name=""/>
+        <p:cNvGrpSpPr/>
+        <p:nvPr/>
+      </p:nvGrpSpPr>
+      <p:grpSpPr>
+        <a:xfrm>
+          <a:off x="0" y="0"/>
+          <a:ext cx="0" cy="0"/>
+          <a:chOff x="0" y="0"/>
+          <a:chExt cx="0" cy="0"/>
+        </a:xfrm>
+      </p:grpSpPr>
+      <p:sp>
+        <p:nvSpPr>
+          <p:cNvPr id="2" name="Title 1"/>
+          <p:cNvSpPr>
+            <a:spLocks noGrp="1"/>
+          </p:cNvSpPr>
+          <p:nvPr>
+            <p:ph type="title"/>
+          </p:nvPr>
+        </p:nvSpPr>
+        <p:spPr/>
+        <p:txBody>
+          <a:bodyPr/>
+          <a:lstStyle/>
+          <a:p>
+            <a:pPr marL="0" indent="0"/>
+            <a:r>
+              <a:rPr lang="de-DE" dirty="0"/>
+              <a:t>Ideen aus der FP Welt</a:t>
+            </a:r>
+          </a:p>
+        </p:txBody>
+      </p:sp>
+      <p:sp>
+        <p:nvSpPr>
+          <p:cNvPr id="3" name="Content Placeholder 2"/>
+          <p:cNvSpPr>
+            <a:spLocks noGrp="1"/>
+          </p:cNvSpPr>
+          <p:nvPr>
+            <p:ph idx="1"/>
+          </p:nvPr>
+        </p:nvSpPr>
+        <p:spPr/>
+        <p:txBody>
+          <a:bodyPr>
             <a:normAutofit fontScale="92500" lnSpcReduction="20000"/>
           </a:bodyPr>
           <a:lstStyle/>
@@ -7484,7 +7889,7 @@
 </p:sld>
 </file>
 
-<file path=ppt/slides/slide11.xml><?xml version="1.0" encoding="utf-8"?>
+<file path=ppt/slides/slide12.xml><?xml version="1.0" encoding="utf-8"?>
 <p:sld xmlns:a="http://schemas.openxmlformats.org/drawingml/2006/main" xmlns:r="http://schemas.openxmlformats.org/officeDocument/2006/relationships" xmlns:p="http://schemas.openxmlformats.org/presentationml/2006/main">
   <p:cSld>
     <p:spTree>
@@ -7603,11 +8008,7 @@
             </a:r>
             <a:r>
               <a:rPr lang="de-DE" dirty="0" smtClean="0"/>
-              <a:t> als </a:t>
-            </a:r>
-            <a:r>
-              <a:rPr lang="de-DE" dirty="0" smtClean="0"/>
-              <a:t>Default, </a:t>
+              <a:t> als Default, </a:t>
             </a:r>
             <a:r>
               <a:rPr lang="de-DE" dirty="0" err="1" smtClean="0"/>
@@ -7625,7 +8026,6 @@
               <a:rPr lang="de-DE" dirty="0" smtClean="0"/>
               <a:t>“</a:t>
             </a:r>
-            <a:endParaRPr lang="de-DE" dirty="0" smtClean="0"/>
           </a:p>
           <a:p>
             <a:r>
@@ -8104,7 +8504,7 @@
 </p:sld>
 </file>
 
-<file path=ppt/slides/slide12.xml><?xml version="1.0" encoding="utf-8"?>
+<file path=ppt/slides/slide13.xml><?xml version="1.0" encoding="utf-8"?>
 <p:sld xmlns:a="http://schemas.openxmlformats.org/drawingml/2006/main" xmlns:r="http://schemas.openxmlformats.org/officeDocument/2006/relationships" xmlns:p="http://schemas.openxmlformats.org/presentationml/2006/main">
   <p:cSld>
     <p:spTree>
@@ -8533,7 +8933,7 @@
 </p:sld>
 </file>
 
-<file path=ppt/slides/slide13.xml><?xml version="1.0" encoding="utf-8"?>
+<file path=ppt/slides/slide14.xml><?xml version="1.0" encoding="utf-8"?>
 <p:sld xmlns:a="http://schemas.openxmlformats.org/drawingml/2006/main" xmlns:r="http://schemas.openxmlformats.org/officeDocument/2006/relationships" xmlns:p="http://schemas.openxmlformats.org/presentationml/2006/main">
   <p:cSld>
     <p:spTree>
@@ -9019,7 +9419,7 @@
 </p:sld>
 </file>
 
-<file path=ppt/slides/slide14.xml><?xml version="1.0" encoding="utf-8"?>
+<file path=ppt/slides/slide15.xml><?xml version="1.0" encoding="utf-8"?>
 <p:sld xmlns:a="http://schemas.openxmlformats.org/drawingml/2006/main" xmlns:r="http://schemas.openxmlformats.org/officeDocument/2006/relationships" xmlns:p="http://schemas.openxmlformats.org/presentationml/2006/main">
   <p:cSld>
     <p:spTree>
@@ -9227,7 +9627,7 @@
 </p:sld>
 </file>
 
-<file path=ppt/slides/slide15.xml><?xml version="1.0" encoding="utf-8"?>
+<file path=ppt/slides/slide16.xml><?xml version="1.0" encoding="utf-8"?>
 <p:sld xmlns:a="http://schemas.openxmlformats.org/drawingml/2006/main" xmlns:r="http://schemas.openxmlformats.org/officeDocument/2006/relationships" xmlns:p="http://schemas.openxmlformats.org/presentationml/2006/main">
   <p:cSld>
     <p:spTree>
@@ -9363,11 +9763,7 @@
           <a:p>
             <a:r>
               <a:rPr lang="de-DE" dirty="0" smtClean="0"/>
-              <a:t>Type </a:t>
-            </a:r>
-            <a:r>
-              <a:rPr lang="de-DE" dirty="0" smtClean="0"/>
-              <a:t>Provider</a:t>
+              <a:t>Type Provider</a:t>
             </a:r>
           </a:p>
           <a:p>
@@ -9872,7 +10268,7 @@
 </p:sld>
 </file>
 
-<file path=ppt/slides/slide16.xml><?xml version="1.0" encoding="utf-8"?>
+<file path=ppt/slides/slide17.xml><?xml version="1.0" encoding="utf-8"?>
 <p:sld xmlns:a="http://schemas.openxmlformats.org/drawingml/2006/main" xmlns:r="http://schemas.openxmlformats.org/officeDocument/2006/relationships" xmlns:p="http://schemas.openxmlformats.org/presentationml/2006/main">
   <p:cSld>
     <p:spTree>
@@ -10222,7 +10618,7 @@
 </p:sld>
 </file>
 
-<file path=ppt/slides/slide17.xml><?xml version="1.0" encoding="utf-8"?>
+<file path=ppt/slides/slide18.xml><?xml version="1.0" encoding="utf-8"?>
 <p:sld xmlns:a="http://schemas.openxmlformats.org/drawingml/2006/main" xmlns:r="http://schemas.openxmlformats.org/officeDocument/2006/relationships" xmlns:p="http://schemas.openxmlformats.org/presentationml/2006/main">
   <p:cSld>
     <p:spTree>
@@ -10404,7 +10800,6 @@
               <a:rPr lang="de-DE" sz="2400" dirty="0" smtClean="0"/>
               <a:t>Erlaubt die Extraktion von Werten aus F# Datentypen</a:t>
             </a:r>
-            <a:endParaRPr lang="de-DE" sz="2400" dirty="0" smtClean="0"/>
           </a:p>
         </p:txBody>
       </p:sp>
@@ -10438,7 +10833,6 @@
               <a:rPr lang="de-DE" sz="2400" dirty="0" smtClean="0"/>
               <a:t>(Vollständigkeit) Exhaustivness</a:t>
             </a:r>
-            <a:endParaRPr lang="de-DE" sz="2400" dirty="0" smtClean="0"/>
           </a:p>
         </p:txBody>
       </p:sp>
@@ -10470,11 +10864,7 @@
             </a:pPr>
             <a:r>
               <a:rPr lang="de-DE" sz="2400" dirty="0" smtClean="0"/>
-              <a:t>Ist </a:t>
-            </a:r>
-            <a:r>
-              <a:rPr lang="de-DE" sz="2400" dirty="0" smtClean="0"/>
-              <a:t>ein Ausdruck und keine Anweisung</a:t>
+              <a:t>Ist ein Ausdruck und keine Anweisung</a:t>
             </a:r>
           </a:p>
         </p:txBody>
@@ -10840,7 +11230,7 @@
 </p:sld>
 </file>
 
-<file path=ppt/slides/slide18.xml><?xml version="1.0" encoding="utf-8"?>
+<file path=ppt/slides/slide19.xml><?xml version="1.0" encoding="utf-8"?>
 <p:sld xmlns:a="http://schemas.openxmlformats.org/drawingml/2006/main" xmlns:r="http://schemas.openxmlformats.org/officeDocument/2006/relationships" xmlns:p="http://schemas.openxmlformats.org/presentationml/2006/main">
   <p:cSld>
     <p:spTree>
@@ -11209,207 +11599,6 @@
     <p:bldLst>
       <p:bldP spid="3" grpId="0" build="p"/>
     </p:bldLst>
-  </p:timing>
-</p:sld>
-</file>
-
-<file path=ppt/slides/slide19.xml><?xml version="1.0" encoding="utf-8"?>
-<p:sld xmlns:a="http://schemas.openxmlformats.org/drawingml/2006/main" xmlns:r="http://schemas.openxmlformats.org/officeDocument/2006/relationships" xmlns:p="http://schemas.openxmlformats.org/presentationml/2006/main">
-  <p:cSld>
-    <p:spTree>
-      <p:nvGrpSpPr>
-        <p:cNvPr id="1" name=""/>
-        <p:cNvGrpSpPr/>
-        <p:nvPr/>
-      </p:nvGrpSpPr>
-      <p:grpSpPr>
-        <a:xfrm>
-          <a:off x="0" y="0"/>
-          <a:ext cx="0" cy="0"/>
-          <a:chOff x="0" y="0"/>
-          <a:chExt cx="0" cy="0"/>
-        </a:xfrm>
-      </p:grpSpPr>
-      <p:sp>
-        <p:nvSpPr>
-          <p:cNvPr id="2" name="Title 1"/>
-          <p:cNvSpPr>
-            <a:spLocks noGrp="1"/>
-          </p:cNvSpPr>
-          <p:nvPr>
-            <p:ph type="title"/>
-          </p:nvPr>
-        </p:nvSpPr>
-        <p:spPr/>
-        <p:txBody>
-          <a:bodyPr>
-            <a:normAutofit/>
-          </a:bodyPr>
-          <a:lstStyle/>
-          <a:p>
-            <a:r>
-              <a:rPr lang="de-DE" dirty="0" err="1"/>
-              <a:t>Structural</a:t>
-            </a:r>
-            <a:r>
-              <a:rPr lang="de-DE" dirty="0"/>
-              <a:t> </a:t>
-            </a:r>
-            <a:r>
-              <a:rPr lang="de-DE" dirty="0" err="1"/>
-              <a:t>Equality</a:t>
-            </a:r>
-            <a:r>
-              <a:rPr lang="de-DE" dirty="0"/>
-              <a:t> / </a:t>
-            </a:r>
-            <a:r>
-              <a:rPr lang="de-DE" dirty="0" err="1" smtClean="0"/>
-              <a:t>Comparison</a:t>
-            </a:r>
-            <a:endParaRPr lang="en-US" dirty="0"/>
-          </a:p>
-        </p:txBody>
-      </p:sp>
-      <p:sp>
-        <p:nvSpPr>
-          <p:cNvPr id="3" name="Content Placeholder 2"/>
-          <p:cNvSpPr>
-            <a:spLocks noGrp="1"/>
-          </p:cNvSpPr>
-          <p:nvPr>
-            <p:ph idx="1"/>
-          </p:nvPr>
-        </p:nvSpPr>
-        <p:spPr>
-          <a:xfrm>
-            <a:off x="457200" y="1600201"/>
-            <a:ext cx="8229600" cy="2188840"/>
-          </a:xfrm>
-        </p:spPr>
-        <p:txBody>
-          <a:bodyPr/>
-          <a:lstStyle/>
-          <a:p>
-            <a:pPr marL="0" indent="0">
-              <a:buNone/>
-            </a:pPr>
-            <a:r>
-              <a:rPr lang="de-DE" dirty="0" smtClean="0"/>
-              <a:t>In F# wird </a:t>
-            </a:r>
-            <a:r>
-              <a:rPr lang="de-DE" dirty="0" err="1" smtClean="0"/>
-              <a:t>Structural</a:t>
-            </a:r>
-            <a:r>
-              <a:rPr lang="de-DE" dirty="0" smtClean="0"/>
-              <a:t> </a:t>
-            </a:r>
-            <a:r>
-              <a:rPr lang="de-DE" dirty="0" err="1" smtClean="0"/>
-              <a:t>Equality</a:t>
-            </a:r>
-            <a:r>
-              <a:rPr lang="de-DE" dirty="0" smtClean="0"/>
-              <a:t> vom Compiler für ADTs </a:t>
-            </a:r>
-            <a:r>
-              <a:rPr lang="de-DE" dirty="0" err="1" smtClean="0"/>
-              <a:t>imlementiert</a:t>
-            </a:r>
-            <a:r>
-              <a:rPr lang="de-DE" dirty="0" smtClean="0"/>
-              <a:t>.</a:t>
-            </a:r>
-          </a:p>
-          <a:p>
-            <a:pPr marL="0" indent="0">
-              <a:buNone/>
-            </a:pPr>
-            <a:r>
-              <a:rPr lang="de-DE" dirty="0" smtClean="0"/>
-              <a:t>Es werden keine Referenzen abgeglichen sondern Werte</a:t>
-            </a:r>
-          </a:p>
-          <a:p>
-            <a:pPr marL="0" indent="0">
-              <a:buNone/>
-            </a:pPr>
-            <a:endParaRPr lang="en-US" dirty="0"/>
-          </a:p>
-        </p:txBody>
-      </p:sp>
-      <p:pic>
-        <p:nvPicPr>
-          <p:cNvPr id="1026" name="Picture 2"/>
-          <p:cNvPicPr>
-            <a:picLocks noChangeAspect="1" noChangeArrowheads="1"/>
-          </p:cNvPicPr>
-          <p:nvPr/>
-        </p:nvPicPr>
-        <p:blipFill>
-          <a:blip r:embed="rId3">
-            <a:extLst>
-              <a:ext uri="{28A0092B-C50C-407E-A947-70E740481C1C}">
-                <a14:useLocalDpi xmlns:a14="http://schemas.microsoft.com/office/drawing/2010/main" val="0"/>
-              </a:ext>
-            </a:extLst>
-          </a:blip>
-          <a:srcRect/>
-          <a:stretch>
-            <a:fillRect/>
-          </a:stretch>
-        </p:blipFill>
-        <p:spPr bwMode="auto">
-          <a:xfrm>
-            <a:off x="611560" y="3826345"/>
-            <a:ext cx="6408712" cy="2733465"/>
-          </a:xfrm>
-          <a:prstGeom prst="rect">
-            <a:avLst/>
-          </a:prstGeom>
-          <a:noFill/>
-          <a:ln>
-            <a:noFill/>
-          </a:ln>
-          <a:extLst>
-            <a:ext uri="{909E8E84-426E-40DD-AFC4-6F175D3DCCD1}">
-              <a14:hiddenFill xmlns:a14="http://schemas.microsoft.com/office/drawing/2010/main">
-                <a:solidFill>
-                  <a:schemeClr val="accent1"/>
-                </a:solidFill>
-              </a14:hiddenFill>
-            </a:ext>
-            <a:ext uri="{91240B29-F687-4F45-9708-019B960494DF}">
-              <a14:hiddenLine xmlns:a14="http://schemas.microsoft.com/office/drawing/2010/main" w="9525">
-                <a:solidFill>
-                  <a:schemeClr val="tx1"/>
-                </a:solidFill>
-                <a:miter lim="800000"/>
-                <a:headEnd/>
-                <a:tailEnd/>
-              </a14:hiddenLine>
-            </a:ext>
-          </a:extLst>
-        </p:spPr>
-      </p:pic>
-    </p:spTree>
-    <p:extLst>
-      <p:ext uri="{BB962C8B-B14F-4D97-AF65-F5344CB8AC3E}">
-        <p14:creationId xmlns:p14="http://schemas.microsoft.com/office/powerpoint/2010/main" val="2070263003"/>
-      </p:ext>
-    </p:extLst>
-  </p:cSld>
-  <p:clrMapOvr>
-    <a:masterClrMapping/>
-  </p:clrMapOvr>
-  <p:timing>
-    <p:tnLst>
-      <p:par>
-        <p:cTn id="1" dur="indefinite" restart="never" nodeType="tmRoot"/>
-      </p:par>
-    </p:tnLst>
   </p:timing>
 </p:sld>
 </file>
@@ -11886,6 +12075,207 @@
             </p:seq>
           </p:childTnLst>
         </p:cTn>
+      </p:par>
+    </p:tnLst>
+  </p:timing>
+</p:sld>
+</file>
+
+<file path=ppt/slides/slide20.xml><?xml version="1.0" encoding="utf-8"?>
+<p:sld xmlns:a="http://schemas.openxmlformats.org/drawingml/2006/main" xmlns:r="http://schemas.openxmlformats.org/officeDocument/2006/relationships" xmlns:p="http://schemas.openxmlformats.org/presentationml/2006/main">
+  <p:cSld>
+    <p:spTree>
+      <p:nvGrpSpPr>
+        <p:cNvPr id="1" name=""/>
+        <p:cNvGrpSpPr/>
+        <p:nvPr/>
+      </p:nvGrpSpPr>
+      <p:grpSpPr>
+        <a:xfrm>
+          <a:off x="0" y="0"/>
+          <a:ext cx="0" cy="0"/>
+          <a:chOff x="0" y="0"/>
+          <a:chExt cx="0" cy="0"/>
+        </a:xfrm>
+      </p:grpSpPr>
+      <p:sp>
+        <p:nvSpPr>
+          <p:cNvPr id="2" name="Title 1"/>
+          <p:cNvSpPr>
+            <a:spLocks noGrp="1"/>
+          </p:cNvSpPr>
+          <p:nvPr>
+            <p:ph type="title"/>
+          </p:nvPr>
+        </p:nvSpPr>
+        <p:spPr/>
+        <p:txBody>
+          <a:bodyPr>
+            <a:normAutofit/>
+          </a:bodyPr>
+          <a:lstStyle/>
+          <a:p>
+            <a:r>
+              <a:rPr lang="de-DE" dirty="0" err="1"/>
+              <a:t>Structural</a:t>
+            </a:r>
+            <a:r>
+              <a:rPr lang="de-DE" dirty="0"/>
+              <a:t> </a:t>
+            </a:r>
+            <a:r>
+              <a:rPr lang="de-DE" dirty="0" err="1"/>
+              <a:t>Equality</a:t>
+            </a:r>
+            <a:r>
+              <a:rPr lang="de-DE" dirty="0"/>
+              <a:t> / </a:t>
+            </a:r>
+            <a:r>
+              <a:rPr lang="de-DE" dirty="0" err="1" smtClean="0"/>
+              <a:t>Comparison</a:t>
+            </a:r>
+            <a:endParaRPr lang="en-US" dirty="0"/>
+          </a:p>
+        </p:txBody>
+      </p:sp>
+      <p:sp>
+        <p:nvSpPr>
+          <p:cNvPr id="3" name="Content Placeholder 2"/>
+          <p:cNvSpPr>
+            <a:spLocks noGrp="1"/>
+          </p:cNvSpPr>
+          <p:nvPr>
+            <p:ph idx="1"/>
+          </p:nvPr>
+        </p:nvSpPr>
+        <p:spPr>
+          <a:xfrm>
+            <a:off x="457200" y="1600201"/>
+            <a:ext cx="8229600" cy="2188840"/>
+          </a:xfrm>
+        </p:spPr>
+        <p:txBody>
+          <a:bodyPr/>
+          <a:lstStyle/>
+          <a:p>
+            <a:pPr marL="0" indent="0">
+              <a:buNone/>
+            </a:pPr>
+            <a:r>
+              <a:rPr lang="de-DE" dirty="0" smtClean="0"/>
+              <a:t>In F# wird </a:t>
+            </a:r>
+            <a:r>
+              <a:rPr lang="de-DE" dirty="0" err="1" smtClean="0"/>
+              <a:t>Structural</a:t>
+            </a:r>
+            <a:r>
+              <a:rPr lang="de-DE" dirty="0" smtClean="0"/>
+              <a:t> </a:t>
+            </a:r>
+            <a:r>
+              <a:rPr lang="de-DE" dirty="0" err="1" smtClean="0"/>
+              <a:t>Equality</a:t>
+            </a:r>
+            <a:r>
+              <a:rPr lang="de-DE" dirty="0" smtClean="0"/>
+              <a:t> vom Compiler für ADTs </a:t>
+            </a:r>
+            <a:r>
+              <a:rPr lang="de-DE" dirty="0" err="1" smtClean="0"/>
+              <a:t>imlementiert</a:t>
+            </a:r>
+            <a:r>
+              <a:rPr lang="de-DE" dirty="0" smtClean="0"/>
+              <a:t>.</a:t>
+            </a:r>
+          </a:p>
+          <a:p>
+            <a:pPr marL="0" indent="0">
+              <a:buNone/>
+            </a:pPr>
+            <a:r>
+              <a:rPr lang="de-DE" dirty="0" smtClean="0"/>
+              <a:t>Es werden keine Referenzen abgeglichen sondern Werte</a:t>
+            </a:r>
+          </a:p>
+          <a:p>
+            <a:pPr marL="0" indent="0">
+              <a:buNone/>
+            </a:pPr>
+            <a:endParaRPr lang="en-US" dirty="0"/>
+          </a:p>
+        </p:txBody>
+      </p:sp>
+      <p:pic>
+        <p:nvPicPr>
+          <p:cNvPr id="1026" name="Picture 2"/>
+          <p:cNvPicPr>
+            <a:picLocks noChangeAspect="1" noChangeArrowheads="1"/>
+          </p:cNvPicPr>
+          <p:nvPr/>
+        </p:nvPicPr>
+        <p:blipFill>
+          <a:blip r:embed="rId3">
+            <a:extLst>
+              <a:ext uri="{28A0092B-C50C-407E-A947-70E740481C1C}">
+                <a14:useLocalDpi xmlns:a14="http://schemas.microsoft.com/office/drawing/2010/main" val="0"/>
+              </a:ext>
+            </a:extLst>
+          </a:blip>
+          <a:srcRect/>
+          <a:stretch>
+            <a:fillRect/>
+          </a:stretch>
+        </p:blipFill>
+        <p:spPr bwMode="auto">
+          <a:xfrm>
+            <a:off x="611560" y="3826345"/>
+            <a:ext cx="6408712" cy="2733465"/>
+          </a:xfrm>
+          <a:prstGeom prst="rect">
+            <a:avLst/>
+          </a:prstGeom>
+          <a:noFill/>
+          <a:ln>
+            <a:noFill/>
+          </a:ln>
+          <a:extLst>
+            <a:ext uri="{909E8E84-426E-40DD-AFC4-6F175D3DCCD1}">
+              <a14:hiddenFill xmlns:a14="http://schemas.microsoft.com/office/drawing/2010/main">
+                <a:solidFill>
+                  <a:schemeClr val="accent1"/>
+                </a:solidFill>
+              </a14:hiddenFill>
+            </a:ext>
+            <a:ext uri="{91240B29-F687-4F45-9708-019B960494DF}">
+              <a14:hiddenLine xmlns:a14="http://schemas.microsoft.com/office/drawing/2010/main" w="9525">
+                <a:solidFill>
+                  <a:schemeClr val="tx1"/>
+                </a:solidFill>
+                <a:miter lim="800000"/>
+                <a:headEnd/>
+                <a:tailEnd/>
+              </a14:hiddenLine>
+            </a:ext>
+          </a:extLst>
+        </p:spPr>
+      </p:pic>
+    </p:spTree>
+    <p:extLst>
+      <p:ext uri="{BB962C8B-B14F-4D97-AF65-F5344CB8AC3E}">
+        <p14:creationId xmlns:p14="http://schemas.microsoft.com/office/powerpoint/2010/main" val="2070263003"/>
+      </p:ext>
+    </p:extLst>
+  </p:cSld>
+  <p:clrMapOvr>
+    <a:masterClrMapping/>
+  </p:clrMapOvr>
+  <p:timing>
+    <p:tnLst>
+      <p:par>
+        <p:cTn id="1" dur="indefinite" restart="never" nodeType="tmRoot"/>
       </p:par>
     </p:tnLst>
   </p:timing>
@@ -12489,6 +12879,279 @@
           <a:p>
             <a:r>
               <a:rPr lang="de-DE" dirty="0" smtClean="0"/>
+              <a:t>Funktional ist überall</a:t>
+            </a:r>
+            <a:endParaRPr lang="en-US" dirty="0"/>
+          </a:p>
+        </p:txBody>
+      </p:sp>
+      <p:sp>
+        <p:nvSpPr>
+          <p:cNvPr id="4" name="Rectangle 3"/>
+          <p:cNvSpPr/>
+          <p:nvPr/>
+        </p:nvSpPr>
+        <p:spPr>
+          <a:xfrm>
+            <a:off x="971600" y="3356992"/>
+            <a:ext cx="3096344" cy="1872208"/>
+          </a:xfrm>
+          <a:prstGeom prst="rect">
+            <a:avLst/>
+          </a:prstGeom>
+        </p:spPr>
+        <p:style>
+          <a:lnRef idx="2">
+            <a:schemeClr val="accent1">
+              <a:shade val="50000"/>
+            </a:schemeClr>
+          </a:lnRef>
+          <a:fillRef idx="1">
+            <a:schemeClr val="accent1"/>
+          </a:fillRef>
+          <a:effectRef idx="0">
+            <a:schemeClr val="accent1"/>
+          </a:effectRef>
+          <a:fontRef idx="minor">
+            <a:schemeClr val="lt1"/>
+          </a:fontRef>
+        </p:style>
+        <p:txBody>
+          <a:bodyPr rtlCol="0" anchor="ctr"/>
+          <a:lstStyle/>
+          <a:p>
+            <a:pPr algn="ctr"/>
+            <a:r>
+              <a:rPr lang="de-DE" sz="9600" dirty="0" smtClean="0"/>
+              <a:t>.net</a:t>
+            </a:r>
+            <a:endParaRPr lang="en-US" sz="9600" dirty="0"/>
+          </a:p>
+        </p:txBody>
+      </p:sp>
+      <p:sp>
+        <p:nvSpPr>
+          <p:cNvPr id="5" name="Rectangle 4"/>
+          <p:cNvSpPr/>
+          <p:nvPr/>
+        </p:nvSpPr>
+        <p:spPr>
+          <a:xfrm>
+            <a:off x="4572000" y="3356992"/>
+            <a:ext cx="3816424" cy="1872208"/>
+          </a:xfrm>
+          <a:prstGeom prst="rect">
+            <a:avLst/>
+          </a:prstGeom>
+        </p:spPr>
+        <p:style>
+          <a:lnRef idx="2">
+            <a:schemeClr val="accent1">
+              <a:shade val="50000"/>
+            </a:schemeClr>
+          </a:lnRef>
+          <a:fillRef idx="1">
+            <a:schemeClr val="accent1"/>
+          </a:fillRef>
+          <a:effectRef idx="0">
+            <a:schemeClr val="accent1"/>
+          </a:effectRef>
+          <a:fontRef idx="minor">
+            <a:schemeClr val="lt1"/>
+          </a:fontRef>
+        </p:style>
+        <p:txBody>
+          <a:bodyPr rtlCol="0" anchor="ctr"/>
+          <a:lstStyle/>
+          <a:p>
+            <a:pPr algn="ctr"/>
+            <a:r>
+              <a:rPr lang="de-DE" sz="9600" dirty="0" smtClean="0"/>
+              <a:t>Java</a:t>
+            </a:r>
+            <a:endParaRPr lang="en-US" sz="9600" dirty="0"/>
+          </a:p>
+        </p:txBody>
+      </p:sp>
+      <p:sp>
+        <p:nvSpPr>
+          <p:cNvPr id="6" name="Rectangle 5"/>
+          <p:cNvSpPr/>
+          <p:nvPr/>
+        </p:nvSpPr>
+        <p:spPr>
+          <a:xfrm>
+            <a:off x="971600" y="2492896"/>
+            <a:ext cx="3096344" cy="720080"/>
+          </a:xfrm>
+          <a:prstGeom prst="rect">
+            <a:avLst/>
+          </a:prstGeom>
+        </p:spPr>
+        <p:style>
+          <a:lnRef idx="2">
+            <a:schemeClr val="accent3">
+              <a:shade val="50000"/>
+            </a:schemeClr>
+          </a:lnRef>
+          <a:fillRef idx="1">
+            <a:schemeClr val="accent3"/>
+          </a:fillRef>
+          <a:effectRef idx="0">
+            <a:schemeClr val="accent3"/>
+          </a:effectRef>
+          <a:fontRef idx="minor">
+            <a:schemeClr val="lt1"/>
+          </a:fontRef>
+        </p:style>
+        <p:txBody>
+          <a:bodyPr rtlCol="0" anchor="ctr"/>
+          <a:lstStyle/>
+          <a:p>
+            <a:pPr algn="ctr"/>
+            <a:r>
+              <a:rPr lang="de-DE" sz="4800" dirty="0" smtClean="0"/>
+              <a:t>F#</a:t>
+            </a:r>
+            <a:endParaRPr lang="en-US" sz="4800" dirty="0"/>
+          </a:p>
+        </p:txBody>
+      </p:sp>
+      <p:sp>
+        <p:nvSpPr>
+          <p:cNvPr id="7" name="Rectangle 6"/>
+          <p:cNvSpPr/>
+          <p:nvPr/>
+        </p:nvSpPr>
+        <p:spPr>
+          <a:xfrm>
+            <a:off x="4572000" y="2492896"/>
+            <a:ext cx="1548172" cy="720080"/>
+          </a:xfrm>
+          <a:prstGeom prst="rect">
+            <a:avLst/>
+          </a:prstGeom>
+        </p:spPr>
+        <p:style>
+          <a:lnRef idx="2">
+            <a:schemeClr val="accent3">
+              <a:shade val="50000"/>
+            </a:schemeClr>
+          </a:lnRef>
+          <a:fillRef idx="1">
+            <a:schemeClr val="accent3"/>
+          </a:fillRef>
+          <a:effectRef idx="0">
+            <a:schemeClr val="accent3"/>
+          </a:effectRef>
+          <a:fontRef idx="minor">
+            <a:schemeClr val="lt1"/>
+          </a:fontRef>
+        </p:style>
+        <p:txBody>
+          <a:bodyPr rtlCol="0" anchor="ctr"/>
+          <a:lstStyle/>
+          <a:p>
+            <a:pPr algn="ctr"/>
+            <a:r>
+              <a:rPr lang="de-DE" sz="4800" dirty="0" smtClean="0"/>
+              <a:t>Scala</a:t>
+            </a:r>
+            <a:endParaRPr lang="en-US" sz="4800" dirty="0"/>
+          </a:p>
+        </p:txBody>
+      </p:sp>
+      <p:sp>
+        <p:nvSpPr>
+          <p:cNvPr id="8" name="Rectangle 7"/>
+          <p:cNvSpPr/>
+          <p:nvPr/>
+        </p:nvSpPr>
+        <p:spPr>
+          <a:xfrm>
+            <a:off x="6228184" y="2492896"/>
+            <a:ext cx="2160240" cy="720080"/>
+          </a:xfrm>
+          <a:prstGeom prst="rect">
+            <a:avLst/>
+          </a:prstGeom>
+        </p:spPr>
+        <p:style>
+          <a:lnRef idx="2">
+            <a:schemeClr val="accent3">
+              <a:shade val="50000"/>
+            </a:schemeClr>
+          </a:lnRef>
+          <a:fillRef idx="1">
+            <a:schemeClr val="accent3"/>
+          </a:fillRef>
+          <a:effectRef idx="0">
+            <a:schemeClr val="accent3"/>
+          </a:effectRef>
+          <a:fontRef idx="minor">
+            <a:schemeClr val="lt1"/>
+          </a:fontRef>
+        </p:style>
+        <p:txBody>
+          <a:bodyPr rtlCol="0" anchor="ctr"/>
+          <a:lstStyle/>
+          <a:p>
+            <a:pPr algn="ctr"/>
+            <a:r>
+              <a:rPr lang="de-DE" sz="4800" dirty="0" err="1" smtClean="0"/>
+              <a:t>Closure</a:t>
+            </a:r>
+            <a:endParaRPr lang="en-US" sz="4800" dirty="0"/>
+          </a:p>
+        </p:txBody>
+      </p:sp>
+    </p:spTree>
+    <p:extLst>
+      <p:ext uri="{BB962C8B-B14F-4D97-AF65-F5344CB8AC3E}">
+        <p14:creationId xmlns:p14="http://schemas.microsoft.com/office/powerpoint/2010/main" val="3461314516"/>
+      </p:ext>
+    </p:extLst>
+  </p:cSld>
+  <p:clrMapOvr>
+    <a:masterClrMapping/>
+  </p:clrMapOvr>
+</p:sld>
+</file>
+
+<file path=ppt/slides/slide7.xml><?xml version="1.0" encoding="utf-8"?>
+<p:sld xmlns:a="http://schemas.openxmlformats.org/drawingml/2006/main" xmlns:r="http://schemas.openxmlformats.org/officeDocument/2006/relationships" xmlns:p="http://schemas.openxmlformats.org/presentationml/2006/main">
+  <p:cSld>
+    <p:spTree>
+      <p:nvGrpSpPr>
+        <p:cNvPr id="1" name=""/>
+        <p:cNvGrpSpPr/>
+        <p:nvPr/>
+      </p:nvGrpSpPr>
+      <p:grpSpPr>
+        <a:xfrm>
+          <a:off x="0" y="0"/>
+          <a:ext cx="0" cy="0"/>
+          <a:chOff x="0" y="0"/>
+          <a:chExt cx="0" cy="0"/>
+        </a:xfrm>
+      </p:grpSpPr>
+      <p:sp>
+        <p:nvSpPr>
+          <p:cNvPr id="2" name="Title 1"/>
+          <p:cNvSpPr>
+            <a:spLocks noGrp="1"/>
+          </p:cNvSpPr>
+          <p:nvPr>
+            <p:ph type="title"/>
+          </p:nvPr>
+        </p:nvSpPr>
+        <p:spPr/>
+        <p:txBody>
+          <a:bodyPr/>
+          <a:lstStyle/>
+          <a:p>
+            <a:r>
+              <a:rPr lang="de-DE" dirty="0" smtClean="0"/>
               <a:t>Funktionale Erscheinungen</a:t>
             </a:r>
             <a:endParaRPr lang="en-US" dirty="0"/>
@@ -12873,7 +13536,7 @@
 </p:sld>
 </file>
 
-<file path=ppt/slides/slide7.xml><?xml version="1.0" encoding="utf-8"?>
+<file path=ppt/slides/slide8.xml><?xml version="1.0" encoding="utf-8"?>
 <p:sld xmlns:a="http://schemas.openxmlformats.org/drawingml/2006/main" xmlns:r="http://schemas.openxmlformats.org/officeDocument/2006/relationships" xmlns:p="http://schemas.openxmlformats.org/presentationml/2006/main">
   <p:cSld>
     <p:spTree>
@@ -13307,7 +13970,7 @@
 </p:sld>
 </file>
 
-<file path=ppt/slides/slide8.xml><?xml version="1.0" encoding="utf-8"?>
+<file path=ppt/slides/slide9.xml><?xml version="1.0" encoding="utf-8"?>
 <p:sld xmlns:a="http://schemas.openxmlformats.org/drawingml/2006/main" xmlns:r="http://schemas.openxmlformats.org/officeDocument/2006/relationships" xmlns:p="http://schemas.openxmlformats.org/presentationml/2006/main">
   <p:cSld>
     <p:spTree>
@@ -13667,326 +14330,6 @@
     <p:bldLst>
       <p:bldP spid="3" grpId="0" build="p"/>
     </p:bldLst>
-  </p:timing>
-</p:sld>
-</file>
-
-<file path=ppt/slides/slide9.xml><?xml version="1.0" encoding="utf-8"?>
-<p:sld xmlns:a="http://schemas.openxmlformats.org/drawingml/2006/main" xmlns:r="http://schemas.openxmlformats.org/officeDocument/2006/relationships" xmlns:p="http://schemas.openxmlformats.org/presentationml/2006/main">
-  <p:cSld>
-    <p:spTree>
-      <p:nvGrpSpPr>
-        <p:cNvPr id="1" name=""/>
-        <p:cNvGrpSpPr/>
-        <p:nvPr/>
-      </p:nvGrpSpPr>
-      <p:grpSpPr>
-        <a:xfrm>
-          <a:off x="0" y="0"/>
-          <a:ext cx="0" cy="0"/>
-          <a:chOff x="0" y="0"/>
-          <a:chExt cx="0" cy="0"/>
-        </a:xfrm>
-      </p:grpSpPr>
-      <p:sp>
-        <p:nvSpPr>
-          <p:cNvPr id="2" name="Title 1"/>
-          <p:cNvSpPr>
-            <a:spLocks noGrp="1"/>
-          </p:cNvSpPr>
-          <p:nvPr>
-            <p:ph type="title"/>
-          </p:nvPr>
-        </p:nvSpPr>
-        <p:spPr/>
-        <p:txBody>
-          <a:bodyPr/>
-          <a:lstStyle/>
-          <a:p>
-            <a:pPr marL="0" indent="0"/>
-            <a:r>
-              <a:rPr lang="de-DE" dirty="0"/>
-              <a:t>Ideen aus der FP Welt</a:t>
-            </a:r>
-          </a:p>
-        </p:txBody>
-      </p:sp>
-      <p:sp>
-        <p:nvSpPr>
-          <p:cNvPr id="3" name="Content Placeholder 2"/>
-          <p:cNvSpPr>
-            <a:spLocks noGrp="1"/>
-          </p:cNvSpPr>
-          <p:nvPr>
-            <p:ph idx="1"/>
-          </p:nvPr>
-        </p:nvSpPr>
-        <p:spPr/>
-        <p:txBody>
-          <a:bodyPr>
-            <a:normAutofit/>
-          </a:bodyPr>
-          <a:lstStyle/>
-          <a:p>
-            <a:pPr marL="0" indent="0">
-              <a:buNone/>
-            </a:pPr>
-            <a:r>
-              <a:rPr lang="de-DE" dirty="0"/>
-              <a:t>Typ &lt;&gt; Klasse: Datenstruktur vs. </a:t>
-            </a:r>
-            <a:r>
-              <a:rPr lang="de-DE" dirty="0" smtClean="0"/>
-              <a:t>Verhalten</a:t>
-            </a:r>
-          </a:p>
-          <a:p>
-            <a:r>
-              <a:rPr lang="de-DE" dirty="0" smtClean="0"/>
-              <a:t>Datenstruktur beinhaltet nur Daten</a:t>
-            </a:r>
-          </a:p>
-          <a:p>
-            <a:r>
-              <a:rPr lang="de-DE" dirty="0" smtClean="0"/>
-              <a:t>Komposition</a:t>
-            </a:r>
-            <a:r>
-              <a:rPr lang="de-DE" dirty="0"/>
-              <a:t>: light-</a:t>
-            </a:r>
-            <a:r>
-              <a:rPr lang="de-DE" dirty="0" err="1"/>
-              <a:t>weight</a:t>
-            </a:r>
-            <a:r>
-              <a:rPr lang="de-DE" dirty="0"/>
-              <a:t> </a:t>
-            </a:r>
-            <a:r>
-              <a:rPr lang="de-DE" dirty="0" err="1"/>
-              <a:t>types</a:t>
-            </a:r>
-            <a:r>
-              <a:rPr lang="de-DE" dirty="0"/>
-              <a:t>, verbinden zu neuen </a:t>
-            </a:r>
-            <a:r>
-              <a:rPr lang="de-DE" dirty="0" err="1"/>
-              <a:t>composite</a:t>
-            </a:r>
-            <a:r>
-              <a:rPr lang="de-DE" dirty="0"/>
-              <a:t> </a:t>
-            </a:r>
-            <a:r>
-              <a:rPr lang="de-DE" dirty="0" err="1"/>
-              <a:t>types</a:t>
-            </a:r>
-            <a:r>
-              <a:rPr lang="de-DE" dirty="0"/>
-              <a:t>. Keine </a:t>
-            </a:r>
-            <a:r>
-              <a:rPr lang="de-DE" dirty="0" smtClean="0"/>
-              <a:t>Vererbung</a:t>
-            </a:r>
-            <a:endParaRPr lang="de-DE" dirty="0"/>
-          </a:p>
-          <a:p>
-            <a:pPr marL="0" indent="0">
-              <a:buNone/>
-            </a:pPr>
-            <a:endParaRPr lang="de-DE" dirty="0"/>
-          </a:p>
-        </p:txBody>
-      </p:sp>
-    </p:spTree>
-    <p:extLst>
-      <p:ext uri="{BB962C8B-B14F-4D97-AF65-F5344CB8AC3E}">
-        <p14:creationId xmlns:p14="http://schemas.microsoft.com/office/powerpoint/2010/main" val="304289206"/>
-      </p:ext>
-    </p:extLst>
-  </p:cSld>
-  <p:clrMapOvr>
-    <a:masterClrMapping/>
-  </p:clrMapOvr>
-  <p:timing>
-    <p:tnLst>
-      <p:par>
-        <p:cTn id="1" dur="indefinite" restart="never" nodeType="tmRoot">
-          <p:childTnLst>
-            <p:seq concurrent="1" nextAc="seek">
-              <p:cTn id="2" dur="indefinite" nodeType="mainSeq">
-                <p:childTnLst>
-                  <p:par>
-                    <p:cTn id="3" fill="hold">
-                      <p:stCondLst>
-                        <p:cond delay="indefinite"/>
-                      </p:stCondLst>
-                      <p:childTnLst>
-                        <p:par>
-                          <p:cTn id="4" fill="hold">
-                            <p:stCondLst>
-                              <p:cond delay="0"/>
-                            </p:stCondLst>
-                            <p:childTnLst>
-                              <p:par>
-                                <p:cTn id="5" presetID="1" presetClass="entr" presetSubtype="0" fill="hold" nodeType="clickEffect">
-                                  <p:stCondLst>
-                                    <p:cond delay="0"/>
-                                  </p:stCondLst>
-                                  <p:childTnLst>
-                                    <p:set>
-                                      <p:cBhvr>
-                                        <p:cTn id="6" dur="1" fill="hold">
-                                          <p:stCondLst>
-                                            <p:cond delay="0"/>
-                                          </p:stCondLst>
-                                        </p:cTn>
-                                        <p:tgtEl>
-                                          <p:spTgt spid="3">
-                                            <p:txEl>
-                                              <p:pRg st="0" end="0"/>
-                                            </p:txEl>
-                                          </p:spTgt>
-                                        </p:tgtEl>
-                                        <p:attrNameLst>
-                                          <p:attrName>style.visibility</p:attrName>
-                                        </p:attrNameLst>
-                                      </p:cBhvr>
-                                      <p:to>
-                                        <p:strVal val="visible"/>
-                                      </p:to>
-                                    </p:set>
-                                  </p:childTnLst>
-                                </p:cTn>
-                              </p:par>
-                            </p:childTnLst>
-                          </p:cTn>
-                        </p:par>
-                      </p:childTnLst>
-                    </p:cTn>
-                  </p:par>
-                  <p:par>
-                    <p:cTn id="7" fill="hold">
-                      <p:stCondLst>
-                        <p:cond delay="indefinite"/>
-                      </p:stCondLst>
-                      <p:childTnLst>
-                        <p:par>
-                          <p:cTn id="8" fill="hold">
-                            <p:stCondLst>
-                              <p:cond delay="0"/>
-                            </p:stCondLst>
-                            <p:childTnLst>
-                              <p:par>
-                                <p:cTn id="9" presetID="1" presetClass="entr" presetSubtype="0" fill="hold" nodeType="clickEffect">
-                                  <p:stCondLst>
-                                    <p:cond delay="0"/>
-                                  </p:stCondLst>
-                                  <p:childTnLst>
-                                    <p:set>
-                                      <p:cBhvr>
-                                        <p:cTn id="10" dur="1" fill="hold">
-                                          <p:stCondLst>
-                                            <p:cond delay="0"/>
-                                          </p:stCondLst>
-                                        </p:cTn>
-                                        <p:tgtEl>
-                                          <p:spTgt spid="3">
-                                            <p:txEl>
-                                              <p:pRg st="1" end="1"/>
-                                            </p:txEl>
-                                          </p:spTgt>
-                                        </p:tgtEl>
-                                        <p:attrNameLst>
-                                          <p:attrName>style.visibility</p:attrName>
-                                        </p:attrNameLst>
-                                      </p:cBhvr>
-                                      <p:to>
-                                        <p:strVal val="visible"/>
-                                      </p:to>
-                                    </p:set>
-                                  </p:childTnLst>
-                                </p:cTn>
-                              </p:par>
-                            </p:childTnLst>
-                          </p:cTn>
-                        </p:par>
-                      </p:childTnLst>
-                    </p:cTn>
-                  </p:par>
-                  <p:par>
-                    <p:cTn id="11" fill="hold">
-                      <p:stCondLst>
-                        <p:cond delay="indefinite"/>
-                      </p:stCondLst>
-                      <p:childTnLst>
-                        <p:par>
-                          <p:cTn id="12" fill="hold">
-                            <p:stCondLst>
-                              <p:cond delay="0"/>
-                            </p:stCondLst>
-                            <p:childTnLst>
-                              <p:par>
-                                <p:cTn id="13" presetID="1" presetClass="entr" presetSubtype="0" fill="hold" nodeType="clickEffect">
-                                  <p:stCondLst>
-                                    <p:cond delay="0"/>
-                                  </p:stCondLst>
-                                  <p:childTnLst>
-                                    <p:set>
-                                      <p:cBhvr>
-                                        <p:cTn id="14" dur="1" fill="hold">
-                                          <p:stCondLst>
-                                            <p:cond delay="0"/>
-                                          </p:stCondLst>
-                                        </p:cTn>
-                                        <p:tgtEl>
-                                          <p:spTgt spid="3">
-                                            <p:txEl>
-                                              <p:pRg st="2" end="2"/>
-                                            </p:txEl>
-                                          </p:spTgt>
-                                        </p:tgtEl>
-                                        <p:attrNameLst>
-                                          <p:attrName>style.visibility</p:attrName>
-                                        </p:attrNameLst>
-                                      </p:cBhvr>
-                                      <p:to>
-                                        <p:strVal val="visible"/>
-                                      </p:to>
-                                    </p:set>
-                                  </p:childTnLst>
-                                </p:cTn>
-                              </p:par>
-                            </p:childTnLst>
-                          </p:cTn>
-                        </p:par>
-                      </p:childTnLst>
-                    </p:cTn>
-                  </p:par>
-                </p:childTnLst>
-              </p:cTn>
-              <p:prevCondLst>
-                <p:cond evt="onPrev" delay="0">
-                  <p:tgtEl>
-                    <p:sldTgt/>
-                  </p:tgtEl>
-                </p:cond>
-              </p:prevCondLst>
-              <p:nextCondLst>
-                <p:cond evt="onNext" delay="0">
-                  <p:tgtEl>
-                    <p:sldTgt/>
-                  </p:tgtEl>
-                </p:cond>
-              </p:nextCondLst>
-            </p:seq>
-          </p:childTnLst>
-        </p:cTn>
-      </p:par>
-    </p:tnLst>
   </p:timing>
 </p:sld>
 </file>

--- a/20151202/Einführung20151202.pptx
+++ b/20151202/Einführung20151202.pptx
@@ -5,7 +5,7 @@
     <p:sldMasterId id="2147483648" r:id="rId1"/>
   </p:sldMasterIdLst>
   <p:notesMasterIdLst>
-    <p:notesMasterId r:id="rId29"/>
+    <p:notesMasterId r:id="rId31"/>
   </p:notesMasterIdLst>
   <p:sldIdLst>
     <p:sldId id="256" r:id="rId2"/>
@@ -35,6 +35,8 @@
     <p:sldId id="306" r:id="rId26"/>
     <p:sldId id="267" r:id="rId27"/>
     <p:sldId id="268" r:id="rId28"/>
+    <p:sldId id="307" r:id="rId29"/>
+    <p:sldId id="308" r:id="rId30"/>
   </p:sldIdLst>
   <p:sldSz cx="9144000" cy="6858000" type="screen4x3"/>
   <p:notesSz cx="6858000" cy="9144000"/>
@@ -135,7 +137,7 @@
   </p:defaultTextStyle>
   <p:extLst>
     <p:ext uri="{EFAFB233-063F-42B5-8137-9DF3F51BA10A}">
-      <p15:sldGuideLst xmlns="" xmlns:p15="http://schemas.microsoft.com/office/powerpoint/2012/main">
+      <p15:sldGuideLst xmlns:p15="http://schemas.microsoft.com/office/powerpoint/2012/main" xmlns="">
         <p15:guide id="1" orient="horz" pos="2160">
           <p15:clr>
             <a:srgbClr val="A4A3A4"/>
@@ -234,7 +236,7 @@
           <a:p>
             <a:fld id="{8583A242-7230-4070-B2AF-A33EB304C08D}" type="datetimeFigureOut">
               <a:rPr lang="en-US" smtClean="0"/>
-              <a:t>11/27/2015</a:t>
+              <a:t>12/1/2015</a:t>
             </a:fld>
             <a:endParaRPr lang="en-US"/>
           </a:p>
@@ -890,6 +892,40 @@
           <a:p>
             <a:endParaRPr lang="de-DE" baseline="0" dirty="0" smtClean="0"/>
           </a:p>
+          <a:p>
+            <a:r>
+              <a:rPr lang="de-DE" baseline="0" dirty="0" smtClean="0"/>
+              <a:t>ACHTUNG: Bertrand Meyer (Eifel, CQS) hat diese Prinzipien auch für OO gefordert.  Eifel implementiert auch eine Art </a:t>
+            </a:r>
+            <a:r>
+              <a:rPr lang="de-DE" baseline="0" dirty="0" err="1" smtClean="0"/>
+              <a:t>Pre</a:t>
+            </a:r>
+            <a:r>
+              <a:rPr lang="de-DE" baseline="0" dirty="0" smtClean="0"/>
+              <a:t> und Post </a:t>
+            </a:r>
+            <a:r>
+              <a:rPr lang="de-DE" baseline="0" dirty="0" err="1" smtClean="0"/>
+              <a:t>Condition</a:t>
+            </a:r>
+            <a:r>
+              <a:rPr lang="de-DE" baseline="0" dirty="0" smtClean="0"/>
+              <a:t> für Methoden (aber auch </a:t>
+            </a:r>
+            <a:r>
+              <a:rPr lang="de-DE" baseline="0" dirty="0" err="1" smtClean="0"/>
+              <a:t>mehrfachvererbung</a:t>
+            </a:r>
+            <a:r>
+              <a:rPr lang="de-DE" baseline="0" dirty="0" smtClean="0"/>
+              <a:t>)</a:t>
+            </a:r>
+            <a:endParaRPr lang="de-DE" baseline="0" dirty="0" smtClean="0"/>
+          </a:p>
+          <a:p>
+            <a:endParaRPr lang="de-DE" baseline="0" dirty="0" smtClean="0"/>
+          </a:p>
         </p:txBody>
       </p:sp>
       <p:sp>
@@ -3675,6 +3711,224 @@
     <p:extLst>
       <p:ext uri="{BB962C8B-B14F-4D97-AF65-F5344CB8AC3E}">
         <p14:creationId xmlns:p14="http://schemas.microsoft.com/office/powerpoint/2010/main" val="3165246819"/>
+      </p:ext>
+    </p:extLst>
+  </p:cSld>
+  <p:clrMapOvr>
+    <a:masterClrMapping/>
+  </p:clrMapOvr>
+</p:notes>
+</file>
+
+<file path=ppt/notesSlides/notesSlide26.xml><?xml version="1.0" encoding="utf-8"?>
+<p:notes xmlns:a="http://schemas.openxmlformats.org/drawingml/2006/main" xmlns:r="http://schemas.openxmlformats.org/officeDocument/2006/relationships" xmlns:p="http://schemas.openxmlformats.org/presentationml/2006/main">
+  <p:cSld>
+    <p:spTree>
+      <p:nvGrpSpPr>
+        <p:cNvPr id="1" name=""/>
+        <p:cNvGrpSpPr/>
+        <p:nvPr/>
+      </p:nvGrpSpPr>
+      <p:grpSpPr>
+        <a:xfrm>
+          <a:off x="0" y="0"/>
+          <a:ext cx="0" cy="0"/>
+          <a:chOff x="0" y="0"/>
+          <a:chExt cx="0" cy="0"/>
+        </a:xfrm>
+      </p:grpSpPr>
+      <p:sp>
+        <p:nvSpPr>
+          <p:cNvPr id="2" name="Slide Image Placeholder 1"/>
+          <p:cNvSpPr>
+            <a:spLocks noGrp="1" noRot="1" noChangeAspect="1"/>
+          </p:cNvSpPr>
+          <p:nvPr>
+            <p:ph type="sldImg"/>
+          </p:nvPr>
+        </p:nvSpPr>
+        <p:spPr/>
+      </p:sp>
+      <p:sp>
+        <p:nvSpPr>
+          <p:cNvPr id="3" name="Notes Placeholder 2"/>
+          <p:cNvSpPr>
+            <a:spLocks noGrp="1"/>
+          </p:cNvSpPr>
+          <p:nvPr>
+            <p:ph type="body" idx="1"/>
+          </p:nvPr>
+        </p:nvSpPr>
+        <p:spPr/>
+        <p:txBody>
+          <a:bodyPr/>
+          <a:lstStyle/>
+          <a:p>
+            <a:pPr marL="0" marR="0" indent="0" algn="l" defTabSz="914400" rtl="0" eaLnBrk="1" fontAlgn="auto" latinLnBrk="0" hangingPunct="1">
+              <a:lnSpc>
+                <a:spcPct val="100000"/>
+              </a:lnSpc>
+              <a:spcBef>
+                <a:spcPts val="0"/>
+              </a:spcBef>
+              <a:spcAft>
+                <a:spcPts val="0"/>
+              </a:spcAft>
+              <a:buClrTx/>
+              <a:buSzTx/>
+              <a:buFontTx/>
+              <a:buNone/>
+              <a:tabLst/>
+              <a:defRPr/>
+            </a:pPr>
+            <a:r>
+              <a:rPr lang="de-DE" dirty="0" smtClean="0"/>
+              <a:t>Für die die sich an Silverlight oder andere Entwicklungen erinnern</a:t>
+            </a:r>
+            <a:endParaRPr lang="de-DE" dirty="0" smtClean="0"/>
+          </a:p>
+        </p:txBody>
+      </p:sp>
+      <p:sp>
+        <p:nvSpPr>
+          <p:cNvPr id="4" name="Slide Number Placeholder 3"/>
+          <p:cNvSpPr>
+            <a:spLocks noGrp="1"/>
+          </p:cNvSpPr>
+          <p:nvPr>
+            <p:ph type="sldNum" sz="quarter" idx="10"/>
+          </p:nvPr>
+        </p:nvSpPr>
+        <p:spPr/>
+        <p:txBody>
+          <a:bodyPr/>
+          <a:lstStyle/>
+          <a:p>
+            <a:fld id="{4775FDF9-2A53-4261-A0AF-3B6A9698D365}" type="slidenum">
+              <a:rPr lang="en-US" smtClean="0"/>
+              <a:t>28</a:t>
+            </a:fld>
+            <a:endParaRPr lang="en-US"/>
+          </a:p>
+        </p:txBody>
+      </p:sp>
+    </p:spTree>
+    <p:extLst>
+      <p:ext uri="{BB962C8B-B14F-4D97-AF65-F5344CB8AC3E}">
+        <p14:creationId xmlns:p14="http://schemas.microsoft.com/office/powerpoint/2010/main" val="3358926703"/>
+      </p:ext>
+    </p:extLst>
+  </p:cSld>
+  <p:clrMapOvr>
+    <a:masterClrMapping/>
+  </p:clrMapOvr>
+</p:notes>
+</file>
+
+<file path=ppt/notesSlides/notesSlide27.xml><?xml version="1.0" encoding="utf-8"?>
+<p:notes xmlns:a="http://schemas.openxmlformats.org/drawingml/2006/main" xmlns:r="http://schemas.openxmlformats.org/officeDocument/2006/relationships" xmlns:p="http://schemas.openxmlformats.org/presentationml/2006/main">
+  <p:cSld>
+    <p:spTree>
+      <p:nvGrpSpPr>
+        <p:cNvPr id="1" name=""/>
+        <p:cNvGrpSpPr/>
+        <p:nvPr/>
+      </p:nvGrpSpPr>
+      <p:grpSpPr>
+        <a:xfrm>
+          <a:off x="0" y="0"/>
+          <a:ext cx="0" cy="0"/>
+          <a:chOff x="0" y="0"/>
+          <a:chExt cx="0" cy="0"/>
+        </a:xfrm>
+      </p:grpSpPr>
+      <p:sp>
+        <p:nvSpPr>
+          <p:cNvPr id="2" name="Slide Image Placeholder 1"/>
+          <p:cNvSpPr>
+            <a:spLocks noGrp="1" noRot="1" noChangeAspect="1"/>
+          </p:cNvSpPr>
+          <p:nvPr>
+            <p:ph type="sldImg"/>
+          </p:nvPr>
+        </p:nvSpPr>
+        <p:spPr/>
+      </p:sp>
+      <p:sp>
+        <p:nvSpPr>
+          <p:cNvPr id="3" name="Notes Placeholder 2"/>
+          <p:cNvSpPr>
+            <a:spLocks noGrp="1"/>
+          </p:cNvSpPr>
+          <p:nvPr>
+            <p:ph type="body" idx="1"/>
+          </p:nvPr>
+        </p:nvSpPr>
+        <p:spPr/>
+        <p:txBody>
+          <a:bodyPr/>
+          <a:lstStyle/>
+          <a:p>
+            <a:pPr marL="0" marR="0" indent="0" algn="l" defTabSz="914400" rtl="0" eaLnBrk="1" fontAlgn="auto" latinLnBrk="0" hangingPunct="1">
+              <a:lnSpc>
+                <a:spcPct val="100000"/>
+              </a:lnSpc>
+              <a:spcBef>
+                <a:spcPts val="0"/>
+              </a:spcBef>
+              <a:spcAft>
+                <a:spcPts val="0"/>
+              </a:spcAft>
+              <a:buClrTx/>
+              <a:buSzTx/>
+              <a:buFontTx/>
+              <a:buNone/>
+              <a:tabLst/>
+              <a:defRPr/>
+            </a:pPr>
+            <a:r>
+              <a:rPr lang="de-DE" dirty="0" smtClean="0"/>
+              <a:t>Es</a:t>
+            </a:r>
+            <a:r>
+              <a:rPr lang="de-DE" baseline="0" dirty="0" smtClean="0"/>
+              <a:t> geht nicht nur um die Sprache sondern auch darum wie eine </a:t>
+            </a:r>
+            <a:r>
+              <a:rPr lang="de-DE" baseline="0" smtClean="0"/>
+              <a:t>Sprache entsteht.</a:t>
+            </a:r>
+            <a:endParaRPr lang="de-DE" dirty="0" smtClean="0"/>
+          </a:p>
+        </p:txBody>
+      </p:sp>
+      <p:sp>
+        <p:nvSpPr>
+          <p:cNvPr id="4" name="Slide Number Placeholder 3"/>
+          <p:cNvSpPr>
+            <a:spLocks noGrp="1"/>
+          </p:cNvSpPr>
+          <p:nvPr>
+            <p:ph type="sldNum" sz="quarter" idx="10"/>
+          </p:nvPr>
+        </p:nvSpPr>
+        <p:spPr/>
+        <p:txBody>
+          <a:bodyPr/>
+          <a:lstStyle/>
+          <a:p>
+            <a:fld id="{4775FDF9-2A53-4261-A0AF-3B6A9698D365}" type="slidenum">
+              <a:rPr lang="en-US" smtClean="0"/>
+              <a:t>29</a:t>
+            </a:fld>
+            <a:endParaRPr lang="en-US"/>
+          </a:p>
+        </p:txBody>
+      </p:sp>
+    </p:spTree>
+    <p:extLst>
+      <p:ext uri="{BB962C8B-B14F-4D97-AF65-F5344CB8AC3E}">
+        <p14:creationId xmlns:p14="http://schemas.microsoft.com/office/powerpoint/2010/main" val="3358926703"/>
       </p:ext>
     </p:extLst>
   </p:cSld>
@@ -5302,7 +5556,7 @@
           <a:p>
             <a:fld id="{28CA3B8B-C56F-4663-93D1-BECEDA7EAF67}" type="datetimeFigureOut">
               <a:rPr lang="en-US" smtClean="0"/>
-              <a:t>11/27/2015</a:t>
+              <a:t>12/1/2015</a:t>
             </a:fld>
             <a:endParaRPr lang="en-US"/>
           </a:p>
@@ -5472,7 +5726,7 @@
           <a:p>
             <a:fld id="{28CA3B8B-C56F-4663-93D1-BECEDA7EAF67}" type="datetimeFigureOut">
               <a:rPr lang="en-US" smtClean="0"/>
-              <a:t>11/27/2015</a:t>
+              <a:t>12/1/2015</a:t>
             </a:fld>
             <a:endParaRPr lang="en-US"/>
           </a:p>
@@ -5652,7 +5906,7 @@
           <a:p>
             <a:fld id="{28CA3B8B-C56F-4663-93D1-BECEDA7EAF67}" type="datetimeFigureOut">
               <a:rPr lang="en-US" smtClean="0"/>
-              <a:t>11/27/2015</a:t>
+              <a:t>12/1/2015</a:t>
             </a:fld>
             <a:endParaRPr lang="en-US"/>
           </a:p>
@@ -5822,7 +6076,7 @@
           <a:p>
             <a:fld id="{28CA3B8B-C56F-4663-93D1-BECEDA7EAF67}" type="datetimeFigureOut">
               <a:rPr lang="en-US" smtClean="0"/>
-              <a:t>11/27/2015</a:t>
+              <a:t>12/1/2015</a:t>
             </a:fld>
             <a:endParaRPr lang="en-US"/>
           </a:p>
@@ -6068,7 +6322,7 @@
           <a:p>
             <a:fld id="{28CA3B8B-C56F-4663-93D1-BECEDA7EAF67}" type="datetimeFigureOut">
               <a:rPr lang="en-US" smtClean="0"/>
-              <a:t>11/27/2015</a:t>
+              <a:t>12/1/2015</a:t>
             </a:fld>
             <a:endParaRPr lang="en-US"/>
           </a:p>
@@ -6356,7 +6610,7 @@
           <a:p>
             <a:fld id="{28CA3B8B-C56F-4663-93D1-BECEDA7EAF67}" type="datetimeFigureOut">
               <a:rPr lang="en-US" smtClean="0"/>
-              <a:t>11/27/2015</a:t>
+              <a:t>12/1/2015</a:t>
             </a:fld>
             <a:endParaRPr lang="en-US"/>
           </a:p>
@@ -6778,7 +7032,7 @@
           <a:p>
             <a:fld id="{28CA3B8B-C56F-4663-93D1-BECEDA7EAF67}" type="datetimeFigureOut">
               <a:rPr lang="en-US" smtClean="0"/>
-              <a:t>11/27/2015</a:t>
+              <a:t>12/1/2015</a:t>
             </a:fld>
             <a:endParaRPr lang="en-US"/>
           </a:p>
@@ -6896,7 +7150,7 @@
           <a:p>
             <a:fld id="{28CA3B8B-C56F-4663-93D1-BECEDA7EAF67}" type="datetimeFigureOut">
               <a:rPr lang="en-US" smtClean="0"/>
-              <a:t>11/27/2015</a:t>
+              <a:t>12/1/2015</a:t>
             </a:fld>
             <a:endParaRPr lang="en-US"/>
           </a:p>
@@ -6991,7 +7245,7 @@
           <a:p>
             <a:fld id="{28CA3B8B-C56F-4663-93D1-BECEDA7EAF67}" type="datetimeFigureOut">
               <a:rPr lang="en-US" smtClean="0"/>
-              <a:t>11/27/2015</a:t>
+              <a:t>12/1/2015</a:t>
             </a:fld>
             <a:endParaRPr lang="en-US"/>
           </a:p>
@@ -7268,7 +7522,7 @@
           <a:p>
             <a:fld id="{28CA3B8B-C56F-4663-93D1-BECEDA7EAF67}" type="datetimeFigureOut">
               <a:rPr lang="en-US" smtClean="0"/>
-              <a:t>11/27/2015</a:t>
+              <a:t>12/1/2015</a:t>
             </a:fld>
             <a:endParaRPr lang="en-US"/>
           </a:p>
@@ -7521,7 +7775,7 @@
           <a:p>
             <a:fld id="{28CA3B8B-C56F-4663-93D1-BECEDA7EAF67}" type="datetimeFigureOut">
               <a:rPr lang="en-US" smtClean="0"/>
-              <a:t>11/27/2015</a:t>
+              <a:t>12/1/2015</a:t>
             </a:fld>
             <a:endParaRPr lang="en-US"/>
           </a:p>
@@ -7734,7 +7988,7 @@
           <a:p>
             <a:fld id="{28CA3B8B-C56F-4663-93D1-BECEDA7EAF67}" type="datetimeFigureOut">
               <a:rPr lang="en-US" smtClean="0"/>
-              <a:t>11/27/2015</a:t>
+              <a:t>12/1/2015</a:t>
             </a:fld>
             <a:endParaRPr lang="en-US"/>
           </a:p>
@@ -15514,6 +15768,695 @@
         <p:cTn id="1" dur="indefinite" restart="never" nodeType="tmRoot"/>
       </p:par>
     </p:tnLst>
+  </p:timing>
+</p:sld>
+</file>
+
+<file path=ppt/slides/slide28.xml><?xml version="1.0" encoding="utf-8"?>
+<p:sld xmlns:a="http://schemas.openxmlformats.org/drawingml/2006/main" xmlns:r="http://schemas.openxmlformats.org/officeDocument/2006/relationships" xmlns:p="http://schemas.openxmlformats.org/presentationml/2006/main">
+  <p:cSld>
+    <p:spTree>
+      <p:nvGrpSpPr>
+        <p:cNvPr id="1" name=""/>
+        <p:cNvGrpSpPr/>
+        <p:nvPr/>
+      </p:nvGrpSpPr>
+      <p:grpSpPr>
+        <a:xfrm>
+          <a:off x="0" y="0"/>
+          <a:ext cx="0" cy="0"/>
+          <a:chOff x="0" y="0"/>
+          <a:chExt cx="0" cy="0"/>
+        </a:xfrm>
+      </p:grpSpPr>
+      <p:sp>
+        <p:nvSpPr>
+          <p:cNvPr id="2" name="Title 1"/>
+          <p:cNvSpPr>
+            <a:spLocks noGrp="1"/>
+          </p:cNvSpPr>
+          <p:nvPr>
+            <p:ph type="title"/>
+          </p:nvPr>
+        </p:nvSpPr>
+        <p:spPr/>
+        <p:txBody>
+          <a:bodyPr/>
+          <a:lstStyle/>
+          <a:p>
+            <a:r>
+              <a:rPr lang="de-DE" dirty="0"/>
+              <a:t>F# </a:t>
+            </a:r>
+            <a:r>
+              <a:rPr lang="de-DE" dirty="0" err="1" smtClean="0"/>
+              <a:t>Foundation</a:t>
+            </a:r>
+            <a:endParaRPr lang="en-US" dirty="0"/>
+          </a:p>
+        </p:txBody>
+      </p:sp>
+      <p:sp>
+        <p:nvSpPr>
+          <p:cNvPr id="3" name="Content Placeholder 2"/>
+          <p:cNvSpPr>
+            <a:spLocks noGrp="1"/>
+          </p:cNvSpPr>
+          <p:nvPr>
+            <p:ph idx="1"/>
+          </p:nvPr>
+        </p:nvSpPr>
+        <p:spPr/>
+        <p:txBody>
+          <a:bodyPr>
+            <a:normAutofit/>
+          </a:bodyPr>
+          <a:lstStyle/>
+          <a:p>
+            <a:r>
+              <a:rPr lang="de-DE" dirty="0" smtClean="0"/>
+              <a:t>F# </a:t>
+            </a:r>
+            <a:r>
+              <a:rPr lang="de-DE" dirty="0" err="1" smtClean="0"/>
+              <a:t>Foundation</a:t>
+            </a:r>
+            <a:r>
+              <a:rPr lang="de-DE" dirty="0" smtClean="0"/>
+              <a:t> ist eine gemeinnütziger Verein</a:t>
+            </a:r>
+          </a:p>
+          <a:p>
+            <a:r>
+              <a:rPr lang="de-DE" dirty="0" smtClean="0"/>
+              <a:t>Die </a:t>
+            </a:r>
+            <a:r>
+              <a:rPr lang="de-DE" dirty="0" err="1" smtClean="0"/>
+              <a:t>Foundation</a:t>
+            </a:r>
+            <a:r>
+              <a:rPr lang="de-DE" dirty="0" smtClean="0"/>
+              <a:t> kontrolliert die Entwicklung der Sprache</a:t>
+            </a:r>
+          </a:p>
+          <a:p>
+            <a:r>
+              <a:rPr lang="de-DE" dirty="0" smtClean="0"/>
+              <a:t>Es ist hier um zu bleiben</a:t>
+            </a:r>
+            <a:endParaRPr lang="de-DE" dirty="0" smtClean="0"/>
+          </a:p>
+          <a:p>
+            <a:pPr marL="0" indent="0">
+              <a:buNone/>
+            </a:pPr>
+            <a:endParaRPr lang="de-DE" dirty="0" smtClean="0"/>
+          </a:p>
+          <a:p>
+            <a:pPr marL="0" indent="0">
+              <a:buNone/>
+            </a:pPr>
+            <a:endParaRPr lang="de-DE" dirty="0" smtClean="0"/>
+          </a:p>
+          <a:p>
+            <a:pPr marL="0" indent="0">
+              <a:buNone/>
+            </a:pPr>
+            <a:endParaRPr lang="de-DE" dirty="0" smtClean="0"/>
+          </a:p>
+          <a:p>
+            <a:pPr marL="0" indent="0">
+              <a:buNone/>
+            </a:pPr>
+            <a:endParaRPr lang="en-US" dirty="0"/>
+          </a:p>
+        </p:txBody>
+      </p:sp>
+    </p:spTree>
+    <p:extLst>
+      <p:ext uri="{BB962C8B-B14F-4D97-AF65-F5344CB8AC3E}">
+        <p14:creationId xmlns:p14="http://schemas.microsoft.com/office/powerpoint/2010/main" val="2791116488"/>
+      </p:ext>
+    </p:extLst>
+  </p:cSld>
+  <p:clrMapOvr>
+    <a:masterClrMapping/>
+  </p:clrMapOvr>
+  <p:timing>
+    <p:tnLst>
+      <p:par>
+        <p:cTn id="1" dur="indefinite" restart="never" nodeType="tmRoot">
+          <p:childTnLst>
+            <p:seq concurrent="1" nextAc="seek">
+              <p:cTn id="2" dur="indefinite" nodeType="mainSeq">
+                <p:childTnLst>
+                  <p:par>
+                    <p:cTn id="3" fill="hold">
+                      <p:stCondLst>
+                        <p:cond delay="indefinite"/>
+                      </p:stCondLst>
+                      <p:childTnLst>
+                        <p:par>
+                          <p:cTn id="4" fill="hold">
+                            <p:stCondLst>
+                              <p:cond delay="0"/>
+                            </p:stCondLst>
+                            <p:childTnLst>
+                              <p:par>
+                                <p:cTn id="5" presetID="1" presetClass="entr" presetSubtype="0" fill="hold" grpId="0" nodeType="clickEffect">
+                                  <p:stCondLst>
+                                    <p:cond delay="0"/>
+                                  </p:stCondLst>
+                                  <p:childTnLst>
+                                    <p:set>
+                                      <p:cBhvr>
+                                        <p:cTn id="6" dur="1" fill="hold">
+                                          <p:stCondLst>
+                                            <p:cond delay="0"/>
+                                          </p:stCondLst>
+                                        </p:cTn>
+                                        <p:tgtEl>
+                                          <p:spTgt spid="3">
+                                            <p:txEl>
+                                              <p:pRg st="0" end="0"/>
+                                            </p:txEl>
+                                          </p:spTgt>
+                                        </p:tgtEl>
+                                        <p:attrNameLst>
+                                          <p:attrName>style.visibility</p:attrName>
+                                        </p:attrNameLst>
+                                      </p:cBhvr>
+                                      <p:to>
+                                        <p:strVal val="visible"/>
+                                      </p:to>
+                                    </p:set>
+                                  </p:childTnLst>
+                                </p:cTn>
+                              </p:par>
+                            </p:childTnLst>
+                          </p:cTn>
+                        </p:par>
+                      </p:childTnLst>
+                    </p:cTn>
+                  </p:par>
+                  <p:par>
+                    <p:cTn id="7" fill="hold">
+                      <p:stCondLst>
+                        <p:cond delay="indefinite"/>
+                      </p:stCondLst>
+                      <p:childTnLst>
+                        <p:par>
+                          <p:cTn id="8" fill="hold">
+                            <p:stCondLst>
+                              <p:cond delay="0"/>
+                            </p:stCondLst>
+                            <p:childTnLst>
+                              <p:par>
+                                <p:cTn id="9" presetID="1" presetClass="entr" presetSubtype="0" fill="hold" grpId="0" nodeType="clickEffect">
+                                  <p:stCondLst>
+                                    <p:cond delay="0"/>
+                                  </p:stCondLst>
+                                  <p:childTnLst>
+                                    <p:set>
+                                      <p:cBhvr>
+                                        <p:cTn id="10" dur="1" fill="hold">
+                                          <p:stCondLst>
+                                            <p:cond delay="0"/>
+                                          </p:stCondLst>
+                                        </p:cTn>
+                                        <p:tgtEl>
+                                          <p:spTgt spid="3">
+                                            <p:txEl>
+                                              <p:pRg st="1" end="1"/>
+                                            </p:txEl>
+                                          </p:spTgt>
+                                        </p:tgtEl>
+                                        <p:attrNameLst>
+                                          <p:attrName>style.visibility</p:attrName>
+                                        </p:attrNameLst>
+                                      </p:cBhvr>
+                                      <p:to>
+                                        <p:strVal val="visible"/>
+                                      </p:to>
+                                    </p:set>
+                                  </p:childTnLst>
+                                </p:cTn>
+                              </p:par>
+                            </p:childTnLst>
+                          </p:cTn>
+                        </p:par>
+                      </p:childTnLst>
+                    </p:cTn>
+                  </p:par>
+                  <p:par>
+                    <p:cTn id="11" fill="hold">
+                      <p:stCondLst>
+                        <p:cond delay="indefinite"/>
+                      </p:stCondLst>
+                      <p:childTnLst>
+                        <p:par>
+                          <p:cTn id="12" fill="hold">
+                            <p:stCondLst>
+                              <p:cond delay="0"/>
+                            </p:stCondLst>
+                            <p:childTnLst>
+                              <p:par>
+                                <p:cTn id="13" presetID="1" presetClass="entr" presetSubtype="0" fill="hold" grpId="0" nodeType="clickEffect">
+                                  <p:stCondLst>
+                                    <p:cond delay="0"/>
+                                  </p:stCondLst>
+                                  <p:childTnLst>
+                                    <p:set>
+                                      <p:cBhvr>
+                                        <p:cTn id="14" dur="1" fill="hold">
+                                          <p:stCondLst>
+                                            <p:cond delay="0"/>
+                                          </p:stCondLst>
+                                        </p:cTn>
+                                        <p:tgtEl>
+                                          <p:spTgt spid="3">
+                                            <p:txEl>
+                                              <p:pRg st="2" end="2"/>
+                                            </p:txEl>
+                                          </p:spTgt>
+                                        </p:tgtEl>
+                                        <p:attrNameLst>
+                                          <p:attrName>style.visibility</p:attrName>
+                                        </p:attrNameLst>
+                                      </p:cBhvr>
+                                      <p:to>
+                                        <p:strVal val="visible"/>
+                                      </p:to>
+                                    </p:set>
+                                  </p:childTnLst>
+                                </p:cTn>
+                              </p:par>
+                            </p:childTnLst>
+                          </p:cTn>
+                        </p:par>
+                      </p:childTnLst>
+                    </p:cTn>
+                  </p:par>
+                </p:childTnLst>
+              </p:cTn>
+              <p:prevCondLst>
+                <p:cond evt="onPrev" delay="0">
+                  <p:tgtEl>
+                    <p:sldTgt/>
+                  </p:tgtEl>
+                </p:cond>
+              </p:prevCondLst>
+              <p:nextCondLst>
+                <p:cond evt="onNext" delay="0">
+                  <p:tgtEl>
+                    <p:sldTgt/>
+                  </p:tgtEl>
+                </p:cond>
+              </p:nextCondLst>
+            </p:seq>
+          </p:childTnLst>
+        </p:cTn>
+      </p:par>
+    </p:tnLst>
+    <p:bldLst>
+      <p:bldP spid="3" grpId="0" build="p"/>
+    </p:bldLst>
+  </p:timing>
+</p:sld>
+</file>
+
+<file path=ppt/slides/slide29.xml><?xml version="1.0" encoding="utf-8"?>
+<p:sld xmlns:a="http://schemas.openxmlformats.org/drawingml/2006/main" xmlns:r="http://schemas.openxmlformats.org/officeDocument/2006/relationships" xmlns:p="http://schemas.openxmlformats.org/presentationml/2006/main">
+  <p:cSld>
+    <p:spTree>
+      <p:nvGrpSpPr>
+        <p:cNvPr id="1" name=""/>
+        <p:cNvGrpSpPr/>
+        <p:nvPr/>
+      </p:nvGrpSpPr>
+      <p:grpSpPr>
+        <a:xfrm>
+          <a:off x="0" y="0"/>
+          <a:ext cx="0" cy="0"/>
+          <a:chOff x="0" y="0"/>
+          <a:chExt cx="0" cy="0"/>
+        </a:xfrm>
+      </p:grpSpPr>
+      <p:sp>
+        <p:nvSpPr>
+          <p:cNvPr id="2" name="Title 1"/>
+          <p:cNvSpPr>
+            <a:spLocks noGrp="1"/>
+          </p:cNvSpPr>
+          <p:nvPr>
+            <p:ph type="title"/>
+          </p:nvPr>
+        </p:nvSpPr>
+        <p:spPr/>
+        <p:txBody>
+          <a:bodyPr/>
+          <a:lstStyle/>
+          <a:p>
+            <a:r>
+              <a:rPr lang="de-DE" dirty="0"/>
+              <a:t>F# ist open </a:t>
+            </a:r>
+            <a:r>
+              <a:rPr lang="de-DE" dirty="0" err="1"/>
+              <a:t>source</a:t>
+            </a:r>
+            <a:endParaRPr lang="en-US" dirty="0"/>
+          </a:p>
+        </p:txBody>
+      </p:sp>
+      <p:sp>
+        <p:nvSpPr>
+          <p:cNvPr id="3" name="Content Placeholder 2"/>
+          <p:cNvSpPr>
+            <a:spLocks noGrp="1"/>
+          </p:cNvSpPr>
+          <p:nvPr>
+            <p:ph idx="1"/>
+          </p:nvPr>
+        </p:nvSpPr>
+        <p:spPr/>
+        <p:txBody>
+          <a:bodyPr>
+            <a:normAutofit/>
+          </a:bodyPr>
+          <a:lstStyle/>
+          <a:p>
+            <a:r>
+              <a:rPr lang="de-DE" dirty="0" smtClean="0"/>
+              <a:t>Das Quellcode ist auf </a:t>
+            </a:r>
+            <a:r>
+              <a:rPr lang="de-DE" dirty="0" err="1" smtClean="0"/>
+              <a:t>GitHub</a:t>
+            </a:r>
+            <a:r>
+              <a:rPr lang="de-DE" dirty="0" smtClean="0"/>
+              <a:t> zu finden</a:t>
+            </a:r>
+            <a:endParaRPr lang="de-DE" dirty="0" smtClean="0"/>
+          </a:p>
+          <a:p>
+            <a:r>
+              <a:rPr lang="de-DE" dirty="0" smtClean="0"/>
+              <a:t>Das Ökosystem F# ist lebendig</a:t>
+            </a:r>
+          </a:p>
+          <a:p>
+            <a:r>
+              <a:rPr lang="de-DE" dirty="0" smtClean="0"/>
+              <a:t>Sehr viele FSO Projekte in vielen Bereichen (Data, Web, </a:t>
+            </a:r>
+            <a:r>
+              <a:rPr lang="de-DE" dirty="0" err="1" smtClean="0"/>
+              <a:t>Machine</a:t>
+            </a:r>
+            <a:r>
+              <a:rPr lang="de-DE" dirty="0" smtClean="0"/>
+              <a:t> Learning, Finanzen)</a:t>
+            </a:r>
+            <a:endParaRPr lang="de-DE" dirty="0"/>
+          </a:p>
+          <a:p>
+            <a:r>
+              <a:rPr lang="de-DE" dirty="0" smtClean="0"/>
+              <a:t>Hilfreiche Autoren der </a:t>
+            </a:r>
+            <a:r>
+              <a:rPr lang="de-DE" dirty="0" err="1" smtClean="0"/>
+              <a:t>Bilbliotheken</a:t>
+            </a:r>
+            <a:endParaRPr lang="de-DE" dirty="0" smtClean="0"/>
+          </a:p>
+          <a:p>
+            <a:pPr marL="0" indent="0">
+              <a:buNone/>
+            </a:pPr>
+            <a:endParaRPr lang="de-DE" dirty="0" smtClean="0"/>
+          </a:p>
+          <a:p>
+            <a:pPr marL="0" indent="0">
+              <a:buNone/>
+            </a:pPr>
+            <a:endParaRPr lang="de-DE" dirty="0" smtClean="0"/>
+          </a:p>
+          <a:p>
+            <a:pPr marL="0" indent="0">
+              <a:buNone/>
+            </a:pPr>
+            <a:endParaRPr lang="de-DE" dirty="0" smtClean="0"/>
+          </a:p>
+          <a:p>
+            <a:pPr marL="0" indent="0">
+              <a:buNone/>
+            </a:pPr>
+            <a:endParaRPr lang="en-US" dirty="0"/>
+          </a:p>
+        </p:txBody>
+      </p:sp>
+    </p:spTree>
+    <p:extLst>
+      <p:ext uri="{BB962C8B-B14F-4D97-AF65-F5344CB8AC3E}">
+        <p14:creationId xmlns:p14="http://schemas.microsoft.com/office/powerpoint/2010/main" val="3896142169"/>
+      </p:ext>
+    </p:extLst>
+  </p:cSld>
+  <p:clrMapOvr>
+    <a:masterClrMapping/>
+  </p:clrMapOvr>
+  <p:timing>
+    <p:tnLst>
+      <p:par>
+        <p:cTn id="1" dur="indefinite" restart="never" nodeType="tmRoot">
+          <p:childTnLst>
+            <p:seq concurrent="1" nextAc="seek">
+              <p:cTn id="2" dur="indefinite" nodeType="mainSeq">
+                <p:childTnLst>
+                  <p:par>
+                    <p:cTn id="3" fill="hold">
+                      <p:stCondLst>
+                        <p:cond delay="indefinite"/>
+                      </p:stCondLst>
+                      <p:childTnLst>
+                        <p:par>
+                          <p:cTn id="4" fill="hold">
+                            <p:stCondLst>
+                              <p:cond delay="0"/>
+                            </p:stCondLst>
+                            <p:childTnLst>
+                              <p:par>
+                                <p:cTn id="5" presetID="1" presetClass="entr" presetSubtype="0" fill="hold" grpId="0" nodeType="clickEffect">
+                                  <p:stCondLst>
+                                    <p:cond delay="0"/>
+                                  </p:stCondLst>
+                                  <p:childTnLst>
+                                    <p:set>
+                                      <p:cBhvr>
+                                        <p:cTn id="6" dur="1" fill="hold">
+                                          <p:stCondLst>
+                                            <p:cond delay="0"/>
+                                          </p:stCondLst>
+                                        </p:cTn>
+                                        <p:tgtEl>
+                                          <p:spTgt spid="3">
+                                            <p:txEl>
+                                              <p:pRg st="0" end="0"/>
+                                            </p:txEl>
+                                          </p:spTgt>
+                                        </p:tgtEl>
+                                        <p:attrNameLst>
+                                          <p:attrName>style.visibility</p:attrName>
+                                        </p:attrNameLst>
+                                      </p:cBhvr>
+                                      <p:to>
+                                        <p:strVal val="visible"/>
+                                      </p:to>
+                                    </p:set>
+                                  </p:childTnLst>
+                                </p:cTn>
+                              </p:par>
+                            </p:childTnLst>
+                          </p:cTn>
+                        </p:par>
+                      </p:childTnLst>
+                    </p:cTn>
+                  </p:par>
+                  <p:par>
+                    <p:cTn id="7" fill="hold">
+                      <p:stCondLst>
+                        <p:cond delay="indefinite"/>
+                      </p:stCondLst>
+                      <p:childTnLst>
+                        <p:par>
+                          <p:cTn id="8" fill="hold">
+                            <p:stCondLst>
+                              <p:cond delay="0"/>
+                            </p:stCondLst>
+                            <p:childTnLst>
+                              <p:par>
+                                <p:cTn id="9" presetID="1" presetClass="entr" presetSubtype="0" fill="hold" grpId="0" nodeType="clickEffect">
+                                  <p:stCondLst>
+                                    <p:cond delay="0"/>
+                                  </p:stCondLst>
+                                  <p:childTnLst>
+                                    <p:set>
+                                      <p:cBhvr>
+                                        <p:cTn id="10" dur="1" fill="hold">
+                                          <p:stCondLst>
+                                            <p:cond delay="0"/>
+                                          </p:stCondLst>
+                                        </p:cTn>
+                                        <p:tgtEl>
+                                          <p:spTgt spid="3">
+                                            <p:txEl>
+                                              <p:pRg st="1" end="1"/>
+                                            </p:txEl>
+                                          </p:spTgt>
+                                        </p:tgtEl>
+                                        <p:attrNameLst>
+                                          <p:attrName>style.visibility</p:attrName>
+                                        </p:attrNameLst>
+                                      </p:cBhvr>
+                                      <p:to>
+                                        <p:strVal val="visible"/>
+                                      </p:to>
+                                    </p:set>
+                                  </p:childTnLst>
+                                </p:cTn>
+                              </p:par>
+                            </p:childTnLst>
+                          </p:cTn>
+                        </p:par>
+                      </p:childTnLst>
+                    </p:cTn>
+                  </p:par>
+                  <p:par>
+                    <p:cTn id="11" fill="hold">
+                      <p:stCondLst>
+                        <p:cond delay="indefinite"/>
+                      </p:stCondLst>
+                      <p:childTnLst>
+                        <p:par>
+                          <p:cTn id="12" fill="hold">
+                            <p:stCondLst>
+                              <p:cond delay="0"/>
+                            </p:stCondLst>
+                            <p:childTnLst>
+                              <p:par>
+                                <p:cTn id="13" presetID="1" presetClass="entr" presetSubtype="0" fill="hold" grpId="0" nodeType="clickEffect">
+                                  <p:stCondLst>
+                                    <p:cond delay="0"/>
+                                  </p:stCondLst>
+                                  <p:childTnLst>
+                                    <p:set>
+                                      <p:cBhvr>
+                                        <p:cTn id="14" dur="1" fill="hold">
+                                          <p:stCondLst>
+                                            <p:cond delay="0"/>
+                                          </p:stCondLst>
+                                        </p:cTn>
+                                        <p:tgtEl>
+                                          <p:spTgt spid="3">
+                                            <p:txEl>
+                                              <p:pRg st="2" end="2"/>
+                                            </p:txEl>
+                                          </p:spTgt>
+                                        </p:tgtEl>
+                                        <p:attrNameLst>
+                                          <p:attrName>style.visibility</p:attrName>
+                                        </p:attrNameLst>
+                                      </p:cBhvr>
+                                      <p:to>
+                                        <p:strVal val="visible"/>
+                                      </p:to>
+                                    </p:set>
+                                  </p:childTnLst>
+                                </p:cTn>
+                              </p:par>
+                            </p:childTnLst>
+                          </p:cTn>
+                        </p:par>
+                      </p:childTnLst>
+                    </p:cTn>
+                  </p:par>
+                  <p:par>
+                    <p:cTn id="15" fill="hold">
+                      <p:stCondLst>
+                        <p:cond delay="indefinite"/>
+                      </p:stCondLst>
+                      <p:childTnLst>
+                        <p:par>
+                          <p:cTn id="16" fill="hold">
+                            <p:stCondLst>
+                              <p:cond delay="0"/>
+                            </p:stCondLst>
+                            <p:childTnLst>
+                              <p:par>
+                                <p:cTn id="17" presetID="1" presetClass="entr" presetSubtype="0" fill="hold" grpId="0" nodeType="clickEffect">
+                                  <p:stCondLst>
+                                    <p:cond delay="0"/>
+                                  </p:stCondLst>
+                                  <p:childTnLst>
+                                    <p:set>
+                                      <p:cBhvr>
+                                        <p:cTn id="18" dur="1" fill="hold">
+                                          <p:stCondLst>
+                                            <p:cond delay="0"/>
+                                          </p:stCondLst>
+                                        </p:cTn>
+                                        <p:tgtEl>
+                                          <p:spTgt spid="3">
+                                            <p:txEl>
+                                              <p:pRg st="3" end="3"/>
+                                            </p:txEl>
+                                          </p:spTgt>
+                                        </p:tgtEl>
+                                        <p:attrNameLst>
+                                          <p:attrName>style.visibility</p:attrName>
+                                        </p:attrNameLst>
+                                      </p:cBhvr>
+                                      <p:to>
+                                        <p:strVal val="visible"/>
+                                      </p:to>
+                                    </p:set>
+                                  </p:childTnLst>
+                                </p:cTn>
+                              </p:par>
+                            </p:childTnLst>
+                          </p:cTn>
+                        </p:par>
+                      </p:childTnLst>
+                    </p:cTn>
+                  </p:par>
+                </p:childTnLst>
+              </p:cTn>
+              <p:prevCondLst>
+                <p:cond evt="onPrev" delay="0">
+                  <p:tgtEl>
+                    <p:sldTgt/>
+                  </p:tgtEl>
+                </p:cond>
+              </p:prevCondLst>
+              <p:nextCondLst>
+                <p:cond evt="onNext" delay="0">
+                  <p:tgtEl>
+                    <p:sldTgt/>
+                  </p:tgtEl>
+                </p:cond>
+              </p:nextCondLst>
+            </p:seq>
+          </p:childTnLst>
+        </p:cTn>
+      </p:par>
+    </p:tnLst>
+    <p:bldLst>
+      <p:bldP spid="3" grpId="0" build="p"/>
+    </p:bldLst>
   </p:timing>
 </p:sld>
 </file>

--- a/20151202/Einführung20151202.pptx
+++ b/20151202/Einführung20151202.pptx
@@ -25,18 +25,18 @@
     <p:sldId id="302" r:id="rId16"/>
     <p:sldId id="305" r:id="rId17"/>
     <p:sldId id="291" r:id="rId18"/>
-    <p:sldId id="287" r:id="rId19"/>
-    <p:sldId id="285" r:id="rId20"/>
-    <p:sldId id="260" r:id="rId21"/>
-    <p:sldId id="293" r:id="rId22"/>
-    <p:sldId id="261" r:id="rId23"/>
-    <p:sldId id="263" r:id="rId24"/>
-    <p:sldId id="294" r:id="rId25"/>
-    <p:sldId id="306" r:id="rId26"/>
-    <p:sldId id="267" r:id="rId27"/>
-    <p:sldId id="268" r:id="rId28"/>
-    <p:sldId id="307" r:id="rId29"/>
-    <p:sldId id="308" r:id="rId30"/>
+    <p:sldId id="260" r:id="rId19"/>
+    <p:sldId id="293" r:id="rId20"/>
+    <p:sldId id="287" r:id="rId21"/>
+    <p:sldId id="307" r:id="rId22"/>
+    <p:sldId id="308" r:id="rId23"/>
+    <p:sldId id="261" r:id="rId24"/>
+    <p:sldId id="285" r:id="rId25"/>
+    <p:sldId id="263" r:id="rId26"/>
+    <p:sldId id="294" r:id="rId27"/>
+    <p:sldId id="306" r:id="rId28"/>
+    <p:sldId id="267" r:id="rId29"/>
+    <p:sldId id="268" r:id="rId30"/>
   </p:sldIdLst>
   <p:sldSz cx="9144000" cy="6858000" type="screen4x3"/>
   <p:notesSz cx="6858000" cy="9144000"/>
@@ -137,7 +137,7 @@
   </p:defaultTextStyle>
   <p:extLst>
     <p:ext uri="{EFAFB233-063F-42B5-8137-9DF3F51BA10A}">
-      <p15:sldGuideLst xmlns:p15="http://schemas.microsoft.com/office/powerpoint/2012/main" xmlns="">
+      <p15:sldGuideLst xmlns="" xmlns:p15="http://schemas.microsoft.com/office/powerpoint/2012/main">
         <p15:guide id="1" orient="horz" pos="2160">
           <p15:clr>
             <a:srgbClr val="A4A3A4"/>
@@ -236,7 +236,7 @@
           <a:p>
             <a:fld id="{8583A242-7230-4070-B2AF-A33EB304C08D}" type="datetimeFigureOut">
               <a:rPr lang="en-US" smtClean="0"/>
-              <a:t>12/1/2015</a:t>
+              <a:t>12/2/2015</a:t>
             </a:fld>
             <a:endParaRPr lang="en-US"/>
           </a:p>
@@ -921,6 +921,23 @@
               <a:rPr lang="de-DE" baseline="0" dirty="0" smtClean="0"/>
               <a:t>)</a:t>
             </a:r>
+          </a:p>
+          <a:p>
+            <a:endParaRPr lang="de-DE" baseline="0" dirty="0" smtClean="0"/>
+          </a:p>
+          <a:p>
+            <a:r>
+              <a:rPr lang="de-DE" baseline="0" dirty="0" smtClean="0"/>
+              <a:t>Reine Funktionen haben keine Nebenwirkung und sind daher „beherrschbarer“.  Das Geheimnis ist es soviel wie möglich vom eignen Code als Pure </a:t>
+            </a:r>
+            <a:r>
+              <a:rPr lang="de-DE" baseline="0" dirty="0" err="1" smtClean="0"/>
+              <a:t>Funktions</a:t>
+            </a:r>
+            <a:r>
+              <a:rPr lang="de-DE" baseline="0" dirty="0" smtClean="0"/>
+              <a:t> darzustellen</a:t>
+            </a:r>
             <a:endParaRPr lang="de-DE" baseline="0" dirty="0" smtClean="0"/>
           </a:p>
           <a:p>
@@ -1026,8 +1043,123 @@
               <a:defRPr/>
             </a:pPr>
             <a:r>
-              <a:rPr lang="de-DE" dirty="0" smtClean="0"/>
-              <a:t>Keine Variablen: (Slot im Speicher wo ich etwas pushen und poppen kann). </a:t>
+              <a:rPr lang="de-DE" dirty="0" err="1" smtClean="0"/>
+              <a:t>Immutability</a:t>
+            </a:r>
+            <a:endParaRPr lang="de-DE" dirty="0" smtClean="0"/>
+          </a:p>
+          <a:p>
+            <a:pPr marL="0" marR="0" indent="0" algn="l" defTabSz="914400" rtl="0" eaLnBrk="1" fontAlgn="auto" latinLnBrk="0" hangingPunct="1">
+              <a:lnSpc>
+                <a:spcPct val="100000"/>
+              </a:lnSpc>
+              <a:spcBef>
+                <a:spcPts val="0"/>
+              </a:spcBef>
+              <a:spcAft>
+                <a:spcPts val="0"/>
+              </a:spcAft>
+              <a:buClrTx/>
+              <a:buSzTx/>
+              <a:buFontTx/>
+              <a:buNone/>
+              <a:tabLst/>
+              <a:defRPr/>
+            </a:pPr>
+            <a:endParaRPr lang="de-DE" dirty="0" smtClean="0"/>
+          </a:p>
+          <a:p>
+            <a:pPr marL="0" marR="0" indent="0" algn="l" defTabSz="914400" rtl="0" eaLnBrk="1" fontAlgn="auto" latinLnBrk="0" hangingPunct="1">
+              <a:lnSpc>
+                <a:spcPct val="100000"/>
+              </a:lnSpc>
+              <a:spcBef>
+                <a:spcPts val="0"/>
+              </a:spcBef>
+              <a:spcAft>
+                <a:spcPts val="0"/>
+              </a:spcAft>
+              <a:buClrTx/>
+              <a:buSzTx/>
+              <a:buFontTx/>
+              <a:buNone/>
+              <a:tabLst/>
+              <a:defRPr/>
+            </a:pPr>
+            <a:r>
+              <a:rPr lang="de-DE" dirty="0" smtClean="0"/>
+              <a:t>Keine </a:t>
+            </a:r>
+            <a:r>
+              <a:rPr lang="de-DE" dirty="0" smtClean="0"/>
+              <a:t>Variablen: (Slot im Speicher wo ich etwas pushen und poppen kann). </a:t>
+            </a:r>
+          </a:p>
+          <a:p>
+            <a:pPr marL="0" marR="0" indent="0" algn="l" defTabSz="914400" rtl="0" eaLnBrk="1" fontAlgn="auto" latinLnBrk="0" hangingPunct="1">
+              <a:lnSpc>
+                <a:spcPct val="100000"/>
+              </a:lnSpc>
+              <a:spcBef>
+                <a:spcPts val="0"/>
+              </a:spcBef>
+              <a:spcAft>
+                <a:spcPts val="0"/>
+              </a:spcAft>
+              <a:buClrTx/>
+              <a:buSzTx/>
+              <a:buFontTx/>
+              <a:buNone/>
+              <a:tabLst/>
+              <a:defRPr/>
+            </a:pPr>
+            <a:endParaRPr lang="de-DE" dirty="0" smtClean="0"/>
+          </a:p>
+          <a:p>
+            <a:pPr marL="0" marR="0" indent="0" algn="l" defTabSz="914400" rtl="0" eaLnBrk="1" fontAlgn="auto" latinLnBrk="0" hangingPunct="1">
+              <a:lnSpc>
+                <a:spcPct val="100000"/>
+              </a:lnSpc>
+              <a:spcBef>
+                <a:spcPts val="0"/>
+              </a:spcBef>
+              <a:spcAft>
+                <a:spcPts val="0"/>
+              </a:spcAft>
+              <a:buClrTx/>
+              <a:buSzTx/>
+              <a:buFontTx/>
+              <a:buNone/>
+              <a:tabLst/>
+              <a:defRPr/>
+            </a:pPr>
+            <a:r>
+              <a:rPr lang="de-DE" baseline="0" dirty="0" smtClean="0"/>
+              <a:t>Simple </a:t>
+            </a:r>
+            <a:r>
+              <a:rPr lang="de-DE" baseline="0" dirty="0" err="1" smtClean="0"/>
+              <a:t>to</a:t>
+            </a:r>
+            <a:r>
+              <a:rPr lang="de-DE" baseline="0" dirty="0" smtClean="0"/>
+              <a:t> </a:t>
+            </a:r>
+            <a:r>
+              <a:rPr lang="de-DE" baseline="0" dirty="0" err="1" smtClean="0"/>
+              <a:t>reason</a:t>
+            </a:r>
+            <a:r>
+              <a:rPr lang="de-DE" baseline="0" dirty="0" smtClean="0"/>
+              <a:t> </a:t>
+            </a:r>
+            <a:r>
+              <a:rPr lang="de-DE" baseline="0" dirty="0" err="1" smtClean="0"/>
+              <a:t>about</a:t>
+            </a:r>
+            <a:r>
+              <a:rPr lang="de-DE" baseline="0" dirty="0" smtClean="0"/>
+              <a:t>. Die Frage „Wann hat sich der Wert geändert?“ stellt sich gar nicht mehr, der Wert kann nur zugewiesen werden</a:t>
             </a:r>
           </a:p>
           <a:p>
@@ -1531,7 +1663,49 @@
             </a:r>
             <a:r>
               <a:rPr lang="de-DE" baseline="0" dirty="0" smtClean="0"/>
-              <a:t> davon noch </a:t>
+              <a:t> davon </a:t>
+            </a:r>
+            <a:r>
+              <a:rPr lang="de-DE" baseline="0" dirty="0" smtClean="0"/>
+              <a:t>noch, bleibt jedoch hinter F# für erste da in C# die </a:t>
+            </a:r>
+            <a:r>
+              <a:rPr lang="de-DE" baseline="0" dirty="0" err="1" smtClean="0"/>
+              <a:t>Backward</a:t>
+            </a:r>
+            <a:r>
+              <a:rPr lang="de-DE" baseline="0" dirty="0" smtClean="0"/>
+              <a:t> </a:t>
+            </a:r>
+            <a:r>
+              <a:rPr lang="de-DE" baseline="0" dirty="0" err="1" smtClean="0"/>
+              <a:t>Compatibility</a:t>
+            </a:r>
+            <a:r>
+              <a:rPr lang="de-DE" baseline="0" dirty="0" smtClean="0"/>
+              <a:t> </a:t>
+            </a:r>
+            <a:r>
+              <a:rPr lang="de-DE" baseline="0" dirty="0" err="1" smtClean="0"/>
+              <a:t>überste</a:t>
+            </a:r>
+            <a:r>
+              <a:rPr lang="de-DE" baseline="0" dirty="0" smtClean="0"/>
+              <a:t> Priorität ist.</a:t>
+            </a:r>
+          </a:p>
+          <a:p>
+            <a:r>
+              <a:rPr lang="de-DE" baseline="0" dirty="0" smtClean="0"/>
+              <a:t>Manches (Exhaustivness) wird wahrscheinlich in C# so nicht vorhanden sein (Neben andere schöne Sachen wie Type Provider und </a:t>
+            </a:r>
+            <a:r>
+              <a:rPr lang="de-DE" baseline="0" dirty="0" err="1" smtClean="0"/>
+              <a:t>Measure</a:t>
+            </a:r>
+            <a:r>
+              <a:rPr lang="de-DE" baseline="0" dirty="0" smtClean="0"/>
+              <a:t>)</a:t>
             </a:r>
             <a:endParaRPr lang="de-DE" dirty="0"/>
           </a:p>
@@ -1744,7 +1918,31 @@
           <a:p>
             <a:r>
               <a:rPr lang="de-DE" dirty="0" smtClean="0"/>
-              <a:t>Typ &lt;&gt; Klasse: Kein Verhalten,</a:t>
+              <a:t>ADT</a:t>
+            </a:r>
+          </a:p>
+          <a:p>
+            <a:endParaRPr lang="de-DE" dirty="0" smtClean="0"/>
+          </a:p>
+          <a:p>
+            <a:r>
+              <a:rPr lang="de-DE" dirty="0" smtClean="0"/>
+              <a:t>Typ </a:t>
+            </a:r>
+            <a:r>
+              <a:rPr lang="de-DE" dirty="0" smtClean="0"/>
+              <a:t>&lt;&gt; Klasse: </a:t>
+            </a:r>
+            <a:endParaRPr lang="de-DE" dirty="0" smtClean="0"/>
+          </a:p>
+          <a:p>
+            <a:r>
+              <a:rPr lang="de-DE" dirty="0" smtClean="0"/>
+              <a:t>Kein </a:t>
+            </a:r>
+            <a:r>
+              <a:rPr lang="de-DE" dirty="0" smtClean="0"/>
+              <a:t>Verhalten,</a:t>
             </a:r>
             <a:r>
               <a:rPr lang="de-DE" baseline="0" dirty="0" smtClean="0"/>
@@ -1771,147 +1969,22 @@
             <a:endParaRPr lang="de-DE" baseline="0" dirty="0" smtClean="0"/>
           </a:p>
           <a:p>
+            <a:pPr marL="0" indent="0">
+              <a:buFontTx/>
+              <a:buNone/>
+            </a:pPr>
+            <a:endParaRPr lang="de-DE" baseline="0" dirty="0" smtClean="0"/>
+          </a:p>
+          <a:p>
+            <a:pPr marL="0" indent="0">
+              <a:buFontTx/>
+              <a:buNone/>
+            </a:pPr>
             <a:r>
               <a:rPr lang="de-DE" baseline="0" dirty="0" smtClean="0"/>
-              <a:t>type Name = { Vor : </a:t>
-            </a:r>
-            <a:r>
-              <a:rPr lang="de-DE" baseline="0" dirty="0" err="1" smtClean="0"/>
-              <a:t>string</a:t>
-            </a:r>
-            <a:r>
-              <a:rPr lang="de-DE" baseline="0" dirty="0" smtClean="0"/>
-              <a:t>; Nach : </a:t>
-            </a:r>
-            <a:r>
-              <a:rPr lang="de-DE" baseline="0" dirty="0" err="1" smtClean="0"/>
-              <a:t>string</a:t>
-            </a:r>
-            <a:r>
-              <a:rPr lang="de-DE" baseline="0" dirty="0" smtClean="0"/>
-              <a:t>; }</a:t>
-            </a:r>
-          </a:p>
-          <a:p>
-            <a:r>
-              <a:rPr lang="de-DE" baseline="0" dirty="0" smtClean="0"/>
-              <a:t>type Name‘ = { Name : Name; Title : </a:t>
-            </a:r>
-            <a:r>
-              <a:rPr lang="de-DE" baseline="0" dirty="0" err="1" smtClean="0"/>
-              <a:t>string</a:t>
-            </a:r>
-            <a:r>
-              <a:rPr lang="de-DE" baseline="0" dirty="0" smtClean="0"/>
-              <a:t>; Zusatz : </a:t>
-            </a:r>
-            <a:r>
-              <a:rPr lang="de-DE" baseline="0" dirty="0" err="1" smtClean="0"/>
-              <a:t>string</a:t>
-            </a:r>
-            <a:r>
-              <a:rPr lang="de-DE" baseline="0" dirty="0" smtClean="0"/>
-              <a:t>; }</a:t>
-            </a:r>
-          </a:p>
-          <a:p>
+              <a:t>Komposition: aus klein mach groß und dann großer</a:t>
+            </a:r>
             <a:endParaRPr lang="de-DE" baseline="0" dirty="0" smtClean="0"/>
-          </a:p>
-          <a:p>
-            <a:r>
-              <a:rPr lang="de-DE" baseline="0" dirty="0" err="1" smtClean="0"/>
-              <a:t>Immutability</a:t>
-            </a:r>
-            <a:r>
-              <a:rPr lang="de-DE" baseline="0" dirty="0" smtClean="0"/>
-              <a:t>. Grundsätzlich: Es gibt keine Variablen (Slot im Speicher wo ich etwas pushen und poppen kann). Einmal zugewiesen, bleibt es da für immer! Zwei Vorteile:</a:t>
-            </a:r>
-          </a:p>
-          <a:p>
-            <a:pPr marL="171450" indent="-171450">
-              <a:buFontTx/>
-              <a:buChar char="-"/>
-            </a:pPr>
-            <a:r>
-              <a:rPr lang="de-DE" baseline="0" dirty="0" smtClean="0"/>
-              <a:t>Simple </a:t>
-            </a:r>
-            <a:r>
-              <a:rPr lang="de-DE" baseline="0" dirty="0" err="1" smtClean="0"/>
-              <a:t>to</a:t>
-            </a:r>
-            <a:r>
-              <a:rPr lang="de-DE" baseline="0" dirty="0" smtClean="0"/>
-              <a:t> </a:t>
-            </a:r>
-            <a:r>
-              <a:rPr lang="de-DE" baseline="0" dirty="0" err="1" smtClean="0"/>
-              <a:t>reason</a:t>
-            </a:r>
-            <a:r>
-              <a:rPr lang="de-DE" baseline="0" dirty="0" smtClean="0"/>
-              <a:t> </a:t>
-            </a:r>
-            <a:r>
-              <a:rPr lang="de-DE" baseline="0" dirty="0" err="1" smtClean="0"/>
-              <a:t>about</a:t>
-            </a:r>
-            <a:r>
-              <a:rPr lang="de-DE" baseline="0" dirty="0" smtClean="0"/>
-              <a:t>. Die Frage „Wann hat sich der Wert geändert?“ stellt sich gar nicht mehr, der Wert kann nur zugewiesen werden</a:t>
-            </a:r>
-          </a:p>
-          <a:p>
-            <a:pPr marL="171450" indent="-171450">
-              <a:buFontTx/>
-              <a:buChar char="-"/>
-            </a:pPr>
-            <a:r>
-              <a:rPr lang="de-DE" baseline="0" dirty="0" smtClean="0"/>
-              <a:t>Multi Core </a:t>
-            </a:r>
-            <a:r>
-              <a:rPr lang="de-DE" baseline="0" dirty="0" err="1" smtClean="0"/>
-              <a:t>ready</a:t>
-            </a:r>
-            <a:r>
-              <a:rPr lang="de-DE" baseline="0" dirty="0" smtClean="0"/>
-              <a:t>: Kein </a:t>
-            </a:r>
-            <a:r>
-              <a:rPr lang="de-DE" baseline="0" dirty="0" err="1" smtClean="0"/>
-              <a:t>Mutex</a:t>
-            </a:r>
-            <a:r>
-              <a:rPr lang="de-DE" baseline="0" dirty="0" smtClean="0"/>
-              <a:t>, kein Semaphore, kein Monitor!</a:t>
-            </a:r>
-          </a:p>
-          <a:p>
-            <a:pPr marL="171450" indent="-171450">
-              <a:buFontTx/>
-              <a:buChar char="-"/>
-            </a:pPr>
-            <a:r>
-              <a:rPr lang="de-DE" baseline="0" dirty="0" smtClean="0"/>
-              <a:t>Man muss State neudenken, besser neulernen, die FP Leute haben das schon gemacht. Und übrigens, </a:t>
-            </a:r>
-            <a:r>
-              <a:rPr lang="de-DE" baseline="0" dirty="0" err="1" smtClean="0"/>
-              <a:t>SmallTalk</a:t>
-            </a:r>
-            <a:r>
-              <a:rPr lang="de-DE" baseline="0" dirty="0" smtClean="0"/>
-              <a:t> war auch </a:t>
-            </a:r>
-            <a:r>
-              <a:rPr lang="de-DE" baseline="0" dirty="0" err="1" smtClean="0"/>
-              <a:t>immutable</a:t>
-            </a:r>
-            <a:r>
-              <a:rPr lang="de-DE" baseline="0" dirty="0" smtClean="0"/>
-              <a:t>, State war nur mittels eines Messaging Untersystem möglich.</a:t>
-            </a:r>
           </a:p>
           <a:p>
             <a:endParaRPr lang="de-DE" baseline="0" dirty="0" smtClean="0"/>
@@ -2001,418 +2074,48 @@
           <a:bodyPr/>
           <a:lstStyle/>
           <a:p>
-            <a:pPr marL="0" marR="0" indent="0" algn="l" defTabSz="914400" rtl="0" eaLnBrk="1" fontAlgn="auto" latinLnBrk="0" hangingPunct="1">
-              <a:lnSpc>
-                <a:spcPct val="100000"/>
-              </a:lnSpc>
-              <a:spcBef>
-                <a:spcPts val="0"/>
-              </a:spcBef>
-              <a:spcAft>
-                <a:spcPts val="0"/>
-              </a:spcAft>
-              <a:buClrTx/>
-              <a:buSzTx/>
-              <a:buFontTx/>
-              <a:buNone/>
-              <a:tabLst/>
-              <a:defRPr/>
-            </a:pPr>
-            <a:r>
-              <a:rPr lang="de-DE" dirty="0" smtClean="0"/>
-              <a:t>F# ist „</a:t>
-            </a:r>
-            <a:r>
-              <a:rPr lang="de-DE" dirty="0" err="1" smtClean="0"/>
-              <a:t>functional</a:t>
-            </a:r>
-            <a:r>
-              <a:rPr lang="de-DE" dirty="0" smtClean="0"/>
-              <a:t> </a:t>
-            </a:r>
-            <a:r>
-              <a:rPr lang="de-DE" dirty="0" err="1" smtClean="0"/>
-              <a:t>first</a:t>
-            </a:r>
-            <a:r>
-              <a:rPr lang="de-DE" dirty="0" smtClean="0"/>
-              <a:t>“, die Konstrukte der IL, der OO Welt und die gesamte .net Bibliothek stehen mir weiterhin zur</a:t>
+            <a:r>
+              <a:rPr lang="de-DE" dirty="0" smtClean="0"/>
+              <a:t>Annotation</a:t>
+            </a:r>
+            <a:r>
+              <a:rPr lang="de-DE" dirty="0" smtClean="0"/>
+              <a:t>: entweder tut der Programmierer dies oder,</a:t>
             </a:r>
             <a:r>
               <a:rPr lang="de-DE" baseline="0" dirty="0" smtClean="0"/>
-              <a:t> Verfügung in F#. </a:t>
+              <a:t> im Falle von F#, das Type </a:t>
             </a:r>
             <a:r>
               <a:rPr lang="de-DE" baseline="0" dirty="0" err="1" smtClean="0"/>
-              <a:t>Interoperability</a:t>
+              <a:t>inference</a:t>
+            </a:r>
+            <a:endParaRPr lang="de-DE" baseline="0" dirty="0" smtClean="0"/>
+          </a:p>
+          <a:p>
+            <a:endParaRPr lang="de-DE" dirty="0" smtClean="0"/>
+          </a:p>
+          <a:p>
+            <a:r>
+              <a:rPr lang="de-DE" dirty="0" smtClean="0"/>
+              <a:t>Mehr Reden,</a:t>
             </a:r>
             <a:r>
               <a:rPr lang="de-DE" baseline="0" dirty="0" smtClean="0"/>
-              <a:t> ist </a:t>
-            </a:r>
-            <a:r>
-              <a:rPr lang="de-DE" baseline="0" dirty="0" err="1" smtClean="0"/>
-              <a:t>ebefalls</a:t>
+              <a:t> oder gar nur die nächste Folie zeigen und diesen Text als Notiz </a:t>
             </a:r>
             <a:r>
               <a:rPr lang="de-DE" baseline="0" dirty="0" smtClean="0"/>
-              <a:t> gewährleistet, hierfür gibt es Handbücher und viele Beispiele</a:t>
-            </a:r>
-          </a:p>
-          <a:p>
-            <a:pPr marL="0" marR="0" indent="0" algn="l" defTabSz="914400" rtl="0" eaLnBrk="1" fontAlgn="auto" latinLnBrk="0" hangingPunct="1">
-              <a:lnSpc>
-                <a:spcPct val="100000"/>
-              </a:lnSpc>
-              <a:spcBef>
-                <a:spcPts val="0"/>
-              </a:spcBef>
-              <a:spcAft>
-                <a:spcPts val="0"/>
-              </a:spcAft>
-              <a:buClrTx/>
-              <a:buSzTx/>
-              <a:buFontTx/>
-              <a:buNone/>
-              <a:tabLst/>
-              <a:defRPr/>
-            </a:pPr>
+              <a:t>verwenden</a:t>
+            </a:r>
+          </a:p>
+          <a:p>
             <a:endParaRPr lang="de-DE" baseline="0" dirty="0" smtClean="0"/>
           </a:p>
           <a:p>
-            <a:pPr marL="0" marR="0" indent="0" algn="l" defTabSz="914400" rtl="0" eaLnBrk="1" fontAlgn="auto" latinLnBrk="0" hangingPunct="1">
-              <a:lnSpc>
-                <a:spcPct val="100000"/>
-              </a:lnSpc>
-              <a:spcBef>
-                <a:spcPts val="0"/>
-              </a:spcBef>
-              <a:spcAft>
-                <a:spcPts val="0"/>
-              </a:spcAft>
-              <a:buClrTx/>
-              <a:buSzTx/>
-              <a:buFontTx/>
-              <a:buNone/>
-              <a:tabLst/>
-              <a:defRPr/>
-            </a:pPr>
-            <a:r>
-              <a:rPr lang="de-DE" baseline="0" dirty="0" smtClean="0"/>
-              <a:t>ML ist die Muttersprache von F# und </a:t>
-            </a:r>
-            <a:r>
-              <a:rPr lang="de-DE" baseline="0" dirty="0" err="1" smtClean="0"/>
-              <a:t>OCaml</a:t>
-            </a:r>
             <a:endParaRPr lang="de-DE" baseline="0" dirty="0" smtClean="0"/>
           </a:p>
           <a:p>
-            <a:pPr marL="0" marR="0" indent="0" algn="l" defTabSz="914400" rtl="0" eaLnBrk="1" fontAlgn="auto" latinLnBrk="0" hangingPunct="1">
-              <a:lnSpc>
-                <a:spcPct val="100000"/>
-              </a:lnSpc>
-              <a:spcBef>
-                <a:spcPts val="0"/>
-              </a:spcBef>
-              <a:spcAft>
-                <a:spcPts val="0"/>
-              </a:spcAft>
-              <a:buClrTx/>
-              <a:buSzTx/>
-              <a:buFontTx/>
-              <a:buNone/>
-              <a:tabLst/>
-              <a:defRPr/>
-            </a:pPr>
-            <a:endParaRPr lang="de-DE" baseline="0" dirty="0" smtClean="0"/>
-          </a:p>
-          <a:p>
-            <a:pPr marL="0" marR="0" indent="0" algn="l" defTabSz="914400" rtl="0" eaLnBrk="1" fontAlgn="auto" latinLnBrk="0" hangingPunct="1">
-              <a:lnSpc>
-                <a:spcPct val="100000"/>
-              </a:lnSpc>
-              <a:spcBef>
-                <a:spcPts val="0"/>
-              </a:spcBef>
-              <a:spcAft>
-                <a:spcPts val="0"/>
-              </a:spcAft>
-              <a:buClrTx/>
-              <a:buSzTx/>
-              <a:buFontTx/>
-              <a:buNone/>
-              <a:tabLst/>
-              <a:defRPr/>
-            </a:pPr>
-            <a:r>
-              <a:rPr lang="de-DE" baseline="0" dirty="0" smtClean="0"/>
-              <a:t>Stärker betonen, dass (sobald funktionale Konstrukte in der Sprache bereitstehen), diese den Code vereinfachen können</a:t>
-            </a:r>
-          </a:p>
-          <a:p>
-            <a:pPr marL="0" marR="0" indent="0" algn="l" defTabSz="914400" rtl="0" eaLnBrk="1" fontAlgn="auto" latinLnBrk="0" hangingPunct="1">
-              <a:lnSpc>
-                <a:spcPct val="100000"/>
-              </a:lnSpc>
-              <a:spcBef>
-                <a:spcPts val="0"/>
-              </a:spcBef>
-              <a:spcAft>
-                <a:spcPts val="0"/>
-              </a:spcAft>
-              <a:buClrTx/>
-              <a:buSzTx/>
-              <a:buFontTx/>
-              <a:buNone/>
-              <a:tabLst/>
-              <a:defRPr/>
-            </a:pPr>
-            <a:endParaRPr lang="de-DE" baseline="0" dirty="0" smtClean="0"/>
-          </a:p>
-          <a:p>
-            <a:pPr marL="0" marR="0" indent="0" algn="l" defTabSz="914400" rtl="0" eaLnBrk="1" fontAlgn="auto" latinLnBrk="0" hangingPunct="1">
-              <a:lnSpc>
-                <a:spcPct val="100000"/>
-              </a:lnSpc>
-              <a:spcBef>
-                <a:spcPts val="0"/>
-              </a:spcBef>
-              <a:spcAft>
-                <a:spcPts val="0"/>
-              </a:spcAft>
-              <a:buClrTx/>
-              <a:buSzTx/>
-              <a:buFontTx/>
-              <a:buNone/>
-              <a:tabLst/>
-              <a:defRPr/>
-            </a:pPr>
-            <a:r>
-              <a:rPr lang="de-DE" baseline="0" dirty="0" smtClean="0"/>
-              <a:t>Direkt die Frage beantworten – Warum FP? -&gt; </a:t>
-            </a:r>
-            <a:r>
-              <a:rPr lang="de-DE" baseline="0" dirty="0" err="1" smtClean="0"/>
-              <a:t>Immutability</a:t>
-            </a:r>
-            <a:r>
-              <a:rPr lang="de-DE" baseline="0" dirty="0" smtClean="0"/>
-              <a:t>, Making invalid </a:t>
-            </a:r>
-            <a:r>
-              <a:rPr lang="de-DE" baseline="0" dirty="0" err="1" smtClean="0"/>
-              <a:t>state</a:t>
-            </a:r>
-            <a:r>
-              <a:rPr lang="de-DE" baseline="0" dirty="0" smtClean="0"/>
-              <a:t> </a:t>
-            </a:r>
-            <a:r>
-              <a:rPr lang="de-DE" baseline="0" dirty="0" err="1" smtClean="0"/>
-              <a:t>un-representable</a:t>
-            </a:r>
-            <a:r>
-              <a:rPr lang="de-DE" baseline="0" dirty="0" smtClean="0"/>
-              <a:t> (Muss ich mir für das Beispiel mit DDD aufheben!), high-oder </a:t>
-            </a:r>
-            <a:r>
-              <a:rPr lang="de-DE" baseline="0" dirty="0" err="1" smtClean="0"/>
-              <a:t>functions</a:t>
-            </a:r>
-            <a:r>
-              <a:rPr lang="de-DE" baseline="0" dirty="0" smtClean="0"/>
-              <a:t>, …</a:t>
-            </a:r>
-          </a:p>
-          <a:p>
-            <a:pPr marL="0" marR="0" indent="0" algn="l" defTabSz="914400" rtl="0" eaLnBrk="1" fontAlgn="auto" latinLnBrk="0" hangingPunct="1">
-              <a:lnSpc>
-                <a:spcPct val="100000"/>
-              </a:lnSpc>
-              <a:spcBef>
-                <a:spcPts val="0"/>
-              </a:spcBef>
-              <a:spcAft>
-                <a:spcPts val="0"/>
-              </a:spcAft>
-              <a:buClrTx/>
-              <a:buSzTx/>
-              <a:buFontTx/>
-              <a:buNone/>
-              <a:tabLst/>
-              <a:defRPr/>
-            </a:pPr>
-            <a:endParaRPr lang="de-DE" baseline="0" dirty="0" smtClean="0"/>
-          </a:p>
-          <a:p>
-            <a:pPr marL="0" marR="0" indent="0" algn="l" defTabSz="914400" rtl="0" eaLnBrk="1" fontAlgn="auto" latinLnBrk="0" hangingPunct="1">
-              <a:lnSpc>
-                <a:spcPct val="100000"/>
-              </a:lnSpc>
-              <a:spcBef>
-                <a:spcPts val="0"/>
-              </a:spcBef>
-              <a:spcAft>
-                <a:spcPts val="0"/>
-              </a:spcAft>
-              <a:buClrTx/>
-              <a:buSzTx/>
-              <a:buFontTx/>
-              <a:buNone/>
-              <a:tabLst/>
-              <a:defRPr/>
-            </a:pPr>
-            <a:r>
-              <a:rPr lang="de-DE" baseline="0" dirty="0" smtClean="0"/>
-              <a:t>Unterschiedliche Personengruppen haben unterschiedliche Sichten</a:t>
-            </a:r>
-          </a:p>
-          <a:p>
-            <a:pPr marL="171450" marR="0" indent="-171450" algn="l" defTabSz="914400" rtl="0" eaLnBrk="1" fontAlgn="auto" latinLnBrk="0" hangingPunct="1">
-              <a:lnSpc>
-                <a:spcPct val="100000"/>
-              </a:lnSpc>
-              <a:spcBef>
-                <a:spcPts val="0"/>
-              </a:spcBef>
-              <a:spcAft>
-                <a:spcPts val="0"/>
-              </a:spcAft>
-              <a:buClrTx/>
-              <a:buSzTx/>
-              <a:buFontTx/>
-              <a:buChar char="-"/>
-              <a:tabLst/>
-              <a:defRPr/>
-            </a:pPr>
-            <a:r>
-              <a:rPr lang="de-DE" baseline="0" dirty="0" smtClean="0"/>
-              <a:t>Manager: Schnellere, sicherere Entwicklung, geringere Kosten? (laut Yan Cui), geringe Einstiegshürden (Infrastruktur, VS)</a:t>
-            </a:r>
-          </a:p>
-          <a:p>
-            <a:pPr marL="171450" marR="0" indent="-171450" algn="l" defTabSz="914400" rtl="0" eaLnBrk="1" fontAlgn="auto" latinLnBrk="0" hangingPunct="1">
-              <a:lnSpc>
-                <a:spcPct val="100000"/>
-              </a:lnSpc>
-              <a:spcBef>
-                <a:spcPts val="0"/>
-              </a:spcBef>
-              <a:spcAft>
-                <a:spcPts val="0"/>
-              </a:spcAft>
-              <a:buClrTx/>
-              <a:buSzTx/>
-              <a:buFontTx/>
-              <a:buChar char="-"/>
-              <a:tabLst/>
-              <a:defRPr/>
-            </a:pPr>
-            <a:r>
-              <a:rPr lang="de-DE" baseline="0" dirty="0" smtClean="0"/>
-              <a:t>Programmierer: </a:t>
-            </a:r>
-          </a:p>
-          <a:p>
-            <a:pPr marL="628650" marR="0" lvl="1" indent="-171450" algn="l" defTabSz="914400" rtl="0" eaLnBrk="1" fontAlgn="auto" latinLnBrk="0" hangingPunct="1">
-              <a:lnSpc>
-                <a:spcPct val="100000"/>
-              </a:lnSpc>
-              <a:spcBef>
-                <a:spcPts val="0"/>
-              </a:spcBef>
-              <a:spcAft>
-                <a:spcPts val="0"/>
-              </a:spcAft>
-              <a:buClrTx/>
-              <a:buSzTx/>
-              <a:buFontTx/>
-              <a:buChar char="-"/>
-              <a:tabLst/>
-              <a:defRPr/>
-            </a:pPr>
-            <a:r>
-              <a:rPr lang="de-DE" baseline="0" dirty="0" smtClean="0"/>
-              <a:t>1. „Besser“ (Korrektheit, …) </a:t>
-            </a:r>
-            <a:r>
-              <a:rPr lang="de-DE" dirty="0" smtClean="0"/>
-              <a:t>IF IT COMPILES, IT IS LIKELY TO RUN! </a:t>
-            </a:r>
-            <a:r>
-              <a:rPr lang="de-DE" baseline="0" dirty="0" smtClean="0"/>
-              <a:t> </a:t>
-            </a:r>
-          </a:p>
-          <a:p>
-            <a:pPr marL="628650" marR="0" lvl="1" indent="-171450" algn="l" defTabSz="914400" rtl="0" eaLnBrk="1" fontAlgn="auto" latinLnBrk="0" hangingPunct="1">
-              <a:lnSpc>
-                <a:spcPct val="100000"/>
-              </a:lnSpc>
-              <a:spcBef>
-                <a:spcPts val="0"/>
-              </a:spcBef>
-              <a:spcAft>
-                <a:spcPts val="0"/>
-              </a:spcAft>
-              <a:buClrTx/>
-              <a:buSzTx/>
-              <a:buFontTx/>
-              <a:buChar char="-"/>
-              <a:tabLst/>
-              <a:defRPr/>
-            </a:pPr>
-            <a:r>
-              <a:rPr lang="de-DE" baseline="0" dirty="0" smtClean="0"/>
-              <a:t>2. Funktional muss man können  </a:t>
-            </a:r>
-          </a:p>
-          <a:p>
-            <a:pPr marL="628650" marR="0" lvl="1" indent="-171450" algn="l" defTabSz="914400" rtl="0" eaLnBrk="1" fontAlgn="auto" latinLnBrk="0" hangingPunct="1">
-              <a:lnSpc>
-                <a:spcPct val="100000"/>
-              </a:lnSpc>
-              <a:spcBef>
-                <a:spcPts val="0"/>
-              </a:spcBef>
-              <a:spcAft>
-                <a:spcPts val="0"/>
-              </a:spcAft>
-              <a:buClrTx/>
-              <a:buSzTx/>
-              <a:buFontTx/>
-              <a:buChar char="-"/>
-              <a:tabLst/>
-              <a:defRPr/>
-            </a:pPr>
-            <a:r>
-              <a:rPr lang="de-DE" baseline="0" dirty="0" smtClean="0"/>
-              <a:t>3. F# ist für .NET Entwickler ein guter Einstieg</a:t>
-            </a:r>
-          </a:p>
-          <a:p>
-            <a:pPr marL="171450" marR="0" indent="-171450" algn="l" defTabSz="914400" rtl="0" eaLnBrk="1" fontAlgn="auto" latinLnBrk="0" hangingPunct="1">
-              <a:lnSpc>
-                <a:spcPct val="100000"/>
-              </a:lnSpc>
-              <a:spcBef>
-                <a:spcPts val="0"/>
-              </a:spcBef>
-              <a:spcAft>
-                <a:spcPts val="0"/>
-              </a:spcAft>
-              <a:buClrTx/>
-              <a:buSzTx/>
-              <a:buFontTx/>
-              <a:buChar char="-"/>
-              <a:tabLst/>
-              <a:defRPr/>
-            </a:pPr>
-            <a:r>
-              <a:rPr lang="de-DE" baseline="0" dirty="0" smtClean="0"/>
-              <a:t>Modellierer: dazu kommen wir noch mit dem DDD Beispiel</a:t>
-            </a:r>
             <a:endParaRPr lang="de-DE" dirty="0" smtClean="0"/>
           </a:p>
         </p:txBody>
@@ -2443,7 +2146,7 @@
     </p:spTree>
     <p:extLst>
       <p:ext uri="{BB962C8B-B14F-4D97-AF65-F5344CB8AC3E}">
-        <p14:creationId xmlns:p14="http://schemas.microsoft.com/office/powerpoint/2010/main" val="3358926703"/>
+        <p14:creationId xmlns:p14="http://schemas.microsoft.com/office/powerpoint/2010/main" val="2102569733"/>
       </p:ext>
     </p:extLst>
   </p:cSld>
@@ -2472,7 +2175,7 @@
       </p:grpSpPr>
       <p:sp>
         <p:nvSpPr>
-          <p:cNvPr id="2" name="Folienbildplatzhalter 1"/>
+          <p:cNvPr id="2" name="Slide Image Placeholder 1"/>
           <p:cNvSpPr>
             <a:spLocks noGrp="1" noRot="1" noChangeAspect="1"/>
           </p:cNvSpPr>
@@ -2484,7 +2187,7 @@
       </p:sp>
       <p:sp>
         <p:nvSpPr>
-          <p:cNvPr id="3" name="Notizenplatzhalter 2"/>
+          <p:cNvPr id="3" name="Notes Placeholder 2"/>
           <p:cNvSpPr>
             <a:spLocks noGrp="1"/>
           </p:cNvSpPr>
@@ -2497,21 +2200,137 @@
           <a:bodyPr/>
           <a:lstStyle/>
           <a:p>
-            <a:r>
-              <a:rPr lang="de-DE" dirty="0" smtClean="0"/>
-              <a:t>Warum dieses Thema? Weil es überraschend viel</a:t>
-            </a:r>
-            <a:r>
-              <a:rPr lang="de-DE" baseline="0" dirty="0" smtClean="0"/>
-              <a:t> Nutzen brachte und weil es mit DDD gut zusammenpasst</a:t>
-            </a:r>
-            <a:endParaRPr lang="de-DE" dirty="0"/>
+            <a:pPr marL="0" marR="0" indent="0" algn="l" defTabSz="914400" rtl="0" eaLnBrk="1" fontAlgn="auto" latinLnBrk="0" hangingPunct="1">
+              <a:lnSpc>
+                <a:spcPct val="100000"/>
+              </a:lnSpc>
+              <a:spcBef>
+                <a:spcPts val="0"/>
+              </a:spcBef>
+              <a:spcAft>
+                <a:spcPts val="0"/>
+              </a:spcAft>
+              <a:buClrTx/>
+              <a:buSzTx/>
+              <a:buFontTx/>
+              <a:buNone/>
+              <a:tabLst/>
+              <a:defRPr/>
+            </a:pPr>
+            <a:r>
+              <a:rPr lang="de-DE" dirty="0" smtClean="0"/>
+              <a:t>Ist am besten erkennbar wenn man die Möglichkeiten einer schwachen Typisierung betrachtet</a:t>
+            </a:r>
+          </a:p>
+          <a:p>
+            <a:pPr marL="0" marR="0" indent="0" algn="l" defTabSz="914400" rtl="0" eaLnBrk="1" fontAlgn="auto" latinLnBrk="0" hangingPunct="1">
+              <a:lnSpc>
+                <a:spcPct val="100000"/>
+              </a:lnSpc>
+              <a:spcBef>
+                <a:spcPts val="0"/>
+              </a:spcBef>
+              <a:spcAft>
+                <a:spcPts val="0"/>
+              </a:spcAft>
+              <a:buClrTx/>
+              <a:buSzTx/>
+              <a:buFontTx/>
+              <a:buNone/>
+              <a:tabLst/>
+              <a:defRPr/>
+            </a:pPr>
+            <a:r>
+              <a:rPr lang="de-DE" dirty="0" smtClean="0"/>
+              <a:t>Copyright </a:t>
+            </a:r>
+            <a:r>
+              <a:rPr lang="en-US" sz="1200" b="1" i="0" kern="1200" dirty="0" err="1" smtClean="0">
+                <a:solidFill>
+                  <a:schemeClr val="tx1"/>
+                </a:solidFill>
+                <a:effectLst/>
+                <a:latin typeface="+mn-lt"/>
+                <a:ea typeface="+mn-ea"/>
+                <a:cs typeface="+mn-cs"/>
+              </a:rPr>
+              <a:t>Karlkim</a:t>
+            </a:r>
+            <a:r>
+              <a:rPr lang="en-US" sz="1200" b="1" i="0" kern="1200" dirty="0" smtClean="0">
+                <a:solidFill>
+                  <a:schemeClr val="tx1"/>
+                </a:solidFill>
+                <a:effectLst/>
+                <a:latin typeface="+mn-lt"/>
+                <a:ea typeface="+mn-ea"/>
+                <a:cs typeface="+mn-cs"/>
+              </a:rPr>
+              <a:t> </a:t>
+            </a:r>
+            <a:r>
+              <a:rPr lang="en-US" sz="1200" b="1" i="0" kern="1200" dirty="0" err="1" smtClean="0">
+                <a:solidFill>
+                  <a:schemeClr val="tx1"/>
+                </a:solidFill>
+                <a:effectLst/>
+                <a:latin typeface="+mn-lt"/>
+                <a:ea typeface="+mn-ea"/>
+                <a:cs typeface="+mn-cs"/>
+              </a:rPr>
+              <a:t>Suwanmongkol</a:t>
+            </a:r>
+            <a:r>
+              <a:rPr lang="en-US" sz="1200" b="1" i="0" kern="1200" dirty="0" smtClean="0">
+                <a:solidFill>
+                  <a:schemeClr val="tx1"/>
+                </a:solidFill>
+                <a:effectLst/>
+                <a:latin typeface="+mn-lt"/>
+                <a:ea typeface="+mn-ea"/>
+                <a:cs typeface="+mn-cs"/>
+              </a:rPr>
+              <a:t> (@</a:t>
+            </a:r>
+            <a:r>
+              <a:rPr lang="en-US" sz="1200" b="1" i="0" kern="1200" dirty="0" err="1" smtClean="0">
+                <a:solidFill>
+                  <a:schemeClr val="tx1"/>
+                </a:solidFill>
+                <a:effectLst/>
+                <a:latin typeface="+mn-lt"/>
+                <a:ea typeface="+mn-ea"/>
+                <a:cs typeface="+mn-cs"/>
+              </a:rPr>
+              <a:t>kimsk</a:t>
+            </a:r>
+            <a:r>
+              <a:rPr lang="en-US" sz="1200" b="1" i="0" kern="1200" dirty="0" smtClean="0">
+                <a:solidFill>
+                  <a:schemeClr val="tx1"/>
+                </a:solidFill>
+                <a:effectLst/>
+                <a:latin typeface="+mn-lt"/>
+                <a:ea typeface="+mn-ea"/>
+                <a:cs typeface="+mn-cs"/>
+              </a:rPr>
+              <a:t>) | Twitter</a:t>
+            </a:r>
+          </a:p>
+          <a:p>
+            <a:endParaRPr lang="de-DE" baseline="0" dirty="0" smtClean="0"/>
+          </a:p>
+          <a:p>
+            <a:endParaRPr lang="de-DE" baseline="0" dirty="0" smtClean="0"/>
+          </a:p>
+          <a:p>
+            <a:endParaRPr lang="en-US" dirty="0"/>
           </a:p>
         </p:txBody>
       </p:sp>
       <p:sp>
         <p:nvSpPr>
-          <p:cNvPr id="4" name="Foliennummernplatzhalter 3"/>
+          <p:cNvPr id="4" name="Slide Number Placeholder 3"/>
           <p:cNvSpPr>
             <a:spLocks noGrp="1"/>
           </p:cNvSpPr>
@@ -2535,7 +2354,7 @@
     </p:spTree>
     <p:extLst>
       <p:ext uri="{BB962C8B-B14F-4D97-AF65-F5344CB8AC3E}">
-        <p14:creationId xmlns:p14="http://schemas.microsoft.com/office/powerpoint/2010/main" val="3022985809"/>
+        <p14:creationId xmlns:p14="http://schemas.microsoft.com/office/powerpoint/2010/main" val="2102569733"/>
       </p:ext>
     </p:extLst>
   </p:cSld>
@@ -2589,31 +2408,417 @@
           <a:bodyPr/>
           <a:lstStyle/>
           <a:p>
-            <a:r>
-              <a:rPr lang="de-DE" dirty="0" smtClean="0"/>
-              <a:t>Annotation: entweder tut der Programmierer dies oder,</a:t>
+            <a:pPr marL="0" marR="0" indent="0" algn="l" defTabSz="914400" rtl="0" eaLnBrk="1" fontAlgn="auto" latinLnBrk="0" hangingPunct="1">
+              <a:lnSpc>
+                <a:spcPct val="100000"/>
+              </a:lnSpc>
+              <a:spcBef>
+                <a:spcPts val="0"/>
+              </a:spcBef>
+              <a:spcAft>
+                <a:spcPts val="0"/>
+              </a:spcAft>
+              <a:buClrTx/>
+              <a:buSzTx/>
+              <a:buFontTx/>
+              <a:buNone/>
+              <a:tabLst/>
+              <a:defRPr/>
+            </a:pPr>
+            <a:r>
+              <a:rPr lang="de-DE" dirty="0" smtClean="0"/>
+              <a:t>F# ist „</a:t>
+            </a:r>
+            <a:r>
+              <a:rPr lang="de-DE" dirty="0" err="1" smtClean="0"/>
+              <a:t>functional</a:t>
+            </a:r>
+            <a:r>
+              <a:rPr lang="de-DE" dirty="0" smtClean="0"/>
+              <a:t> </a:t>
+            </a:r>
+            <a:r>
+              <a:rPr lang="de-DE" dirty="0" err="1" smtClean="0"/>
+              <a:t>first</a:t>
+            </a:r>
+            <a:r>
+              <a:rPr lang="de-DE" dirty="0" smtClean="0"/>
+              <a:t>“, die Konstrukte der IL, der OO Welt und die gesamte .net Bibliothek stehen mir weiterhin zur</a:t>
             </a:r>
             <a:r>
               <a:rPr lang="de-DE" baseline="0" dirty="0" smtClean="0"/>
-              <a:t> im Falle von F#, das Type </a:t>
+              <a:t> Verfügung in F#. </a:t>
             </a:r>
             <a:r>
               <a:rPr lang="de-DE" baseline="0" dirty="0" err="1" smtClean="0"/>
-              <a:t>inference</a:t>
-            </a:r>
+              <a:t>Interoperability</a:t>
+            </a:r>
+            <a:r>
+              <a:rPr lang="de-DE" baseline="0" dirty="0" smtClean="0"/>
+              <a:t> ist </a:t>
+            </a:r>
+            <a:r>
+              <a:rPr lang="de-DE" baseline="0" dirty="0" err="1" smtClean="0"/>
+              <a:t>ebefalls</a:t>
+            </a:r>
+            <a:r>
+              <a:rPr lang="de-DE" baseline="0" dirty="0" smtClean="0"/>
+              <a:t> gewährleistet, hierfür gibt es Handbücher und viele Beispiele</a:t>
+            </a:r>
+          </a:p>
+          <a:p>
+            <a:pPr marL="0" marR="0" indent="0" algn="l" defTabSz="914400" rtl="0" eaLnBrk="1" fontAlgn="auto" latinLnBrk="0" hangingPunct="1">
+              <a:lnSpc>
+                <a:spcPct val="100000"/>
+              </a:lnSpc>
+              <a:spcBef>
+                <a:spcPts val="0"/>
+              </a:spcBef>
+              <a:spcAft>
+                <a:spcPts val="0"/>
+              </a:spcAft>
+              <a:buClrTx/>
+              <a:buSzTx/>
+              <a:buFontTx/>
+              <a:buNone/>
+              <a:tabLst/>
+              <a:defRPr/>
+            </a:pPr>
             <a:endParaRPr lang="de-DE" baseline="0" dirty="0" smtClean="0"/>
           </a:p>
           <a:p>
-            <a:endParaRPr lang="de-DE" dirty="0" smtClean="0"/>
-          </a:p>
-          <a:p>
-            <a:r>
-              <a:rPr lang="de-DE" dirty="0" smtClean="0"/>
-              <a:t>Mehr Reden,</a:t>
-            </a:r>
+            <a:pPr marL="0" marR="0" indent="0" algn="l" defTabSz="914400" rtl="0" eaLnBrk="1" fontAlgn="auto" latinLnBrk="0" hangingPunct="1">
+              <a:lnSpc>
+                <a:spcPct val="100000"/>
+              </a:lnSpc>
+              <a:spcBef>
+                <a:spcPts val="0"/>
+              </a:spcBef>
+              <a:spcAft>
+                <a:spcPts val="0"/>
+              </a:spcAft>
+              <a:buClrTx/>
+              <a:buSzTx/>
+              <a:buFontTx/>
+              <a:buNone/>
+              <a:tabLst/>
+              <a:defRPr/>
+            </a:pPr>
             <a:r>
               <a:rPr lang="de-DE" baseline="0" dirty="0" smtClean="0"/>
-              <a:t> oder gar nur die nächste Folie zeigen und diesen Text als Notiz verwenden</a:t>
+              <a:t>ML ist die Muttersprache von F# und </a:t>
+            </a:r>
+            <a:r>
+              <a:rPr lang="de-DE" baseline="0" dirty="0" err="1" smtClean="0"/>
+              <a:t>OCaml</a:t>
+            </a:r>
+            <a:endParaRPr lang="de-DE" baseline="0" dirty="0" smtClean="0"/>
+          </a:p>
+          <a:p>
+            <a:pPr marL="0" marR="0" indent="0" algn="l" defTabSz="914400" rtl="0" eaLnBrk="1" fontAlgn="auto" latinLnBrk="0" hangingPunct="1">
+              <a:lnSpc>
+                <a:spcPct val="100000"/>
+              </a:lnSpc>
+              <a:spcBef>
+                <a:spcPts val="0"/>
+              </a:spcBef>
+              <a:spcAft>
+                <a:spcPts val="0"/>
+              </a:spcAft>
+              <a:buClrTx/>
+              <a:buSzTx/>
+              <a:buFontTx/>
+              <a:buNone/>
+              <a:tabLst/>
+              <a:defRPr/>
+            </a:pPr>
+            <a:endParaRPr lang="de-DE" baseline="0" dirty="0" smtClean="0"/>
+          </a:p>
+          <a:p>
+            <a:pPr marL="0" marR="0" indent="0" algn="l" defTabSz="914400" rtl="0" eaLnBrk="1" fontAlgn="auto" latinLnBrk="0" hangingPunct="1">
+              <a:lnSpc>
+                <a:spcPct val="100000"/>
+              </a:lnSpc>
+              <a:spcBef>
+                <a:spcPts val="0"/>
+              </a:spcBef>
+              <a:spcAft>
+                <a:spcPts val="0"/>
+              </a:spcAft>
+              <a:buClrTx/>
+              <a:buSzTx/>
+              <a:buFontTx/>
+              <a:buNone/>
+              <a:tabLst/>
+              <a:defRPr/>
+            </a:pPr>
+            <a:r>
+              <a:rPr lang="de-DE" baseline="0" dirty="0" smtClean="0"/>
+              <a:t>Stärker betonen, dass (sobald funktionale Konstrukte in der Sprache bereitstehen), diese den Code vereinfachen können</a:t>
+            </a:r>
+          </a:p>
+          <a:p>
+            <a:pPr marL="0" marR="0" indent="0" algn="l" defTabSz="914400" rtl="0" eaLnBrk="1" fontAlgn="auto" latinLnBrk="0" hangingPunct="1">
+              <a:lnSpc>
+                <a:spcPct val="100000"/>
+              </a:lnSpc>
+              <a:spcBef>
+                <a:spcPts val="0"/>
+              </a:spcBef>
+              <a:spcAft>
+                <a:spcPts val="0"/>
+              </a:spcAft>
+              <a:buClrTx/>
+              <a:buSzTx/>
+              <a:buFontTx/>
+              <a:buNone/>
+              <a:tabLst/>
+              <a:defRPr/>
+            </a:pPr>
+            <a:endParaRPr lang="de-DE" baseline="0" dirty="0" smtClean="0"/>
+          </a:p>
+          <a:p>
+            <a:pPr marL="0" marR="0" indent="0" algn="l" defTabSz="914400" rtl="0" eaLnBrk="1" fontAlgn="auto" latinLnBrk="0" hangingPunct="1">
+              <a:lnSpc>
+                <a:spcPct val="100000"/>
+              </a:lnSpc>
+              <a:spcBef>
+                <a:spcPts val="0"/>
+              </a:spcBef>
+              <a:spcAft>
+                <a:spcPts val="0"/>
+              </a:spcAft>
+              <a:buClrTx/>
+              <a:buSzTx/>
+              <a:buFontTx/>
+              <a:buNone/>
+              <a:tabLst/>
+              <a:defRPr/>
+            </a:pPr>
+            <a:r>
+              <a:rPr lang="de-DE" baseline="0" dirty="0" smtClean="0"/>
+              <a:t>Direkt die Frage beantworten – Warum FP? -&gt; </a:t>
+            </a:r>
+            <a:r>
+              <a:rPr lang="de-DE" baseline="0" dirty="0" err="1" smtClean="0"/>
+              <a:t>Immutability</a:t>
+            </a:r>
+            <a:r>
+              <a:rPr lang="de-DE" baseline="0" dirty="0" smtClean="0"/>
+              <a:t>, Making invalid </a:t>
+            </a:r>
+            <a:r>
+              <a:rPr lang="de-DE" baseline="0" dirty="0" err="1" smtClean="0"/>
+              <a:t>state</a:t>
+            </a:r>
+            <a:r>
+              <a:rPr lang="de-DE" baseline="0" dirty="0" smtClean="0"/>
+              <a:t> </a:t>
+            </a:r>
+            <a:r>
+              <a:rPr lang="de-DE" baseline="0" dirty="0" err="1" smtClean="0"/>
+              <a:t>un-representable</a:t>
+            </a:r>
+            <a:r>
+              <a:rPr lang="de-DE" baseline="0" dirty="0" smtClean="0"/>
+              <a:t> (Muss ich mir für das Beispiel mit DDD aufheben!), high-oder </a:t>
+            </a:r>
+            <a:r>
+              <a:rPr lang="de-DE" baseline="0" dirty="0" err="1" smtClean="0"/>
+              <a:t>functions</a:t>
+            </a:r>
+            <a:r>
+              <a:rPr lang="de-DE" baseline="0" dirty="0" smtClean="0"/>
+              <a:t>, …</a:t>
+            </a:r>
+          </a:p>
+          <a:p>
+            <a:pPr marL="0" marR="0" indent="0" algn="l" defTabSz="914400" rtl="0" eaLnBrk="1" fontAlgn="auto" latinLnBrk="0" hangingPunct="1">
+              <a:lnSpc>
+                <a:spcPct val="100000"/>
+              </a:lnSpc>
+              <a:spcBef>
+                <a:spcPts val="0"/>
+              </a:spcBef>
+              <a:spcAft>
+                <a:spcPts val="0"/>
+              </a:spcAft>
+              <a:buClrTx/>
+              <a:buSzTx/>
+              <a:buFontTx/>
+              <a:buNone/>
+              <a:tabLst/>
+              <a:defRPr/>
+            </a:pPr>
+            <a:endParaRPr lang="de-DE" baseline="0" dirty="0" smtClean="0"/>
+          </a:p>
+          <a:p>
+            <a:pPr marL="0" marR="0" indent="0" algn="l" defTabSz="914400" rtl="0" eaLnBrk="1" fontAlgn="auto" latinLnBrk="0" hangingPunct="1">
+              <a:lnSpc>
+                <a:spcPct val="100000"/>
+              </a:lnSpc>
+              <a:spcBef>
+                <a:spcPts val="0"/>
+              </a:spcBef>
+              <a:spcAft>
+                <a:spcPts val="0"/>
+              </a:spcAft>
+              <a:buClrTx/>
+              <a:buSzTx/>
+              <a:buFontTx/>
+              <a:buNone/>
+              <a:tabLst/>
+              <a:defRPr/>
+            </a:pPr>
+            <a:r>
+              <a:rPr lang="de-DE" baseline="0" dirty="0" smtClean="0"/>
+              <a:t>Unterschiedliche Personengruppen haben unterschiedliche Sichten</a:t>
+            </a:r>
+          </a:p>
+          <a:p>
+            <a:pPr marL="171450" marR="0" indent="-171450" algn="l" defTabSz="914400" rtl="0" eaLnBrk="1" fontAlgn="auto" latinLnBrk="0" hangingPunct="1">
+              <a:lnSpc>
+                <a:spcPct val="100000"/>
+              </a:lnSpc>
+              <a:spcBef>
+                <a:spcPts val="0"/>
+              </a:spcBef>
+              <a:spcAft>
+                <a:spcPts val="0"/>
+              </a:spcAft>
+              <a:buClrTx/>
+              <a:buSzTx/>
+              <a:buFontTx/>
+              <a:buChar char="-"/>
+              <a:tabLst/>
+              <a:defRPr/>
+            </a:pPr>
+            <a:r>
+              <a:rPr lang="de-DE" baseline="0" dirty="0" smtClean="0"/>
+              <a:t>Manager: Schnellere, sicherere Entwicklung, geringere Kosten? (laut Yan Cui), geringe Einstiegshürden (Infrastruktur, VS)</a:t>
+            </a:r>
+          </a:p>
+          <a:p>
+            <a:pPr marL="171450" marR="0" indent="-171450" algn="l" defTabSz="914400" rtl="0" eaLnBrk="1" fontAlgn="auto" latinLnBrk="0" hangingPunct="1">
+              <a:lnSpc>
+                <a:spcPct val="100000"/>
+              </a:lnSpc>
+              <a:spcBef>
+                <a:spcPts val="0"/>
+              </a:spcBef>
+              <a:spcAft>
+                <a:spcPts val="0"/>
+              </a:spcAft>
+              <a:buClrTx/>
+              <a:buSzTx/>
+              <a:buFontTx/>
+              <a:buChar char="-"/>
+              <a:tabLst/>
+              <a:defRPr/>
+            </a:pPr>
+            <a:r>
+              <a:rPr lang="de-DE" baseline="0" dirty="0" smtClean="0"/>
+              <a:t>Programmierer: </a:t>
+            </a:r>
+          </a:p>
+          <a:p>
+            <a:pPr marL="628650" marR="0" lvl="1" indent="-171450" algn="l" defTabSz="914400" rtl="0" eaLnBrk="1" fontAlgn="auto" latinLnBrk="0" hangingPunct="1">
+              <a:lnSpc>
+                <a:spcPct val="100000"/>
+              </a:lnSpc>
+              <a:spcBef>
+                <a:spcPts val="0"/>
+              </a:spcBef>
+              <a:spcAft>
+                <a:spcPts val="0"/>
+              </a:spcAft>
+              <a:buClrTx/>
+              <a:buSzTx/>
+              <a:buFontTx/>
+              <a:buChar char="-"/>
+              <a:tabLst/>
+              <a:defRPr/>
+            </a:pPr>
+            <a:r>
+              <a:rPr lang="de-DE" baseline="0" dirty="0" smtClean="0"/>
+              <a:t>1. „Besser“ (Korrektheit, …) </a:t>
+            </a:r>
+            <a:r>
+              <a:rPr lang="de-DE" dirty="0" smtClean="0"/>
+              <a:t>IF IT COMPILES, IT IS LIKELY TO RUN! </a:t>
+            </a:r>
+            <a:r>
+              <a:rPr lang="de-DE" baseline="0" dirty="0" smtClean="0"/>
+              <a:t> </a:t>
+            </a:r>
+          </a:p>
+          <a:p>
+            <a:pPr marL="628650" marR="0" lvl="1" indent="-171450" algn="l" defTabSz="914400" rtl="0" eaLnBrk="1" fontAlgn="auto" latinLnBrk="0" hangingPunct="1">
+              <a:lnSpc>
+                <a:spcPct val="100000"/>
+              </a:lnSpc>
+              <a:spcBef>
+                <a:spcPts val="0"/>
+              </a:spcBef>
+              <a:spcAft>
+                <a:spcPts val="0"/>
+              </a:spcAft>
+              <a:buClrTx/>
+              <a:buSzTx/>
+              <a:buFontTx/>
+              <a:buChar char="-"/>
+              <a:tabLst/>
+              <a:defRPr/>
+            </a:pPr>
+            <a:r>
+              <a:rPr lang="de-DE" baseline="0" dirty="0" smtClean="0"/>
+              <a:t>2. Funktional muss man können  </a:t>
+            </a:r>
+          </a:p>
+          <a:p>
+            <a:pPr marL="628650" marR="0" lvl="1" indent="-171450" algn="l" defTabSz="914400" rtl="0" eaLnBrk="1" fontAlgn="auto" latinLnBrk="0" hangingPunct="1">
+              <a:lnSpc>
+                <a:spcPct val="100000"/>
+              </a:lnSpc>
+              <a:spcBef>
+                <a:spcPts val="0"/>
+              </a:spcBef>
+              <a:spcAft>
+                <a:spcPts val="0"/>
+              </a:spcAft>
+              <a:buClrTx/>
+              <a:buSzTx/>
+              <a:buFontTx/>
+              <a:buChar char="-"/>
+              <a:tabLst/>
+              <a:defRPr/>
+            </a:pPr>
+            <a:r>
+              <a:rPr lang="de-DE" baseline="0" dirty="0" smtClean="0"/>
+              <a:t>3. F# ist für .NET Entwickler ein guter Einstieg</a:t>
+            </a:r>
+          </a:p>
+          <a:p>
+            <a:pPr marL="171450" marR="0" indent="-171450" algn="l" defTabSz="914400" rtl="0" eaLnBrk="1" fontAlgn="auto" latinLnBrk="0" hangingPunct="1">
+              <a:lnSpc>
+                <a:spcPct val="100000"/>
+              </a:lnSpc>
+              <a:spcBef>
+                <a:spcPts val="0"/>
+              </a:spcBef>
+              <a:spcAft>
+                <a:spcPts val="0"/>
+              </a:spcAft>
+              <a:buClrTx/>
+              <a:buSzTx/>
+              <a:buFontTx/>
+              <a:buChar char="-"/>
+              <a:tabLst/>
+              <a:defRPr/>
+            </a:pPr>
+            <a:r>
+              <a:rPr lang="de-DE" baseline="0" dirty="0" smtClean="0"/>
+              <a:t>Modellierer: dazu kommen wir noch mit dem DDD Beispiel</a:t>
             </a:r>
             <a:endParaRPr lang="de-DE" dirty="0" smtClean="0"/>
           </a:p>
@@ -2645,7 +2850,7 @@
     </p:spTree>
     <p:extLst>
       <p:ext uri="{BB962C8B-B14F-4D97-AF65-F5344CB8AC3E}">
-        <p14:creationId xmlns:p14="http://schemas.microsoft.com/office/powerpoint/2010/main" val="2102569733"/>
+        <p14:creationId xmlns:p14="http://schemas.microsoft.com/office/powerpoint/2010/main" val="3358926703"/>
       </p:ext>
     </p:extLst>
   </p:cSld>
@@ -2718,112 +2923,8 @@
             </a:pPr>
             <a:r>
               <a:rPr lang="de-DE" dirty="0" smtClean="0"/>
-              <a:t>Ist am besten erkennbar wenn man die Möglichkeiten einer schwachen Typisierung betrachtet</a:t>
-            </a:r>
-          </a:p>
-          <a:p>
-            <a:pPr marL="0" marR="0" indent="0" algn="l" defTabSz="914400" rtl="0" eaLnBrk="1" fontAlgn="auto" latinLnBrk="0" hangingPunct="1">
-              <a:lnSpc>
-                <a:spcPct val="100000"/>
-              </a:lnSpc>
-              <a:spcBef>
-                <a:spcPts val="0"/>
-              </a:spcBef>
-              <a:spcAft>
-                <a:spcPts val="0"/>
-              </a:spcAft>
-              <a:buClrTx/>
-              <a:buSzTx/>
-              <a:buFontTx/>
-              <a:buNone/>
-              <a:tabLst/>
-              <a:defRPr/>
-            </a:pPr>
-            <a:r>
-              <a:rPr lang="de-DE" dirty="0" smtClean="0"/>
-              <a:t>Copyright </a:t>
-            </a:r>
-            <a:r>
-              <a:rPr lang="en-US" sz="1200" b="1" i="0" kern="1200" dirty="0" err="1" smtClean="0">
-                <a:solidFill>
-                  <a:schemeClr val="tx1"/>
-                </a:solidFill>
-                <a:effectLst/>
-                <a:latin typeface="+mn-lt"/>
-                <a:ea typeface="+mn-ea"/>
-                <a:cs typeface="+mn-cs"/>
-              </a:rPr>
-              <a:t>Karlkim</a:t>
-            </a:r>
-            <a:r>
-              <a:rPr lang="en-US" sz="1200" b="1" i="0" kern="1200" dirty="0" smtClean="0">
-                <a:solidFill>
-                  <a:schemeClr val="tx1"/>
-                </a:solidFill>
-                <a:effectLst/>
-                <a:latin typeface="+mn-lt"/>
-                <a:ea typeface="+mn-ea"/>
-                <a:cs typeface="+mn-cs"/>
-              </a:rPr>
-              <a:t> </a:t>
-            </a:r>
-            <a:r>
-              <a:rPr lang="en-US" sz="1200" b="1" i="0" kern="1200" dirty="0" err="1" smtClean="0">
-                <a:solidFill>
-                  <a:schemeClr val="tx1"/>
-                </a:solidFill>
-                <a:effectLst/>
-                <a:latin typeface="+mn-lt"/>
-                <a:ea typeface="+mn-ea"/>
-                <a:cs typeface="+mn-cs"/>
-              </a:rPr>
-              <a:t>Suwanmongkol</a:t>
-            </a:r>
-            <a:r>
-              <a:rPr lang="en-US" sz="1200" b="1" i="0" kern="1200" dirty="0" smtClean="0">
-                <a:solidFill>
-                  <a:schemeClr val="tx1"/>
-                </a:solidFill>
-                <a:effectLst/>
-                <a:latin typeface="+mn-lt"/>
-                <a:ea typeface="+mn-ea"/>
-                <a:cs typeface="+mn-cs"/>
-              </a:rPr>
-              <a:t> (@</a:t>
-            </a:r>
-            <a:r>
-              <a:rPr lang="en-US" sz="1200" b="1" i="0" kern="1200" dirty="0" err="1" smtClean="0">
-                <a:solidFill>
-                  <a:schemeClr val="tx1"/>
-                </a:solidFill>
-                <a:effectLst/>
-                <a:latin typeface="+mn-lt"/>
-                <a:ea typeface="+mn-ea"/>
-                <a:cs typeface="+mn-cs"/>
-              </a:rPr>
-              <a:t>kimsk</a:t>
-            </a:r>
-            <a:r>
-              <a:rPr lang="en-US" sz="1200" b="1" i="0" kern="1200" dirty="0" smtClean="0">
-                <a:solidFill>
-                  <a:schemeClr val="tx1"/>
-                </a:solidFill>
-                <a:effectLst/>
-                <a:latin typeface="+mn-lt"/>
-                <a:ea typeface="+mn-ea"/>
-                <a:cs typeface="+mn-cs"/>
-              </a:rPr>
-              <a:t>) | Twitter</a:t>
-            </a:r>
-          </a:p>
-          <a:p>
-            <a:endParaRPr lang="de-DE" baseline="0" dirty="0" smtClean="0"/>
-          </a:p>
-          <a:p>
-            <a:endParaRPr lang="de-DE" baseline="0" dirty="0" smtClean="0"/>
-          </a:p>
-          <a:p>
-            <a:endParaRPr lang="en-US" dirty="0"/>
+              <a:t>Für die die sich an Silverlight oder andere Entwicklungen erinnern</a:t>
+            </a:r>
           </a:p>
         </p:txBody>
       </p:sp>
@@ -2853,7 +2954,7 @@
     </p:spTree>
     <p:extLst>
       <p:ext uri="{BB962C8B-B14F-4D97-AF65-F5344CB8AC3E}">
-        <p14:creationId xmlns:p14="http://schemas.microsoft.com/office/powerpoint/2010/main" val="2102569733"/>
+        <p14:creationId xmlns:p14="http://schemas.microsoft.com/office/powerpoint/2010/main" val="3358926703"/>
       </p:ext>
     </p:extLst>
   </p:cSld>
@@ -2970,7 +3071,7 @@
       </p:grpSpPr>
       <p:sp>
         <p:nvSpPr>
-          <p:cNvPr id="2" name="Folienbildplatzhalter 1"/>
+          <p:cNvPr id="2" name="Slide Image Placeholder 1"/>
           <p:cNvSpPr>
             <a:spLocks noGrp="1" noRot="1" noChangeAspect="1"/>
           </p:cNvSpPr>
@@ -2982,7 +3083,7 @@
       </p:sp>
       <p:sp>
         <p:nvSpPr>
-          <p:cNvPr id="3" name="Notizenplatzhalter 2"/>
+          <p:cNvPr id="3" name="Notes Placeholder 2"/>
           <p:cNvSpPr>
             <a:spLocks noGrp="1"/>
           </p:cNvSpPr>
@@ -2995,13 +3096,42 @@
           <a:bodyPr/>
           <a:lstStyle/>
           <a:p>
-            <a:endParaRPr lang="de-DE" dirty="0"/>
+            <a:pPr marL="0" marR="0" indent="0" algn="l" defTabSz="914400" rtl="0" eaLnBrk="1" fontAlgn="auto" latinLnBrk="0" hangingPunct="1">
+              <a:lnSpc>
+                <a:spcPct val="100000"/>
+              </a:lnSpc>
+              <a:spcBef>
+                <a:spcPts val="0"/>
+              </a:spcBef>
+              <a:spcAft>
+                <a:spcPts val="0"/>
+              </a:spcAft>
+              <a:buClrTx/>
+              <a:buSzTx/>
+              <a:buFontTx/>
+              <a:buNone/>
+              <a:tabLst/>
+              <a:defRPr/>
+            </a:pPr>
+            <a:r>
+              <a:rPr lang="de-DE" dirty="0" smtClean="0"/>
+              <a:t>Es</a:t>
+            </a:r>
+            <a:r>
+              <a:rPr lang="de-DE" baseline="0" dirty="0" smtClean="0"/>
+              <a:t> geht nicht nur um die Sprache sondern auch darum wie eine </a:t>
+            </a:r>
+            <a:r>
+              <a:rPr lang="de-DE" baseline="0" smtClean="0"/>
+              <a:t>Sprache entsteht.</a:t>
+            </a:r>
+            <a:endParaRPr lang="de-DE" dirty="0" smtClean="0"/>
           </a:p>
         </p:txBody>
       </p:sp>
       <p:sp>
         <p:nvSpPr>
-          <p:cNvPr id="4" name="Foliennummernplatzhalter 3"/>
+          <p:cNvPr id="4" name="Slide Number Placeholder 3"/>
           <p:cNvSpPr>
             <a:spLocks noGrp="1"/>
           </p:cNvSpPr>
@@ -3025,7 +3155,7 @@
     </p:spTree>
     <p:extLst>
       <p:ext uri="{BB962C8B-B14F-4D97-AF65-F5344CB8AC3E}">
-        <p14:creationId xmlns:p14="http://schemas.microsoft.com/office/powerpoint/2010/main" val="2305588509"/>
+        <p14:creationId xmlns:p14="http://schemas.microsoft.com/office/powerpoint/2010/main" val="3358926703"/>
       </p:ext>
     </p:extLst>
   </p:cSld>
@@ -3054,7 +3184,7 @@
       </p:grpSpPr>
       <p:sp>
         <p:nvSpPr>
-          <p:cNvPr id="2" name="Slide Image Placeholder 1"/>
+          <p:cNvPr id="2" name="Folienbildplatzhalter 1"/>
           <p:cNvSpPr>
             <a:spLocks noGrp="1" noRot="1" noChangeAspect="1"/>
           </p:cNvSpPr>
@@ -3066,7 +3196,7 @@
       </p:sp>
       <p:sp>
         <p:nvSpPr>
-          <p:cNvPr id="3" name="Notes Placeholder 2"/>
+          <p:cNvPr id="3" name="Notizenplatzhalter 2"/>
           <p:cNvSpPr>
             <a:spLocks noGrp="1"/>
           </p:cNvSpPr>
@@ -3081,77 +3211,94 @@
           <a:p>
             <a:r>
               <a:rPr lang="de-DE" dirty="0" err="1" smtClean="0"/>
-              <a:t>Types</a:t>
-            </a:r>
-            <a:r>
-              <a:rPr lang="de-DE" dirty="0" smtClean="0"/>
-              <a:t> werden immer aus kleineren Einheiten zusammen erstellt, die kleinsten sind die Primitives der</a:t>
-            </a:r>
-            <a:r>
-              <a:rPr lang="de-DE" baseline="0" dirty="0" smtClean="0"/>
-              <a:t> Sprache.</a:t>
+              <a:t>Tuple</a:t>
+            </a:r>
+            <a:r>
+              <a:rPr lang="de-DE" dirty="0" smtClean="0"/>
+              <a:t> (Ja!)</a:t>
+            </a:r>
+          </a:p>
+          <a:p>
+            <a:r>
+              <a:rPr lang="de-DE" dirty="0" err="1" smtClean="0"/>
+              <a:t>Record</a:t>
+            </a:r>
+            <a:r>
+              <a:rPr lang="de-DE" dirty="0" smtClean="0"/>
+              <a:t> (Ja!)</a:t>
+            </a:r>
+          </a:p>
+          <a:p>
+            <a:r>
+              <a:rPr lang="de-DE" dirty="0" err="1" smtClean="0"/>
+              <a:t>Discriminated</a:t>
+            </a:r>
+            <a:r>
+              <a:rPr lang="de-DE" dirty="0" smtClean="0"/>
+              <a:t> </a:t>
+            </a:r>
+            <a:r>
+              <a:rPr lang="de-DE" dirty="0" err="1" smtClean="0"/>
+              <a:t>Unions</a:t>
+            </a:r>
+            <a:r>
+              <a:rPr lang="de-DE" dirty="0" smtClean="0"/>
+              <a:t> (Ja!)</a:t>
+            </a:r>
+          </a:p>
+          <a:p>
+            <a:r>
+              <a:rPr lang="de-DE" dirty="0" smtClean="0"/>
+              <a:t>Option </a:t>
+            </a:r>
+            <a:r>
+              <a:rPr lang="de-DE" dirty="0" err="1" smtClean="0"/>
+              <a:t>types</a:t>
+            </a:r>
+            <a:r>
+              <a:rPr lang="de-DE" dirty="0" smtClean="0"/>
+              <a:t> (Ja!)</a:t>
+            </a:r>
+          </a:p>
+          <a:p>
+            <a:r>
+              <a:rPr lang="de-DE" dirty="0" err="1" smtClean="0"/>
+              <a:t>Functions</a:t>
             </a:r>
             <a:endParaRPr lang="de-DE" dirty="0" smtClean="0"/>
           </a:p>
           <a:p>
             <a:r>
               <a:rPr lang="de-DE" dirty="0" smtClean="0"/>
-              <a:t>Dies bedingt dass ich sowohl aus einfachen Einheiten einen komplexeren Typ</a:t>
-            </a:r>
-            <a:r>
-              <a:rPr lang="de-DE" baseline="0" dirty="0" smtClean="0"/>
-              <a:t> erstellen kann, </a:t>
-            </a:r>
-          </a:p>
-          <a:p>
-            <a:r>
-              <a:rPr lang="de-DE" baseline="0" dirty="0" smtClean="0"/>
-              <a:t>oder aus einem komplexeren die konstituierende einfachere Typen „heraus“ holen kann, oder „Zerlegen“</a:t>
-            </a:r>
-          </a:p>
-          <a:p>
-            <a:endParaRPr lang="de-DE" baseline="0" dirty="0" smtClean="0"/>
-          </a:p>
-          <a:p>
-            <a:r>
-              <a:rPr lang="de-DE" baseline="0" dirty="0" smtClean="0"/>
-              <a:t>WICHTIG</a:t>
-            </a:r>
-          </a:p>
-          <a:p>
-            <a:r>
-              <a:rPr lang="de-DE" baseline="0" dirty="0" smtClean="0"/>
-              <a:t>Unterschied zu OO:</a:t>
-            </a:r>
-          </a:p>
-          <a:p>
-            <a:r>
-              <a:rPr lang="de-DE" baseline="0" dirty="0" smtClean="0"/>
-              <a:t>In OO kann ich eine Klasse erst „Leer“ erstellen, dann nach und nach Properties zuweisen/ändern.</a:t>
-            </a:r>
-          </a:p>
-          <a:p>
-            <a:r>
-              <a:rPr lang="de-DE" baseline="0" dirty="0" smtClean="0"/>
-              <a:t>In FP nicht.  </a:t>
-            </a:r>
-            <a:r>
-              <a:rPr lang="de-DE" baseline="0" dirty="0" err="1" smtClean="0"/>
-              <a:t>Immutability</a:t>
-            </a:r>
-            <a:r>
-              <a:rPr lang="de-DE" baseline="0" dirty="0" smtClean="0"/>
-              <a:t> heißt einmal erstellt, unveränderbar. Alle Daten müssen bei der Erstellung verfügbar sein</a:t>
-            </a:r>
-          </a:p>
-          <a:p>
-            <a:endParaRPr lang="de-DE" baseline="0" dirty="0" smtClean="0"/>
+              <a:t>Listenwesen</a:t>
+            </a:r>
+          </a:p>
+          <a:p>
+            <a:r>
+              <a:rPr lang="de-DE" dirty="0" smtClean="0"/>
+              <a:t>Einheiten</a:t>
+            </a:r>
+          </a:p>
+          <a:p>
+            <a:r>
+              <a:rPr lang="de-DE" dirty="0" smtClean="0"/>
+              <a:t>Type Provider</a:t>
+            </a:r>
+          </a:p>
+          <a:p>
+            <a:r>
+              <a:rPr lang="de-DE" dirty="0" smtClean="0"/>
+              <a:t>Berechnungsausdrucke</a:t>
+            </a:r>
+          </a:p>
+          <a:p>
+            <a:endParaRPr lang="de-DE" dirty="0"/>
           </a:p>
         </p:txBody>
       </p:sp>
       <p:sp>
         <p:nvSpPr>
-          <p:cNvPr id="4" name="Slide Number Placeholder 3"/>
+          <p:cNvPr id="4" name="Foliennummernplatzhalter 3"/>
           <p:cNvSpPr>
             <a:spLocks noGrp="1"/>
           </p:cNvSpPr>
@@ -3175,7 +3322,7 @@
     </p:spTree>
     <p:extLst>
       <p:ext uri="{BB962C8B-B14F-4D97-AF65-F5344CB8AC3E}">
-        <p14:creationId xmlns:p14="http://schemas.microsoft.com/office/powerpoint/2010/main" val="1056229856"/>
+        <p14:creationId xmlns:p14="http://schemas.microsoft.com/office/powerpoint/2010/main" val="2305588509"/>
       </p:ext>
     </p:extLst>
   </p:cSld>
@@ -3204,7 +3351,7 @@
       </p:grpSpPr>
       <p:sp>
         <p:nvSpPr>
-          <p:cNvPr id="2" name="Slide Image Placeholder 1"/>
+          <p:cNvPr id="2" name="Folienbildplatzhalter 1"/>
           <p:cNvSpPr>
             <a:spLocks noGrp="1" noRot="1" noChangeAspect="1"/>
           </p:cNvSpPr>
@@ -3216,7 +3363,7 @@
       </p:sp>
       <p:sp>
         <p:nvSpPr>
-          <p:cNvPr id="3" name="Notes Placeholder 2"/>
+          <p:cNvPr id="3" name="Notizenplatzhalter 2"/>
           <p:cNvSpPr>
             <a:spLocks noGrp="1"/>
           </p:cNvSpPr>
@@ -3231,88 +3378,102 @@
           <a:p>
             <a:r>
               <a:rPr lang="de-DE" dirty="0" smtClean="0"/>
-              <a:t>Flow</a:t>
+              <a:t>Warum dieses Thema? I</a:t>
             </a:r>
             <a:r>
               <a:rPr lang="de-DE" baseline="0" dirty="0" smtClean="0"/>
+              <a:t>n meinen F# Arbeiten habe ich da das meiste gefunden was geholfen hat meinen Code „korrekter“ zu machen.</a:t>
+            </a:r>
+          </a:p>
+          <a:p>
+            <a:endParaRPr lang="de-DE" baseline="0" dirty="0" smtClean="0"/>
+          </a:p>
+          <a:p>
+            <a:r>
+              <a:rPr lang="de-DE" dirty="0" smtClean="0"/>
+              <a:t>Viele mögliche Themen </a:t>
+            </a:r>
+          </a:p>
+          <a:p>
+            <a:pPr lvl="1"/>
+            <a:r>
+              <a:rPr lang="de-DE" dirty="0" smtClean="0"/>
+              <a:t>Higher </a:t>
+            </a:r>
+            <a:r>
+              <a:rPr lang="de-DE" dirty="0" err="1" smtClean="0"/>
+              <a:t>order</a:t>
+            </a:r>
+            <a:r>
+              <a:rPr lang="de-DE" dirty="0" smtClean="0"/>
               <a:t> </a:t>
             </a:r>
             <a:r>
-              <a:rPr lang="de-DE" baseline="0" dirty="0" err="1" smtClean="0"/>
-              <a:t>control</a:t>
-            </a:r>
-            <a:r>
-              <a:rPr lang="de-DE" baseline="0" dirty="0" smtClean="0"/>
-              <a:t> (IF, </a:t>
-            </a:r>
-            <a:r>
-              <a:rPr lang="de-DE" baseline="0" dirty="0" err="1" smtClean="0"/>
-              <a:t>loops</a:t>
-            </a:r>
-            <a:r>
-              <a:rPr lang="de-DE" baseline="0" dirty="0" smtClean="0"/>
-              <a:t>)</a:t>
+              <a:rPr lang="de-DE" dirty="0" err="1" smtClean="0"/>
+              <a:t>functions</a:t>
             </a:r>
             <a:endParaRPr lang="de-DE" dirty="0" smtClean="0"/>
           </a:p>
           <a:p>
+            <a:pPr lvl="1"/>
+            <a:r>
+              <a:rPr lang="de-DE" dirty="0" smtClean="0"/>
+              <a:t>Type Provider	</a:t>
+            </a:r>
+          </a:p>
+          <a:p>
+            <a:pPr lvl="1"/>
+            <a:r>
+              <a:rPr lang="de-DE" dirty="0" smtClean="0"/>
+              <a:t>Cloud</a:t>
+            </a:r>
+          </a:p>
+          <a:p>
+            <a:pPr lvl="1"/>
+            <a:r>
+              <a:rPr lang="de-DE" dirty="0" err="1" smtClean="0"/>
+              <a:t>Machine</a:t>
+            </a:r>
+            <a:r>
+              <a:rPr lang="de-DE" dirty="0" smtClean="0"/>
+              <a:t> Learning</a:t>
+            </a:r>
+          </a:p>
+          <a:p>
             <a:endParaRPr lang="de-DE" dirty="0" smtClean="0"/>
           </a:p>
           <a:p>
             <a:r>
               <a:rPr lang="de-DE" dirty="0" smtClean="0"/>
-              <a:t>Ist</a:t>
-            </a:r>
-            <a:r>
-              <a:rPr lang="de-DE" baseline="0" dirty="0" smtClean="0"/>
-              <a:t> ein mal implementiert in .net bis her: </a:t>
-            </a:r>
-            <a:r>
-              <a:rPr lang="de-DE" baseline="0" dirty="0" err="1" smtClean="0"/>
-              <a:t>Exception</a:t>
-            </a:r>
-            <a:r>
-              <a:rPr lang="de-DE" baseline="0" dirty="0" smtClean="0"/>
-              <a:t> Handling</a:t>
-            </a:r>
-          </a:p>
-          <a:p>
-            <a:r>
-              <a:rPr lang="de-DE" baseline="0" dirty="0" smtClean="0"/>
-              <a:t>Die angegebenen Fälle werden in der </a:t>
-            </a:r>
-            <a:r>
-              <a:rPr lang="de-DE" baseline="0" dirty="0" err="1" smtClean="0"/>
-              <a:t>Reihnfolge</a:t>
-            </a:r>
-            <a:r>
-              <a:rPr lang="de-DE" baseline="0" dirty="0" smtClean="0"/>
-              <a:t> abgearbeitet.  Der erste Erfolgsfall wird behandelt</a:t>
-            </a:r>
+              <a:t>Heute nur ein Thema, das aber ausführlich:</a:t>
+            </a:r>
+          </a:p>
+          <a:p>
+            <a:pPr lvl="1"/>
+            <a:r>
+              <a:rPr lang="de-DE" dirty="0" smtClean="0"/>
+              <a:t>Data </a:t>
+            </a:r>
+            <a:r>
+              <a:rPr lang="de-DE" dirty="0" err="1" smtClean="0"/>
+              <a:t>Types</a:t>
+            </a:r>
+            <a:endParaRPr lang="de-DE" dirty="0" smtClean="0"/>
           </a:p>
           <a:p>
             <a:endParaRPr lang="de-DE" baseline="0" dirty="0" smtClean="0"/>
           </a:p>
           <a:p>
-            <a:r>
-              <a:rPr lang="de-DE" baseline="0" dirty="0" smtClean="0"/>
-              <a:t>Kein Scherz, haben Leute schon mal benutzt um Pattern </a:t>
-            </a:r>
-            <a:r>
-              <a:rPr lang="de-DE" baseline="0" dirty="0" err="1" smtClean="0"/>
-              <a:t>Matching</a:t>
-            </a:r>
-            <a:r>
-              <a:rPr lang="de-DE" baseline="0" dirty="0" smtClean="0"/>
-              <a:t> in C# zu implementieren.</a:t>
-            </a:r>
-            <a:endParaRPr lang="de-DE" dirty="0" smtClean="0"/>
+            <a:endParaRPr lang="de-DE" baseline="0" dirty="0" smtClean="0"/>
+          </a:p>
+          <a:p>
+            <a:endParaRPr lang="de-DE" dirty="0"/>
           </a:p>
         </p:txBody>
       </p:sp>
       <p:sp>
         <p:nvSpPr>
-          <p:cNvPr id="4" name="Slide Number Placeholder 3"/>
+          <p:cNvPr id="4" name="Foliennummernplatzhalter 3"/>
           <p:cNvSpPr>
             <a:spLocks noGrp="1"/>
           </p:cNvSpPr>
@@ -3336,7 +3497,7 @@
     </p:spTree>
     <p:extLst>
       <p:ext uri="{BB962C8B-B14F-4D97-AF65-F5344CB8AC3E}">
-        <p14:creationId xmlns:p14="http://schemas.microsoft.com/office/powerpoint/2010/main" val="1056229856"/>
+        <p14:creationId xmlns:p14="http://schemas.microsoft.com/office/powerpoint/2010/main" val="3022985809"/>
       </p:ext>
     </p:extLst>
   </p:cSld>
@@ -3391,63 +3552,72 @@
           <a:lstStyle/>
           <a:p>
             <a:r>
-              <a:rPr lang="de-DE" dirty="0" smtClean="0"/>
-              <a:t>IF </a:t>
-            </a:r>
-            <a:r>
               <a:rPr lang="de-DE" dirty="0" err="1" smtClean="0"/>
-              <a:t>and</a:t>
-            </a:r>
-            <a:r>
-              <a:rPr lang="de-DE" dirty="0" smtClean="0"/>
-              <a:t> SWITCH on STERIODS</a:t>
-            </a:r>
-          </a:p>
-          <a:p>
+              <a:t>Types</a:t>
+            </a:r>
+            <a:r>
+              <a:rPr lang="de-DE" dirty="0" smtClean="0"/>
+              <a:t> werden immer aus kleineren Einheiten zusammen erstellt, die kleinsten sind die Primitives der</a:t>
+            </a:r>
+            <a:r>
+              <a:rPr lang="de-DE" baseline="0" dirty="0" smtClean="0"/>
+              <a:t> Sprache.</a:t>
+            </a:r>
             <a:endParaRPr lang="de-DE" dirty="0" smtClean="0"/>
           </a:p>
           <a:p>
             <a:r>
               <a:rPr lang="de-DE" dirty="0" smtClean="0"/>
-              <a:t>Der F# Compiler ist in der Lage fehlende oder fehlerhafte Fälle</a:t>
+              <a:t>Dies bedingt dass ich sowohl aus einfachen Einheiten einen komplexeren Typ</a:t>
             </a:r>
             <a:r>
               <a:rPr lang="de-DE" baseline="0" dirty="0" smtClean="0"/>
-              <a:t> zu entdecken.  Dies ist bedingt durch die </a:t>
+              <a:t> erstellen kann, </a:t>
+            </a:r>
+          </a:p>
+          <a:p>
+            <a:r>
+              <a:rPr lang="de-DE" baseline="0" dirty="0" smtClean="0"/>
+              <a:t>oder aus einem komplexeren die konstituierende einfachere Typen „heraus“ holen kann, oder „Zerlegen“</a:t>
+            </a:r>
+          </a:p>
+          <a:p>
+            <a:endParaRPr lang="de-DE" baseline="0" dirty="0" smtClean="0"/>
+          </a:p>
+          <a:p>
+            <a:r>
+              <a:rPr lang="de-DE" baseline="0" dirty="0" smtClean="0"/>
+              <a:t>WICHTIG</a:t>
+            </a:r>
+          </a:p>
+          <a:p>
+            <a:r>
+              <a:rPr lang="de-DE" baseline="0" dirty="0" smtClean="0"/>
+              <a:t>Unterschied zu OO:</a:t>
+            </a:r>
+          </a:p>
+          <a:p>
+            <a:r>
+              <a:rPr lang="de-DE" baseline="0" dirty="0" smtClean="0"/>
+              <a:t>In OO kann ich eine Klasse erst „Leer“ erstellen, dann nach und nach Properties zuweisen/ändern.</a:t>
+            </a:r>
+          </a:p>
+          <a:p>
+            <a:r>
+              <a:rPr lang="de-DE" baseline="0" dirty="0" smtClean="0"/>
+              <a:t>In FP nicht.  </a:t>
             </a:r>
             <a:r>
               <a:rPr lang="de-DE" baseline="0" dirty="0" err="1" smtClean="0"/>
-              <a:t>Hindley-Milner</a:t>
+              <a:t>Immutability</a:t>
             </a:r>
             <a:r>
               <a:rPr lang="de-DE" baseline="0" dirty="0" smtClean="0"/>
-              <a:t> Type </a:t>
-            </a:r>
-            <a:r>
-              <a:rPr lang="de-DE" baseline="0" dirty="0" err="1" smtClean="0"/>
-              <a:t>Inference</a:t>
-            </a:r>
-            <a:r>
-              <a:rPr lang="de-DE" baseline="0" dirty="0" smtClean="0"/>
-              <a:t>, C# wird dies nicht können ohne dass „</a:t>
-            </a:r>
-            <a:r>
-              <a:rPr lang="de-DE" baseline="0" dirty="0" err="1" smtClean="0"/>
-              <a:t>breaking</a:t>
-            </a:r>
-            <a:r>
-              <a:rPr lang="de-DE" baseline="0" dirty="0" smtClean="0"/>
-              <a:t> </a:t>
-            </a:r>
-            <a:r>
-              <a:rPr lang="de-DE" baseline="0" dirty="0" err="1" smtClean="0"/>
-              <a:t>changes</a:t>
-            </a:r>
-            <a:r>
-              <a:rPr lang="de-DE" baseline="0" dirty="0" smtClean="0"/>
-              <a:t>“ eingeführt werden.</a:t>
-            </a:r>
-            <a:endParaRPr lang="en-US" dirty="0"/>
+              <a:t> heißt einmal erstellt, unveränderbar. Alle Daten müssen bei der Erstellung verfügbar sein</a:t>
+            </a:r>
+          </a:p>
+          <a:p>
+            <a:endParaRPr lang="de-DE" baseline="0" dirty="0" smtClean="0"/>
           </a:p>
         </p:txBody>
       </p:sp>
@@ -3533,11 +3703,63 @@
           <a:p>
             <a:r>
               <a:rPr lang="de-DE" dirty="0" smtClean="0"/>
-              <a:t>Zwei im</a:t>
+              <a:t>Flow</a:t>
             </a:r>
             <a:r>
               <a:rPr lang="de-DE" baseline="0" dirty="0" smtClean="0"/>
-              <a:t> Sinne des Domains gleichwertige Instanzen „Kunde 123“ sind nicht identisch.</a:t>
+              <a:t> </a:t>
+            </a:r>
+            <a:r>
+              <a:rPr lang="de-DE" baseline="0" dirty="0" err="1" smtClean="0"/>
+              <a:t>control</a:t>
+            </a:r>
+            <a:r>
+              <a:rPr lang="de-DE" baseline="0" dirty="0" smtClean="0"/>
+              <a:t> (IF, </a:t>
+            </a:r>
+            <a:r>
+              <a:rPr lang="de-DE" baseline="0" dirty="0" err="1" smtClean="0"/>
+              <a:t>loops</a:t>
+            </a:r>
+            <a:r>
+              <a:rPr lang="de-DE" baseline="0" dirty="0" smtClean="0"/>
+              <a:t>)</a:t>
+            </a:r>
+            <a:endParaRPr lang="de-DE" dirty="0" smtClean="0"/>
+          </a:p>
+          <a:p>
+            <a:endParaRPr lang="de-DE" dirty="0" smtClean="0"/>
+          </a:p>
+          <a:p>
+            <a:r>
+              <a:rPr lang="de-DE" dirty="0" smtClean="0"/>
+              <a:t>Ist</a:t>
+            </a:r>
+            <a:r>
+              <a:rPr lang="de-DE" baseline="0" dirty="0" smtClean="0"/>
+              <a:t> ein mal implementiert in .net bis her: </a:t>
+            </a:r>
+            <a:r>
+              <a:rPr lang="de-DE" baseline="0" dirty="0" err="1" smtClean="0"/>
+              <a:t>Exception</a:t>
+            </a:r>
+            <a:r>
+              <a:rPr lang="de-DE" baseline="0" dirty="0" smtClean="0"/>
+              <a:t> Handling</a:t>
+            </a:r>
+          </a:p>
+          <a:p>
+            <a:r>
+              <a:rPr lang="de-DE" baseline="0" dirty="0" smtClean="0"/>
+              <a:t>Die angegebenen Fälle werden in der </a:t>
+            </a:r>
+            <a:r>
+              <a:rPr lang="de-DE" baseline="0" dirty="0" err="1" smtClean="0"/>
+              <a:t>Reihnfolge</a:t>
+            </a:r>
+            <a:r>
+              <a:rPr lang="de-DE" baseline="0" dirty="0" smtClean="0"/>
+              <a:t> abgearbeitet.  Der erste Erfolgsfall wird behandelt</a:t>
             </a:r>
           </a:p>
           <a:p>
@@ -3546,41 +3768,17 @@
           <a:p>
             <a:r>
               <a:rPr lang="de-DE" baseline="0" dirty="0" smtClean="0"/>
-              <a:t>ODER ich implementiere die </a:t>
+              <a:t>Kein Scherz, haben Leute schon mal benutzt um Pattern </a:t>
             </a:r>
             <a:r>
               <a:rPr lang="de-DE" baseline="0" dirty="0" err="1" smtClean="0"/>
-              <a:t>Overloads</a:t>
+              <a:t>Matching</a:t>
             </a:r>
             <a:r>
               <a:rPr lang="de-DE" baseline="0" dirty="0" smtClean="0"/>
-              <a:t> von </a:t>
-            </a:r>
-            <a:r>
-              <a:rPr lang="de-DE" baseline="0" dirty="0" err="1" smtClean="0"/>
-              <a:t>Equals</a:t>
-            </a:r>
-            <a:r>
-              <a:rPr lang="de-DE" baseline="0" dirty="0" smtClean="0"/>
-              <a:t> selber, und dann vergesse nicht diese anzupassen wenn sich die Klasse ändert</a:t>
-            </a:r>
-          </a:p>
-          <a:p>
-            <a:r>
-              <a:rPr lang="de-DE" baseline="0" dirty="0" smtClean="0"/>
-              <a:t>UND</a:t>
-            </a:r>
-          </a:p>
-          <a:p>
-            <a:r>
-              <a:rPr lang="de-DE" baseline="0" dirty="0" smtClean="0"/>
-              <a:t>Wie ist es in der einen oder in der anderen </a:t>
-            </a:r>
-            <a:r>
-              <a:rPr lang="de-DE" baseline="0" smtClean="0"/>
-              <a:t>implementiert/nicht implementiert</a:t>
-            </a:r>
-            <a:endParaRPr lang="en-US" dirty="0"/>
+              <a:t> in C# zu implementieren.</a:t>
+            </a:r>
+            <a:endParaRPr lang="de-DE" dirty="0" smtClean="0"/>
           </a:p>
         </p:txBody>
       </p:sp>
@@ -3610,7 +3808,7 @@
     </p:spTree>
     <p:extLst>
       <p:ext uri="{BB962C8B-B14F-4D97-AF65-F5344CB8AC3E}">
-        <p14:creationId xmlns:p14="http://schemas.microsoft.com/office/powerpoint/2010/main" val="836832827"/>
+        <p14:creationId xmlns:p14="http://schemas.microsoft.com/office/powerpoint/2010/main" val="1056229856"/>
       </p:ext>
     </p:extLst>
   </p:cSld>
@@ -3666,19 +3864,60 @@
           <a:p>
             <a:r>
               <a:rPr lang="de-DE" dirty="0" smtClean="0"/>
-              <a:t>Es ist möglich das generierte</a:t>
+              <a:t>IF </a:t>
+            </a:r>
+            <a:r>
+              <a:rPr lang="de-DE" dirty="0" err="1" smtClean="0"/>
+              <a:t>and</a:t>
+            </a:r>
+            <a:r>
+              <a:rPr lang="de-DE" dirty="0" smtClean="0"/>
+              <a:t> SWITCH on STERIODS</a:t>
+            </a:r>
+          </a:p>
+          <a:p>
+            <a:endParaRPr lang="de-DE" dirty="0" smtClean="0"/>
+          </a:p>
+          <a:p>
+            <a:r>
+              <a:rPr lang="de-DE" dirty="0" smtClean="0"/>
+              <a:t>Der F# Compiler ist in der Lage fehlende oder fehlerhafte Fälle</a:t>
             </a:r>
             <a:r>
               <a:rPr lang="de-DE" baseline="0" dirty="0" smtClean="0"/>
-              <a:t> Code in einem Decompiler zu sehen, nur die PDB Datei entfernen damit das IL Code als C# dekompiliert wird, manche </a:t>
+              <a:t> zu entdecken.  Dies ist bedingt durch die </a:t>
             </a:r>
             <a:r>
               <a:rPr lang="de-DE" baseline="0" dirty="0" err="1" smtClean="0"/>
-              <a:t>decompiler</a:t>
+              <a:t>Hindley-Milner</a:t>
             </a:r>
             <a:r>
               <a:rPr lang="de-DE" baseline="0" dirty="0" smtClean="0"/>
-              <a:t> sind schlau und nehmen die Info aus der PDB heraus.  Dann sieht man was der Compiler alles erzeugt.</a:t>
+              <a:t> Type </a:t>
+            </a:r>
+            <a:r>
+              <a:rPr lang="de-DE" baseline="0" dirty="0" err="1" smtClean="0"/>
+              <a:t>Inference</a:t>
+            </a:r>
+            <a:r>
+              <a:rPr lang="de-DE" baseline="0" dirty="0" smtClean="0"/>
+              <a:t>, C# wird dies nicht können ohne dass „</a:t>
+            </a:r>
+            <a:r>
+              <a:rPr lang="de-DE" baseline="0" dirty="0" err="1" smtClean="0"/>
+              <a:t>breaking</a:t>
+            </a:r>
+            <a:r>
+              <a:rPr lang="de-DE" baseline="0" dirty="0" smtClean="0"/>
+              <a:t> </a:t>
+            </a:r>
+            <a:r>
+              <a:rPr lang="de-DE" baseline="0" dirty="0" err="1" smtClean="0"/>
+              <a:t>changes</a:t>
+            </a:r>
+            <a:r>
+              <a:rPr lang="de-DE" baseline="0" dirty="0" smtClean="0"/>
+              <a:t>“ eingeführt werden.</a:t>
             </a:r>
             <a:endParaRPr lang="en-US" dirty="0"/>
           </a:p>
@@ -3710,7 +3949,7 @@
     </p:spTree>
     <p:extLst>
       <p:ext uri="{BB962C8B-B14F-4D97-AF65-F5344CB8AC3E}">
-        <p14:creationId xmlns:p14="http://schemas.microsoft.com/office/powerpoint/2010/main" val="3165246819"/>
+        <p14:creationId xmlns:p14="http://schemas.microsoft.com/office/powerpoint/2010/main" val="1056229856"/>
       </p:ext>
     </p:extLst>
   </p:cSld>
@@ -3764,28 +4003,127 @@
           <a:bodyPr/>
           <a:lstStyle/>
           <a:p>
-            <a:pPr marL="0" marR="0" indent="0" algn="l" defTabSz="914400" rtl="0" eaLnBrk="1" fontAlgn="auto" latinLnBrk="0" hangingPunct="1">
-              <a:lnSpc>
-                <a:spcPct val="100000"/>
-              </a:lnSpc>
-              <a:spcBef>
-                <a:spcPts val="0"/>
-              </a:spcBef>
-              <a:spcAft>
-                <a:spcPts val="0"/>
-              </a:spcAft>
-              <a:buClrTx/>
-              <a:buSzTx/>
-              <a:buFontTx/>
+            <a:r>
+              <a:rPr lang="de-DE" dirty="0" smtClean="0"/>
+              <a:t>Zwei </a:t>
+            </a:r>
+            <a:r>
+              <a:rPr lang="de-DE" dirty="0" smtClean="0"/>
+              <a:t>im</a:t>
+            </a:r>
+            <a:r>
+              <a:rPr lang="de-DE" baseline="0" dirty="0" smtClean="0"/>
+              <a:t> Sinne des Domains gleichwertige Instanzen „Kunde 123“ sind nicht identisch</a:t>
+            </a:r>
+            <a:r>
+              <a:rPr lang="de-DE" baseline="0" dirty="0" smtClean="0"/>
+              <a:t>.</a:t>
+            </a:r>
+          </a:p>
+          <a:p>
+            <a:endParaRPr lang="de-DE" baseline="0" dirty="0" smtClean="0"/>
+          </a:p>
+          <a:p>
+            <a:endParaRPr lang="de-DE" baseline="0" dirty="0" smtClean="0"/>
+          </a:p>
+          <a:p>
+            <a:endParaRPr lang="de-DE" baseline="0" dirty="0" smtClean="0"/>
+          </a:p>
+          <a:p>
+            <a:r>
+              <a:rPr lang="de-DE" baseline="0" dirty="0" smtClean="0"/>
+              <a:t>ODER ich implementiere die </a:t>
+            </a:r>
+            <a:r>
+              <a:rPr lang="de-DE" baseline="0" dirty="0" err="1" smtClean="0"/>
+              <a:t>Overloads</a:t>
+            </a:r>
+            <a:r>
+              <a:rPr lang="de-DE" baseline="0" dirty="0" smtClean="0"/>
+              <a:t> von </a:t>
+            </a:r>
+            <a:r>
+              <a:rPr lang="de-DE" baseline="0" dirty="0" err="1" smtClean="0"/>
+              <a:t>Equals</a:t>
+            </a:r>
+            <a:r>
+              <a:rPr lang="de-DE" baseline="0" dirty="0" smtClean="0"/>
+              <a:t> selber, und dann vergesse nicht diese anzupassen wenn sich die Klasse ändert</a:t>
+            </a:r>
+          </a:p>
+          <a:p>
+            <a:r>
+              <a:rPr lang="de-DE" baseline="0" dirty="0" smtClean="0"/>
+              <a:t>UND</a:t>
+            </a:r>
+          </a:p>
+          <a:p>
+            <a:r>
+              <a:rPr lang="de-DE" baseline="0" dirty="0" smtClean="0"/>
+              <a:t>Wie ist es in der einen oder in der anderen implementiert/nicht </a:t>
+            </a:r>
+            <a:r>
+              <a:rPr lang="de-DE" baseline="0" dirty="0" smtClean="0"/>
+              <a:t>implementiert</a:t>
+            </a:r>
+          </a:p>
+          <a:p>
+            <a:endParaRPr lang="de-DE" baseline="0" dirty="0" smtClean="0"/>
+          </a:p>
+          <a:p>
+            <a:pPr marL="0" indent="0">
               <a:buNone/>
-              <a:tabLst/>
-              <a:defRPr/>
             </a:pPr>
             <a:r>
               <a:rPr lang="de-DE" dirty="0" smtClean="0"/>
-              <a:t>Für die die sich an Silverlight oder andere Entwicklungen erinnern</a:t>
-            </a:r>
-            <a:endParaRPr lang="de-DE" dirty="0" smtClean="0"/>
+              <a:t>In C# (und OO) wenn ich zwei Werte vergleiche geschieht folgendes:</a:t>
+            </a:r>
+          </a:p>
+          <a:p>
+            <a:r>
+              <a:rPr lang="de-DE" dirty="0" err="1" smtClean="0"/>
+              <a:t>Werttyp</a:t>
+            </a:r>
+            <a:r>
+              <a:rPr lang="de-DE" dirty="0" smtClean="0"/>
+              <a:t> (</a:t>
+            </a:r>
+            <a:r>
+              <a:rPr lang="de-DE" dirty="0" err="1" smtClean="0"/>
+              <a:t>int</a:t>
+            </a:r>
+            <a:r>
+              <a:rPr lang="de-DE" dirty="0" smtClean="0"/>
+              <a:t>): Werte abgleichen 0 == 0</a:t>
+            </a:r>
+          </a:p>
+          <a:p>
+            <a:r>
+              <a:rPr lang="de-DE" dirty="0" err="1" smtClean="0"/>
+              <a:t>Struct</a:t>
+            </a:r>
+            <a:r>
+              <a:rPr lang="de-DE" dirty="0" smtClean="0"/>
+              <a:t>: Keine Unterstützung für ==, muss einen Operator </a:t>
+            </a:r>
+            <a:r>
+              <a:rPr lang="de-DE" dirty="0" err="1" smtClean="0"/>
+              <a:t>overload</a:t>
+            </a:r>
+            <a:r>
+              <a:rPr lang="de-DE" dirty="0" smtClean="0"/>
+              <a:t> machen</a:t>
+            </a:r>
+          </a:p>
+          <a:p>
+            <a:r>
+              <a:rPr lang="de-DE" dirty="0" smtClean="0"/>
+              <a:t>Instanzen: Referenzen werden abgeglichen</a:t>
+            </a:r>
+            <a:endParaRPr lang="en-US" dirty="0" smtClean="0"/>
+          </a:p>
+          <a:p>
+            <a:endParaRPr lang="en-US" dirty="0"/>
           </a:p>
         </p:txBody>
       </p:sp>
@@ -3815,7 +4153,7 @@
     </p:spTree>
     <p:extLst>
       <p:ext uri="{BB962C8B-B14F-4D97-AF65-F5344CB8AC3E}">
-        <p14:creationId xmlns:p14="http://schemas.microsoft.com/office/powerpoint/2010/main" val="3358926703"/>
+        <p14:creationId xmlns:p14="http://schemas.microsoft.com/office/powerpoint/2010/main" val="836832827"/>
       </p:ext>
     </p:extLst>
   </p:cSld>
@@ -3869,36 +4207,23 @@
           <a:bodyPr/>
           <a:lstStyle/>
           <a:p>
-            <a:pPr marL="0" marR="0" indent="0" algn="l" defTabSz="914400" rtl="0" eaLnBrk="1" fontAlgn="auto" latinLnBrk="0" hangingPunct="1">
-              <a:lnSpc>
-                <a:spcPct val="100000"/>
-              </a:lnSpc>
-              <a:spcBef>
-                <a:spcPts val="0"/>
-              </a:spcBef>
-              <a:spcAft>
-                <a:spcPts val="0"/>
-              </a:spcAft>
-              <a:buClrTx/>
-              <a:buSzTx/>
-              <a:buFontTx/>
-              <a:buNone/>
-              <a:tabLst/>
-              <a:defRPr/>
-            </a:pPr>
-            <a:r>
-              <a:rPr lang="de-DE" dirty="0" smtClean="0"/>
-              <a:t>Es</a:t>
+            <a:r>
+              <a:rPr lang="de-DE" dirty="0" smtClean="0"/>
+              <a:t>Es ist möglich das generierte</a:t>
             </a:r>
             <a:r>
               <a:rPr lang="de-DE" baseline="0" dirty="0" smtClean="0"/>
-              <a:t> geht nicht nur um die Sprache sondern auch darum wie eine </a:t>
-            </a:r>
-            <a:r>
-              <a:rPr lang="de-DE" baseline="0" smtClean="0"/>
-              <a:t>Sprache entsteht.</a:t>
-            </a:r>
-            <a:endParaRPr lang="de-DE" dirty="0" smtClean="0"/>
+              <a:t> Code in einem Decompiler zu sehen, nur die PDB Datei entfernen damit das IL Code als C# dekompiliert wird, manche </a:t>
+            </a:r>
+            <a:r>
+              <a:rPr lang="de-DE" baseline="0" dirty="0" err="1" smtClean="0"/>
+              <a:t>decompiler</a:t>
+            </a:r>
+            <a:r>
+              <a:rPr lang="de-DE" baseline="0" dirty="0" smtClean="0"/>
+              <a:t> sind schlau und nehmen die Info aus der PDB heraus.  Dann sieht man was der Compiler alles erzeugt.</a:t>
+            </a:r>
+            <a:endParaRPr lang="en-US" dirty="0"/>
           </a:p>
         </p:txBody>
       </p:sp>
@@ -3928,7 +4253,7 @@
     </p:spTree>
     <p:extLst>
       <p:ext uri="{BB962C8B-B14F-4D97-AF65-F5344CB8AC3E}">
-        <p14:creationId xmlns:p14="http://schemas.microsoft.com/office/powerpoint/2010/main" val="3358926703"/>
+        <p14:creationId xmlns:p14="http://schemas.microsoft.com/office/powerpoint/2010/main" val="3165246819"/>
       </p:ext>
     </p:extLst>
   </p:cSld>
@@ -4193,6 +4518,20 @@
             <a:endParaRPr lang="de-DE" baseline="0" dirty="0" smtClean="0"/>
           </a:p>
           <a:p>
+            <a:endParaRPr lang="de-DE" baseline="0" dirty="0" smtClean="0"/>
+          </a:p>
+          <a:p>
+            <a:r>
+              <a:rPr lang="de-DE" baseline="0" dirty="0" smtClean="0"/>
+              <a:t>Bilder aus </a:t>
+            </a:r>
+            <a:r>
+              <a:rPr lang="de-DE" baseline="0" dirty="0" err="1" smtClean="0"/>
+              <a:t>WikiMedia</a:t>
+            </a:r>
+            <a:endParaRPr lang="de-DE" baseline="0" dirty="0" smtClean="0"/>
+          </a:p>
+          <a:p>
             <a:endParaRPr lang="en-US" dirty="0"/>
           </a:p>
         </p:txBody>
@@ -4293,8 +4632,9 @@
             </a:pPr>
             <a:r>
               <a:rPr lang="de-DE" baseline="0" dirty="0" smtClean="0"/>
-              <a:t>Lambdas</a:t>
-            </a:r>
+              <a:t>Lambdas -&gt; anonyme Funktionen</a:t>
+            </a:r>
+            <a:endParaRPr lang="de-DE" baseline="0" dirty="0" smtClean="0"/>
           </a:p>
           <a:p>
             <a:pPr marL="171450" indent="-171450">
@@ -5035,6 +5375,37 @@
           <a:lstStyle/>
           <a:p>
             <a:r>
+              <a:rPr lang="de-DE" sz="1200" kern="1200" dirty="0" smtClean="0">
+                <a:solidFill>
+                  <a:schemeClr val="tx1"/>
+                </a:solidFill>
+                <a:latin typeface="+mn-lt"/>
+                <a:ea typeface="+mn-ea"/>
+                <a:cs typeface="+mn-cs"/>
+              </a:rPr>
+              <a:t>Signatur einer Funktion ist ihr Typ</a:t>
+            </a:r>
+            <a:endParaRPr lang="en-US" sz="1200" kern="1200" dirty="0" smtClean="0">
+              <a:solidFill>
+                <a:schemeClr val="tx1"/>
+              </a:solidFill>
+              <a:latin typeface="+mn-lt"/>
+              <a:ea typeface="+mn-ea"/>
+              <a:cs typeface="+mn-cs"/>
+            </a:endParaRPr>
+          </a:p>
+          <a:p>
+            <a:endParaRPr lang="en-US" sz="1200" kern="1200" dirty="0" smtClean="0">
+              <a:solidFill>
+                <a:schemeClr val="tx1"/>
+              </a:solidFill>
+              <a:latin typeface="+mn-lt"/>
+              <a:ea typeface="+mn-ea"/>
+              <a:cs typeface="+mn-cs"/>
+            </a:endParaRPr>
+          </a:p>
+          <a:p>
+            <a:r>
               <a:rPr lang="en-US" sz="1200" kern="1200" dirty="0" smtClean="0">
                 <a:solidFill>
                   <a:schemeClr val="tx1"/>
@@ -5043,7 +5414,18 @@
                 <a:ea typeface="+mn-ea"/>
                 <a:cs typeface="+mn-cs"/>
               </a:rPr>
-              <a:t>type S = { Name : string; </a:t>
+              <a:t>type </a:t>
+            </a:r>
+            <a:r>
+              <a:rPr lang="en-US" sz="1200" kern="1200" dirty="0" smtClean="0">
+                <a:solidFill>
+                  <a:schemeClr val="tx1"/>
+                </a:solidFill>
+                <a:latin typeface="+mn-lt"/>
+                <a:ea typeface="+mn-ea"/>
+                <a:cs typeface="+mn-cs"/>
+              </a:rPr>
+              <a:t>S = { Name : string; </a:t>
             </a:r>
             <a:r>
               <a:rPr lang="en-US" sz="1200" kern="1200" dirty="0" err="1" smtClean="0">
@@ -5143,193 +5525,65 @@
             <a:endParaRPr lang="de-DE" dirty="0" smtClean="0"/>
           </a:p>
           <a:p>
-            <a:r>
-              <a:rPr lang="de-DE" dirty="0" smtClean="0"/>
-              <a:t>Typ &lt;&gt; Klasse: Kein Verhalten,</a:t>
-            </a:r>
-            <a:r>
-              <a:rPr lang="de-DE" baseline="0" dirty="0" smtClean="0"/>
-              <a:t> Reine Datenstruktur.  Aber Achtung: Ich kann in F# da ein bisschen schummeln, F# ist </a:t>
-            </a:r>
-            <a:r>
-              <a:rPr lang="de-DE" baseline="0" dirty="0" err="1" smtClean="0"/>
-              <a:t>Functional</a:t>
-            </a:r>
-            <a:r>
-              <a:rPr lang="de-DE" baseline="0" dirty="0" smtClean="0"/>
-              <a:t> </a:t>
-            </a:r>
-            <a:r>
-              <a:rPr lang="de-DE" baseline="0" dirty="0" err="1" smtClean="0"/>
-              <a:t>first</a:t>
-            </a:r>
-            <a:r>
-              <a:rPr lang="de-DE" baseline="0" dirty="0" smtClean="0"/>
-              <a:t> und erlaubt die Verwendung von OO Konstrukte.</a:t>
-            </a:r>
-          </a:p>
-          <a:p>
-            <a:endParaRPr lang="de-DE" baseline="0" dirty="0" smtClean="0"/>
-          </a:p>
-          <a:p>
-            <a:r>
-              <a:rPr lang="de-DE" baseline="0" dirty="0" smtClean="0"/>
-              <a:t>type Name = { Vor : </a:t>
-            </a:r>
-            <a:r>
-              <a:rPr lang="de-DE" baseline="0" dirty="0" err="1" smtClean="0"/>
-              <a:t>string</a:t>
-            </a:r>
-            <a:r>
-              <a:rPr lang="de-DE" baseline="0" dirty="0" smtClean="0"/>
-              <a:t>; Nach : </a:t>
-            </a:r>
-            <a:r>
-              <a:rPr lang="de-DE" baseline="0" dirty="0" err="1" smtClean="0"/>
-              <a:t>string</a:t>
-            </a:r>
-            <a:r>
-              <a:rPr lang="de-DE" baseline="0" dirty="0" smtClean="0"/>
-              <a:t>; }</a:t>
-            </a:r>
-          </a:p>
-          <a:p>
-            <a:r>
-              <a:rPr lang="de-DE" baseline="0" dirty="0" smtClean="0"/>
-              <a:t>type Name‘ = { Name : Name; Title : </a:t>
-            </a:r>
-            <a:r>
-              <a:rPr lang="de-DE" baseline="0" dirty="0" err="1" smtClean="0"/>
-              <a:t>string</a:t>
-            </a:r>
-            <a:r>
-              <a:rPr lang="de-DE" baseline="0" dirty="0" smtClean="0"/>
-              <a:t>; Zusatz : </a:t>
-            </a:r>
-            <a:r>
-              <a:rPr lang="de-DE" baseline="0" dirty="0" err="1" smtClean="0"/>
-              <a:t>string</a:t>
-            </a:r>
-            <a:r>
-              <a:rPr lang="de-DE" baseline="0" dirty="0" smtClean="0"/>
-              <a:t>; }</a:t>
-            </a:r>
-          </a:p>
-          <a:p>
-            <a:endParaRPr lang="de-DE" baseline="0" dirty="0" smtClean="0"/>
-          </a:p>
-          <a:p>
-            <a:r>
-              <a:rPr lang="de-DE" baseline="0" dirty="0" err="1" smtClean="0"/>
-              <a:t>Immutability</a:t>
-            </a:r>
-            <a:r>
-              <a:rPr lang="de-DE" baseline="0" dirty="0" smtClean="0"/>
-              <a:t>. Grundsätzlich: Es gibt keine Variablen (Slot im Speicher wo ich etwas pushen und poppen kann). Einmal zugewiesen, bleibt es da für immer! Zwei Vorteile:</a:t>
-            </a:r>
-          </a:p>
-          <a:p>
-            <a:pPr marL="171450" indent="-171450">
-              <a:buFontTx/>
-              <a:buChar char="-"/>
-            </a:pPr>
-            <a:r>
-              <a:rPr lang="de-DE" baseline="0" dirty="0" smtClean="0"/>
-              <a:t>Simple </a:t>
-            </a:r>
-            <a:r>
-              <a:rPr lang="de-DE" baseline="0" dirty="0" err="1" smtClean="0"/>
-              <a:t>to</a:t>
-            </a:r>
-            <a:r>
-              <a:rPr lang="de-DE" baseline="0" dirty="0" smtClean="0"/>
-              <a:t> </a:t>
-            </a:r>
-            <a:r>
-              <a:rPr lang="de-DE" baseline="0" dirty="0" err="1" smtClean="0"/>
-              <a:t>reason</a:t>
-            </a:r>
-            <a:r>
-              <a:rPr lang="de-DE" baseline="0" dirty="0" smtClean="0"/>
-              <a:t> </a:t>
-            </a:r>
-            <a:r>
-              <a:rPr lang="de-DE" baseline="0" dirty="0" err="1" smtClean="0"/>
-              <a:t>about</a:t>
-            </a:r>
-            <a:r>
-              <a:rPr lang="de-DE" baseline="0" dirty="0" smtClean="0"/>
-              <a:t>. Die Frage „Wann hat sich der Wert geändert?“ stellt sich gar nicht mehr, der Wert kann nur zugewiesen werden</a:t>
-            </a:r>
-          </a:p>
-          <a:p>
-            <a:pPr marL="171450" indent="-171450">
-              <a:buFontTx/>
-              <a:buChar char="-"/>
-            </a:pPr>
-            <a:r>
-              <a:rPr lang="de-DE" baseline="0" dirty="0" smtClean="0"/>
-              <a:t>Multi Core </a:t>
-            </a:r>
-            <a:r>
-              <a:rPr lang="de-DE" baseline="0" dirty="0" err="1" smtClean="0"/>
-              <a:t>ready</a:t>
-            </a:r>
-            <a:r>
-              <a:rPr lang="de-DE" baseline="0" dirty="0" smtClean="0"/>
-              <a:t>: Kein </a:t>
-            </a:r>
-            <a:r>
-              <a:rPr lang="de-DE" baseline="0" dirty="0" err="1" smtClean="0"/>
-              <a:t>Mutex</a:t>
-            </a:r>
-            <a:r>
-              <a:rPr lang="de-DE" baseline="0" dirty="0" smtClean="0"/>
-              <a:t>, kein Semaphore, kein Monitor!</a:t>
-            </a:r>
-          </a:p>
-          <a:p>
-            <a:pPr marL="171450" indent="-171450">
-              <a:buFontTx/>
-              <a:buChar char="-"/>
-            </a:pPr>
-            <a:r>
-              <a:rPr lang="de-DE" baseline="0" dirty="0" smtClean="0"/>
-              <a:t>Man muss State neudenken, besser neulernen, die FP Leute haben das schon gemacht. Und übrigens, </a:t>
-            </a:r>
-            <a:r>
-              <a:rPr lang="de-DE" baseline="0" dirty="0" err="1" smtClean="0"/>
-              <a:t>SmallTalk</a:t>
-            </a:r>
-            <a:r>
-              <a:rPr lang="de-DE" baseline="0" dirty="0" smtClean="0"/>
-              <a:t> war auch </a:t>
-            </a:r>
-            <a:r>
-              <a:rPr lang="de-DE" baseline="0" dirty="0" err="1" smtClean="0"/>
-              <a:t>immutable</a:t>
-            </a:r>
-            <a:r>
-              <a:rPr lang="de-DE" baseline="0" dirty="0" smtClean="0"/>
-              <a:t>, State war nur mittels eines Messaging Untersystem möglich.</a:t>
-            </a:r>
-          </a:p>
-          <a:p>
-            <a:pPr marL="171450" indent="-171450">
-              <a:buFontTx/>
-              <a:buChar char="-"/>
-            </a:pPr>
-            <a:endParaRPr lang="de-DE" baseline="0" dirty="0" smtClean="0"/>
-          </a:p>
-          <a:p>
             <a:pPr marL="0" indent="0">
               <a:buFontTx/>
               <a:buNone/>
             </a:pPr>
             <a:r>
               <a:rPr lang="de-DE" baseline="0" dirty="0" smtClean="0"/>
-              <a:t>Eine Funktion wird zu einem Ausdruck gebunden und gibt diesem einen Wert.</a:t>
-            </a:r>
+              <a:t>Eine </a:t>
+            </a:r>
+            <a:r>
+              <a:rPr lang="de-DE" baseline="0" dirty="0" smtClean="0"/>
+              <a:t>Funktion wird zu einem Ausdruck gebunden und gibt diesem einen Wert</a:t>
+            </a:r>
+            <a:r>
+              <a:rPr lang="de-DE" baseline="0" dirty="0" smtClean="0"/>
+              <a:t>.  Diesen Wert kann ich dann auch als </a:t>
+            </a:r>
+            <a:r>
+              <a:rPr lang="de-DE" baseline="0" dirty="0" err="1" smtClean="0"/>
+              <a:t>Paramter</a:t>
+            </a:r>
+            <a:r>
+              <a:rPr lang="de-DE" baseline="0" dirty="0" smtClean="0"/>
+              <a:t> angeben</a:t>
+            </a:r>
+          </a:p>
+          <a:p>
+            <a:pPr marL="0" indent="0">
+              <a:buFontTx/>
+              <a:buNone/>
+            </a:pPr>
+            <a:endParaRPr lang="de-DE" baseline="0" dirty="0" smtClean="0"/>
+          </a:p>
+          <a:p>
+            <a:pPr marL="0" indent="0">
+              <a:buFontTx/>
+              <a:buNone/>
+            </a:pPr>
+            <a:r>
+              <a:rPr lang="de-DE" baseline="0" dirty="0" smtClean="0"/>
+              <a:t>Nebenwirkung ist aber dass was wir machen!</a:t>
+            </a:r>
+          </a:p>
+          <a:p>
+            <a:pPr marL="0" indent="0">
+              <a:buFontTx/>
+              <a:buNone/>
+            </a:pPr>
+            <a:endParaRPr lang="de-DE" baseline="0" dirty="0" smtClean="0"/>
+          </a:p>
+          <a:p>
+            <a:pPr marL="0" indent="0">
+              <a:buFontTx/>
+              <a:buNone/>
+            </a:pPr>
+            <a:r>
+              <a:rPr lang="de-DE" baseline="0" dirty="0" smtClean="0"/>
+              <a:t>Die höhere Kunst ist es in der Sprache Funktionen mit Nebenwirkung so zu gestalten dass diese Nebenwirkung nicht zum Vorschein kommt, sondern dass die Funktion sich so verhält als wäre diese pure. Das heißt dass Domain und Range soweit es geht wohl definiert bleiben.</a:t>
+            </a:r>
+            <a:endParaRPr lang="de-DE" baseline="0" dirty="0" smtClean="0"/>
           </a:p>
           <a:p>
             <a:endParaRPr lang="de-DE" baseline="0" dirty="0" smtClean="0"/>
@@ -5556,7 +5810,7 @@
           <a:p>
             <a:fld id="{28CA3B8B-C56F-4663-93D1-BECEDA7EAF67}" type="datetimeFigureOut">
               <a:rPr lang="en-US" smtClean="0"/>
-              <a:t>12/1/2015</a:t>
+              <a:t>12/2/2015</a:t>
             </a:fld>
             <a:endParaRPr lang="en-US"/>
           </a:p>
@@ -5726,7 +5980,7 @@
           <a:p>
             <a:fld id="{28CA3B8B-C56F-4663-93D1-BECEDA7EAF67}" type="datetimeFigureOut">
               <a:rPr lang="en-US" smtClean="0"/>
-              <a:t>12/1/2015</a:t>
+              <a:t>12/2/2015</a:t>
             </a:fld>
             <a:endParaRPr lang="en-US"/>
           </a:p>
@@ -5906,7 +6160,7 @@
           <a:p>
             <a:fld id="{28CA3B8B-C56F-4663-93D1-BECEDA7EAF67}" type="datetimeFigureOut">
               <a:rPr lang="en-US" smtClean="0"/>
-              <a:t>12/1/2015</a:t>
+              <a:t>12/2/2015</a:t>
             </a:fld>
             <a:endParaRPr lang="en-US"/>
           </a:p>
@@ -6076,7 +6330,7 @@
           <a:p>
             <a:fld id="{28CA3B8B-C56F-4663-93D1-BECEDA7EAF67}" type="datetimeFigureOut">
               <a:rPr lang="en-US" smtClean="0"/>
-              <a:t>12/1/2015</a:t>
+              <a:t>12/2/2015</a:t>
             </a:fld>
             <a:endParaRPr lang="en-US"/>
           </a:p>
@@ -6322,7 +6576,7 @@
           <a:p>
             <a:fld id="{28CA3B8B-C56F-4663-93D1-BECEDA7EAF67}" type="datetimeFigureOut">
               <a:rPr lang="en-US" smtClean="0"/>
-              <a:t>12/1/2015</a:t>
+              <a:t>12/2/2015</a:t>
             </a:fld>
             <a:endParaRPr lang="en-US"/>
           </a:p>
@@ -6610,7 +6864,7 @@
           <a:p>
             <a:fld id="{28CA3B8B-C56F-4663-93D1-BECEDA7EAF67}" type="datetimeFigureOut">
               <a:rPr lang="en-US" smtClean="0"/>
-              <a:t>12/1/2015</a:t>
+              <a:t>12/2/2015</a:t>
             </a:fld>
             <a:endParaRPr lang="en-US"/>
           </a:p>
@@ -7032,7 +7286,7 @@
           <a:p>
             <a:fld id="{28CA3B8B-C56F-4663-93D1-BECEDA7EAF67}" type="datetimeFigureOut">
               <a:rPr lang="en-US" smtClean="0"/>
-              <a:t>12/1/2015</a:t>
+              <a:t>12/2/2015</a:t>
             </a:fld>
             <a:endParaRPr lang="en-US"/>
           </a:p>
@@ -7150,7 +7404,7 @@
           <a:p>
             <a:fld id="{28CA3B8B-C56F-4663-93D1-BECEDA7EAF67}" type="datetimeFigureOut">
               <a:rPr lang="en-US" smtClean="0"/>
-              <a:t>12/1/2015</a:t>
+              <a:t>12/2/2015</a:t>
             </a:fld>
             <a:endParaRPr lang="en-US"/>
           </a:p>
@@ -7245,7 +7499,7 @@
           <a:p>
             <a:fld id="{28CA3B8B-C56F-4663-93D1-BECEDA7EAF67}" type="datetimeFigureOut">
               <a:rPr lang="en-US" smtClean="0"/>
-              <a:t>12/1/2015</a:t>
+              <a:t>12/2/2015</a:t>
             </a:fld>
             <a:endParaRPr lang="en-US"/>
           </a:p>
@@ -7522,7 +7776,7 @@
           <a:p>
             <a:fld id="{28CA3B8B-C56F-4663-93D1-BECEDA7EAF67}" type="datetimeFigureOut">
               <a:rPr lang="en-US" smtClean="0"/>
-              <a:t>12/1/2015</a:t>
+              <a:t>12/2/2015</a:t>
             </a:fld>
             <a:endParaRPr lang="en-US"/>
           </a:p>
@@ -7775,7 +8029,7 @@
           <a:p>
             <a:fld id="{28CA3B8B-C56F-4663-93D1-BECEDA7EAF67}" type="datetimeFigureOut">
               <a:rPr lang="en-US" smtClean="0"/>
-              <a:t>12/1/2015</a:t>
+              <a:t>12/2/2015</a:t>
             </a:fld>
             <a:endParaRPr lang="en-US"/>
           </a:p>
@@ -7988,7 +8242,7 @@
           <a:p>
             <a:fld id="{28CA3B8B-C56F-4663-93D1-BECEDA7EAF67}" type="datetimeFigureOut">
               <a:rPr lang="en-US" smtClean="0"/>
-              <a:t>12/1/2015</a:t>
+              <a:t>12/2/2015</a:t>
             </a:fld>
             <a:endParaRPr lang="en-US"/>
           </a:p>
@@ -8820,14 +9074,13 @@
           <a:p>
             <a:r>
               <a:rPr lang="de-DE" dirty="0" smtClean="0"/>
-              <a:t>Können als Ergebnis einer Funktionen zurückgegeben werden</a:t>
-            </a:r>
-          </a:p>
-          <a:p>
-            <a:r>
-              <a:rPr lang="de-DE" dirty="0" smtClean="0"/>
-              <a:t>„Reine“ (pure) Funktionen haben keine Nebenwirkung</a:t>
-            </a:r>
+              <a:t>Können als Ergebnis einer Funktionen zurückgegeben </a:t>
+            </a:r>
+            <a:r>
+              <a:rPr lang="de-DE" dirty="0" smtClean="0"/>
+              <a:t>werden</a:t>
+            </a:r>
+            <a:endParaRPr lang="de-DE" dirty="0" smtClean="0"/>
           </a:p>
         </p:txBody>
       </p:sp>
@@ -9074,55 +9327,6 @@
                                           <p:spTgt spid="3">
                                             <p:txEl>
                                               <p:pRg st="4" end="4"/>
-                                            </p:txEl>
-                                          </p:spTgt>
-                                        </p:tgtEl>
-                                        <p:attrNameLst>
-                                          <p:attrName>style.visibility</p:attrName>
-                                        </p:attrNameLst>
-                                      </p:cBhvr>
-                                      <p:to>
-                                        <p:strVal val="visible"/>
-                                      </p:to>
-                                    </p:set>
-                                  </p:childTnLst>
-                                </p:cTn>
-                              </p:par>
-                            </p:childTnLst>
-                          </p:cTn>
-                        </p:par>
-                      </p:childTnLst>
-                    </p:cTn>
-                  </p:par>
-                  <p:par>
-                    <p:cTn id="23" fill="hold">
-                      <p:stCondLst>
-                        <p:cond delay="indefinite"/>
-                      </p:stCondLst>
-                      <p:childTnLst>
-                        <p:par>
-                          <p:cTn id="24" fill="hold">
-                            <p:stCondLst>
-                              <p:cond delay="0"/>
-                            </p:stCondLst>
-                            <p:childTnLst>
-                              <p:par>
-                                <p:cTn id="25" presetID="1" presetClass="entr" presetSubtype="0" fill="hold" nodeType="clickEffect">
-                                  <p:stCondLst>
-                                    <p:cond delay="0"/>
-                                  </p:stCondLst>
-                                  <p:childTnLst>
-                                    <p:set>
-                                      <p:cBhvr>
-                                        <p:cTn id="26" dur="1" fill="hold">
-                                          <p:stCondLst>
-                                            <p:cond delay="0"/>
-                                          </p:stCondLst>
-                                        </p:cTn>
-                                        <p:tgtEl>
-                                          <p:spTgt spid="3">
-                                            <p:txEl>
-                                              <p:pRg st="5" end="5"/>
                                             </p:txEl>
                                           </p:spTgt>
                                         </p:tgtEl>
@@ -10478,6 +10682,60 @@
                                   </p:childTnLst>
                                 </p:cTn>
                               </p:par>
+                              <p:par>
+                                <p:cTn id="7" presetID="1" presetClass="entr" presetSubtype="0" fill="hold" nodeType="withEffect">
+                                  <p:stCondLst>
+                                    <p:cond delay="0"/>
+                                  </p:stCondLst>
+                                  <p:childTnLst>
+                                    <p:set>
+                                      <p:cBhvr>
+                                        <p:cTn id="8" dur="1" fill="hold">
+                                          <p:stCondLst>
+                                            <p:cond delay="0"/>
+                                          </p:stCondLst>
+                                        </p:cTn>
+                                        <p:tgtEl>
+                                          <p:spTgt spid="6149"/>
+                                        </p:tgtEl>
+                                        <p:attrNameLst>
+                                          <p:attrName>style.visibility</p:attrName>
+                                        </p:attrNameLst>
+                                      </p:cBhvr>
+                                      <p:to>
+                                        <p:strVal val="visible"/>
+                                      </p:to>
+                                    </p:set>
+                                  </p:childTnLst>
+                                </p:cTn>
+                              </p:par>
+                              <p:par>
+                                <p:cTn id="9" presetID="1" presetClass="entr" presetSubtype="0" fill="hold" nodeType="withEffect">
+                                  <p:stCondLst>
+                                    <p:cond delay="0"/>
+                                  </p:stCondLst>
+                                  <p:childTnLst>
+                                    <p:set>
+                                      <p:cBhvr>
+                                        <p:cTn id="10" dur="1" fill="hold">
+                                          <p:stCondLst>
+                                            <p:cond delay="0"/>
+                                          </p:stCondLst>
+                                        </p:cTn>
+                                        <p:tgtEl>
+                                          <p:spTgt spid="6148"/>
+                                        </p:tgtEl>
+                                        <p:attrNameLst>
+                                          <p:attrName>style.visibility</p:attrName>
+                                        </p:attrNameLst>
+                                      </p:cBhvr>
+                                      <p:to>
+                                        <p:strVal val="visible"/>
+                                      </p:to>
+                                    </p:set>
+                                  </p:childTnLst>
+                                </p:cTn>
+                              </p:par>
                             </p:childTnLst>
                           </p:cTn>
                         </p:par>
@@ -10831,7 +11089,11 @@
             </a:pPr>
             <a:r>
               <a:rPr lang="de-DE" dirty="0" smtClean="0"/>
-              <a:t>FP Datentyp </a:t>
+              <a:t>FP </a:t>
+            </a:r>
+            <a:r>
+              <a:rPr lang="de-DE" dirty="0" smtClean="0"/>
+              <a:t>Datentyp (ADT) </a:t>
             </a:r>
             <a:r>
               <a:rPr lang="de-DE" dirty="0"/>
@@ -10850,8 +11112,12 @@
           </a:p>
           <a:p>
             <a:r>
+              <a:rPr lang="de-DE" dirty="0" smtClean="0"/>
+              <a:t>ADTs sind </a:t>
+            </a:r>
+            <a:r>
               <a:rPr lang="de-DE" dirty="0" err="1" smtClean="0"/>
-              <a:t>Immutability</a:t>
+              <a:t>immutable</a:t>
             </a:r>
             <a:endParaRPr lang="de-DE" dirty="0" smtClean="0"/>
           </a:p>
@@ -11354,12 +11620,14 @@
         </p:nvSpPr>
         <p:spPr/>
         <p:txBody>
-          <a:bodyPr/>
+          <a:bodyPr>
+            <a:normAutofit/>
+          </a:bodyPr>
           <a:lstStyle/>
           <a:p>
             <a:r>
               <a:rPr lang="de-DE" dirty="0" smtClean="0"/>
-              <a:t>Warum F#?</a:t>
+              <a:t>Wofür ist ein (statischer) Typ gut?</a:t>
             </a:r>
             <a:endParaRPr lang="en-US" dirty="0"/>
           </a:p>
@@ -11383,128 +11651,83 @@
           <a:lstStyle/>
           <a:p>
             <a:r>
-              <a:rPr lang="de-DE" dirty="0"/>
-              <a:t>F# ist eine </a:t>
-            </a:r>
-            <a:r>
-              <a:rPr lang="de-DE" dirty="0" err="1"/>
-              <a:t>functional</a:t>
-            </a:r>
-            <a:r>
-              <a:rPr lang="de-DE" dirty="0"/>
-              <a:t>-first .net </a:t>
-            </a:r>
-            <a:r>
-              <a:rPr lang="de-DE" dirty="0" smtClean="0"/>
-              <a:t>Sprache </a:t>
-            </a:r>
-          </a:p>
-          <a:p>
-            <a:r>
-              <a:rPr lang="de-DE" dirty="0" smtClean="0"/>
-              <a:t>ML Syntax: reduziert </a:t>
-            </a:r>
-            <a:r>
-              <a:rPr lang="de-DE" dirty="0"/>
-              <a:t>LOC </a:t>
-            </a:r>
-            <a:r>
-              <a:rPr lang="de-DE" dirty="0" smtClean="0"/>
-              <a:t>Zahl und die </a:t>
-            </a:r>
-            <a:r>
               <a:rPr lang="de-DE" dirty="0" err="1" smtClean="0"/>
-              <a:t>Func</a:t>
-            </a:r>
-            <a:r>
-              <a:rPr lang="de-DE" dirty="0" smtClean="0"/>
-              <a:t>&lt;&gt; Syntax </a:t>
-            </a:r>
-          </a:p>
-          <a:p>
-            <a:r>
-              <a:rPr lang="de-DE" dirty="0" smtClean="0"/>
-              <a:t>Vereinfachung </a:t>
-            </a:r>
-            <a:r>
-              <a:rPr lang="de-DE" dirty="0"/>
-              <a:t>(</a:t>
-            </a:r>
-            <a:r>
-              <a:rPr lang="de-DE" dirty="0" err="1"/>
-              <a:t>Reason</a:t>
-            </a:r>
-            <a:r>
-              <a:rPr lang="de-DE" dirty="0"/>
-              <a:t> </a:t>
-            </a:r>
-            <a:r>
-              <a:rPr lang="de-DE" dirty="0" err="1"/>
-              <a:t>about</a:t>
-            </a:r>
-            <a:r>
-              <a:rPr lang="de-DE" dirty="0"/>
-              <a:t> </a:t>
-            </a:r>
-            <a:r>
-              <a:rPr lang="de-DE" dirty="0" err="1"/>
-              <a:t>code</a:t>
-            </a:r>
-            <a:r>
-              <a:rPr lang="de-DE" dirty="0"/>
-              <a:t>)</a:t>
-            </a:r>
-          </a:p>
-          <a:p>
-            <a:r>
-              <a:rPr lang="de-DE" dirty="0"/>
-              <a:t>Vereinfachung (Asynchron, Parallel, Strategie</a:t>
-            </a:r>
-            <a:r>
-              <a:rPr lang="de-DE" dirty="0" smtClean="0"/>
-              <a:t>)</a:t>
-            </a:r>
-          </a:p>
-          <a:p>
-            <a:r>
-              <a:rPr lang="de-DE" dirty="0" err="1" smtClean="0"/>
-              <a:t>Multiplatform</a:t>
-            </a:r>
-            <a:r>
-              <a:rPr lang="de-DE" dirty="0" smtClean="0"/>
-              <a:t> (Debian, Xamarin)</a:t>
+              <a:t>Compile</a:t>
+            </a:r>
+            <a:r>
+              <a:rPr lang="de-DE" dirty="0" smtClean="0"/>
+              <a:t>-time check</a:t>
+            </a:r>
+          </a:p>
+          <a:p>
+            <a:r>
+              <a:rPr lang="de-DE" dirty="0" smtClean="0"/>
+              <a:t>Annotation eines Wertes</a:t>
+            </a:r>
+          </a:p>
+          <a:p>
+            <a:r>
+              <a:rPr lang="de-DE" dirty="0" smtClean="0"/>
+              <a:t>Kontrolle der Interaktion mit anderen Werten</a:t>
+            </a:r>
+          </a:p>
+          <a:p>
+            <a:r>
+              <a:rPr lang="de-DE" dirty="0" smtClean="0"/>
+              <a:t>Beschränkung von Funktionsdomänen: </a:t>
+            </a:r>
+          </a:p>
+          <a:p>
+            <a:pPr lvl="1">
+              <a:buFont typeface="Arial" panose="020B0604020202020204" pitchFamily="34" charset="0"/>
+              <a:buChar char="•"/>
+            </a:pPr>
+            <a:r>
+              <a:rPr lang="de-DE" dirty="0" smtClean="0"/>
+              <a:t>Nur bestimmte Werte sind zulässig als Input</a:t>
+            </a:r>
+          </a:p>
+          <a:p>
+            <a:pPr lvl="1">
+              <a:buFont typeface="Arial" panose="020B0604020202020204" pitchFamily="34" charset="0"/>
+              <a:buChar char="•"/>
+            </a:pPr>
+            <a:r>
+              <a:rPr lang="de-DE" dirty="0" smtClean="0"/>
+              <a:t>Nur bestimmte Werte sind zu erwarten als Output</a:t>
             </a:r>
           </a:p>
           <a:p>
             <a:pPr marL="0" indent="0">
               <a:buNone/>
             </a:pPr>
-            <a:endParaRPr lang="de-DE" dirty="0" smtClean="0"/>
-          </a:p>
-          <a:p>
-            <a:pPr marL="0" indent="0">
-              <a:buNone/>
-            </a:pPr>
-            <a:endParaRPr lang="de-DE" dirty="0" smtClean="0"/>
-          </a:p>
-          <a:p>
-            <a:pPr marL="0" indent="0">
-              <a:buNone/>
-            </a:pPr>
-            <a:endParaRPr lang="de-DE" dirty="0" smtClean="0"/>
-          </a:p>
-          <a:p>
-            <a:pPr marL="0" indent="0">
-              <a:buNone/>
-            </a:pPr>
-            <a:endParaRPr lang="en-US" dirty="0"/>
+            <a:r>
+              <a:rPr lang="de-DE" dirty="0" smtClean="0"/>
+              <a:t>Zum Vergleich: dynamische Sprachen können nur </a:t>
+            </a:r>
+            <a:r>
+              <a:rPr lang="de-DE" dirty="0" err="1" smtClean="0"/>
+              <a:t>runtime</a:t>
+            </a:r>
+            <a:r>
+              <a:rPr lang="de-DE" dirty="0" smtClean="0"/>
+              <a:t> </a:t>
+            </a:r>
+            <a:r>
+              <a:rPr lang="de-DE" dirty="0" err="1" smtClean="0"/>
+              <a:t>checks</a:t>
+            </a:r>
+            <a:r>
+              <a:rPr lang="de-DE" dirty="0" smtClean="0"/>
+              <a:t> ausführen</a:t>
+            </a:r>
           </a:p>
         </p:txBody>
       </p:sp>
     </p:spTree>
     <p:extLst>
       <p:ext uri="{BB962C8B-B14F-4D97-AF65-F5344CB8AC3E}">
-        <p14:creationId xmlns:p14="http://schemas.microsoft.com/office/powerpoint/2010/main" val="1568790974"/>
+        <p14:creationId xmlns:p14="http://schemas.microsoft.com/office/powerpoint/2010/main" val="3364966534"/>
       </p:ext>
     </p:extLst>
   </p:cSld>
@@ -11709,26 +11932,39 @@
                                   </p:childTnLst>
                                 </p:cTn>
                               </p:par>
-                            </p:childTnLst>
-                          </p:cTn>
-                        </p:par>
-                      </p:childTnLst>
-                    </p:cTn>
-                  </p:par>
-                  <p:par>
-                    <p:cTn id="19" fill="hold">
-                      <p:stCondLst>
-                        <p:cond delay="indefinite"/>
-                      </p:stCondLst>
-                      <p:childTnLst>
-                        <p:par>
-                          <p:cTn id="20" fill="hold">
-                            <p:stCondLst>
-                              <p:cond delay="0"/>
-                            </p:stCondLst>
-                            <p:childTnLst>
                               <p:par>
-                                <p:cTn id="21" presetID="1" presetClass="entr" presetSubtype="0" fill="hold" grpId="0" nodeType="clickEffect">
+                                <p:cTn id="19" presetID="1" presetClass="entr" presetSubtype="0" fill="hold" grpId="0" nodeType="withEffect">
+                                  <p:stCondLst>
+                                    <p:cond delay="0"/>
+                                  </p:stCondLst>
+                                  <p:childTnLst>
+                                    <p:set>
+                                      <p:cBhvr>
+                                        <p:cTn id="20" dur="1" fill="hold">
+                                          <p:stCondLst>
+                                            <p:cond delay="0"/>
+                                          </p:stCondLst>
+                                        </p:cTn>
+                                        <p:tgtEl>
+                                          <p:spTgt spid="3">
+                                            <p:txEl>
+                                              <p:pRg st="4" end="4"/>
+                                            </p:txEl>
+                                          </p:spTgt>
+                                        </p:tgtEl>
+                                        <p:attrNameLst>
+                                          <p:attrName>style.visibility</p:attrName>
+                                        </p:attrNameLst>
+                                      </p:cBhvr>
+                                      <p:to>
+                                        <p:strVal val="visible"/>
+                                      </p:to>
+                                    </p:set>
+                                  </p:childTnLst>
+                                </p:cTn>
+                              </p:par>
+                              <p:par>
+                                <p:cTn id="21" presetID="1" presetClass="entr" presetSubtype="0" fill="hold" grpId="0" nodeType="withEffect">
                                   <p:stCondLst>
                                     <p:cond delay="0"/>
                                   </p:stCondLst>
@@ -11743,7 +11979,56 @@
                                         <p:tgtEl>
                                           <p:spTgt spid="3">
                                             <p:txEl>
-                                              <p:pRg st="4" end="4"/>
+                                              <p:pRg st="5" end="5"/>
+                                            </p:txEl>
+                                          </p:spTgt>
+                                        </p:tgtEl>
+                                        <p:attrNameLst>
+                                          <p:attrName>style.visibility</p:attrName>
+                                        </p:attrNameLst>
+                                      </p:cBhvr>
+                                      <p:to>
+                                        <p:strVal val="visible"/>
+                                      </p:to>
+                                    </p:set>
+                                  </p:childTnLst>
+                                </p:cTn>
+                              </p:par>
+                            </p:childTnLst>
+                          </p:cTn>
+                        </p:par>
+                      </p:childTnLst>
+                    </p:cTn>
+                  </p:par>
+                  <p:par>
+                    <p:cTn id="23" fill="hold">
+                      <p:stCondLst>
+                        <p:cond delay="indefinite"/>
+                      </p:stCondLst>
+                      <p:childTnLst>
+                        <p:par>
+                          <p:cTn id="24" fill="hold">
+                            <p:stCondLst>
+                              <p:cond delay="0"/>
+                            </p:stCondLst>
+                            <p:childTnLst>
+                              <p:par>
+                                <p:cTn id="25" presetID="1" presetClass="entr" presetSubtype="0" fill="hold" grpId="0" nodeType="clickEffect">
+                                  <p:stCondLst>
+                                    <p:cond delay="0"/>
+                                  </p:stCondLst>
+                                  <p:childTnLst>
+                                    <p:set>
+                                      <p:cBhvr>
+                                        <p:cTn id="26" dur="1" fill="hold">
+                                          <p:stCondLst>
+                                            <p:cond delay="0"/>
+                                          </p:stCondLst>
+                                        </p:cTn>
+                                        <p:tgtEl>
+                                          <p:spTgt spid="3">
+                                            <p:txEl>
+                                              <p:pRg st="6" end="6"/>
                                             </p:txEl>
                                           </p:spTgt>
                                         </p:tgtEl>
@@ -11811,7 +12096,7 @@
       </p:grpSpPr>
       <p:sp>
         <p:nvSpPr>
-          <p:cNvPr id="2" name="Titel 1"/>
+          <p:cNvPr id="2" name="Title 1"/>
           <p:cNvSpPr>
             <a:spLocks noGrp="1"/>
           </p:cNvSpPr>
@@ -11821,29 +12106,6 @@
         </p:nvSpPr>
         <p:spPr/>
         <p:txBody>
-          <a:bodyPr/>
-          <a:lstStyle/>
-          <a:p>
-            <a:r>
-              <a:rPr lang="de-DE" dirty="0" smtClean="0"/>
-              <a:t>Fokus des Vortrags</a:t>
-            </a:r>
-            <a:endParaRPr lang="de-DE" dirty="0"/>
-          </a:p>
-        </p:txBody>
-      </p:sp>
-      <p:sp>
-        <p:nvSpPr>
-          <p:cNvPr id="3" name="Inhaltsplatzhalter 2"/>
-          <p:cNvSpPr>
-            <a:spLocks noGrp="1"/>
-          </p:cNvSpPr>
-          <p:nvPr>
-            <p:ph idx="1"/>
-          </p:nvPr>
-        </p:nvSpPr>
-        <p:spPr/>
-        <p:txBody>
           <a:bodyPr>
             <a:normAutofit/>
           </a:bodyPr>
@@ -11851,81 +12113,46 @@
           <a:p>
             <a:r>
               <a:rPr lang="de-DE" dirty="0" smtClean="0"/>
-              <a:t>Viele mögliche Themen </a:t>
-            </a:r>
-          </a:p>
-          <a:p>
-            <a:pPr lvl="1"/>
-            <a:r>
-              <a:rPr lang="de-DE" dirty="0" smtClean="0"/>
-              <a:t>Higher </a:t>
-            </a:r>
-            <a:r>
-              <a:rPr lang="de-DE" dirty="0" err="1" smtClean="0"/>
-              <a:t>order</a:t>
-            </a:r>
-            <a:r>
-              <a:rPr lang="de-DE" dirty="0" smtClean="0"/>
-              <a:t> </a:t>
-            </a:r>
-            <a:r>
-              <a:rPr lang="de-DE" dirty="0" err="1" smtClean="0"/>
-              <a:t>functions</a:t>
-            </a:r>
-            <a:endParaRPr lang="de-DE" dirty="0" smtClean="0"/>
-          </a:p>
-          <a:p>
-            <a:pPr lvl="1"/>
-            <a:r>
-              <a:rPr lang="de-DE" dirty="0" smtClean="0"/>
-              <a:t>Type Provider	</a:t>
-            </a:r>
-          </a:p>
-          <a:p>
-            <a:pPr lvl="1"/>
-            <a:r>
-              <a:rPr lang="de-DE" dirty="0" smtClean="0"/>
-              <a:t>Cloud</a:t>
-            </a:r>
-          </a:p>
-          <a:p>
-            <a:pPr lvl="1"/>
-            <a:r>
-              <a:rPr lang="de-DE" dirty="0" err="1" smtClean="0"/>
-              <a:t>Machine</a:t>
-            </a:r>
-            <a:r>
-              <a:rPr lang="de-DE" dirty="0" smtClean="0"/>
-              <a:t> Learning</a:t>
-            </a:r>
-          </a:p>
-          <a:p>
-            <a:endParaRPr lang="de-DE" dirty="0"/>
-          </a:p>
-          <a:p>
-            <a:r>
-              <a:rPr lang="de-DE" dirty="0" smtClean="0"/>
-              <a:t>Heute nur ein Thema, das aber ausführlich:</a:t>
-            </a:r>
-          </a:p>
-          <a:p>
-            <a:pPr lvl="1"/>
-            <a:r>
-              <a:rPr lang="de-DE" dirty="0" smtClean="0"/>
-              <a:t>Data </a:t>
-            </a:r>
-            <a:r>
-              <a:rPr lang="de-DE" dirty="0" err="1" smtClean="0"/>
-              <a:t>Types</a:t>
-            </a:r>
-            <a:endParaRPr lang="de-DE" dirty="0"/>
+              <a:t>Wofür ist ein (statischer) Typ gut?</a:t>
+            </a:r>
+            <a:endParaRPr lang="en-US" dirty="0"/>
           </a:p>
         </p:txBody>
       </p:sp>
+      <p:pic>
+        <p:nvPicPr>
+          <p:cNvPr id="5" name="Picture 4"/>
+          <p:cNvPicPr>
+            <a:picLocks noChangeAspect="1"/>
+          </p:cNvPicPr>
+          <p:nvPr/>
+        </p:nvPicPr>
+        <p:blipFill>
+          <a:blip r:embed="rId3">
+            <a:extLst>
+              <a:ext uri="{28A0092B-C50C-407E-A947-70E740481C1C}">
+                <a14:useLocalDpi xmlns:a14="http://schemas.microsoft.com/office/drawing/2010/main" val="0"/>
+              </a:ext>
+            </a:extLst>
+          </a:blip>
+          <a:stretch>
+            <a:fillRect/>
+          </a:stretch>
+        </p:blipFill>
+        <p:spPr>
+          <a:xfrm>
+            <a:off x="683568" y="1124742"/>
+            <a:ext cx="7488832" cy="5193101"/>
+          </a:xfrm>
+          <a:prstGeom prst="rect">
+            <a:avLst/>
+          </a:prstGeom>
+        </p:spPr>
+      </p:pic>
     </p:spTree>
     <p:extLst>
       <p:ext uri="{BB962C8B-B14F-4D97-AF65-F5344CB8AC3E}">
-        <p14:creationId xmlns:p14="http://schemas.microsoft.com/office/powerpoint/2010/main" val="1568360168"/>
+        <p14:creationId xmlns:p14="http://schemas.microsoft.com/office/powerpoint/2010/main" val="194337816"/>
       </p:ext>
     </p:extLst>
   </p:cSld>
@@ -11966,135 +12193,7 @@
                                           </p:stCondLst>
                                         </p:cTn>
                                         <p:tgtEl>
-                                          <p:spTgt spid="3">
-                                            <p:txEl>
-                                              <p:pRg st="0" end="0"/>
-                                            </p:txEl>
-                                          </p:spTgt>
-                                        </p:tgtEl>
-                                        <p:attrNameLst>
-                                          <p:attrName>style.visibility</p:attrName>
-                                        </p:attrNameLst>
-                                      </p:cBhvr>
-                                      <p:to>
-                                        <p:strVal val="visible"/>
-                                      </p:to>
-                                    </p:set>
-                                  </p:childTnLst>
-                                </p:cTn>
-                              </p:par>
-                              <p:par>
-                                <p:cTn id="7" presetID="1" presetClass="entr" presetSubtype="0" fill="hold" grpId="0" nodeType="withEffect">
-                                  <p:stCondLst>
-                                    <p:cond delay="0"/>
-                                  </p:stCondLst>
-                                  <p:childTnLst>
-                                    <p:set>
-                                      <p:cBhvr>
-                                        <p:cTn id="8" dur="1" fill="hold">
-                                          <p:stCondLst>
-                                            <p:cond delay="0"/>
-                                          </p:stCondLst>
-                                        </p:cTn>
-                                        <p:tgtEl>
-                                          <p:spTgt spid="3">
-                                            <p:txEl>
-                                              <p:pRg st="1" end="1"/>
-                                            </p:txEl>
-                                          </p:spTgt>
-                                        </p:tgtEl>
-                                        <p:attrNameLst>
-                                          <p:attrName>style.visibility</p:attrName>
-                                        </p:attrNameLst>
-                                      </p:cBhvr>
-                                      <p:to>
-                                        <p:strVal val="visible"/>
-                                      </p:to>
-                                    </p:set>
-                                  </p:childTnLst>
-                                </p:cTn>
-                              </p:par>
-                              <p:par>
-                                <p:cTn id="9" presetID="1" presetClass="entr" presetSubtype="0" fill="hold" grpId="0" nodeType="withEffect">
-                                  <p:stCondLst>
-                                    <p:cond delay="0"/>
-                                  </p:stCondLst>
-                                  <p:childTnLst>
-                                    <p:set>
-                                      <p:cBhvr>
-                                        <p:cTn id="10" dur="1" fill="hold">
-                                          <p:stCondLst>
-                                            <p:cond delay="0"/>
-                                          </p:stCondLst>
-                                        </p:cTn>
-                                        <p:tgtEl>
-                                          <p:spTgt spid="3">
-                                            <p:txEl>
-                                              <p:pRg st="2" end="2"/>
-                                            </p:txEl>
-                                          </p:spTgt>
-                                        </p:tgtEl>
-                                        <p:attrNameLst>
-                                          <p:attrName>style.visibility</p:attrName>
-                                        </p:attrNameLst>
-                                      </p:cBhvr>
-                                      <p:to>
-                                        <p:strVal val="visible"/>
-                                      </p:to>
-                                    </p:set>
-                                  </p:childTnLst>
-                                </p:cTn>
-                              </p:par>
-                              <p:par>
-                                <p:cTn id="11" presetID="1" presetClass="entr" presetSubtype="0" fill="hold" grpId="0" nodeType="withEffect">
-                                  <p:stCondLst>
-                                    <p:cond delay="0"/>
-                                  </p:stCondLst>
-                                  <p:childTnLst>
-                                    <p:set>
-                                      <p:cBhvr>
-                                        <p:cTn id="12" dur="1" fill="hold">
-                                          <p:stCondLst>
-                                            <p:cond delay="0"/>
-                                          </p:stCondLst>
-                                        </p:cTn>
-                                        <p:tgtEl>
-                                          <p:spTgt spid="3">
-                                            <p:txEl>
-                                              <p:pRg st="3" end="3"/>
-                                            </p:txEl>
-                                          </p:spTgt>
-                                        </p:tgtEl>
-                                        <p:attrNameLst>
-                                          <p:attrName>style.visibility</p:attrName>
-                                        </p:attrNameLst>
-                                      </p:cBhvr>
-                                      <p:to>
-                                        <p:strVal val="visible"/>
-                                      </p:to>
-                                    </p:set>
-                                  </p:childTnLst>
-                                </p:cTn>
-                              </p:par>
-                              <p:par>
-                                <p:cTn id="13" presetID="1" presetClass="entr" presetSubtype="0" fill="hold" grpId="0" nodeType="withEffect">
-                                  <p:stCondLst>
-                                    <p:cond delay="0"/>
-                                  </p:stCondLst>
-                                  <p:childTnLst>
-                                    <p:set>
-                                      <p:cBhvr>
-                                        <p:cTn id="14" dur="1" fill="hold">
-                                          <p:stCondLst>
-                                            <p:cond delay="0"/>
-                                          </p:stCondLst>
-                                        </p:cTn>
-                                        <p:tgtEl>
-                                          <p:spTgt spid="3">
-                                            <p:txEl>
-                                              <p:pRg st="4" end="4"/>
-                                            </p:txEl>
-                                          </p:spTgt>
+                                          <p:spTgt spid="2"/>
                                         </p:tgtEl>
                                         <p:attrNameLst>
                                           <p:attrName>style.visibility</p:attrName>
@@ -12114,67 +12213,32 @@
                     </p:cTn>
                   </p:par>
                   <p:par>
-                    <p:cTn id="15" fill="hold">
+                    <p:cTn id="7" fill="hold">
                       <p:stCondLst>
                         <p:cond delay="indefinite"/>
                       </p:stCondLst>
                       <p:childTnLst>
                         <p:par>
-                          <p:cTn id="16" fill="hold">
+                          <p:cTn id="8" fill="hold">
                             <p:stCondLst>
                               <p:cond delay="0"/>
                             </p:stCondLst>
                             <p:childTnLst>
                               <p:par>
-                                <p:cTn id="17" presetID="1" presetClass="entr" presetSubtype="0" fill="hold" grpId="0" nodeType="clickEffect">
+                                <p:cTn id="9" presetID="1" presetClass="entr" presetSubtype="0" fill="hold" nodeType="clickEffect">
                                   <p:stCondLst>
                                     <p:cond delay="0"/>
                                   </p:stCondLst>
                                   <p:childTnLst>
                                     <p:set>
                                       <p:cBhvr>
-                                        <p:cTn id="18" dur="1" fill="hold">
+                                        <p:cTn id="10" dur="1" fill="hold">
                                           <p:stCondLst>
                                             <p:cond delay="0"/>
                                           </p:stCondLst>
                                         </p:cTn>
                                         <p:tgtEl>
-                                          <p:spTgt spid="3">
-                                            <p:txEl>
-                                              <p:pRg st="6" end="6"/>
-                                            </p:txEl>
-                                          </p:spTgt>
-                                        </p:tgtEl>
-                                        <p:attrNameLst>
-                                          <p:attrName>style.visibility</p:attrName>
-                                        </p:attrNameLst>
-                                      </p:cBhvr>
-                                      <p:to>
-                                        <p:strVal val="visible"/>
-                                      </p:to>
-                                    </p:set>
-                                  </p:childTnLst>
-                                </p:cTn>
-                              </p:par>
-                              <p:par>
-                                <p:cTn id="19" presetID="1" presetClass="entr" presetSubtype="0" fill="hold" grpId="0" nodeType="withEffect">
-                                  <p:stCondLst>
-                                    <p:cond delay="0"/>
-                                  </p:stCondLst>
-                                  <p:childTnLst>
-                                    <p:set>
-                                      <p:cBhvr>
-                                        <p:cTn id="20" dur="1" fill="hold">
-                                          <p:stCondLst>
-                                            <p:cond delay="0"/>
-                                          </p:stCondLst>
-                                        </p:cTn>
-                                        <p:tgtEl>
-                                          <p:spTgt spid="3">
-                                            <p:txEl>
-                                              <p:pRg st="7" end="7"/>
-                                            </p:txEl>
-                                          </p:spTgt>
+                                          <p:spTgt spid="5"/>
                                         </p:tgtEl>
                                         <p:attrNameLst>
                                           <p:attrName>style.visibility</p:attrName>
@@ -12215,7 +12279,7 @@
       </p:par>
     </p:tnLst>
     <p:bldLst>
-      <p:bldP spid="3" grpId="0" build="p"/>
+      <p:bldP spid="2" grpId="0"/>
     </p:bldLst>
   </p:timing>
 </p:sld>
@@ -12728,14 +12792,12 @@
         </p:nvSpPr>
         <p:spPr/>
         <p:txBody>
-          <a:bodyPr>
-            <a:normAutofit/>
-          </a:bodyPr>
+          <a:bodyPr/>
           <a:lstStyle/>
           <a:p>
             <a:r>
               <a:rPr lang="de-DE" dirty="0" smtClean="0"/>
-              <a:t>Wofür ist ein (statischer) Typ gut?</a:t>
+              <a:t>Warum F#?</a:t>
             </a:r>
             <a:endParaRPr lang="en-US" dirty="0"/>
           </a:p>
@@ -12759,83 +12821,128 @@
           <a:lstStyle/>
           <a:p>
             <a:r>
+              <a:rPr lang="de-DE" dirty="0"/>
+              <a:t>F# ist eine </a:t>
+            </a:r>
+            <a:r>
+              <a:rPr lang="de-DE" dirty="0" err="1"/>
+              <a:t>functional</a:t>
+            </a:r>
+            <a:r>
+              <a:rPr lang="de-DE" dirty="0"/>
+              <a:t>-first .net </a:t>
+            </a:r>
+            <a:r>
+              <a:rPr lang="de-DE" dirty="0" smtClean="0"/>
+              <a:t>Sprache </a:t>
+            </a:r>
+          </a:p>
+          <a:p>
+            <a:r>
+              <a:rPr lang="de-DE" dirty="0" smtClean="0"/>
+              <a:t>ML Syntax: reduziert </a:t>
+            </a:r>
+            <a:r>
+              <a:rPr lang="de-DE" dirty="0"/>
+              <a:t>LOC </a:t>
+            </a:r>
+            <a:r>
+              <a:rPr lang="de-DE" dirty="0" smtClean="0"/>
+              <a:t>Zahl und die </a:t>
+            </a:r>
+            <a:r>
               <a:rPr lang="de-DE" dirty="0" err="1" smtClean="0"/>
-              <a:t>Compile</a:t>
-            </a:r>
-            <a:r>
-              <a:rPr lang="de-DE" dirty="0" smtClean="0"/>
-              <a:t>-time check</a:t>
-            </a:r>
-          </a:p>
-          <a:p>
-            <a:r>
-              <a:rPr lang="de-DE" dirty="0" smtClean="0"/>
-              <a:t>Annotation eines Wertes</a:t>
-            </a:r>
-          </a:p>
-          <a:p>
-            <a:r>
-              <a:rPr lang="de-DE" dirty="0" smtClean="0"/>
-              <a:t>Kontrolle der Interaktion mit anderen Werten</a:t>
-            </a:r>
-          </a:p>
-          <a:p>
-            <a:r>
-              <a:rPr lang="de-DE" dirty="0" smtClean="0"/>
-              <a:t>Beschränkung von Funktionsdomänen: </a:t>
-            </a:r>
-          </a:p>
-          <a:p>
-            <a:pPr lvl="1">
-              <a:buFont typeface="Arial" panose="020B0604020202020204" pitchFamily="34" charset="0"/>
-              <a:buChar char="•"/>
-            </a:pPr>
-            <a:r>
-              <a:rPr lang="de-DE" dirty="0" smtClean="0"/>
-              <a:t>Nur bestimmte Werte sind zulässig als Input</a:t>
-            </a:r>
-          </a:p>
-          <a:p>
-            <a:pPr lvl="1">
-              <a:buFont typeface="Arial" panose="020B0604020202020204" pitchFamily="34" charset="0"/>
-              <a:buChar char="•"/>
-            </a:pPr>
-            <a:r>
-              <a:rPr lang="de-DE" dirty="0" smtClean="0"/>
-              <a:t>Nur bestimmte Werte sind zu erwarten als Output</a:t>
+              <a:t>Func</a:t>
+            </a:r>
+            <a:r>
+              <a:rPr lang="de-DE" dirty="0" smtClean="0"/>
+              <a:t>&lt;&gt; Syntax </a:t>
+            </a:r>
+          </a:p>
+          <a:p>
+            <a:r>
+              <a:rPr lang="de-DE" dirty="0" smtClean="0"/>
+              <a:t>Vereinfachung </a:t>
+            </a:r>
+            <a:r>
+              <a:rPr lang="de-DE" dirty="0"/>
+              <a:t>(</a:t>
+            </a:r>
+            <a:r>
+              <a:rPr lang="de-DE" dirty="0" err="1"/>
+              <a:t>Reason</a:t>
+            </a:r>
+            <a:r>
+              <a:rPr lang="de-DE" dirty="0"/>
+              <a:t> </a:t>
+            </a:r>
+            <a:r>
+              <a:rPr lang="de-DE" dirty="0" err="1"/>
+              <a:t>about</a:t>
+            </a:r>
+            <a:r>
+              <a:rPr lang="de-DE" dirty="0"/>
+              <a:t> </a:t>
+            </a:r>
+            <a:r>
+              <a:rPr lang="de-DE" dirty="0" err="1"/>
+              <a:t>code</a:t>
+            </a:r>
+            <a:r>
+              <a:rPr lang="de-DE" dirty="0"/>
+              <a:t>)</a:t>
+            </a:r>
+          </a:p>
+          <a:p>
+            <a:r>
+              <a:rPr lang="de-DE" dirty="0"/>
+              <a:t>Vereinfachung (Asynchron, Parallel, Strategie</a:t>
+            </a:r>
+            <a:r>
+              <a:rPr lang="de-DE" dirty="0" smtClean="0"/>
+              <a:t>)</a:t>
+            </a:r>
+          </a:p>
+          <a:p>
+            <a:r>
+              <a:rPr lang="de-DE" dirty="0" err="1" smtClean="0"/>
+              <a:t>Multiplatform</a:t>
+            </a:r>
+            <a:r>
+              <a:rPr lang="de-DE" dirty="0" smtClean="0"/>
+              <a:t> (Debian, Xamarin)</a:t>
             </a:r>
           </a:p>
           <a:p>
             <a:pPr marL="0" indent="0">
               <a:buNone/>
             </a:pPr>
-            <a:r>
-              <a:rPr lang="de-DE" dirty="0" smtClean="0"/>
-              <a:t>Zum Vergleich: dynamische Sprachen können nur </a:t>
-            </a:r>
-            <a:r>
-              <a:rPr lang="de-DE" dirty="0" err="1" smtClean="0"/>
-              <a:t>runtime</a:t>
-            </a:r>
-            <a:r>
-              <a:rPr lang="de-DE" dirty="0" smtClean="0"/>
-              <a:t> </a:t>
-            </a:r>
-            <a:r>
-              <a:rPr lang="de-DE" dirty="0" err="1" smtClean="0"/>
-              <a:t>checks</a:t>
-            </a:r>
-            <a:r>
-              <a:rPr lang="de-DE" dirty="0" smtClean="0"/>
-              <a:t> ausführen</a:t>
-            </a:r>
+            <a:endParaRPr lang="de-DE" dirty="0" smtClean="0"/>
+          </a:p>
+          <a:p>
+            <a:pPr marL="0" indent="0">
+              <a:buNone/>
+            </a:pPr>
+            <a:endParaRPr lang="de-DE" dirty="0" smtClean="0"/>
+          </a:p>
+          <a:p>
+            <a:pPr marL="0" indent="0">
+              <a:buNone/>
+            </a:pPr>
+            <a:endParaRPr lang="de-DE" dirty="0" smtClean="0"/>
+          </a:p>
+          <a:p>
+            <a:pPr marL="0" indent="0">
+              <a:buNone/>
+            </a:pPr>
+            <a:endParaRPr lang="en-US" dirty="0"/>
           </a:p>
         </p:txBody>
       </p:sp>
     </p:spTree>
     <p:extLst>
       <p:ext uri="{BB962C8B-B14F-4D97-AF65-F5344CB8AC3E}">
-        <p14:creationId xmlns:p14="http://schemas.microsoft.com/office/powerpoint/2010/main" val="3364966534"/>
+        <p14:creationId xmlns:p14="http://schemas.microsoft.com/office/powerpoint/2010/main" val="1568790974"/>
       </p:ext>
     </p:extLst>
   </p:cSld>
@@ -13040,39 +13147,26 @@
                                   </p:childTnLst>
                                 </p:cTn>
                               </p:par>
+                            </p:childTnLst>
+                          </p:cTn>
+                        </p:par>
+                      </p:childTnLst>
+                    </p:cTn>
+                  </p:par>
+                  <p:par>
+                    <p:cTn id="19" fill="hold">
+                      <p:stCondLst>
+                        <p:cond delay="indefinite"/>
+                      </p:stCondLst>
+                      <p:childTnLst>
+                        <p:par>
+                          <p:cTn id="20" fill="hold">
+                            <p:stCondLst>
+                              <p:cond delay="0"/>
+                            </p:stCondLst>
+                            <p:childTnLst>
                               <p:par>
-                                <p:cTn id="19" presetID="1" presetClass="entr" presetSubtype="0" fill="hold" grpId="0" nodeType="withEffect">
-                                  <p:stCondLst>
-                                    <p:cond delay="0"/>
-                                  </p:stCondLst>
-                                  <p:childTnLst>
-                                    <p:set>
-                                      <p:cBhvr>
-                                        <p:cTn id="20" dur="1" fill="hold">
-                                          <p:stCondLst>
-                                            <p:cond delay="0"/>
-                                          </p:stCondLst>
-                                        </p:cTn>
-                                        <p:tgtEl>
-                                          <p:spTgt spid="3">
-                                            <p:txEl>
-                                              <p:pRg st="4" end="4"/>
-                                            </p:txEl>
-                                          </p:spTgt>
-                                        </p:tgtEl>
-                                        <p:attrNameLst>
-                                          <p:attrName>style.visibility</p:attrName>
-                                        </p:attrNameLst>
-                                      </p:cBhvr>
-                                      <p:to>
-                                        <p:strVal val="visible"/>
-                                      </p:to>
-                                    </p:set>
-                                  </p:childTnLst>
-                                </p:cTn>
-                              </p:par>
-                              <p:par>
-                                <p:cTn id="21" presetID="1" presetClass="entr" presetSubtype="0" fill="hold" grpId="0" nodeType="withEffect">
+                                <p:cTn id="21" presetID="1" presetClass="entr" presetSubtype="0" fill="hold" grpId="0" nodeType="clickEffect">
                                   <p:stCondLst>
                                     <p:cond delay="0"/>
                                   </p:stCondLst>
@@ -13087,56 +13181,7 @@
                                         <p:tgtEl>
                                           <p:spTgt spid="3">
                                             <p:txEl>
-                                              <p:pRg st="5" end="5"/>
-                                            </p:txEl>
-                                          </p:spTgt>
-                                        </p:tgtEl>
-                                        <p:attrNameLst>
-                                          <p:attrName>style.visibility</p:attrName>
-                                        </p:attrNameLst>
-                                      </p:cBhvr>
-                                      <p:to>
-                                        <p:strVal val="visible"/>
-                                      </p:to>
-                                    </p:set>
-                                  </p:childTnLst>
-                                </p:cTn>
-                              </p:par>
-                            </p:childTnLst>
-                          </p:cTn>
-                        </p:par>
-                      </p:childTnLst>
-                    </p:cTn>
-                  </p:par>
-                  <p:par>
-                    <p:cTn id="23" fill="hold">
-                      <p:stCondLst>
-                        <p:cond delay="indefinite"/>
-                      </p:stCondLst>
-                      <p:childTnLst>
-                        <p:par>
-                          <p:cTn id="24" fill="hold">
-                            <p:stCondLst>
-                              <p:cond delay="0"/>
-                            </p:stCondLst>
-                            <p:childTnLst>
-                              <p:par>
-                                <p:cTn id="25" presetID="1" presetClass="entr" presetSubtype="0" fill="hold" grpId="0" nodeType="clickEffect">
-                                  <p:stCondLst>
-                                    <p:cond delay="0"/>
-                                  </p:stCondLst>
-                                  <p:childTnLst>
-                                    <p:set>
-                                      <p:cBhvr>
-                                        <p:cTn id="26" dur="1" fill="hold">
-                                          <p:stCondLst>
-                                            <p:cond delay="0"/>
-                                          </p:stCondLst>
-                                        </p:cTn>
-                                        <p:tgtEl>
-                                          <p:spTgt spid="3">
-                                            <p:txEl>
-                                              <p:pRg st="6" end="6"/>
+                                              <p:pRg st="4" end="4"/>
                                             </p:txEl>
                                           </p:spTgt>
                                         </p:tgtEl>
@@ -13214,6 +13259,33 @@
         </p:nvSpPr>
         <p:spPr/>
         <p:txBody>
+          <a:bodyPr/>
+          <a:lstStyle/>
+          <a:p>
+            <a:r>
+              <a:rPr lang="de-DE" dirty="0"/>
+              <a:t>F# </a:t>
+            </a:r>
+            <a:r>
+              <a:rPr lang="de-DE" dirty="0" err="1" smtClean="0"/>
+              <a:t>Foundation</a:t>
+            </a:r>
+            <a:endParaRPr lang="en-US" dirty="0"/>
+          </a:p>
+        </p:txBody>
+      </p:sp>
+      <p:sp>
+        <p:nvSpPr>
+          <p:cNvPr id="3" name="Content Placeholder 2"/>
+          <p:cNvSpPr>
+            <a:spLocks noGrp="1"/>
+          </p:cNvSpPr>
+          <p:nvPr>
+            <p:ph idx="1"/>
+          </p:nvPr>
+        </p:nvSpPr>
+        <p:spPr/>
+        <p:txBody>
           <a:bodyPr>
             <a:normAutofit/>
           </a:bodyPr>
@@ -13221,46 +13293,67 @@
           <a:p>
             <a:r>
               <a:rPr lang="de-DE" dirty="0" smtClean="0"/>
-              <a:t>Wofür ist ein (statischer) Typ gut?</a:t>
-            </a:r>
+              <a:t>F# </a:t>
+            </a:r>
+            <a:r>
+              <a:rPr lang="de-DE" dirty="0" err="1" smtClean="0"/>
+              <a:t>Foundation</a:t>
+            </a:r>
+            <a:r>
+              <a:rPr lang="de-DE" dirty="0" smtClean="0"/>
+              <a:t> ist eine gemeinnütziger Verein</a:t>
+            </a:r>
+          </a:p>
+          <a:p>
+            <a:r>
+              <a:rPr lang="de-DE" dirty="0" smtClean="0"/>
+              <a:t>Die </a:t>
+            </a:r>
+            <a:r>
+              <a:rPr lang="de-DE" dirty="0" err="1" smtClean="0"/>
+              <a:t>Foundation</a:t>
+            </a:r>
+            <a:r>
+              <a:rPr lang="de-DE" dirty="0" smtClean="0"/>
+              <a:t> kontrolliert die Entwicklung der Sprache</a:t>
+            </a:r>
+          </a:p>
+          <a:p>
+            <a:r>
+              <a:rPr lang="de-DE" dirty="0" smtClean="0"/>
+              <a:t>Es ist hier um zu bleiben</a:t>
+            </a:r>
+          </a:p>
+          <a:p>
+            <a:pPr marL="0" indent="0">
+              <a:buNone/>
+            </a:pPr>
+            <a:endParaRPr lang="de-DE" dirty="0" smtClean="0"/>
+          </a:p>
+          <a:p>
+            <a:pPr marL="0" indent="0">
+              <a:buNone/>
+            </a:pPr>
+            <a:endParaRPr lang="de-DE" dirty="0" smtClean="0"/>
+          </a:p>
+          <a:p>
+            <a:pPr marL="0" indent="0">
+              <a:buNone/>
+            </a:pPr>
+            <a:endParaRPr lang="de-DE" dirty="0" smtClean="0"/>
+          </a:p>
+          <a:p>
+            <a:pPr marL="0" indent="0">
+              <a:buNone/>
+            </a:pPr>
             <a:endParaRPr lang="en-US" dirty="0"/>
           </a:p>
         </p:txBody>
       </p:sp>
-      <p:pic>
-        <p:nvPicPr>
-          <p:cNvPr id="5" name="Picture 4"/>
-          <p:cNvPicPr>
-            <a:picLocks noChangeAspect="1"/>
-          </p:cNvPicPr>
-          <p:nvPr/>
-        </p:nvPicPr>
-        <p:blipFill>
-          <a:blip r:embed="rId3">
-            <a:extLst>
-              <a:ext uri="{28A0092B-C50C-407E-A947-70E740481C1C}">
-                <a14:useLocalDpi xmlns:a14="http://schemas.microsoft.com/office/drawing/2010/main" val="0"/>
-              </a:ext>
-            </a:extLst>
-          </a:blip>
-          <a:stretch>
-            <a:fillRect/>
-          </a:stretch>
-        </p:blipFill>
-        <p:spPr>
-          <a:xfrm>
-            <a:off x="683568" y="1124742"/>
-            <a:ext cx="7488832" cy="5193101"/>
-          </a:xfrm>
-          <a:prstGeom prst="rect">
-            <a:avLst/>
-          </a:prstGeom>
-        </p:spPr>
-      </p:pic>
     </p:spTree>
     <p:extLst>
       <p:ext uri="{BB962C8B-B14F-4D97-AF65-F5344CB8AC3E}">
-        <p14:creationId xmlns:p14="http://schemas.microsoft.com/office/powerpoint/2010/main" val="194337816"/>
+        <p14:creationId xmlns:p14="http://schemas.microsoft.com/office/powerpoint/2010/main" val="2791116488"/>
       </p:ext>
     </p:extLst>
   </p:cSld>
@@ -13301,7 +13394,11 @@
                                           </p:stCondLst>
                                         </p:cTn>
                                         <p:tgtEl>
-                                          <p:spTgt spid="2"/>
+                                          <p:spTgt spid="3">
+                                            <p:txEl>
+                                              <p:pRg st="0" end="0"/>
+                                            </p:txEl>
+                                          </p:spTgt>
                                         </p:tgtEl>
                                         <p:attrNameLst>
                                           <p:attrName>style.visibility</p:attrName>
@@ -13333,7 +13430,7 @@
                             </p:stCondLst>
                             <p:childTnLst>
                               <p:par>
-                                <p:cTn id="9" presetID="1" presetClass="entr" presetSubtype="0" fill="hold" nodeType="clickEffect">
+                                <p:cTn id="9" presetID="1" presetClass="entr" presetSubtype="0" fill="hold" grpId="0" nodeType="clickEffect">
                                   <p:stCondLst>
                                     <p:cond delay="0"/>
                                   </p:stCondLst>
@@ -13346,7 +13443,60 @@
                                           </p:stCondLst>
                                         </p:cTn>
                                         <p:tgtEl>
-                                          <p:spTgt spid="5"/>
+                                          <p:spTgt spid="3">
+                                            <p:txEl>
+                                              <p:pRg st="1" end="1"/>
+                                            </p:txEl>
+                                          </p:spTgt>
+                                        </p:tgtEl>
+                                        <p:attrNameLst>
+                                          <p:attrName>style.visibility</p:attrName>
+                                        </p:attrNameLst>
+                                      </p:cBhvr>
+                                      <p:to>
+                                        <p:strVal val="visible"/>
+                                      </p:to>
+                                    </p:set>
+                                  </p:childTnLst>
+                                </p:cTn>
+                              </p:par>
+                            </p:childTnLst>
+                          </p:cTn>
+                        </p:par>
+                      </p:childTnLst>
+                    </p:cTn>
+                  </p:par>
+                  <p:par>
+                    <p:cTn id="11" fill="hold">
+                      <p:stCondLst>
+                        <p:cond delay="indefinite"/>
+                      </p:stCondLst>
+                      <p:childTnLst>
+                        <p:par>
+                          <p:cTn id="12" fill="hold">
+                            <p:stCondLst>
+                              <p:cond delay="0"/>
+                            </p:stCondLst>
+                            <p:childTnLst>
+                              <p:par>
+                                <p:cTn id="13" presetID="1" presetClass="entr" presetSubtype="0" fill="hold" grpId="0" nodeType="clickEffect">
+                                  <p:stCondLst>
+                                    <p:cond delay="0"/>
+                                  </p:stCondLst>
+                                  <p:childTnLst>
+                                    <p:set>
+                                      <p:cBhvr>
+                                        <p:cTn id="14" dur="1" fill="hold">
+                                          <p:stCondLst>
+                                            <p:cond delay="0"/>
+                                          </p:stCondLst>
+                                        </p:cTn>
+                                        <p:tgtEl>
+                                          <p:spTgt spid="3">
+                                            <p:txEl>
+                                              <p:pRg st="2" end="2"/>
+                                            </p:txEl>
+                                          </p:spTgt>
                                         </p:tgtEl>
                                         <p:attrNameLst>
                                           <p:attrName>style.visibility</p:attrName>
@@ -13387,13 +13537,387 @@
       </p:par>
     </p:tnLst>
     <p:bldLst>
-      <p:bldP spid="2" grpId="0"/>
+      <p:bldP spid="3" grpId="0" build="p"/>
     </p:bldLst>
   </p:timing>
 </p:sld>
 </file>
 
 <file path=ppt/slides/slide22.xml><?xml version="1.0" encoding="utf-8"?>
+<p:sld xmlns:a="http://schemas.openxmlformats.org/drawingml/2006/main" xmlns:r="http://schemas.openxmlformats.org/officeDocument/2006/relationships" xmlns:p="http://schemas.openxmlformats.org/presentationml/2006/main">
+  <p:cSld>
+    <p:spTree>
+      <p:nvGrpSpPr>
+        <p:cNvPr id="1" name=""/>
+        <p:cNvGrpSpPr/>
+        <p:nvPr/>
+      </p:nvGrpSpPr>
+      <p:grpSpPr>
+        <a:xfrm>
+          <a:off x="0" y="0"/>
+          <a:ext cx="0" cy="0"/>
+          <a:chOff x="0" y="0"/>
+          <a:chExt cx="0" cy="0"/>
+        </a:xfrm>
+      </p:grpSpPr>
+      <p:sp>
+        <p:nvSpPr>
+          <p:cNvPr id="2" name="Title 1"/>
+          <p:cNvSpPr>
+            <a:spLocks noGrp="1"/>
+          </p:cNvSpPr>
+          <p:nvPr>
+            <p:ph type="title"/>
+          </p:nvPr>
+        </p:nvSpPr>
+        <p:spPr/>
+        <p:txBody>
+          <a:bodyPr/>
+          <a:lstStyle/>
+          <a:p>
+            <a:r>
+              <a:rPr lang="de-DE" dirty="0"/>
+              <a:t>F# ist open </a:t>
+            </a:r>
+            <a:r>
+              <a:rPr lang="de-DE" dirty="0" err="1"/>
+              <a:t>source</a:t>
+            </a:r>
+            <a:endParaRPr lang="en-US" dirty="0"/>
+          </a:p>
+        </p:txBody>
+      </p:sp>
+      <p:sp>
+        <p:nvSpPr>
+          <p:cNvPr id="3" name="Content Placeholder 2"/>
+          <p:cNvSpPr>
+            <a:spLocks noGrp="1"/>
+          </p:cNvSpPr>
+          <p:nvPr>
+            <p:ph idx="1"/>
+          </p:nvPr>
+        </p:nvSpPr>
+        <p:spPr/>
+        <p:txBody>
+          <a:bodyPr>
+            <a:normAutofit/>
+          </a:bodyPr>
+          <a:lstStyle/>
+          <a:p>
+            <a:r>
+              <a:rPr lang="de-DE" dirty="0" smtClean="0"/>
+              <a:t>Das Quellcode ist auf </a:t>
+            </a:r>
+            <a:r>
+              <a:rPr lang="de-DE" dirty="0" err="1" smtClean="0"/>
+              <a:t>GitHub</a:t>
+            </a:r>
+            <a:r>
+              <a:rPr lang="de-DE" dirty="0" smtClean="0"/>
+              <a:t> zu finden</a:t>
+            </a:r>
+          </a:p>
+          <a:p>
+            <a:r>
+              <a:rPr lang="de-DE" dirty="0" smtClean="0"/>
+              <a:t>Das Ökosystem F# ist lebendig</a:t>
+            </a:r>
+          </a:p>
+          <a:p>
+            <a:r>
+              <a:rPr lang="de-DE" dirty="0" smtClean="0"/>
+              <a:t>Sehr viele FSO Projekte in vielen Bereichen (Data, Web, </a:t>
+            </a:r>
+            <a:r>
+              <a:rPr lang="de-DE" dirty="0" err="1" smtClean="0"/>
+              <a:t>Machine</a:t>
+            </a:r>
+            <a:r>
+              <a:rPr lang="de-DE" dirty="0" smtClean="0"/>
+              <a:t> Learning, Finanzen)</a:t>
+            </a:r>
+            <a:endParaRPr lang="de-DE" dirty="0"/>
+          </a:p>
+          <a:p>
+            <a:r>
+              <a:rPr lang="de-DE" dirty="0" smtClean="0"/>
+              <a:t>Hilfreiche Autoren der </a:t>
+            </a:r>
+            <a:r>
+              <a:rPr lang="de-DE" dirty="0" err="1" smtClean="0"/>
+              <a:t>Bilbliotheken</a:t>
+            </a:r>
+            <a:endParaRPr lang="de-DE" dirty="0" smtClean="0"/>
+          </a:p>
+          <a:p>
+            <a:pPr marL="0" indent="0">
+              <a:buNone/>
+            </a:pPr>
+            <a:endParaRPr lang="de-DE" dirty="0" smtClean="0"/>
+          </a:p>
+          <a:p>
+            <a:pPr marL="0" indent="0">
+              <a:buNone/>
+            </a:pPr>
+            <a:endParaRPr lang="de-DE" dirty="0" smtClean="0"/>
+          </a:p>
+          <a:p>
+            <a:pPr marL="0" indent="0">
+              <a:buNone/>
+            </a:pPr>
+            <a:endParaRPr lang="de-DE" dirty="0" smtClean="0"/>
+          </a:p>
+          <a:p>
+            <a:pPr marL="0" indent="0">
+              <a:buNone/>
+            </a:pPr>
+            <a:endParaRPr lang="en-US" dirty="0"/>
+          </a:p>
+        </p:txBody>
+      </p:sp>
+    </p:spTree>
+    <p:extLst>
+      <p:ext uri="{BB962C8B-B14F-4D97-AF65-F5344CB8AC3E}">
+        <p14:creationId xmlns:p14="http://schemas.microsoft.com/office/powerpoint/2010/main" val="3896142169"/>
+      </p:ext>
+    </p:extLst>
+  </p:cSld>
+  <p:clrMapOvr>
+    <a:masterClrMapping/>
+  </p:clrMapOvr>
+  <p:timing>
+    <p:tnLst>
+      <p:par>
+        <p:cTn id="1" dur="indefinite" restart="never" nodeType="tmRoot">
+          <p:childTnLst>
+            <p:seq concurrent="1" nextAc="seek">
+              <p:cTn id="2" dur="indefinite" nodeType="mainSeq">
+                <p:childTnLst>
+                  <p:par>
+                    <p:cTn id="3" fill="hold">
+                      <p:stCondLst>
+                        <p:cond delay="indefinite"/>
+                      </p:stCondLst>
+                      <p:childTnLst>
+                        <p:par>
+                          <p:cTn id="4" fill="hold">
+                            <p:stCondLst>
+                              <p:cond delay="0"/>
+                            </p:stCondLst>
+                            <p:childTnLst>
+                              <p:par>
+                                <p:cTn id="5" presetID="1" presetClass="entr" presetSubtype="0" fill="hold" grpId="0" nodeType="clickEffect">
+                                  <p:stCondLst>
+                                    <p:cond delay="0"/>
+                                  </p:stCondLst>
+                                  <p:childTnLst>
+                                    <p:set>
+                                      <p:cBhvr>
+                                        <p:cTn id="6" dur="1" fill="hold">
+                                          <p:stCondLst>
+                                            <p:cond delay="0"/>
+                                          </p:stCondLst>
+                                        </p:cTn>
+                                        <p:tgtEl>
+                                          <p:spTgt spid="3">
+                                            <p:txEl>
+                                              <p:pRg st="0" end="0"/>
+                                            </p:txEl>
+                                          </p:spTgt>
+                                        </p:tgtEl>
+                                        <p:attrNameLst>
+                                          <p:attrName>style.visibility</p:attrName>
+                                        </p:attrNameLst>
+                                      </p:cBhvr>
+                                      <p:to>
+                                        <p:strVal val="visible"/>
+                                      </p:to>
+                                    </p:set>
+                                  </p:childTnLst>
+                                </p:cTn>
+                              </p:par>
+                            </p:childTnLst>
+                          </p:cTn>
+                        </p:par>
+                      </p:childTnLst>
+                    </p:cTn>
+                  </p:par>
+                  <p:par>
+                    <p:cTn id="7" fill="hold">
+                      <p:stCondLst>
+                        <p:cond delay="indefinite"/>
+                      </p:stCondLst>
+                      <p:childTnLst>
+                        <p:par>
+                          <p:cTn id="8" fill="hold">
+                            <p:stCondLst>
+                              <p:cond delay="0"/>
+                            </p:stCondLst>
+                            <p:childTnLst>
+                              <p:par>
+                                <p:cTn id="9" presetID="1" presetClass="entr" presetSubtype="0" fill="hold" grpId="0" nodeType="clickEffect">
+                                  <p:stCondLst>
+                                    <p:cond delay="0"/>
+                                  </p:stCondLst>
+                                  <p:childTnLst>
+                                    <p:set>
+                                      <p:cBhvr>
+                                        <p:cTn id="10" dur="1" fill="hold">
+                                          <p:stCondLst>
+                                            <p:cond delay="0"/>
+                                          </p:stCondLst>
+                                        </p:cTn>
+                                        <p:tgtEl>
+                                          <p:spTgt spid="3">
+                                            <p:txEl>
+                                              <p:pRg st="1" end="1"/>
+                                            </p:txEl>
+                                          </p:spTgt>
+                                        </p:tgtEl>
+                                        <p:attrNameLst>
+                                          <p:attrName>style.visibility</p:attrName>
+                                        </p:attrNameLst>
+                                      </p:cBhvr>
+                                      <p:to>
+                                        <p:strVal val="visible"/>
+                                      </p:to>
+                                    </p:set>
+                                  </p:childTnLst>
+                                </p:cTn>
+                              </p:par>
+                            </p:childTnLst>
+                          </p:cTn>
+                        </p:par>
+                      </p:childTnLst>
+                    </p:cTn>
+                  </p:par>
+                  <p:par>
+                    <p:cTn id="11" fill="hold">
+                      <p:stCondLst>
+                        <p:cond delay="indefinite"/>
+                      </p:stCondLst>
+                      <p:childTnLst>
+                        <p:par>
+                          <p:cTn id="12" fill="hold">
+                            <p:stCondLst>
+                              <p:cond delay="0"/>
+                            </p:stCondLst>
+                            <p:childTnLst>
+                              <p:par>
+                                <p:cTn id="13" presetID="1" presetClass="entr" presetSubtype="0" fill="hold" grpId="0" nodeType="clickEffect">
+                                  <p:stCondLst>
+                                    <p:cond delay="0"/>
+                                  </p:stCondLst>
+                                  <p:childTnLst>
+                                    <p:set>
+                                      <p:cBhvr>
+                                        <p:cTn id="14" dur="1" fill="hold">
+                                          <p:stCondLst>
+                                            <p:cond delay="0"/>
+                                          </p:stCondLst>
+                                        </p:cTn>
+                                        <p:tgtEl>
+                                          <p:spTgt spid="3">
+                                            <p:txEl>
+                                              <p:pRg st="2" end="2"/>
+                                            </p:txEl>
+                                          </p:spTgt>
+                                        </p:tgtEl>
+                                        <p:attrNameLst>
+                                          <p:attrName>style.visibility</p:attrName>
+                                        </p:attrNameLst>
+                                      </p:cBhvr>
+                                      <p:to>
+                                        <p:strVal val="visible"/>
+                                      </p:to>
+                                    </p:set>
+                                  </p:childTnLst>
+                                </p:cTn>
+                              </p:par>
+                            </p:childTnLst>
+                          </p:cTn>
+                        </p:par>
+                      </p:childTnLst>
+                    </p:cTn>
+                  </p:par>
+                  <p:par>
+                    <p:cTn id="15" fill="hold">
+                      <p:stCondLst>
+                        <p:cond delay="indefinite"/>
+                      </p:stCondLst>
+                      <p:childTnLst>
+                        <p:par>
+                          <p:cTn id="16" fill="hold">
+                            <p:stCondLst>
+                              <p:cond delay="0"/>
+                            </p:stCondLst>
+                            <p:childTnLst>
+                              <p:par>
+                                <p:cTn id="17" presetID="1" presetClass="entr" presetSubtype="0" fill="hold" grpId="0" nodeType="clickEffect">
+                                  <p:stCondLst>
+                                    <p:cond delay="0"/>
+                                  </p:stCondLst>
+                                  <p:childTnLst>
+                                    <p:set>
+                                      <p:cBhvr>
+                                        <p:cTn id="18" dur="1" fill="hold">
+                                          <p:stCondLst>
+                                            <p:cond delay="0"/>
+                                          </p:stCondLst>
+                                        </p:cTn>
+                                        <p:tgtEl>
+                                          <p:spTgt spid="3">
+                                            <p:txEl>
+                                              <p:pRg st="3" end="3"/>
+                                            </p:txEl>
+                                          </p:spTgt>
+                                        </p:tgtEl>
+                                        <p:attrNameLst>
+                                          <p:attrName>style.visibility</p:attrName>
+                                        </p:attrNameLst>
+                                      </p:cBhvr>
+                                      <p:to>
+                                        <p:strVal val="visible"/>
+                                      </p:to>
+                                    </p:set>
+                                  </p:childTnLst>
+                                </p:cTn>
+                              </p:par>
+                            </p:childTnLst>
+                          </p:cTn>
+                        </p:par>
+                      </p:childTnLst>
+                    </p:cTn>
+                  </p:par>
+                </p:childTnLst>
+              </p:cTn>
+              <p:prevCondLst>
+                <p:cond evt="onPrev" delay="0">
+                  <p:tgtEl>
+                    <p:sldTgt/>
+                  </p:tgtEl>
+                </p:cond>
+              </p:prevCondLst>
+              <p:nextCondLst>
+                <p:cond evt="onNext" delay="0">
+                  <p:tgtEl>
+                    <p:sldTgt/>
+                  </p:tgtEl>
+                </p:cond>
+              </p:nextCondLst>
+            </p:seq>
+          </p:childTnLst>
+        </p:cTn>
+      </p:par>
+    </p:tnLst>
+    <p:bldLst>
+      <p:bldP spid="3" grpId="0" build="p"/>
+    </p:bldLst>
+  </p:timing>
+</p:sld>
+</file>
+
+<file path=ppt/slides/slide23.xml><?xml version="1.0" encoding="utf-8"?>
 <p:sld xmlns:a="http://schemas.openxmlformats.org/drawingml/2006/main" xmlns:r="http://schemas.openxmlformats.org/officeDocument/2006/relationships" xmlns:p="http://schemas.openxmlformats.org/presentationml/2006/main">
   <p:cSld>
     <p:spTree>
@@ -14034,7 +14558,436 @@
 </p:sld>
 </file>
 
-<file path=ppt/slides/slide23.xml><?xml version="1.0" encoding="utf-8"?>
+<file path=ppt/slides/slide24.xml><?xml version="1.0" encoding="utf-8"?>
+<p:sld xmlns:a="http://schemas.openxmlformats.org/drawingml/2006/main" xmlns:r="http://schemas.openxmlformats.org/officeDocument/2006/relationships" xmlns:p="http://schemas.openxmlformats.org/presentationml/2006/main">
+  <p:cSld>
+    <p:spTree>
+      <p:nvGrpSpPr>
+        <p:cNvPr id="1" name=""/>
+        <p:cNvGrpSpPr/>
+        <p:nvPr/>
+      </p:nvGrpSpPr>
+      <p:grpSpPr>
+        <a:xfrm>
+          <a:off x="0" y="0"/>
+          <a:ext cx="0" cy="0"/>
+          <a:chOff x="0" y="0"/>
+          <a:chExt cx="0" cy="0"/>
+        </a:xfrm>
+      </p:grpSpPr>
+      <p:sp>
+        <p:nvSpPr>
+          <p:cNvPr id="2" name="Titel 1"/>
+          <p:cNvSpPr>
+            <a:spLocks noGrp="1"/>
+          </p:cNvSpPr>
+          <p:nvPr>
+            <p:ph type="title"/>
+          </p:nvPr>
+        </p:nvSpPr>
+        <p:spPr/>
+        <p:txBody>
+          <a:bodyPr/>
+          <a:lstStyle/>
+          <a:p>
+            <a:r>
+              <a:rPr lang="de-DE" dirty="0" smtClean="0"/>
+              <a:t>Fokus des Vortrags</a:t>
+            </a:r>
+            <a:endParaRPr lang="de-DE" dirty="0"/>
+          </a:p>
+        </p:txBody>
+      </p:sp>
+      <p:sp>
+        <p:nvSpPr>
+          <p:cNvPr id="3" name="Inhaltsplatzhalter 2"/>
+          <p:cNvSpPr>
+            <a:spLocks noGrp="1"/>
+          </p:cNvSpPr>
+          <p:nvPr>
+            <p:ph idx="1"/>
+          </p:nvPr>
+        </p:nvSpPr>
+        <p:spPr/>
+        <p:txBody>
+          <a:bodyPr>
+            <a:normAutofit/>
+          </a:bodyPr>
+          <a:lstStyle/>
+          <a:p>
+            <a:r>
+              <a:rPr lang="de-DE" dirty="0" smtClean="0"/>
+              <a:t>Viele mögliche Themen </a:t>
+            </a:r>
+          </a:p>
+          <a:p>
+            <a:pPr lvl="1"/>
+            <a:r>
+              <a:rPr lang="de-DE" dirty="0" smtClean="0"/>
+              <a:t>Higher </a:t>
+            </a:r>
+            <a:r>
+              <a:rPr lang="de-DE" dirty="0" err="1" smtClean="0"/>
+              <a:t>order</a:t>
+            </a:r>
+            <a:r>
+              <a:rPr lang="de-DE" dirty="0" smtClean="0"/>
+              <a:t> </a:t>
+            </a:r>
+            <a:r>
+              <a:rPr lang="de-DE" dirty="0" err="1" smtClean="0"/>
+              <a:t>functions</a:t>
+            </a:r>
+            <a:endParaRPr lang="de-DE" dirty="0" smtClean="0"/>
+          </a:p>
+          <a:p>
+            <a:pPr lvl="1"/>
+            <a:r>
+              <a:rPr lang="de-DE" dirty="0" smtClean="0"/>
+              <a:t>Type Provider	</a:t>
+            </a:r>
+          </a:p>
+          <a:p>
+            <a:pPr lvl="1"/>
+            <a:r>
+              <a:rPr lang="de-DE" dirty="0" smtClean="0"/>
+              <a:t>Cloud</a:t>
+            </a:r>
+          </a:p>
+          <a:p>
+            <a:pPr lvl="1"/>
+            <a:r>
+              <a:rPr lang="de-DE" dirty="0" err="1" smtClean="0"/>
+              <a:t>Machine</a:t>
+            </a:r>
+            <a:r>
+              <a:rPr lang="de-DE" dirty="0" smtClean="0"/>
+              <a:t> Learning</a:t>
+            </a:r>
+          </a:p>
+          <a:p>
+            <a:endParaRPr lang="de-DE" dirty="0"/>
+          </a:p>
+          <a:p>
+            <a:r>
+              <a:rPr lang="de-DE" dirty="0" smtClean="0"/>
+              <a:t>Heute nur ein Thema, das aber ausführlich:</a:t>
+            </a:r>
+          </a:p>
+          <a:p>
+            <a:pPr lvl="1"/>
+            <a:r>
+              <a:rPr lang="de-DE" dirty="0" smtClean="0"/>
+              <a:t>Data </a:t>
+            </a:r>
+            <a:r>
+              <a:rPr lang="de-DE" dirty="0" err="1" smtClean="0"/>
+              <a:t>Types</a:t>
+            </a:r>
+            <a:endParaRPr lang="de-DE" dirty="0"/>
+          </a:p>
+        </p:txBody>
+      </p:sp>
+    </p:spTree>
+    <p:extLst>
+      <p:ext uri="{BB962C8B-B14F-4D97-AF65-F5344CB8AC3E}">
+        <p14:creationId xmlns:p14="http://schemas.microsoft.com/office/powerpoint/2010/main" val="1568360168"/>
+      </p:ext>
+    </p:extLst>
+  </p:cSld>
+  <p:clrMapOvr>
+    <a:masterClrMapping/>
+  </p:clrMapOvr>
+  <p:timing>
+    <p:tnLst>
+      <p:par>
+        <p:cTn id="1" dur="indefinite" restart="never" nodeType="tmRoot">
+          <p:childTnLst>
+            <p:seq concurrent="1" nextAc="seek">
+              <p:cTn id="2" dur="indefinite" nodeType="mainSeq">
+                <p:childTnLst>
+                  <p:par>
+                    <p:cTn id="3" fill="hold">
+                      <p:stCondLst>
+                        <p:cond delay="indefinite"/>
+                      </p:stCondLst>
+                      <p:childTnLst>
+                        <p:par>
+                          <p:cTn id="4" fill="hold">
+                            <p:stCondLst>
+                              <p:cond delay="0"/>
+                            </p:stCondLst>
+                            <p:childTnLst>
+                              <p:par>
+                                <p:cTn id="5" presetID="1" presetClass="entr" presetSubtype="0" fill="hold" grpId="0" nodeType="clickEffect">
+                                  <p:stCondLst>
+                                    <p:cond delay="0"/>
+                                  </p:stCondLst>
+                                  <p:childTnLst>
+                                    <p:set>
+                                      <p:cBhvr>
+                                        <p:cTn id="6" dur="1" fill="hold">
+                                          <p:stCondLst>
+                                            <p:cond delay="0"/>
+                                          </p:stCondLst>
+                                        </p:cTn>
+                                        <p:tgtEl>
+                                          <p:spTgt spid="3">
+                                            <p:txEl>
+                                              <p:pRg st="0" end="0"/>
+                                            </p:txEl>
+                                          </p:spTgt>
+                                        </p:tgtEl>
+                                        <p:attrNameLst>
+                                          <p:attrName>style.visibility</p:attrName>
+                                        </p:attrNameLst>
+                                      </p:cBhvr>
+                                      <p:to>
+                                        <p:strVal val="visible"/>
+                                      </p:to>
+                                    </p:set>
+                                  </p:childTnLst>
+                                </p:cTn>
+                              </p:par>
+                              <p:par>
+                                <p:cTn id="7" presetID="1" presetClass="entr" presetSubtype="0" fill="hold" grpId="0" nodeType="withEffect">
+                                  <p:stCondLst>
+                                    <p:cond delay="0"/>
+                                  </p:stCondLst>
+                                  <p:childTnLst>
+                                    <p:set>
+                                      <p:cBhvr>
+                                        <p:cTn id="8" dur="1" fill="hold">
+                                          <p:stCondLst>
+                                            <p:cond delay="0"/>
+                                          </p:stCondLst>
+                                        </p:cTn>
+                                        <p:tgtEl>
+                                          <p:spTgt spid="3">
+                                            <p:txEl>
+                                              <p:pRg st="1" end="1"/>
+                                            </p:txEl>
+                                          </p:spTgt>
+                                        </p:tgtEl>
+                                        <p:attrNameLst>
+                                          <p:attrName>style.visibility</p:attrName>
+                                        </p:attrNameLst>
+                                      </p:cBhvr>
+                                      <p:to>
+                                        <p:strVal val="visible"/>
+                                      </p:to>
+                                    </p:set>
+                                  </p:childTnLst>
+                                </p:cTn>
+                              </p:par>
+                              <p:par>
+                                <p:cTn id="9" presetID="1" presetClass="entr" presetSubtype="0" fill="hold" grpId="0" nodeType="withEffect">
+                                  <p:stCondLst>
+                                    <p:cond delay="0"/>
+                                  </p:stCondLst>
+                                  <p:childTnLst>
+                                    <p:set>
+                                      <p:cBhvr>
+                                        <p:cTn id="10" dur="1" fill="hold">
+                                          <p:stCondLst>
+                                            <p:cond delay="0"/>
+                                          </p:stCondLst>
+                                        </p:cTn>
+                                        <p:tgtEl>
+                                          <p:spTgt spid="3">
+                                            <p:txEl>
+                                              <p:pRg st="2" end="2"/>
+                                            </p:txEl>
+                                          </p:spTgt>
+                                        </p:tgtEl>
+                                        <p:attrNameLst>
+                                          <p:attrName>style.visibility</p:attrName>
+                                        </p:attrNameLst>
+                                      </p:cBhvr>
+                                      <p:to>
+                                        <p:strVal val="visible"/>
+                                      </p:to>
+                                    </p:set>
+                                  </p:childTnLst>
+                                </p:cTn>
+                              </p:par>
+                              <p:par>
+                                <p:cTn id="11" presetID="1" presetClass="entr" presetSubtype="0" fill="hold" grpId="0" nodeType="withEffect">
+                                  <p:stCondLst>
+                                    <p:cond delay="0"/>
+                                  </p:stCondLst>
+                                  <p:childTnLst>
+                                    <p:set>
+                                      <p:cBhvr>
+                                        <p:cTn id="12" dur="1" fill="hold">
+                                          <p:stCondLst>
+                                            <p:cond delay="0"/>
+                                          </p:stCondLst>
+                                        </p:cTn>
+                                        <p:tgtEl>
+                                          <p:spTgt spid="3">
+                                            <p:txEl>
+                                              <p:pRg st="3" end="3"/>
+                                            </p:txEl>
+                                          </p:spTgt>
+                                        </p:tgtEl>
+                                        <p:attrNameLst>
+                                          <p:attrName>style.visibility</p:attrName>
+                                        </p:attrNameLst>
+                                      </p:cBhvr>
+                                      <p:to>
+                                        <p:strVal val="visible"/>
+                                      </p:to>
+                                    </p:set>
+                                  </p:childTnLst>
+                                </p:cTn>
+                              </p:par>
+                              <p:par>
+                                <p:cTn id="13" presetID="1" presetClass="entr" presetSubtype="0" fill="hold" grpId="0" nodeType="withEffect">
+                                  <p:stCondLst>
+                                    <p:cond delay="0"/>
+                                  </p:stCondLst>
+                                  <p:childTnLst>
+                                    <p:set>
+                                      <p:cBhvr>
+                                        <p:cTn id="14" dur="1" fill="hold">
+                                          <p:stCondLst>
+                                            <p:cond delay="0"/>
+                                          </p:stCondLst>
+                                        </p:cTn>
+                                        <p:tgtEl>
+                                          <p:spTgt spid="3">
+                                            <p:txEl>
+                                              <p:pRg st="4" end="4"/>
+                                            </p:txEl>
+                                          </p:spTgt>
+                                        </p:tgtEl>
+                                        <p:attrNameLst>
+                                          <p:attrName>style.visibility</p:attrName>
+                                        </p:attrNameLst>
+                                      </p:cBhvr>
+                                      <p:to>
+                                        <p:strVal val="visible"/>
+                                      </p:to>
+                                    </p:set>
+                                  </p:childTnLst>
+                                </p:cTn>
+                              </p:par>
+                            </p:childTnLst>
+                          </p:cTn>
+                        </p:par>
+                      </p:childTnLst>
+                    </p:cTn>
+                  </p:par>
+                  <p:par>
+                    <p:cTn id="15" fill="hold">
+                      <p:stCondLst>
+                        <p:cond delay="indefinite"/>
+                      </p:stCondLst>
+                      <p:childTnLst>
+                        <p:par>
+                          <p:cTn id="16" fill="hold">
+                            <p:stCondLst>
+                              <p:cond delay="0"/>
+                            </p:stCondLst>
+                            <p:childTnLst>
+                              <p:par>
+                                <p:cTn id="17" presetID="1" presetClass="entr" presetSubtype="0" fill="hold" grpId="0" nodeType="clickEffect">
+                                  <p:stCondLst>
+                                    <p:cond delay="0"/>
+                                  </p:stCondLst>
+                                  <p:childTnLst>
+                                    <p:set>
+                                      <p:cBhvr>
+                                        <p:cTn id="18" dur="1" fill="hold">
+                                          <p:stCondLst>
+                                            <p:cond delay="0"/>
+                                          </p:stCondLst>
+                                        </p:cTn>
+                                        <p:tgtEl>
+                                          <p:spTgt spid="3">
+                                            <p:txEl>
+                                              <p:pRg st="6" end="6"/>
+                                            </p:txEl>
+                                          </p:spTgt>
+                                        </p:tgtEl>
+                                        <p:attrNameLst>
+                                          <p:attrName>style.visibility</p:attrName>
+                                        </p:attrNameLst>
+                                      </p:cBhvr>
+                                      <p:to>
+                                        <p:strVal val="visible"/>
+                                      </p:to>
+                                    </p:set>
+                                  </p:childTnLst>
+                                </p:cTn>
+                              </p:par>
+                              <p:par>
+                                <p:cTn id="19" presetID="1" presetClass="entr" presetSubtype="0" fill="hold" grpId="0" nodeType="withEffect">
+                                  <p:stCondLst>
+                                    <p:cond delay="0"/>
+                                  </p:stCondLst>
+                                  <p:childTnLst>
+                                    <p:set>
+                                      <p:cBhvr>
+                                        <p:cTn id="20" dur="1" fill="hold">
+                                          <p:stCondLst>
+                                            <p:cond delay="0"/>
+                                          </p:stCondLst>
+                                        </p:cTn>
+                                        <p:tgtEl>
+                                          <p:spTgt spid="3">
+                                            <p:txEl>
+                                              <p:pRg st="7" end="7"/>
+                                            </p:txEl>
+                                          </p:spTgt>
+                                        </p:tgtEl>
+                                        <p:attrNameLst>
+                                          <p:attrName>style.visibility</p:attrName>
+                                        </p:attrNameLst>
+                                      </p:cBhvr>
+                                      <p:to>
+                                        <p:strVal val="visible"/>
+                                      </p:to>
+                                    </p:set>
+                                  </p:childTnLst>
+                                </p:cTn>
+                              </p:par>
+                            </p:childTnLst>
+                          </p:cTn>
+                        </p:par>
+                      </p:childTnLst>
+                    </p:cTn>
+                  </p:par>
+                </p:childTnLst>
+              </p:cTn>
+              <p:prevCondLst>
+                <p:cond evt="onPrev" delay="0">
+                  <p:tgtEl>
+                    <p:sldTgt/>
+                  </p:tgtEl>
+                </p:cond>
+              </p:prevCondLst>
+              <p:nextCondLst>
+                <p:cond evt="onNext" delay="0">
+                  <p:tgtEl>
+                    <p:sldTgt/>
+                  </p:tgtEl>
+                </p:cond>
+              </p:nextCondLst>
+            </p:seq>
+          </p:childTnLst>
+        </p:cTn>
+      </p:par>
+    </p:tnLst>
+    <p:bldLst>
+      <p:bldP spid="3" grpId="0" build="p"/>
+    </p:bldLst>
+  </p:timing>
+</p:sld>
+</file>
+
+<file path=ppt/slides/slide25.xml><?xml version="1.0" encoding="utf-8"?>
 <p:sld xmlns:a="http://schemas.openxmlformats.org/drawingml/2006/main" xmlns:r="http://schemas.openxmlformats.org/officeDocument/2006/relationships" xmlns:p="http://schemas.openxmlformats.org/presentationml/2006/main">
   <p:cSld>
     <p:spTree>
@@ -14384,7 +15337,7 @@
 </p:sld>
 </file>
 
-<file path=ppt/slides/slide24.xml><?xml version="1.0" encoding="utf-8"?>
+<file path=ppt/slides/slide26.xml><?xml version="1.0" encoding="utf-8"?>
 <p:sld xmlns:a="http://schemas.openxmlformats.org/drawingml/2006/main" xmlns:r="http://schemas.openxmlformats.org/officeDocument/2006/relationships" xmlns:p="http://schemas.openxmlformats.org/presentationml/2006/main">
   <p:cSld>
     <p:spTree>
@@ -14578,7 +15531,7 @@
 </p:sld>
 </file>
 
-<file path=ppt/slides/slide25.xml><?xml version="1.0" encoding="utf-8"?>
+<file path=ppt/slides/slide27.xml><?xml version="1.0" encoding="utf-8"?>
 <p:sld xmlns:a="http://schemas.openxmlformats.org/drawingml/2006/main" xmlns:r="http://schemas.openxmlformats.org/officeDocument/2006/relationships" xmlns:p="http://schemas.openxmlformats.org/presentationml/2006/main">
   <p:cSld>
     <p:spTree>
@@ -15198,7 +16151,7 @@
 </p:sld>
 </file>
 
-<file path=ppt/slides/slide26.xml><?xml version="1.0" encoding="utf-8"?>
+<file path=ppt/slides/slide28.xml><?xml version="1.0" encoding="utf-8"?>
 <p:sld xmlns:a="http://schemas.openxmlformats.org/drawingml/2006/main" xmlns:r="http://schemas.openxmlformats.org/officeDocument/2006/relationships" xmlns:p="http://schemas.openxmlformats.org/presentationml/2006/main">
   <p:cSld>
     <p:spTree>
@@ -15571,7 +16524,7 @@
 </p:sld>
 </file>
 
-<file path=ppt/slides/slide27.xml><?xml version="1.0" encoding="utf-8"?>
+<file path=ppt/slides/slide29.xml><?xml version="1.0" encoding="utf-8"?>
 <p:sld xmlns:a="http://schemas.openxmlformats.org/drawingml/2006/main" xmlns:r="http://schemas.openxmlformats.org/officeDocument/2006/relationships" xmlns:p="http://schemas.openxmlformats.org/presentationml/2006/main">
   <p:cSld>
     <p:spTree>
@@ -15772,7 +16725,7 @@
 </p:sld>
 </file>
 
-<file path=ppt/slides/slide28.xml><?xml version="1.0" encoding="utf-8"?>
+<file path=ppt/slides/slide3.xml><?xml version="1.0" encoding="utf-8"?>
 <p:sld xmlns:a="http://schemas.openxmlformats.org/drawingml/2006/main" xmlns:r="http://schemas.openxmlformats.org/officeDocument/2006/relationships" xmlns:p="http://schemas.openxmlformats.org/presentationml/2006/main">
   <p:cSld>
     <p:spTree>
@@ -15805,98 +16758,96 @@
           <a:lstStyle/>
           <a:p>
             <a:r>
-              <a:rPr lang="de-DE" dirty="0"/>
-              <a:t>F# </a:t>
-            </a:r>
-            <a:r>
-              <a:rPr lang="de-DE" dirty="0" err="1" smtClean="0"/>
-              <a:t>Foundation</a:t>
+              <a:rPr lang="de-DE" dirty="0" smtClean="0"/>
+              <a:t>Funktional ist kein Trend</a:t>
             </a:r>
             <a:endParaRPr lang="en-US" dirty="0"/>
           </a:p>
         </p:txBody>
       </p:sp>
-      <p:sp>
-        <p:nvSpPr>
-          <p:cNvPr id="3" name="Content Placeholder 2"/>
-          <p:cNvSpPr>
-            <a:spLocks noGrp="1"/>
-          </p:cNvSpPr>
-          <p:nvPr>
-            <p:ph idx="1"/>
-          </p:nvPr>
-        </p:nvSpPr>
-        <p:spPr/>
+      <p:pic>
+        <p:nvPicPr>
+          <p:cNvPr id="4" name="Picture 3"/>
+          <p:cNvPicPr>
+            <a:picLocks noChangeAspect="1"/>
+          </p:cNvPicPr>
+          <p:nvPr/>
+        </p:nvPicPr>
+        <p:blipFill>
+          <a:blip r:embed="rId3" cstate="print">
+            <a:extLst>
+              <a:ext uri="{28A0092B-C50C-407E-A947-70E740481C1C}">
+                <a14:useLocalDpi xmlns:a14="http://schemas.microsoft.com/office/drawing/2010/main" val="0"/>
+              </a:ext>
+            </a:extLst>
+          </a:blip>
+          <a:stretch>
+            <a:fillRect/>
+          </a:stretch>
+        </p:blipFill>
+        <p:spPr>
+          <a:xfrm>
+            <a:off x="2879655" y="1340768"/>
+            <a:ext cx="3384689" cy="4736592"/>
+          </a:xfrm>
+          <a:prstGeom prst="rect">
+            <a:avLst/>
+          </a:prstGeom>
+        </p:spPr>
+      </p:pic>
+      <p:sp>
+        <p:nvSpPr>
+          <p:cNvPr id="3" name="TextBox 2"/>
+          <p:cNvSpPr txBox="1"/>
+          <p:nvPr/>
+        </p:nvSpPr>
+        <p:spPr>
+          <a:xfrm>
+            <a:off x="395536" y="6525344"/>
+            <a:ext cx="6731843" cy="369332"/>
+          </a:xfrm>
+          <a:prstGeom prst="rect">
+            <a:avLst/>
+          </a:prstGeom>
+          <a:noFill/>
+        </p:spPr>
         <p:txBody>
-          <a:bodyPr>
-            <a:normAutofit/>
+          <a:bodyPr wrap="none" rtlCol="0">
+            <a:spAutoFit/>
           </a:bodyPr>
           <a:lstStyle/>
           <a:p>
             <a:r>
-              <a:rPr lang="de-DE" dirty="0" smtClean="0"/>
-              <a:t>F# </a:t>
-            </a:r>
-            <a:r>
-              <a:rPr lang="de-DE" dirty="0" err="1" smtClean="0"/>
-              <a:t>Foundation</a:t>
-            </a:r>
-            <a:r>
-              <a:rPr lang="de-DE" dirty="0" smtClean="0"/>
-              <a:t> ist eine gemeinnütziger Verein</a:t>
-            </a:r>
-          </a:p>
-          <a:p>
-            <a:r>
-              <a:rPr lang="de-DE" dirty="0" smtClean="0"/>
-              <a:t>Die </a:t>
-            </a:r>
-            <a:r>
-              <a:rPr lang="de-DE" dirty="0" err="1" smtClean="0"/>
-              <a:t>Foundation</a:t>
-            </a:r>
-            <a:r>
-              <a:rPr lang="de-DE" dirty="0" smtClean="0"/>
-              <a:t> kontrolliert die Entwicklung der Sprache</a:t>
-            </a:r>
-          </a:p>
-          <a:p>
-            <a:r>
-              <a:rPr lang="de-DE" dirty="0" smtClean="0"/>
-              <a:t>Es ist hier um zu bleiben</a:t>
-            </a:r>
-            <a:endParaRPr lang="de-DE" dirty="0" smtClean="0"/>
-          </a:p>
-          <a:p>
-            <a:pPr marL="0" indent="0">
-              <a:buNone/>
-            </a:pPr>
-            <a:endParaRPr lang="de-DE" dirty="0" smtClean="0"/>
-          </a:p>
-          <a:p>
-            <a:pPr marL="0" indent="0">
-              <a:buNone/>
-            </a:pPr>
-            <a:endParaRPr lang="de-DE" dirty="0" smtClean="0"/>
-          </a:p>
-          <a:p>
-            <a:pPr marL="0" indent="0">
-              <a:buNone/>
-            </a:pPr>
-            <a:endParaRPr lang="de-DE" dirty="0" smtClean="0"/>
-          </a:p>
-          <a:p>
-            <a:pPr marL="0" indent="0">
-              <a:buNone/>
-            </a:pPr>
-            <a:endParaRPr lang="en-US" dirty="0"/>
+              <a:rPr lang="en-US" dirty="0" smtClean="0"/>
+              <a:t>Photo </a:t>
+            </a:r>
+            <a:r>
+              <a:rPr lang="en-US" dirty="0" err="1" smtClean="0"/>
+              <a:t>erhalten</a:t>
+            </a:r>
+            <a:r>
+              <a:rPr lang="en-US" dirty="0" smtClean="0"/>
+              <a:t> </a:t>
+            </a:r>
+            <a:r>
+              <a:rPr lang="en-US" dirty="0" err="1" smtClean="0"/>
+              <a:t>aus</a:t>
+            </a:r>
+            <a:r>
+              <a:rPr lang="en-US" dirty="0" smtClean="0"/>
+              <a:t> https</a:t>
+            </a:r>
+            <a:r>
+              <a:rPr lang="en-US" dirty="0"/>
+              <a:t>://pixabay.com/de/users/zeradodich-275489/</a:t>
+            </a:r>
           </a:p>
         </p:txBody>
       </p:sp>
     </p:spTree>
     <p:extLst>
       <p:ext uri="{BB962C8B-B14F-4D97-AF65-F5344CB8AC3E}">
-        <p14:creationId xmlns:p14="http://schemas.microsoft.com/office/powerpoint/2010/main" val="2791116488"/>
+        <p14:creationId xmlns:p14="http://schemas.microsoft.com/office/powerpoint/2010/main" val="2665407636"/>
       </p:ext>
     </p:extLst>
   </p:cSld>
@@ -15924,7 +16875,7 @@
                             </p:stCondLst>
                             <p:childTnLst>
                               <p:par>
-                                <p:cTn id="5" presetID="1" presetClass="entr" presetSubtype="0" fill="hold" grpId="0" nodeType="clickEffect">
+                                <p:cTn id="5" presetID="1" presetClass="entr" presetSubtype="0" fill="hold" nodeType="clickEffect">
                                   <p:stCondLst>
                                     <p:cond delay="0"/>
                                   </p:stCondLst>
@@ -15937,11 +16888,7 @@
                                           </p:stCondLst>
                                         </p:cTn>
                                         <p:tgtEl>
-                                          <p:spTgt spid="3">
-                                            <p:txEl>
-                                              <p:pRg st="0" end="0"/>
-                                            </p:txEl>
-                                          </p:spTgt>
+                                          <p:spTgt spid="4"/>
                                         </p:tgtEl>
                                         <p:attrNameLst>
                                           <p:attrName>style.visibility</p:attrName>
@@ -15954,92 +16901,21 @@
                                   </p:childTnLst>
                                 </p:cTn>
                               </p:par>
-                            </p:childTnLst>
-                          </p:cTn>
-                        </p:par>
-                      </p:childTnLst>
-                    </p:cTn>
-                  </p:par>
-                  <p:par>
-                    <p:cTn id="7" fill="hold">
-                      <p:stCondLst>
-                        <p:cond delay="indefinite"/>
-                      </p:stCondLst>
-                      <p:childTnLst>
-                        <p:par>
-                          <p:cTn id="8" fill="hold">
-                            <p:stCondLst>
-                              <p:cond delay="0"/>
-                            </p:stCondLst>
-                            <p:childTnLst>
                               <p:par>
-                                <p:cTn id="9" presetID="1" presetClass="entr" presetSubtype="0" fill="hold" grpId="0" nodeType="clickEffect">
+                                <p:cTn id="7" presetID="1" presetClass="entr" presetSubtype="0" fill="hold" grpId="0" nodeType="withEffect">
                                   <p:stCondLst>
                                     <p:cond delay="0"/>
                                   </p:stCondLst>
                                   <p:childTnLst>
                                     <p:set>
                                       <p:cBhvr>
-                                        <p:cTn id="10" dur="1" fill="hold">
+                                        <p:cTn id="8" dur="1" fill="hold">
                                           <p:stCondLst>
                                             <p:cond delay="0"/>
                                           </p:stCondLst>
                                         </p:cTn>
                                         <p:tgtEl>
-                                          <p:spTgt spid="3">
-                                            <p:txEl>
-                                              <p:pRg st="1" end="1"/>
-                                            </p:txEl>
-                                          </p:spTgt>
-                                        </p:tgtEl>
-                                        <p:attrNameLst>
-                                          <p:attrName>style.visibility</p:attrName>
-                                        </p:attrNameLst>
-                                      </p:cBhvr>
-                                      <p:to>
-                                        <p:strVal val="visible"/>
-                                      </p:to>
-                                    </p:set>
-                                  </p:childTnLst>
-                                </p:cTn>
-                              </p:par>
-                            </p:childTnLst>
-                          </p:cTn>
-                        </p:par>
-                      </p:childTnLst>
-                    </p:cTn>
-                  </p:par>
-                  <p:par>
-                    <p:cTn id="11" fill="hold">
-                      <p:stCondLst>
-                        <p:cond delay="indefinite"/>
-                      </p:stCondLst>
-                      <p:childTnLst>
-                        <p:par>
-                          <p:cTn id="12" fill="hold">
-                            <p:stCondLst>
-                              <p:cond delay="0"/>
-                            </p:stCondLst>
-                            <p:childTnLst>
-                              <p:par>
-                                <p:cTn id="13" presetID="1" presetClass="entr" presetSubtype="0" fill="hold" grpId="0" nodeType="clickEffect">
-                                  <p:stCondLst>
-                                    <p:cond delay="0"/>
-                                  </p:stCondLst>
-                                  <p:childTnLst>
-                                    <p:set>
-                                      <p:cBhvr>
-                                        <p:cTn id="14" dur="1" fill="hold">
-                                          <p:stCondLst>
-                                            <p:cond delay="0"/>
-                                          </p:stCondLst>
-                                        </p:cTn>
-                                        <p:tgtEl>
-                                          <p:spTgt spid="3">
-                                            <p:txEl>
-                                              <p:pRg st="2" end="2"/>
-                                            </p:txEl>
-                                          </p:spTgt>
+                                          <p:spTgt spid="3"/>
                                         </p:tgtEl>
                                         <p:attrNameLst>
                                           <p:attrName>style.visibility</p:attrName>
@@ -16080,13 +16956,13 @@
       </p:par>
     </p:tnLst>
     <p:bldLst>
-      <p:bldP spid="3" grpId="0" build="p"/>
+      <p:bldP spid="3" grpId="0"/>
     </p:bldLst>
   </p:timing>
 </p:sld>
 </file>
 
-<file path=ppt/slides/slide29.xml><?xml version="1.0" encoding="utf-8"?>
+<file path=ppt/slides/slide4.xml><?xml version="1.0" encoding="utf-8"?>
 <p:sld xmlns:a="http://schemas.openxmlformats.org/drawingml/2006/main" xmlns:r="http://schemas.openxmlformats.org/officeDocument/2006/relationships" xmlns:p="http://schemas.openxmlformats.org/presentationml/2006/main">
   <p:cSld>
     <p:spTree>
@@ -16119,102 +16995,68 @@
           <a:lstStyle/>
           <a:p>
             <a:r>
-              <a:rPr lang="de-DE" dirty="0"/>
-              <a:t>F# ist open </a:t>
-            </a:r>
-            <a:r>
-              <a:rPr lang="de-DE" dirty="0" err="1"/>
-              <a:t>source</a:t>
+              <a:rPr lang="de-DE" dirty="0" smtClean="0"/>
+              <a:t>Funktional ist alt</a:t>
             </a:r>
             <a:endParaRPr lang="en-US" dirty="0"/>
           </a:p>
         </p:txBody>
       </p:sp>
-      <p:sp>
-        <p:nvSpPr>
-          <p:cNvPr id="3" name="Content Placeholder 2"/>
-          <p:cNvSpPr>
-            <a:spLocks noGrp="1"/>
-          </p:cNvSpPr>
-          <p:nvPr>
-            <p:ph idx="1"/>
-          </p:nvPr>
-        </p:nvSpPr>
-        <p:spPr/>
+      <p:pic>
+        <p:nvPicPr>
+          <p:cNvPr id="4" name="Picture 3"/>
+          <p:cNvPicPr>
+            <a:picLocks noChangeAspect="1"/>
+          </p:cNvPicPr>
+          <p:nvPr/>
+        </p:nvPicPr>
+        <p:blipFill>
+          <a:blip r:embed="rId3">
+            <a:extLst>
+              <a:ext uri="{28A0092B-C50C-407E-A947-70E740481C1C}">
+                <a14:useLocalDpi xmlns:a14="http://schemas.microsoft.com/office/drawing/2010/main" val="0"/>
+              </a:ext>
+            </a:extLst>
+          </a:blip>
+          <a:stretch>
+            <a:fillRect/>
+          </a:stretch>
+        </p:blipFill>
+        <p:spPr>
+          <a:xfrm>
+            <a:off x="1331640" y="1686179"/>
+            <a:ext cx="6227064" cy="4105970"/>
+          </a:xfrm>
+          <a:prstGeom prst="rect">
+            <a:avLst/>
+          </a:prstGeom>
+        </p:spPr>
+      </p:pic>
+      <p:sp>
+        <p:nvSpPr>
+          <p:cNvPr id="3" name="Rectangle 2"/>
+          <p:cNvSpPr/>
+          <p:nvPr/>
+        </p:nvSpPr>
+        <p:spPr>
+          <a:xfrm>
+            <a:off x="251520" y="6237312"/>
+            <a:ext cx="1897314" cy="369332"/>
+          </a:xfrm>
+          <a:prstGeom prst="rect">
+            <a:avLst/>
+          </a:prstGeom>
+        </p:spPr>
         <p:txBody>
-          <a:bodyPr>
-            <a:normAutofit/>
+          <a:bodyPr wrap="none">
+            <a:spAutoFit/>
           </a:bodyPr>
           <a:lstStyle/>
           <a:p>
             <a:r>
-              <a:rPr lang="de-DE" dirty="0" smtClean="0"/>
-              <a:t>Das Quellcode ist auf </a:t>
-            </a:r>
-            <a:r>
-              <a:rPr lang="de-DE" dirty="0" err="1" smtClean="0"/>
-              <a:t>GitHub</a:t>
-            </a:r>
-            <a:r>
-              <a:rPr lang="de-DE" dirty="0" smtClean="0"/>
-              <a:t> zu finden</a:t>
-            </a:r>
-            <a:endParaRPr lang="de-DE" dirty="0" smtClean="0"/>
-          </a:p>
-          <a:p>
-            <a:r>
-              <a:rPr lang="de-DE" dirty="0" smtClean="0"/>
-              <a:t>Das Ökosystem F# ist lebendig</a:t>
-            </a:r>
-          </a:p>
-          <a:p>
-            <a:r>
-              <a:rPr lang="de-DE" dirty="0" smtClean="0"/>
-              <a:t>Sehr viele FSO Projekte in vielen Bereichen (Data, Web, </a:t>
-            </a:r>
-            <a:r>
-              <a:rPr lang="de-DE" dirty="0" err="1" smtClean="0"/>
-              <a:t>Machine</a:t>
-            </a:r>
-            <a:r>
-              <a:rPr lang="de-DE" dirty="0" smtClean="0"/>
-              <a:t> Learning, Finanzen)</a:t>
-            </a:r>
-            <a:endParaRPr lang="de-DE" dirty="0"/>
-          </a:p>
-          <a:p>
-            <a:r>
-              <a:rPr lang="de-DE" dirty="0" smtClean="0"/>
-              <a:t>Hilfreiche Autoren der </a:t>
-            </a:r>
-            <a:r>
-              <a:rPr lang="de-DE" dirty="0" err="1" smtClean="0"/>
-              <a:t>Bilbliotheken</a:t>
-            </a:r>
-            <a:endParaRPr lang="de-DE" dirty="0" smtClean="0"/>
-          </a:p>
-          <a:p>
-            <a:pPr marL="0" indent="0">
-              <a:buNone/>
-            </a:pPr>
-            <a:endParaRPr lang="de-DE" dirty="0" smtClean="0"/>
-          </a:p>
-          <a:p>
-            <a:pPr marL="0" indent="0">
-              <a:buNone/>
-            </a:pPr>
-            <a:endParaRPr lang="de-DE" dirty="0" smtClean="0"/>
-          </a:p>
-          <a:p>
-            <a:pPr marL="0" indent="0">
-              <a:buNone/>
-            </a:pPr>
-            <a:endParaRPr lang="de-DE" dirty="0" smtClean="0"/>
-          </a:p>
-          <a:p>
-            <a:pPr marL="0" indent="0">
-              <a:buNone/>
-            </a:pPr>
+              <a:rPr lang="en-US" dirty="0"/>
+              <a:t>"U.S. Army Photo"</a:t>
+            </a:r>
             <a:endParaRPr lang="en-US" dirty="0"/>
           </a:p>
         </p:txBody>
@@ -16222,7 +17064,7 @@
     </p:spTree>
     <p:extLst>
       <p:ext uri="{BB962C8B-B14F-4D97-AF65-F5344CB8AC3E}">
-        <p14:creationId xmlns:p14="http://schemas.microsoft.com/office/powerpoint/2010/main" val="3896142169"/>
+        <p14:creationId xmlns:p14="http://schemas.microsoft.com/office/powerpoint/2010/main" val="1452978565"/>
       </p:ext>
     </p:extLst>
   </p:cSld>
@@ -16250,7 +17092,7 @@
                             </p:stCondLst>
                             <p:childTnLst>
                               <p:par>
-                                <p:cTn id="5" presetID="1" presetClass="entr" presetSubtype="0" fill="hold" grpId="0" nodeType="clickEffect">
+                                <p:cTn id="5" presetID="1" presetClass="entr" presetSubtype="0" fill="hold" nodeType="clickEffect">
                                   <p:stCondLst>
                                     <p:cond delay="0"/>
                                   </p:stCondLst>
@@ -16263,11 +17105,7 @@
                                           </p:stCondLst>
                                         </p:cTn>
                                         <p:tgtEl>
-                                          <p:spTgt spid="3">
-                                            <p:txEl>
-                                              <p:pRg st="0" end="0"/>
-                                            </p:txEl>
-                                          </p:spTgt>
+                                          <p:spTgt spid="4"/>
                                         </p:tgtEl>
                                         <p:attrNameLst>
                                           <p:attrName>style.visibility</p:attrName>
@@ -16280,141 +17118,21 @@
                                   </p:childTnLst>
                                 </p:cTn>
                               </p:par>
-                            </p:childTnLst>
-                          </p:cTn>
-                        </p:par>
-                      </p:childTnLst>
-                    </p:cTn>
-                  </p:par>
-                  <p:par>
-                    <p:cTn id="7" fill="hold">
-                      <p:stCondLst>
-                        <p:cond delay="indefinite"/>
-                      </p:stCondLst>
-                      <p:childTnLst>
-                        <p:par>
-                          <p:cTn id="8" fill="hold">
-                            <p:stCondLst>
-                              <p:cond delay="0"/>
-                            </p:stCondLst>
-                            <p:childTnLst>
                               <p:par>
-                                <p:cTn id="9" presetID="1" presetClass="entr" presetSubtype="0" fill="hold" grpId="0" nodeType="clickEffect">
+                                <p:cTn id="7" presetID="1" presetClass="entr" presetSubtype="0" fill="hold" grpId="0" nodeType="withEffect">
                                   <p:stCondLst>
                                     <p:cond delay="0"/>
                                   </p:stCondLst>
                                   <p:childTnLst>
                                     <p:set>
                                       <p:cBhvr>
-                                        <p:cTn id="10" dur="1" fill="hold">
+                                        <p:cTn id="8" dur="1" fill="hold">
                                           <p:stCondLst>
                                             <p:cond delay="0"/>
                                           </p:stCondLst>
                                         </p:cTn>
                                         <p:tgtEl>
-                                          <p:spTgt spid="3">
-                                            <p:txEl>
-                                              <p:pRg st="1" end="1"/>
-                                            </p:txEl>
-                                          </p:spTgt>
-                                        </p:tgtEl>
-                                        <p:attrNameLst>
-                                          <p:attrName>style.visibility</p:attrName>
-                                        </p:attrNameLst>
-                                      </p:cBhvr>
-                                      <p:to>
-                                        <p:strVal val="visible"/>
-                                      </p:to>
-                                    </p:set>
-                                  </p:childTnLst>
-                                </p:cTn>
-                              </p:par>
-                            </p:childTnLst>
-                          </p:cTn>
-                        </p:par>
-                      </p:childTnLst>
-                    </p:cTn>
-                  </p:par>
-                  <p:par>
-                    <p:cTn id="11" fill="hold">
-                      <p:stCondLst>
-                        <p:cond delay="indefinite"/>
-                      </p:stCondLst>
-                      <p:childTnLst>
-                        <p:par>
-                          <p:cTn id="12" fill="hold">
-                            <p:stCondLst>
-                              <p:cond delay="0"/>
-                            </p:stCondLst>
-                            <p:childTnLst>
-                              <p:par>
-                                <p:cTn id="13" presetID="1" presetClass="entr" presetSubtype="0" fill="hold" grpId="0" nodeType="clickEffect">
-                                  <p:stCondLst>
-                                    <p:cond delay="0"/>
-                                  </p:stCondLst>
-                                  <p:childTnLst>
-                                    <p:set>
-                                      <p:cBhvr>
-                                        <p:cTn id="14" dur="1" fill="hold">
-                                          <p:stCondLst>
-                                            <p:cond delay="0"/>
-                                          </p:stCondLst>
-                                        </p:cTn>
-                                        <p:tgtEl>
-                                          <p:spTgt spid="3">
-                                            <p:txEl>
-                                              <p:pRg st="2" end="2"/>
-                                            </p:txEl>
-                                          </p:spTgt>
-                                        </p:tgtEl>
-                                        <p:attrNameLst>
-                                          <p:attrName>style.visibility</p:attrName>
-                                        </p:attrNameLst>
-                                      </p:cBhvr>
-                                      <p:to>
-                                        <p:strVal val="visible"/>
-                                      </p:to>
-                                    </p:set>
-                                  </p:childTnLst>
-                                </p:cTn>
-                              </p:par>
-                            </p:childTnLst>
-                          </p:cTn>
-                        </p:par>
-                      </p:childTnLst>
-                    </p:cTn>
-                  </p:par>
-                  <p:par>
-                    <p:cTn id="15" fill="hold">
-                      <p:stCondLst>
-                        <p:cond delay="indefinite"/>
-                      </p:stCondLst>
-                      <p:childTnLst>
-                        <p:par>
-                          <p:cTn id="16" fill="hold">
-                            <p:stCondLst>
-                              <p:cond delay="0"/>
-                            </p:stCondLst>
-                            <p:childTnLst>
-                              <p:par>
-                                <p:cTn id="17" presetID="1" presetClass="entr" presetSubtype="0" fill="hold" grpId="0" nodeType="clickEffect">
-                                  <p:stCondLst>
-                                    <p:cond delay="0"/>
-                                  </p:stCondLst>
-                                  <p:childTnLst>
-                                    <p:set>
-                                      <p:cBhvr>
-                                        <p:cTn id="18" dur="1" fill="hold">
-                                          <p:stCondLst>
-                                            <p:cond delay="0"/>
-                                          </p:stCondLst>
-                                        </p:cTn>
-                                        <p:tgtEl>
-                                          <p:spTgt spid="3">
-                                            <p:txEl>
-                                              <p:pRg st="3" end="3"/>
-                                            </p:txEl>
-                                          </p:spTgt>
+                                          <p:spTgt spid="3"/>
                                         </p:tgtEl>
                                         <p:attrNameLst>
                                           <p:attrName>style.visibility</p:attrName>
@@ -16455,188 +17173,8 @@
       </p:par>
     </p:tnLst>
     <p:bldLst>
-      <p:bldP spid="3" grpId="0" build="p"/>
+      <p:bldP spid="3" grpId="0"/>
     </p:bldLst>
-  </p:timing>
-</p:sld>
-</file>
-
-<file path=ppt/slides/slide3.xml><?xml version="1.0" encoding="utf-8"?>
-<p:sld xmlns:a="http://schemas.openxmlformats.org/drawingml/2006/main" xmlns:r="http://schemas.openxmlformats.org/officeDocument/2006/relationships" xmlns:p="http://schemas.openxmlformats.org/presentationml/2006/main">
-  <p:cSld>
-    <p:spTree>
-      <p:nvGrpSpPr>
-        <p:cNvPr id="1" name=""/>
-        <p:cNvGrpSpPr/>
-        <p:nvPr/>
-      </p:nvGrpSpPr>
-      <p:grpSpPr>
-        <a:xfrm>
-          <a:off x="0" y="0"/>
-          <a:ext cx="0" cy="0"/>
-          <a:chOff x="0" y="0"/>
-          <a:chExt cx="0" cy="0"/>
-        </a:xfrm>
-      </p:grpSpPr>
-      <p:sp>
-        <p:nvSpPr>
-          <p:cNvPr id="2" name="Title 1"/>
-          <p:cNvSpPr>
-            <a:spLocks noGrp="1"/>
-          </p:cNvSpPr>
-          <p:nvPr>
-            <p:ph type="title"/>
-          </p:nvPr>
-        </p:nvSpPr>
-        <p:spPr/>
-        <p:txBody>
-          <a:bodyPr/>
-          <a:lstStyle/>
-          <a:p>
-            <a:r>
-              <a:rPr lang="de-DE" dirty="0" smtClean="0"/>
-              <a:t>Funktional ist kein Trend</a:t>
-            </a:r>
-            <a:endParaRPr lang="en-US" dirty="0"/>
-          </a:p>
-        </p:txBody>
-      </p:sp>
-      <p:pic>
-        <p:nvPicPr>
-          <p:cNvPr id="4" name="Picture 3"/>
-          <p:cNvPicPr>
-            <a:picLocks noChangeAspect="1"/>
-          </p:cNvPicPr>
-          <p:nvPr/>
-        </p:nvPicPr>
-        <p:blipFill>
-          <a:blip r:embed="rId3">
-            <a:extLst>
-              <a:ext uri="{28A0092B-C50C-407E-A947-70E740481C1C}">
-                <a14:useLocalDpi xmlns:a14="http://schemas.microsoft.com/office/drawing/2010/main" val="0"/>
-              </a:ext>
-            </a:extLst>
-          </a:blip>
-          <a:stretch>
-            <a:fillRect/>
-          </a:stretch>
-        </p:blipFill>
-        <p:spPr>
-          <a:xfrm>
-            <a:off x="2795778" y="1340768"/>
-            <a:ext cx="3552444" cy="4736592"/>
-          </a:xfrm>
-          <a:prstGeom prst="rect">
-            <a:avLst/>
-          </a:prstGeom>
-        </p:spPr>
-      </p:pic>
-    </p:spTree>
-    <p:extLst>
-      <p:ext uri="{BB962C8B-B14F-4D97-AF65-F5344CB8AC3E}">
-        <p14:creationId xmlns:p14="http://schemas.microsoft.com/office/powerpoint/2010/main" val="2665407636"/>
-      </p:ext>
-    </p:extLst>
-  </p:cSld>
-  <p:clrMapOvr>
-    <a:masterClrMapping/>
-  </p:clrMapOvr>
-  <p:timing>
-    <p:tnLst>
-      <p:par>
-        <p:cTn id="1" dur="indefinite" restart="never" nodeType="tmRoot"/>
-      </p:par>
-    </p:tnLst>
-  </p:timing>
-</p:sld>
-</file>
-
-<file path=ppt/slides/slide4.xml><?xml version="1.0" encoding="utf-8"?>
-<p:sld xmlns:a="http://schemas.openxmlformats.org/drawingml/2006/main" xmlns:r="http://schemas.openxmlformats.org/officeDocument/2006/relationships" xmlns:p="http://schemas.openxmlformats.org/presentationml/2006/main">
-  <p:cSld>
-    <p:spTree>
-      <p:nvGrpSpPr>
-        <p:cNvPr id="1" name=""/>
-        <p:cNvGrpSpPr/>
-        <p:nvPr/>
-      </p:nvGrpSpPr>
-      <p:grpSpPr>
-        <a:xfrm>
-          <a:off x="0" y="0"/>
-          <a:ext cx="0" cy="0"/>
-          <a:chOff x="0" y="0"/>
-          <a:chExt cx="0" cy="0"/>
-        </a:xfrm>
-      </p:grpSpPr>
-      <p:sp>
-        <p:nvSpPr>
-          <p:cNvPr id="2" name="Title 1"/>
-          <p:cNvSpPr>
-            <a:spLocks noGrp="1"/>
-          </p:cNvSpPr>
-          <p:nvPr>
-            <p:ph type="title"/>
-          </p:nvPr>
-        </p:nvSpPr>
-        <p:spPr/>
-        <p:txBody>
-          <a:bodyPr/>
-          <a:lstStyle/>
-          <a:p>
-            <a:r>
-              <a:rPr lang="de-DE" dirty="0" smtClean="0"/>
-              <a:t>Funktional ist alt</a:t>
-            </a:r>
-            <a:endParaRPr lang="en-US" dirty="0"/>
-          </a:p>
-        </p:txBody>
-      </p:sp>
-      <p:pic>
-        <p:nvPicPr>
-          <p:cNvPr id="4" name="Picture 3"/>
-          <p:cNvPicPr>
-            <a:picLocks noChangeAspect="1"/>
-          </p:cNvPicPr>
-          <p:nvPr/>
-        </p:nvPicPr>
-        <p:blipFill>
-          <a:blip r:embed="rId3" cstate="print">
-            <a:extLst>
-              <a:ext uri="{28A0092B-C50C-407E-A947-70E740481C1C}">
-                <a14:useLocalDpi xmlns:a14="http://schemas.microsoft.com/office/drawing/2010/main" val="0"/>
-              </a:ext>
-            </a:extLst>
-          </a:blip>
-          <a:stretch>
-            <a:fillRect/>
-          </a:stretch>
-        </p:blipFill>
-        <p:spPr>
-          <a:xfrm>
-            <a:off x="1331640" y="1268760"/>
-            <a:ext cx="6227064" cy="4940808"/>
-          </a:xfrm>
-          <a:prstGeom prst="rect">
-            <a:avLst/>
-          </a:prstGeom>
-        </p:spPr>
-      </p:pic>
-    </p:spTree>
-    <p:extLst>
-      <p:ext uri="{BB962C8B-B14F-4D97-AF65-F5344CB8AC3E}">
-        <p14:creationId xmlns:p14="http://schemas.microsoft.com/office/powerpoint/2010/main" val="1452978565"/>
-      </p:ext>
-    </p:extLst>
-  </p:cSld>
-  <p:clrMapOvr>
-    <a:masterClrMapping/>
-  </p:clrMapOvr>
-  <p:timing>
-    <p:tnLst>
-      <p:par>
-        <p:cTn id="1" dur="indefinite" restart="never" nodeType="tmRoot"/>
-      </p:par>
-    </p:tnLst>
   </p:timing>
 </p:sld>
 </file>
@@ -18089,13 +18627,17 @@
         <p:spPr/>
         <p:txBody>
           <a:bodyPr>
-            <a:normAutofit fontScale="90000"/>
+            <a:normAutofit/>
           </a:bodyPr>
           <a:lstStyle/>
           <a:p>
             <a:r>
               <a:rPr lang="de-DE" dirty="0" smtClean="0"/>
-              <a:t>Was ist Funktionale Programmierung?</a:t>
+              <a:t>Was ist </a:t>
+            </a:r>
+            <a:r>
+              <a:rPr lang="de-DE" dirty="0" smtClean="0"/>
+              <a:t>FP?*</a:t>
             </a:r>
             <a:endParaRPr lang="en-US" dirty="0"/>
           </a:p>

--- a/20151202/Einführung20151202.pptx
+++ b/20151202/Einführung20151202.pptx
@@ -137,7 +137,7 @@
   </p:defaultTextStyle>
   <p:extLst>
     <p:ext uri="{EFAFB233-063F-42B5-8137-9DF3F51BA10A}">
-      <p15:sldGuideLst xmlns="" xmlns:p15="http://schemas.microsoft.com/office/powerpoint/2012/main">
+      <p15:sldGuideLst xmlns:p15="http://schemas.microsoft.com/office/powerpoint/2012/main">
         <p15:guide id="1" orient="horz" pos="2160">
           <p15:clr>
             <a:srgbClr val="A4A3A4"/>
@@ -395,7 +395,7 @@
           <a:p>
             <a:fld id="{4775FDF9-2A53-4261-A0AF-3B6A9698D365}" type="slidenum">
               <a:rPr lang="en-US" smtClean="0"/>
-              <a:t>‹#›</a:t>
+              <a:t>‹Nr.›</a:t>
             </a:fld>
             <a:endParaRPr lang="en-US"/>
           </a:p>
@@ -938,7 +938,6 @@
               <a:rPr lang="de-DE" baseline="0" dirty="0" smtClean="0"/>
               <a:t> darzustellen</a:t>
             </a:r>
-            <a:endParaRPr lang="de-DE" baseline="0" dirty="0" smtClean="0"/>
           </a:p>
           <a:p>
             <a:endParaRPr lang="de-DE" baseline="0" dirty="0" smtClean="0"/>
@@ -1088,11 +1087,7 @@
             </a:pPr>
             <a:r>
               <a:rPr lang="de-DE" dirty="0" smtClean="0"/>
-              <a:t>Keine </a:t>
-            </a:r>
-            <a:r>
-              <a:rPr lang="de-DE" dirty="0" smtClean="0"/>
-              <a:t>Variablen: (Slot im Speicher wo ich etwas pushen und poppen kann). </a:t>
+              <a:t>Keine Variablen: (Slot im Speicher wo ich etwas pushen und poppen kann). </a:t>
             </a:r>
           </a:p>
           <a:p>
@@ -1663,11 +1658,7 @@
             </a:r>
             <a:r>
               <a:rPr lang="de-DE" baseline="0" dirty="0" smtClean="0"/>
-              <a:t> davon </a:t>
-            </a:r>
-            <a:r>
-              <a:rPr lang="de-DE" baseline="0" dirty="0" smtClean="0"/>
-              <a:t>noch, bleibt jedoch hinter F# für erste da in C# die </a:t>
+              <a:t> davon noch, bleibt jedoch hinter F# für erste da in C# die </a:t>
             </a:r>
             <a:r>
               <a:rPr lang="de-DE" baseline="0" dirty="0" err="1" smtClean="0"/>
@@ -1927,22 +1918,13 @@
           <a:p>
             <a:r>
               <a:rPr lang="de-DE" dirty="0" smtClean="0"/>
-              <a:t>Typ </a:t>
-            </a:r>
-            <a:r>
-              <a:rPr lang="de-DE" dirty="0" smtClean="0"/>
-              <a:t>&lt;&gt; Klasse: </a:t>
-            </a:r>
-            <a:endParaRPr lang="de-DE" dirty="0" smtClean="0"/>
-          </a:p>
-          <a:p>
-            <a:r>
-              <a:rPr lang="de-DE" dirty="0" smtClean="0"/>
-              <a:t>Kein </a:t>
-            </a:r>
-            <a:r>
-              <a:rPr lang="de-DE" dirty="0" smtClean="0"/>
-              <a:t>Verhalten,</a:t>
+              <a:t>Typ &lt;&gt; Klasse: </a:t>
+            </a:r>
+          </a:p>
+          <a:p>
+            <a:r>
+              <a:rPr lang="de-DE" dirty="0" smtClean="0"/>
+              <a:t>Kein Verhalten,</a:t>
             </a:r>
             <a:r>
               <a:rPr lang="de-DE" baseline="0" dirty="0" smtClean="0"/>
@@ -1984,7 +1966,6 @@
               <a:rPr lang="de-DE" baseline="0" dirty="0" smtClean="0"/>
               <a:t>Komposition: aus klein mach groß und dann großer</a:t>
             </a:r>
-            <a:endParaRPr lang="de-DE" baseline="0" dirty="0" smtClean="0"/>
           </a:p>
           <a:p>
             <a:endParaRPr lang="de-DE" baseline="0" dirty="0" smtClean="0"/>
@@ -2076,11 +2057,7 @@
           <a:p>
             <a:r>
               <a:rPr lang="de-DE" dirty="0" smtClean="0"/>
-              <a:t>Annotation</a:t>
-            </a:r>
-            <a:r>
-              <a:rPr lang="de-DE" dirty="0" smtClean="0"/>
-              <a:t>: entweder tut der Programmierer dies oder,</a:t>
+              <a:t>Annotation: entweder tut der Programmierer dies oder,</a:t>
             </a:r>
             <a:r>
               <a:rPr lang="de-DE" baseline="0" dirty="0" smtClean="0"/>
@@ -2102,11 +2079,7 @@
             </a:r>
             <a:r>
               <a:rPr lang="de-DE" baseline="0" dirty="0" smtClean="0"/>
-              <a:t> oder gar nur die nächste Folie zeigen und diesen Text als Notiz </a:t>
-            </a:r>
-            <a:r>
-              <a:rPr lang="de-DE" baseline="0" dirty="0" smtClean="0"/>
-              <a:t>verwenden</a:t>
+              <a:t> oder gar nur die nächste Folie zeigen und diesen Text als Notiz verwenden</a:t>
             </a:r>
           </a:p>
           <a:p>
@@ -4005,19 +3978,11 @@
           <a:p>
             <a:r>
               <a:rPr lang="de-DE" dirty="0" smtClean="0"/>
-              <a:t>Zwei </a:t>
-            </a:r>
-            <a:r>
-              <a:rPr lang="de-DE" dirty="0" smtClean="0"/>
-              <a:t>im</a:t>
+              <a:t>Zwei im</a:t>
             </a:r>
             <a:r>
               <a:rPr lang="de-DE" baseline="0" dirty="0" smtClean="0"/>
-              <a:t> Sinne des Domains gleichwertige Instanzen „Kunde 123“ sind nicht identisch</a:t>
-            </a:r>
-            <a:r>
-              <a:rPr lang="de-DE" baseline="0" dirty="0" smtClean="0"/>
-              <a:t>.</a:t>
+              <a:t> Sinne des Domains gleichwertige Instanzen „Kunde 123“ sind nicht identisch.</a:t>
             </a:r>
           </a:p>
           <a:p>
@@ -4060,11 +4025,7 @@
           <a:p>
             <a:r>
               <a:rPr lang="de-DE" baseline="0" dirty="0" smtClean="0"/>
-              <a:t>Wie ist es in der einen oder in der anderen implementiert/nicht </a:t>
-            </a:r>
-            <a:r>
-              <a:rPr lang="de-DE" baseline="0" dirty="0" smtClean="0"/>
-              <a:t>implementiert</a:t>
+              <a:t>Wie ist es in der einen oder in der anderen implementiert/nicht implementiert</a:t>
             </a:r>
           </a:p>
           <a:p>
@@ -4634,7 +4595,6 @@
               <a:rPr lang="de-DE" baseline="0" dirty="0" smtClean="0"/>
               <a:t>Lambdas -&gt; anonyme Funktionen</a:t>
             </a:r>
-            <a:endParaRPr lang="de-DE" baseline="0" dirty="0" smtClean="0"/>
           </a:p>
           <a:p>
             <a:pPr marL="171450" indent="-171450">
@@ -5414,18 +5374,7 @@
                 <a:ea typeface="+mn-ea"/>
                 <a:cs typeface="+mn-cs"/>
               </a:rPr>
-              <a:t>type </a:t>
-            </a:r>
-            <a:r>
-              <a:rPr lang="en-US" sz="1200" kern="1200" dirty="0" smtClean="0">
-                <a:solidFill>
-                  <a:schemeClr val="tx1"/>
-                </a:solidFill>
-                <a:latin typeface="+mn-lt"/>
-                <a:ea typeface="+mn-ea"/>
-                <a:cs typeface="+mn-cs"/>
-              </a:rPr>
-              <a:t>S = { Name : string; </a:t>
+              <a:t>type S = { Name : string; </a:t>
             </a:r>
             <a:r>
               <a:rPr lang="en-US" sz="1200" kern="1200" dirty="0" err="1" smtClean="0">
@@ -5531,15 +5480,7 @@
             </a:pPr>
             <a:r>
               <a:rPr lang="de-DE" baseline="0" dirty="0" smtClean="0"/>
-              <a:t>Eine </a:t>
-            </a:r>
-            <a:r>
-              <a:rPr lang="de-DE" baseline="0" dirty="0" smtClean="0"/>
-              <a:t>Funktion wird zu einem Ausdruck gebunden und gibt diesem einen Wert</a:t>
-            </a:r>
-            <a:r>
-              <a:rPr lang="de-DE" baseline="0" dirty="0" smtClean="0"/>
-              <a:t>.  Diesen Wert kann ich dann auch als </a:t>
+              <a:t>Eine Funktion wird zu einem Ausdruck gebunden und gibt diesem einen Wert.  Diesen Wert kann ich dann auch als </a:t>
             </a:r>
             <a:r>
               <a:rPr lang="de-DE" baseline="0" dirty="0" err="1" smtClean="0"/>
@@ -5583,7 +5524,6 @@
               <a:rPr lang="de-DE" baseline="0" dirty="0" smtClean="0"/>
               <a:t>Die höhere Kunst ist es in der Sprache Funktionen mit Nebenwirkung so zu gestalten dass diese Nebenwirkung nicht zum Vorschein kommt, sondern dass die Funktion sich so verhält als wäre diese pure. Das heißt dass Domain und Range soweit es geht wohl definiert bleiben.</a:t>
             </a:r>
-            <a:endParaRPr lang="de-DE" baseline="0" dirty="0" smtClean="0"/>
           </a:p>
           <a:p>
             <a:endParaRPr lang="de-DE" baseline="0" dirty="0" smtClean="0"/>
@@ -5852,7 +5792,7 @@
           <a:p>
             <a:fld id="{0B7BDCAE-AC27-44DA-9659-0200D1120197}" type="slidenum">
               <a:rPr lang="en-US" smtClean="0"/>
-              <a:t>‹#›</a:t>
+              <a:t>‹Nr.›</a:t>
             </a:fld>
             <a:endParaRPr lang="en-US"/>
           </a:p>
@@ -6022,7 +5962,7 @@
           <a:p>
             <a:fld id="{0B7BDCAE-AC27-44DA-9659-0200D1120197}" type="slidenum">
               <a:rPr lang="en-US" smtClean="0"/>
-              <a:t>‹#›</a:t>
+              <a:t>‹Nr.›</a:t>
             </a:fld>
             <a:endParaRPr lang="en-US"/>
           </a:p>
@@ -6202,7 +6142,7 @@
           <a:p>
             <a:fld id="{0B7BDCAE-AC27-44DA-9659-0200D1120197}" type="slidenum">
               <a:rPr lang="en-US" smtClean="0"/>
-              <a:t>‹#›</a:t>
+              <a:t>‹Nr.›</a:t>
             </a:fld>
             <a:endParaRPr lang="en-US"/>
           </a:p>
@@ -6372,7 +6312,7 @@
           <a:p>
             <a:fld id="{0B7BDCAE-AC27-44DA-9659-0200D1120197}" type="slidenum">
               <a:rPr lang="en-US" smtClean="0"/>
-              <a:t>‹#›</a:t>
+              <a:t>‹Nr.›</a:t>
             </a:fld>
             <a:endParaRPr lang="en-US"/>
           </a:p>
@@ -6618,7 +6558,7 @@
           <a:p>
             <a:fld id="{0B7BDCAE-AC27-44DA-9659-0200D1120197}" type="slidenum">
               <a:rPr lang="en-US" smtClean="0"/>
-              <a:t>‹#›</a:t>
+              <a:t>‹Nr.›</a:t>
             </a:fld>
             <a:endParaRPr lang="en-US"/>
           </a:p>
@@ -6906,7 +6846,7 @@
           <a:p>
             <a:fld id="{0B7BDCAE-AC27-44DA-9659-0200D1120197}" type="slidenum">
               <a:rPr lang="en-US" smtClean="0"/>
-              <a:t>‹#›</a:t>
+              <a:t>‹Nr.›</a:t>
             </a:fld>
             <a:endParaRPr lang="en-US"/>
           </a:p>
@@ -7328,7 +7268,7 @@
           <a:p>
             <a:fld id="{0B7BDCAE-AC27-44DA-9659-0200D1120197}" type="slidenum">
               <a:rPr lang="en-US" smtClean="0"/>
-              <a:t>‹#›</a:t>
+              <a:t>‹Nr.›</a:t>
             </a:fld>
             <a:endParaRPr lang="en-US"/>
           </a:p>
@@ -7446,7 +7386,7 @@
           <a:p>
             <a:fld id="{0B7BDCAE-AC27-44DA-9659-0200D1120197}" type="slidenum">
               <a:rPr lang="en-US" smtClean="0"/>
-              <a:t>‹#›</a:t>
+              <a:t>‹Nr.›</a:t>
             </a:fld>
             <a:endParaRPr lang="en-US"/>
           </a:p>
@@ -7541,7 +7481,7 @@
           <a:p>
             <a:fld id="{0B7BDCAE-AC27-44DA-9659-0200D1120197}" type="slidenum">
               <a:rPr lang="en-US" smtClean="0"/>
-              <a:t>‹#›</a:t>
+              <a:t>‹Nr.›</a:t>
             </a:fld>
             <a:endParaRPr lang="en-US"/>
           </a:p>
@@ -7818,7 +7758,7 @@
           <a:p>
             <a:fld id="{0B7BDCAE-AC27-44DA-9659-0200D1120197}" type="slidenum">
               <a:rPr lang="en-US" smtClean="0"/>
-              <a:t>‹#›</a:t>
+              <a:t>‹Nr.›</a:t>
             </a:fld>
             <a:endParaRPr lang="en-US"/>
           </a:p>
@@ -8071,7 +8011,7 @@
           <a:p>
             <a:fld id="{0B7BDCAE-AC27-44DA-9659-0200D1120197}" type="slidenum">
               <a:rPr lang="en-US" smtClean="0"/>
-              <a:t>‹#›</a:t>
+              <a:t>‹Nr.›</a:t>
             </a:fld>
             <a:endParaRPr lang="en-US"/>
           </a:p>
@@ -8320,7 +8260,7 @@
           <a:p>
             <a:fld id="{0B7BDCAE-AC27-44DA-9659-0200D1120197}" type="slidenum">
               <a:rPr lang="en-US" smtClean="0"/>
-              <a:t>‹#›</a:t>
+              <a:t>‹Nr.›</a:t>
             </a:fld>
             <a:endParaRPr lang="en-US"/>
           </a:p>
@@ -9074,13 +9014,8 @@
           <a:p>
             <a:r>
               <a:rPr lang="de-DE" dirty="0" smtClean="0"/>
-              <a:t>Können als Ergebnis einer Funktionen zurückgegeben </a:t>
-            </a:r>
-            <a:r>
-              <a:rPr lang="de-DE" dirty="0" smtClean="0"/>
-              <a:t>werden</a:t>
-            </a:r>
-            <a:endParaRPr lang="de-DE" dirty="0" smtClean="0"/>
+              <a:t>Können als Ergebnis einer Funktionen zurückgegeben werden</a:t>
+            </a:r>
           </a:p>
         </p:txBody>
       </p:sp>
@@ -11089,11 +11024,7 @@
             </a:pPr>
             <a:r>
               <a:rPr lang="de-DE" dirty="0" smtClean="0"/>
-              <a:t>FP </a:t>
-            </a:r>
-            <a:r>
-              <a:rPr lang="de-DE" dirty="0" smtClean="0"/>
-              <a:t>Datentyp (ADT) </a:t>
+              <a:t>FP Datentyp (ADT) </a:t>
             </a:r>
             <a:r>
               <a:rPr lang="de-DE" dirty="0"/>
@@ -11174,7 +11105,7 @@
             <a:pPr lvl="1"/>
             <a:r>
               <a:rPr lang="de-DE" dirty="0" smtClean="0"/>
-              <a:t>verbinden </a:t>
+              <a:t>Verbinden </a:t>
             </a:r>
             <a:r>
               <a:rPr lang="de-DE" dirty="0"/>
@@ -12830,7 +12761,11 @@
             </a:r>
             <a:r>
               <a:rPr lang="de-DE" dirty="0"/>
-              <a:t>-first .net </a:t>
+              <a:t>-first </a:t>
+            </a:r>
+            <a:r>
+              <a:rPr lang="de-DE" dirty="0" smtClean="0"/>
+              <a:t>.NET </a:t>
             </a:r>
             <a:r>
               <a:rPr lang="de-DE" dirty="0" smtClean="0"/>
@@ -13644,8 +13579,8 @@
               <a:t>Hilfreiche Autoren der </a:t>
             </a:r>
             <a:r>
-              <a:rPr lang="de-DE" dirty="0" err="1" smtClean="0"/>
-              <a:t>Bilbliotheken</a:t>
+              <a:rPr lang="de-DE" dirty="0" smtClean="0"/>
+              <a:t>Bibliotheken</a:t>
             </a:r>
             <a:endParaRPr lang="de-DE" dirty="0" smtClean="0"/>
           </a:p>
@@ -14059,7 +13994,7 @@
           <a:p>
             <a:r>
               <a:rPr lang="de-DE" dirty="0" smtClean="0"/>
-              <a:t>Berechnungsausdrucke</a:t>
+              <a:t>Berechnungsausdrücke</a:t>
             </a:r>
             <a:endParaRPr lang="de-DE" dirty="0"/>
           </a:p>
@@ -15089,7 +15024,7 @@
             </a:r>
             <a:r>
               <a:rPr lang="de-DE" dirty="0" err="1" smtClean="0"/>
-              <a:t>Euqality</a:t>
+              <a:t>Equality</a:t>
             </a:r>
             <a:endParaRPr lang="en-US" dirty="0"/>
           </a:p>
@@ -17057,7 +16992,6 @@
               <a:rPr lang="en-US" dirty="0"/>
               <a:t>"U.S. Army Photo"</a:t>
             </a:r>
-            <a:endParaRPr lang="en-US" dirty="0"/>
           </a:p>
         </p:txBody>
       </p:sp>
@@ -17901,8 +17835,8 @@
           <a:p>
             <a:pPr algn="ctr"/>
             <a:r>
-              <a:rPr lang="de-DE" sz="9600" dirty="0" err="1" smtClean="0"/>
-              <a:t>python</a:t>
+              <a:rPr lang="de-DE" sz="9600" dirty="0" smtClean="0"/>
+              <a:t>Python</a:t>
             </a:r>
             <a:endParaRPr lang="en-US" sz="9600" dirty="0"/>
           </a:p>
@@ -18633,11 +18567,7 @@
           <a:p>
             <a:r>
               <a:rPr lang="de-DE" dirty="0" smtClean="0"/>
-              <a:t>Was ist </a:t>
-            </a:r>
-            <a:r>
-              <a:rPr lang="de-DE" dirty="0" smtClean="0"/>
-              <a:t>FP?*</a:t>
+              <a:t>Was ist FP?*</a:t>
             </a:r>
             <a:endParaRPr lang="en-US" dirty="0"/>
           </a:p>
